--- a/docs/diagrams/LogicComponentSequenceDiagram.pptx
+++ b/docs/diagrams/LogicComponentSequenceDiagram.pptx
@@ -5,10 +5,12 @@
     <p:sldMasterId id="2147483648" r:id="rId1"/>
   </p:sldMasterIdLst>
   <p:notesMasterIdLst>
-    <p:notesMasterId r:id="rId3"/>
+    <p:notesMasterId r:id="rId5"/>
   </p:notesMasterIdLst>
   <p:sldIdLst>
     <p:sldId id="267" r:id="rId2"/>
+    <p:sldId id="268" r:id="rId3"/>
+    <p:sldId id="269" r:id="rId4"/>
   </p:sldIdLst>
   <p:sldSz cx="9144000" cy="6858000" type="screen4x3"/>
   <p:notesSz cx="6858000" cy="9144000"/>
@@ -212,7 +214,7 @@
           <a:p>
             <a:fld id="{F5CC4B3F-88C1-4FFA-B1B6-F41C21DC6924}" type="datetimeFigureOut">
               <a:rPr lang="en-US" smtClean="0"/>
-              <a:t>7/11/2017</a:t>
+              <a:t>10/26/2017</a:t>
             </a:fld>
             <a:endParaRPr lang="en-US"/>
           </a:p>
@@ -658,7 +660,7 @@
           <a:p>
             <a:fld id="{78C97017-6FC3-485B-9764-EAC9E56C1D49}" type="datetimeFigureOut">
               <a:rPr lang="en-US" smtClean="0"/>
-              <a:t>7/11/2017</a:t>
+              <a:t>10/26/2017</a:t>
             </a:fld>
             <a:endParaRPr lang="en-US"/>
           </a:p>
@@ -826,7 +828,7 @@
           <a:p>
             <a:fld id="{78C97017-6FC3-485B-9764-EAC9E56C1D49}" type="datetimeFigureOut">
               <a:rPr lang="en-US" smtClean="0"/>
-              <a:t>7/11/2017</a:t>
+              <a:t>10/26/2017</a:t>
             </a:fld>
             <a:endParaRPr lang="en-US"/>
           </a:p>
@@ -1004,7 +1006,7 @@
           <a:p>
             <a:fld id="{78C97017-6FC3-485B-9764-EAC9E56C1D49}" type="datetimeFigureOut">
               <a:rPr lang="en-US" smtClean="0"/>
-              <a:t>7/11/2017</a:t>
+              <a:t>10/26/2017</a:t>
             </a:fld>
             <a:endParaRPr lang="en-US"/>
           </a:p>
@@ -1172,7 +1174,7 @@
           <a:p>
             <a:fld id="{78C97017-6FC3-485B-9764-EAC9E56C1D49}" type="datetimeFigureOut">
               <a:rPr lang="en-US" smtClean="0"/>
-              <a:t>7/11/2017</a:t>
+              <a:t>10/26/2017</a:t>
             </a:fld>
             <a:endParaRPr lang="en-US"/>
           </a:p>
@@ -1417,7 +1419,7 @@
           <a:p>
             <a:fld id="{78C97017-6FC3-485B-9764-EAC9E56C1D49}" type="datetimeFigureOut">
               <a:rPr lang="en-US" smtClean="0"/>
-              <a:t>7/11/2017</a:t>
+              <a:t>10/26/2017</a:t>
             </a:fld>
             <a:endParaRPr lang="en-US"/>
           </a:p>
@@ -1702,7 +1704,7 @@
           <a:p>
             <a:fld id="{78C97017-6FC3-485B-9764-EAC9E56C1D49}" type="datetimeFigureOut">
               <a:rPr lang="en-US" smtClean="0"/>
-              <a:t>7/11/2017</a:t>
+              <a:t>10/26/2017</a:t>
             </a:fld>
             <a:endParaRPr lang="en-US"/>
           </a:p>
@@ -2121,7 +2123,7 @@
           <a:p>
             <a:fld id="{78C97017-6FC3-485B-9764-EAC9E56C1D49}" type="datetimeFigureOut">
               <a:rPr lang="en-US" smtClean="0"/>
-              <a:t>7/11/2017</a:t>
+              <a:t>10/26/2017</a:t>
             </a:fld>
             <a:endParaRPr lang="en-US"/>
           </a:p>
@@ -2238,7 +2240,7 @@
           <a:p>
             <a:fld id="{78C97017-6FC3-485B-9764-EAC9E56C1D49}" type="datetimeFigureOut">
               <a:rPr lang="en-US" smtClean="0"/>
-              <a:t>7/11/2017</a:t>
+              <a:t>10/26/2017</a:t>
             </a:fld>
             <a:endParaRPr lang="en-US"/>
           </a:p>
@@ -2333,7 +2335,7 @@
           <a:p>
             <a:fld id="{78C97017-6FC3-485B-9764-EAC9E56C1D49}" type="datetimeFigureOut">
               <a:rPr lang="en-US" smtClean="0"/>
-              <a:t>7/11/2017</a:t>
+              <a:t>10/26/2017</a:t>
             </a:fld>
             <a:endParaRPr lang="en-US"/>
           </a:p>
@@ -2608,7 +2610,7 @@
           <a:p>
             <a:fld id="{78C97017-6FC3-485B-9764-EAC9E56C1D49}" type="datetimeFigureOut">
               <a:rPr lang="en-US" smtClean="0"/>
-              <a:t>7/11/2017</a:t>
+              <a:t>10/26/2017</a:t>
             </a:fld>
             <a:endParaRPr lang="en-US"/>
           </a:p>
@@ -2860,7 +2862,7 @@
           <a:p>
             <a:fld id="{78C97017-6FC3-485B-9764-EAC9E56C1D49}" type="datetimeFigureOut">
               <a:rPr lang="en-US" smtClean="0"/>
-              <a:t>7/11/2017</a:t>
+              <a:t>10/26/2017</a:t>
             </a:fld>
             <a:endParaRPr lang="en-US"/>
           </a:p>
@@ -3071,7 +3073,7 @@
           <a:p>
             <a:fld id="{78C97017-6FC3-485B-9764-EAC9E56C1D49}" type="datetimeFigureOut">
               <a:rPr lang="en-US" smtClean="0"/>
-              <a:t>7/11/2017</a:t>
+              <a:t>10/26/2017</a:t>
             </a:fld>
             <a:endParaRPr lang="en-US"/>
           </a:p>
@@ -5469,6 +5471,2793 @@
     <p:extLst>
       <p:ext uri="{BB962C8B-B14F-4D97-AF65-F5344CB8AC3E}">
         <p14:creationId xmlns:p14="http://schemas.microsoft.com/office/powerpoint/2010/main" val="3945898909"/>
+      </p:ext>
+    </p:extLst>
+  </p:cSld>
+  <p:clrMapOvr>
+    <a:masterClrMapping/>
+  </p:clrMapOvr>
+</p:sld>
+</file>
+
+<file path=ppt/slides/slide2.xml><?xml version="1.0" encoding="utf-8"?>
+<p:sld xmlns:a="http://schemas.openxmlformats.org/drawingml/2006/main" xmlns:r="http://schemas.openxmlformats.org/officeDocument/2006/relationships" xmlns:p="http://schemas.openxmlformats.org/presentationml/2006/main">
+  <p:cSld>
+    <p:spTree>
+      <p:nvGrpSpPr>
+        <p:cNvPr id="1" name=""/>
+        <p:cNvGrpSpPr/>
+        <p:nvPr/>
+      </p:nvGrpSpPr>
+      <p:grpSpPr>
+        <a:xfrm>
+          <a:off x="0" y="0"/>
+          <a:ext cx="0" cy="0"/>
+          <a:chOff x="0" y="0"/>
+          <a:chExt cx="0" cy="0"/>
+        </a:xfrm>
+      </p:grpSpPr>
+      <p:grpSp>
+        <p:nvGrpSpPr>
+          <p:cNvPr id="87" name="Group 86">
+            <a:extLst>
+              <a:ext uri="{FF2B5EF4-FFF2-40B4-BE49-F238E27FC236}">
+                <a16:creationId xmlns:a16="http://schemas.microsoft.com/office/drawing/2014/main" id="{8653116A-F2DE-4B59-9AE8-5A427F792E31}"/>
+              </a:ext>
+            </a:extLst>
+          </p:cNvPr>
+          <p:cNvGrpSpPr/>
+          <p:nvPr/>
+        </p:nvGrpSpPr>
+        <p:grpSpPr>
+          <a:xfrm>
+            <a:off x="-275323" y="1981200"/>
+            <a:ext cx="9101137" cy="4000286"/>
+            <a:chOff x="-275323" y="1981200"/>
+            <a:chExt cx="9101137" cy="4000286"/>
+          </a:xfrm>
+        </p:grpSpPr>
+        <p:sp>
+          <p:nvSpPr>
+            <p:cNvPr id="41" name="Rectangle 65">
+              <a:extLst>
+                <a:ext uri="{FF2B5EF4-FFF2-40B4-BE49-F238E27FC236}">
+                  <a16:creationId xmlns:a16="http://schemas.microsoft.com/office/drawing/2014/main" id="{CB2C7C65-65C6-41BB-90C6-6D282B2FA6CA}"/>
+                </a:ext>
+              </a:extLst>
+            </p:cNvPr>
+            <p:cNvSpPr/>
+            <p:nvPr/>
+          </p:nvSpPr>
+          <p:spPr>
+            <a:xfrm>
+              <a:off x="685800" y="1981200"/>
+              <a:ext cx="7252956" cy="4000286"/>
+            </a:xfrm>
+            <a:prstGeom prst="roundRect">
+              <a:avLst>
+                <a:gd name="adj" fmla="val 3484"/>
+              </a:avLst>
+            </a:prstGeom>
+            <a:solidFill>
+              <a:schemeClr val="accent1">
+                <a:lumMod val="20000"/>
+                <a:lumOff val="80000"/>
+              </a:schemeClr>
+            </a:solidFill>
+            <a:ln w="19050">
+              <a:noFill/>
+            </a:ln>
+            <a:effectLst/>
+          </p:spPr>
+          <p:style>
+            <a:lnRef idx="1">
+              <a:schemeClr val="accent2"/>
+            </a:lnRef>
+            <a:fillRef idx="2">
+              <a:schemeClr val="accent2"/>
+            </a:fillRef>
+            <a:effectRef idx="1">
+              <a:schemeClr val="accent2"/>
+            </a:effectRef>
+            <a:fontRef idx="minor">
+              <a:schemeClr val="dk1"/>
+            </a:fontRef>
+          </p:style>
+          <p:txBody>
+            <a:bodyPr rtlCol="0" anchor="t"/>
+            <a:lstStyle/>
+            <a:p>
+              <a:r>
+                <a:rPr lang="en-US" sz="1200" b="1" dirty="0">
+                  <a:solidFill>
+                    <a:srgbClr val="0070C0"/>
+                  </a:solidFill>
+                </a:rPr>
+                <a:t>Logic</a:t>
+              </a:r>
+              <a:endParaRPr lang="en-SG" sz="1200" b="1" dirty="0">
+                <a:solidFill>
+                  <a:srgbClr val="0070C0"/>
+                </a:solidFill>
+              </a:endParaRPr>
+            </a:p>
+          </p:txBody>
+        </p:sp>
+        <p:sp>
+          <p:nvSpPr>
+            <p:cNvPr id="42" name="Rectangle 62">
+              <a:extLst>
+                <a:ext uri="{FF2B5EF4-FFF2-40B4-BE49-F238E27FC236}">
+                  <a16:creationId xmlns:a16="http://schemas.microsoft.com/office/drawing/2014/main" id="{20711C50-1DDA-41F3-9035-28F64BA4CB90}"/>
+                </a:ext>
+              </a:extLst>
+            </p:cNvPr>
+            <p:cNvSpPr/>
+            <p:nvPr/>
+          </p:nvSpPr>
+          <p:spPr>
+            <a:xfrm>
+              <a:off x="845045" y="2296546"/>
+              <a:ext cx="1455629" cy="346760"/>
+            </a:xfrm>
+            <a:prstGeom prst="rect">
+              <a:avLst/>
+            </a:prstGeom>
+            <a:solidFill>
+              <a:srgbClr val="0070C0"/>
+            </a:solidFill>
+            <a:ln w="19050">
+              <a:solidFill>
+                <a:srgbClr val="0070C0"/>
+              </a:solidFill>
+            </a:ln>
+            <a:effectLst/>
+          </p:spPr>
+          <p:style>
+            <a:lnRef idx="1">
+              <a:schemeClr val="accent2"/>
+            </a:lnRef>
+            <a:fillRef idx="2">
+              <a:schemeClr val="accent2"/>
+            </a:fillRef>
+            <a:effectRef idx="1">
+              <a:schemeClr val="accent2"/>
+            </a:effectRef>
+            <a:fontRef idx="minor">
+              <a:schemeClr val="dk1"/>
+            </a:fontRef>
+          </p:style>
+          <p:txBody>
+            <a:bodyPr rtlCol="0" anchor="ctr"/>
+            <a:lstStyle/>
+            <a:p>
+              <a:pPr algn="ctr"/>
+              <a:r>
+                <a:rPr lang="en-US" sz="1600" dirty="0">
+                  <a:solidFill>
+                    <a:schemeClr val="bg1"/>
+                  </a:solidFill>
+                </a:rPr>
+                <a:t>:</a:t>
+              </a:r>
+              <a:r>
+                <a:rPr lang="en-US" sz="1600" dirty="0" err="1">
+                  <a:solidFill>
+                    <a:schemeClr val="bg1"/>
+                  </a:solidFill>
+                </a:rPr>
+                <a:t>LogicManager</a:t>
+              </a:r>
+              <a:endParaRPr lang="en-SG" sz="1600" dirty="0">
+                <a:solidFill>
+                  <a:schemeClr val="bg1"/>
+                </a:solidFill>
+              </a:endParaRPr>
+            </a:p>
+          </p:txBody>
+        </p:sp>
+        <p:cxnSp>
+          <p:nvCxnSpPr>
+            <p:cNvPr id="43" name="Straight Connector 42">
+              <a:extLst>
+                <a:ext uri="{FF2B5EF4-FFF2-40B4-BE49-F238E27FC236}">
+                  <a16:creationId xmlns:a16="http://schemas.microsoft.com/office/drawing/2014/main" id="{F425D3ED-13D4-405F-93E2-C27F83D3D951}"/>
+                </a:ext>
+              </a:extLst>
+            </p:cNvPr>
+            <p:cNvCxnSpPr/>
+            <p:nvPr/>
+          </p:nvCxnSpPr>
+          <p:spPr>
+            <a:xfrm>
+              <a:off x="1572859" y="2660217"/>
+              <a:ext cx="0" cy="2597583"/>
+            </a:xfrm>
+            <a:prstGeom prst="line">
+              <a:avLst/>
+            </a:prstGeom>
+            <a:ln w="19050">
+              <a:solidFill>
+                <a:srgbClr val="0070C0"/>
+              </a:solidFill>
+              <a:prstDash val="sysDash"/>
+            </a:ln>
+            <a:effectLst/>
+          </p:spPr>
+          <p:style>
+            <a:lnRef idx="1">
+              <a:schemeClr val="accent1"/>
+            </a:lnRef>
+            <a:fillRef idx="2">
+              <a:schemeClr val="accent1"/>
+            </a:fillRef>
+            <a:effectRef idx="1">
+              <a:schemeClr val="accent1"/>
+            </a:effectRef>
+            <a:fontRef idx="minor">
+              <a:schemeClr val="dk1"/>
+            </a:fontRef>
+          </p:style>
+        </p:cxnSp>
+        <p:sp>
+          <p:nvSpPr>
+            <p:cNvPr id="44" name="Rectangle 43">
+              <a:extLst>
+                <a:ext uri="{FF2B5EF4-FFF2-40B4-BE49-F238E27FC236}">
+                  <a16:creationId xmlns:a16="http://schemas.microsoft.com/office/drawing/2014/main" id="{64BCF385-AB5C-4966-894D-BE8B7FEF675B}"/>
+                </a:ext>
+              </a:extLst>
+            </p:cNvPr>
+            <p:cNvSpPr/>
+            <p:nvPr/>
+          </p:nvSpPr>
+          <p:spPr>
+            <a:xfrm>
+              <a:off x="1500851" y="3010911"/>
+              <a:ext cx="152400" cy="2780287"/>
+            </a:xfrm>
+            <a:prstGeom prst="rect">
+              <a:avLst/>
+            </a:prstGeom>
+            <a:solidFill>
+              <a:srgbClr val="0070C0"/>
+            </a:solidFill>
+            <a:ln>
+              <a:solidFill>
+                <a:srgbClr val="0070C0"/>
+              </a:solidFill>
+            </a:ln>
+            <a:effectLst/>
+          </p:spPr>
+          <p:style>
+            <a:lnRef idx="1">
+              <a:schemeClr val="accent3"/>
+            </a:lnRef>
+            <a:fillRef idx="2">
+              <a:schemeClr val="accent3"/>
+            </a:fillRef>
+            <a:effectRef idx="1">
+              <a:schemeClr val="accent3"/>
+            </a:effectRef>
+            <a:fontRef idx="minor">
+              <a:schemeClr val="dk1"/>
+            </a:fontRef>
+          </p:style>
+          <p:txBody>
+            <a:bodyPr rtlCol="0" anchor="ctr"/>
+            <a:lstStyle/>
+            <a:p>
+              <a:pPr algn="ctr"/>
+              <a:endParaRPr lang="en-SG" sz="1400"/>
+            </a:p>
+          </p:txBody>
+        </p:sp>
+        <p:sp>
+          <p:nvSpPr>
+            <p:cNvPr id="45" name="Rectangle 62">
+              <a:extLst>
+                <a:ext uri="{FF2B5EF4-FFF2-40B4-BE49-F238E27FC236}">
+                  <a16:creationId xmlns:a16="http://schemas.microsoft.com/office/drawing/2014/main" id="{0108849C-8EB2-4B98-B3D4-B0D2441A4BB3}"/>
+                </a:ext>
+              </a:extLst>
+            </p:cNvPr>
+            <p:cNvSpPr/>
+            <p:nvPr/>
+          </p:nvSpPr>
+          <p:spPr>
+            <a:xfrm>
+              <a:off x="2743200" y="2179309"/>
+              <a:ext cx="1219200" cy="467684"/>
+            </a:xfrm>
+            <a:prstGeom prst="rect">
+              <a:avLst/>
+            </a:prstGeom>
+            <a:solidFill>
+              <a:srgbClr val="0070C0"/>
+            </a:solidFill>
+            <a:ln w="19050">
+              <a:solidFill>
+                <a:srgbClr val="0070C0"/>
+              </a:solidFill>
+            </a:ln>
+            <a:effectLst/>
+          </p:spPr>
+          <p:style>
+            <a:lnRef idx="1">
+              <a:schemeClr val="accent2"/>
+            </a:lnRef>
+            <a:fillRef idx="2">
+              <a:schemeClr val="accent2"/>
+            </a:fillRef>
+            <a:effectRef idx="1">
+              <a:schemeClr val="accent2"/>
+            </a:effectRef>
+            <a:fontRef idx="minor">
+              <a:schemeClr val="dk1"/>
+            </a:fontRef>
+          </p:style>
+          <p:txBody>
+            <a:bodyPr rtlCol="0" anchor="ctr"/>
+            <a:lstStyle/>
+            <a:p>
+              <a:pPr algn="ctr"/>
+              <a:r>
+                <a:rPr lang="en-US" sz="1600" dirty="0">
+                  <a:solidFill>
+                    <a:schemeClr val="bg1"/>
+                  </a:solidFill>
+                </a:rPr>
+                <a:t>:Address</a:t>
+              </a:r>
+            </a:p>
+            <a:p>
+              <a:pPr algn="ctr"/>
+              <a:r>
+                <a:rPr lang="en-US" sz="1600" dirty="0" err="1">
+                  <a:solidFill>
+                    <a:schemeClr val="bg1"/>
+                  </a:solidFill>
+                </a:rPr>
+                <a:t>BookParser</a:t>
+              </a:r>
+              <a:endParaRPr lang="en-SG" sz="1600" dirty="0">
+                <a:solidFill>
+                  <a:schemeClr val="bg1"/>
+                </a:solidFill>
+              </a:endParaRPr>
+            </a:p>
+          </p:txBody>
+        </p:sp>
+        <p:cxnSp>
+          <p:nvCxnSpPr>
+            <p:cNvPr id="46" name="Straight Connector 45">
+              <a:extLst>
+                <a:ext uri="{FF2B5EF4-FFF2-40B4-BE49-F238E27FC236}">
+                  <a16:creationId xmlns:a16="http://schemas.microsoft.com/office/drawing/2014/main" id="{34970863-B56B-4FE4-BBDF-02708128EBFA}"/>
+                </a:ext>
+              </a:extLst>
+            </p:cNvPr>
+            <p:cNvCxnSpPr/>
+            <p:nvPr/>
+          </p:nvCxnSpPr>
+          <p:spPr>
+            <a:xfrm>
+              <a:off x="3356599" y="2663904"/>
+              <a:ext cx="0" cy="1695374"/>
+            </a:xfrm>
+            <a:prstGeom prst="line">
+              <a:avLst/>
+            </a:prstGeom>
+            <a:ln w="19050">
+              <a:solidFill>
+                <a:srgbClr val="0070C0"/>
+              </a:solidFill>
+              <a:prstDash val="sysDash"/>
+            </a:ln>
+            <a:effectLst/>
+          </p:spPr>
+          <p:style>
+            <a:lnRef idx="1">
+              <a:schemeClr val="accent1"/>
+            </a:lnRef>
+            <a:fillRef idx="2">
+              <a:schemeClr val="accent1"/>
+            </a:fillRef>
+            <a:effectRef idx="1">
+              <a:schemeClr val="accent1"/>
+            </a:effectRef>
+            <a:fontRef idx="minor">
+              <a:schemeClr val="dk1"/>
+            </a:fontRef>
+          </p:style>
+        </p:cxnSp>
+        <p:sp>
+          <p:nvSpPr>
+            <p:cNvPr id="47" name="Rectangle 46">
+              <a:extLst>
+                <a:ext uri="{FF2B5EF4-FFF2-40B4-BE49-F238E27FC236}">
+                  <a16:creationId xmlns:a16="http://schemas.microsoft.com/office/drawing/2014/main" id="{267082CA-2446-4053-B67E-32EFB48F000E}"/>
+                </a:ext>
+              </a:extLst>
+            </p:cNvPr>
+            <p:cNvSpPr/>
+            <p:nvPr/>
+          </p:nvSpPr>
+          <p:spPr>
+            <a:xfrm>
+              <a:off x="3284590" y="3122096"/>
+              <a:ext cx="174929" cy="1129459"/>
+            </a:xfrm>
+            <a:prstGeom prst="rect">
+              <a:avLst/>
+            </a:prstGeom>
+            <a:solidFill>
+              <a:srgbClr val="0070C0"/>
+            </a:solidFill>
+            <a:ln>
+              <a:solidFill>
+                <a:srgbClr val="0070C0"/>
+              </a:solidFill>
+            </a:ln>
+            <a:effectLst/>
+          </p:spPr>
+          <p:style>
+            <a:lnRef idx="1">
+              <a:schemeClr val="accent3"/>
+            </a:lnRef>
+            <a:fillRef idx="2">
+              <a:schemeClr val="accent3"/>
+            </a:fillRef>
+            <a:effectRef idx="1">
+              <a:schemeClr val="accent3"/>
+            </a:effectRef>
+            <a:fontRef idx="minor">
+              <a:schemeClr val="dk1"/>
+            </a:fontRef>
+          </p:style>
+          <p:txBody>
+            <a:bodyPr rtlCol="0" anchor="ctr"/>
+            <a:lstStyle/>
+            <a:p>
+              <a:pPr algn="ctr"/>
+              <a:endParaRPr lang="en-SG" sz="1400">
+                <a:solidFill>
+                  <a:schemeClr val="dk1"/>
+                </a:solidFill>
+              </a:endParaRPr>
+            </a:p>
+          </p:txBody>
+        </p:sp>
+        <p:sp>
+          <p:nvSpPr>
+            <p:cNvPr id="48" name="Rectangle 62">
+              <a:extLst>
+                <a:ext uri="{FF2B5EF4-FFF2-40B4-BE49-F238E27FC236}">
+                  <a16:creationId xmlns:a16="http://schemas.microsoft.com/office/drawing/2014/main" id="{1E7B13F9-97B0-443E-9A8C-09405725854C}"/>
+                </a:ext>
+              </a:extLst>
+            </p:cNvPr>
+            <p:cNvSpPr/>
+            <p:nvPr/>
+          </p:nvSpPr>
+          <p:spPr>
+            <a:xfrm>
+              <a:off x="6221565" y="3312740"/>
+              <a:ext cx="1093635" cy="461538"/>
+            </a:xfrm>
+            <a:prstGeom prst="rect">
+              <a:avLst/>
+            </a:prstGeom>
+            <a:solidFill>
+              <a:srgbClr val="0070C0"/>
+            </a:solidFill>
+            <a:ln w="19050">
+              <a:solidFill>
+                <a:srgbClr val="0070C0"/>
+              </a:solidFill>
+            </a:ln>
+            <a:effectLst/>
+          </p:spPr>
+          <p:style>
+            <a:lnRef idx="1">
+              <a:schemeClr val="accent2"/>
+            </a:lnRef>
+            <a:fillRef idx="2">
+              <a:schemeClr val="accent2"/>
+            </a:fillRef>
+            <a:effectRef idx="1">
+              <a:schemeClr val="accent2"/>
+            </a:effectRef>
+            <a:fontRef idx="minor">
+              <a:schemeClr val="dk1"/>
+            </a:fontRef>
+          </p:style>
+          <p:txBody>
+            <a:bodyPr rtlCol="0" anchor="ctr"/>
+            <a:lstStyle/>
+            <a:p>
+              <a:pPr algn="ctr"/>
+              <a:r>
+                <a:rPr lang="en-US" sz="1600" dirty="0">
+                  <a:solidFill>
+                    <a:schemeClr val="bg1"/>
+                  </a:solidFill>
+                </a:rPr>
+                <a:t>d:Find</a:t>
+              </a:r>
+              <a:br>
+                <a:rPr lang="en-US" sz="1600" dirty="0">
+                  <a:solidFill>
+                    <a:schemeClr val="bg1"/>
+                  </a:solidFill>
+                </a:rPr>
+              </a:br>
+              <a:r>
+                <a:rPr lang="en-US" sz="1600" dirty="0">
+                  <a:solidFill>
+                    <a:schemeClr val="bg1"/>
+                  </a:solidFill>
+                </a:rPr>
+                <a:t>Command</a:t>
+              </a:r>
+              <a:endParaRPr lang="en-SG" sz="1600" dirty="0">
+                <a:solidFill>
+                  <a:schemeClr val="bg1"/>
+                </a:solidFill>
+              </a:endParaRPr>
+            </a:p>
+          </p:txBody>
+        </p:sp>
+        <p:cxnSp>
+          <p:nvCxnSpPr>
+            <p:cNvPr id="49" name="Straight Connector 48">
+              <a:extLst>
+                <a:ext uri="{FF2B5EF4-FFF2-40B4-BE49-F238E27FC236}">
+                  <a16:creationId xmlns:a16="http://schemas.microsoft.com/office/drawing/2014/main" id="{C7CE0EDD-ADC4-4382-A68E-797ADA9D5727}"/>
+                </a:ext>
+              </a:extLst>
+            </p:cNvPr>
+            <p:cNvCxnSpPr>
+              <a:stCxn id="50" idx="0"/>
+            </p:cNvCxnSpPr>
+            <p:nvPr/>
+          </p:nvCxnSpPr>
+          <p:spPr>
+            <a:xfrm>
+              <a:off x="6772574" y="3774278"/>
+              <a:ext cx="0" cy="1940722"/>
+            </a:xfrm>
+            <a:prstGeom prst="line">
+              <a:avLst/>
+            </a:prstGeom>
+            <a:ln w="19050">
+              <a:solidFill>
+                <a:srgbClr val="0070C0"/>
+              </a:solidFill>
+              <a:prstDash val="sysDash"/>
+            </a:ln>
+            <a:effectLst/>
+          </p:spPr>
+          <p:style>
+            <a:lnRef idx="1">
+              <a:schemeClr val="accent1"/>
+            </a:lnRef>
+            <a:fillRef idx="2">
+              <a:schemeClr val="accent1"/>
+            </a:fillRef>
+            <a:effectRef idx="1">
+              <a:schemeClr val="accent1"/>
+            </a:effectRef>
+            <a:fontRef idx="minor">
+              <a:schemeClr val="dk1"/>
+            </a:fontRef>
+          </p:style>
+        </p:cxnSp>
+        <p:sp>
+          <p:nvSpPr>
+            <p:cNvPr id="50" name="Rectangle 49">
+              <a:extLst>
+                <a:ext uri="{FF2B5EF4-FFF2-40B4-BE49-F238E27FC236}">
+                  <a16:creationId xmlns:a16="http://schemas.microsoft.com/office/drawing/2014/main" id="{47572529-C5ED-470B-8A54-28C71F812793}"/>
+                </a:ext>
+              </a:extLst>
+            </p:cNvPr>
+            <p:cNvSpPr/>
+            <p:nvPr/>
+          </p:nvSpPr>
+          <p:spPr>
+            <a:xfrm>
+              <a:off x="6696374" y="3774278"/>
+              <a:ext cx="152400" cy="276003"/>
+            </a:xfrm>
+            <a:prstGeom prst="rect">
+              <a:avLst/>
+            </a:prstGeom>
+            <a:solidFill>
+              <a:srgbClr val="0070C0"/>
+            </a:solidFill>
+            <a:ln>
+              <a:solidFill>
+                <a:srgbClr val="0070C0"/>
+              </a:solidFill>
+            </a:ln>
+            <a:effectLst/>
+          </p:spPr>
+          <p:style>
+            <a:lnRef idx="1">
+              <a:schemeClr val="accent3"/>
+            </a:lnRef>
+            <a:fillRef idx="2">
+              <a:schemeClr val="accent3"/>
+            </a:fillRef>
+            <a:effectRef idx="1">
+              <a:schemeClr val="accent3"/>
+            </a:effectRef>
+            <a:fontRef idx="minor">
+              <a:schemeClr val="dk1"/>
+            </a:fontRef>
+          </p:style>
+          <p:txBody>
+            <a:bodyPr rtlCol="0" anchor="ctr"/>
+            <a:lstStyle/>
+            <a:p>
+              <a:pPr algn="ctr"/>
+              <a:endParaRPr lang="en-SG" sz="1400"/>
+            </a:p>
+          </p:txBody>
+        </p:sp>
+        <p:cxnSp>
+          <p:nvCxnSpPr>
+            <p:cNvPr id="51" name="Straight Arrow Connector 50">
+              <a:extLst>
+                <a:ext uri="{FF2B5EF4-FFF2-40B4-BE49-F238E27FC236}">
+                  <a16:creationId xmlns:a16="http://schemas.microsoft.com/office/drawing/2014/main" id="{7F13AB63-141F-4B3B-9D87-B02652B927EB}"/>
+                </a:ext>
+              </a:extLst>
+            </p:cNvPr>
+            <p:cNvCxnSpPr/>
+            <p:nvPr/>
+          </p:nvCxnSpPr>
+          <p:spPr>
+            <a:xfrm>
+              <a:off x="381000" y="3014599"/>
+              <a:ext cx="1119851" cy="0"/>
+            </a:xfrm>
+            <a:prstGeom prst="straightConnector1">
+              <a:avLst/>
+            </a:prstGeom>
+            <a:ln w="19050">
+              <a:solidFill>
+                <a:srgbClr val="00B050"/>
+              </a:solidFill>
+              <a:tailEnd type="arrow"/>
+            </a:ln>
+          </p:spPr>
+          <p:style>
+            <a:lnRef idx="1">
+              <a:schemeClr val="accent1"/>
+            </a:lnRef>
+            <a:fillRef idx="0">
+              <a:schemeClr val="accent1"/>
+            </a:fillRef>
+            <a:effectRef idx="0">
+              <a:schemeClr val="accent1"/>
+            </a:effectRef>
+            <a:fontRef idx="minor">
+              <a:schemeClr val="tx1"/>
+            </a:fontRef>
+          </p:style>
+        </p:cxnSp>
+        <p:cxnSp>
+          <p:nvCxnSpPr>
+            <p:cNvPr id="52" name="Straight Arrow Connector 51">
+              <a:extLst>
+                <a:ext uri="{FF2B5EF4-FFF2-40B4-BE49-F238E27FC236}">
+                  <a16:creationId xmlns:a16="http://schemas.microsoft.com/office/drawing/2014/main" id="{4207C632-8E46-4A6D-B648-3A40705FA2C1}"/>
+                </a:ext>
+              </a:extLst>
+            </p:cNvPr>
+            <p:cNvCxnSpPr/>
+            <p:nvPr/>
+          </p:nvCxnSpPr>
+          <p:spPr>
+            <a:xfrm flipV="1">
+              <a:off x="1653251" y="3122097"/>
+              <a:ext cx="1596514" cy="1"/>
+            </a:xfrm>
+            <a:prstGeom prst="straightConnector1">
+              <a:avLst/>
+            </a:prstGeom>
+            <a:ln w="19050">
+              <a:solidFill>
+                <a:srgbClr val="0070C0"/>
+              </a:solidFill>
+              <a:tailEnd type="arrow"/>
+            </a:ln>
+          </p:spPr>
+          <p:style>
+            <a:lnRef idx="1">
+              <a:schemeClr val="accent1"/>
+            </a:lnRef>
+            <a:fillRef idx="0">
+              <a:schemeClr val="accent1"/>
+            </a:fillRef>
+            <a:effectRef idx="0">
+              <a:schemeClr val="accent1"/>
+            </a:effectRef>
+            <a:fontRef idx="minor">
+              <a:schemeClr val="tx1"/>
+            </a:fontRef>
+          </p:style>
+        </p:cxnSp>
+        <p:sp>
+          <p:nvSpPr>
+            <p:cNvPr id="53" name="TextBox 52">
+              <a:extLst>
+                <a:ext uri="{FF2B5EF4-FFF2-40B4-BE49-F238E27FC236}">
+                  <a16:creationId xmlns:a16="http://schemas.microsoft.com/office/drawing/2014/main" id="{6FAF6AAF-1795-4BE1-A76A-4E28D5C320FA}"/>
+                </a:ext>
+              </a:extLst>
+            </p:cNvPr>
+            <p:cNvSpPr txBox="1"/>
+            <p:nvPr/>
+          </p:nvSpPr>
+          <p:spPr>
+            <a:xfrm>
+              <a:off x="-275323" y="2743200"/>
+              <a:ext cx="1700169" cy="215444"/>
+            </a:xfrm>
+            <a:prstGeom prst="rect">
+              <a:avLst/>
+            </a:prstGeom>
+            <a:noFill/>
+          </p:spPr>
+          <p:txBody>
+            <a:bodyPr wrap="square" lIns="0" tIns="0" rIns="0" bIns="0" rtlCol="0">
+              <a:spAutoFit/>
+            </a:bodyPr>
+            <a:lstStyle/>
+            <a:p>
+              <a:pPr algn="r"/>
+              <a:r>
+                <a:rPr lang="en-US" sz="1400" dirty="0">
+                  <a:solidFill>
+                    <a:srgbClr val="0070C0"/>
+                  </a:solidFill>
+                </a:rPr>
+                <a:t>execute(“Find m/Jan”)</a:t>
+              </a:r>
+            </a:p>
+          </p:txBody>
+        </p:sp>
+        <p:cxnSp>
+          <p:nvCxnSpPr>
+            <p:cNvPr id="54" name="Straight Arrow Connector 53">
+              <a:extLst>
+                <a:ext uri="{FF2B5EF4-FFF2-40B4-BE49-F238E27FC236}">
+                  <a16:creationId xmlns:a16="http://schemas.microsoft.com/office/drawing/2014/main" id="{D4B44A02-BFEB-4195-85B0-42B27D03E616}"/>
+                </a:ext>
+              </a:extLst>
+            </p:cNvPr>
+            <p:cNvCxnSpPr/>
+            <p:nvPr/>
+          </p:nvCxnSpPr>
+          <p:spPr>
+            <a:xfrm flipV="1">
+              <a:off x="5257218" y="3703214"/>
+              <a:ext cx="922392" cy="1"/>
+            </a:xfrm>
+            <a:prstGeom prst="straightConnector1">
+              <a:avLst/>
+            </a:prstGeom>
+            <a:ln w="19050">
+              <a:solidFill>
+                <a:srgbClr val="0070C0"/>
+              </a:solidFill>
+              <a:tailEnd type="arrow"/>
+            </a:ln>
+          </p:spPr>
+          <p:style>
+            <a:lnRef idx="1">
+              <a:schemeClr val="accent1"/>
+            </a:lnRef>
+            <a:fillRef idx="0">
+              <a:schemeClr val="accent1"/>
+            </a:fillRef>
+            <a:effectRef idx="0">
+              <a:schemeClr val="accent1"/>
+            </a:effectRef>
+            <a:fontRef idx="minor">
+              <a:schemeClr val="tx1"/>
+            </a:fontRef>
+          </p:style>
+        </p:cxnSp>
+        <p:sp>
+          <p:nvSpPr>
+            <p:cNvPr id="55" name="TextBox 54">
+              <a:extLst>
+                <a:ext uri="{FF2B5EF4-FFF2-40B4-BE49-F238E27FC236}">
+                  <a16:creationId xmlns:a16="http://schemas.microsoft.com/office/drawing/2014/main" id="{167D1E71-0970-4FA6-A2F9-2EBB0FA6C1D3}"/>
+                </a:ext>
+              </a:extLst>
+            </p:cNvPr>
+            <p:cNvSpPr txBox="1"/>
+            <p:nvPr/>
+          </p:nvSpPr>
+          <p:spPr>
+            <a:xfrm>
+              <a:off x="4257582" y="4251556"/>
+              <a:ext cx="855809" cy="215444"/>
+            </a:xfrm>
+            <a:prstGeom prst="rect">
+              <a:avLst/>
+            </a:prstGeom>
+            <a:noFill/>
+          </p:spPr>
+          <p:txBody>
+            <a:bodyPr wrap="square" lIns="0" tIns="0" rIns="0" bIns="0" rtlCol="0">
+              <a:spAutoFit/>
+            </a:bodyPr>
+            <a:lstStyle>
+              <a:defPPr>
+                <a:defRPr lang="en-US"/>
+              </a:defPPr>
+              <a:lvl1pPr algn="r">
+                <a:defRPr sz="1400">
+                  <a:solidFill>
+                    <a:srgbClr val="0070C0"/>
+                  </a:solidFill>
+                </a:defRPr>
+              </a:lvl1pPr>
+            </a:lstStyle>
+            <a:p>
+              <a:r>
+                <a:rPr lang="en-US" dirty="0"/>
+                <a:t>execute()</a:t>
+              </a:r>
+            </a:p>
+          </p:txBody>
+        </p:sp>
+        <p:cxnSp>
+          <p:nvCxnSpPr>
+            <p:cNvPr id="56" name="Straight Arrow Connector 55">
+              <a:extLst>
+                <a:ext uri="{FF2B5EF4-FFF2-40B4-BE49-F238E27FC236}">
+                  <a16:creationId xmlns:a16="http://schemas.microsoft.com/office/drawing/2014/main" id="{F2B52AF7-4B6E-4A2F-8264-A55168354EEA}"/>
+                </a:ext>
+              </a:extLst>
+            </p:cNvPr>
+            <p:cNvCxnSpPr/>
+            <p:nvPr/>
+          </p:nvCxnSpPr>
+          <p:spPr>
+            <a:xfrm>
+              <a:off x="5257800" y="4050281"/>
+              <a:ext cx="1492974" cy="0"/>
+            </a:xfrm>
+            <a:prstGeom prst="straightConnector1">
+              <a:avLst/>
+            </a:prstGeom>
+            <a:ln w="19050">
+              <a:solidFill>
+                <a:srgbClr val="0070C0"/>
+              </a:solidFill>
+              <a:prstDash val="sysDash"/>
+              <a:headEnd type="arrow" w="med" len="med"/>
+              <a:tailEnd type="none" w="med" len="med"/>
+            </a:ln>
+          </p:spPr>
+          <p:style>
+            <a:lnRef idx="1">
+              <a:schemeClr val="accent1"/>
+            </a:lnRef>
+            <a:fillRef idx="0">
+              <a:schemeClr val="accent1"/>
+            </a:fillRef>
+            <a:effectRef idx="0">
+              <a:schemeClr val="accent1"/>
+            </a:effectRef>
+            <a:fontRef idx="minor">
+              <a:schemeClr val="tx1"/>
+            </a:fontRef>
+          </p:style>
+        </p:cxnSp>
+        <p:cxnSp>
+          <p:nvCxnSpPr>
+            <p:cNvPr id="57" name="Straight Arrow Connector 56">
+              <a:extLst>
+                <a:ext uri="{FF2B5EF4-FFF2-40B4-BE49-F238E27FC236}">
+                  <a16:creationId xmlns:a16="http://schemas.microsoft.com/office/drawing/2014/main" id="{1066ABA3-ABEF-4F45-B262-7DE3B40C777E}"/>
+                </a:ext>
+              </a:extLst>
+            </p:cNvPr>
+            <p:cNvCxnSpPr/>
+            <p:nvPr/>
+          </p:nvCxnSpPr>
+          <p:spPr>
+            <a:xfrm flipV="1">
+              <a:off x="1670186" y="4243231"/>
+              <a:ext cx="1596514" cy="5378"/>
+            </a:xfrm>
+            <a:prstGeom prst="straightConnector1">
+              <a:avLst/>
+            </a:prstGeom>
+            <a:ln w="19050">
+              <a:solidFill>
+                <a:srgbClr val="0070C0"/>
+              </a:solidFill>
+              <a:prstDash val="sysDash"/>
+              <a:headEnd type="arrow" w="med" len="med"/>
+              <a:tailEnd type="none" w="med" len="med"/>
+            </a:ln>
+          </p:spPr>
+          <p:style>
+            <a:lnRef idx="1">
+              <a:schemeClr val="accent1"/>
+            </a:lnRef>
+            <a:fillRef idx="0">
+              <a:schemeClr val="accent1"/>
+            </a:fillRef>
+            <a:effectRef idx="0">
+              <a:schemeClr val="accent1"/>
+            </a:effectRef>
+            <a:fontRef idx="minor">
+              <a:schemeClr val="tx1"/>
+            </a:fontRef>
+          </p:style>
+        </p:cxnSp>
+        <p:cxnSp>
+          <p:nvCxnSpPr>
+            <p:cNvPr id="58" name="Straight Arrow Connector 57">
+              <a:extLst>
+                <a:ext uri="{FF2B5EF4-FFF2-40B4-BE49-F238E27FC236}">
+                  <a16:creationId xmlns:a16="http://schemas.microsoft.com/office/drawing/2014/main" id="{59146C92-EF21-4700-BE49-D134BE64AFF3}"/>
+                </a:ext>
+              </a:extLst>
+            </p:cNvPr>
+            <p:cNvCxnSpPr/>
+            <p:nvPr/>
+          </p:nvCxnSpPr>
+          <p:spPr>
+            <a:xfrm>
+              <a:off x="304800" y="5791200"/>
+              <a:ext cx="1196051" cy="0"/>
+            </a:xfrm>
+            <a:prstGeom prst="straightConnector1">
+              <a:avLst/>
+            </a:prstGeom>
+            <a:ln w="19050">
+              <a:solidFill>
+                <a:schemeClr val="accent1"/>
+              </a:solidFill>
+              <a:prstDash val="sysDash"/>
+              <a:headEnd type="arrow" w="med" len="med"/>
+              <a:tailEnd type="none" w="med" len="med"/>
+            </a:ln>
+          </p:spPr>
+          <p:style>
+            <a:lnRef idx="1">
+              <a:schemeClr val="accent1"/>
+            </a:lnRef>
+            <a:fillRef idx="0">
+              <a:schemeClr val="accent1"/>
+            </a:fillRef>
+            <a:effectRef idx="0">
+              <a:schemeClr val="accent1"/>
+            </a:effectRef>
+            <a:fontRef idx="minor">
+              <a:schemeClr val="tx1"/>
+            </a:fontRef>
+          </p:style>
+        </p:cxnSp>
+        <p:cxnSp>
+          <p:nvCxnSpPr>
+            <p:cNvPr id="60" name="Straight Arrow Connector 59">
+              <a:extLst>
+                <a:ext uri="{FF2B5EF4-FFF2-40B4-BE49-F238E27FC236}">
+                  <a16:creationId xmlns:a16="http://schemas.microsoft.com/office/drawing/2014/main" id="{BA35CE39-DBFC-4BF6-8D35-2AD97EE43E3E}"/>
+                </a:ext>
+              </a:extLst>
+            </p:cNvPr>
+            <p:cNvCxnSpPr/>
+            <p:nvPr/>
+          </p:nvCxnSpPr>
+          <p:spPr>
+            <a:xfrm>
+              <a:off x="1653251" y="4495317"/>
+              <a:ext cx="5043123" cy="0"/>
+            </a:xfrm>
+            <a:prstGeom prst="straightConnector1">
+              <a:avLst/>
+            </a:prstGeom>
+            <a:ln w="19050">
+              <a:solidFill>
+                <a:srgbClr val="0070C0"/>
+              </a:solidFill>
+              <a:tailEnd type="arrow"/>
+            </a:ln>
+          </p:spPr>
+          <p:style>
+            <a:lnRef idx="1">
+              <a:schemeClr val="accent1"/>
+            </a:lnRef>
+            <a:fillRef idx="0">
+              <a:schemeClr val="accent1"/>
+            </a:fillRef>
+            <a:effectRef idx="0">
+              <a:schemeClr val="accent1"/>
+            </a:effectRef>
+            <a:fontRef idx="minor">
+              <a:schemeClr val="tx1"/>
+            </a:fontRef>
+          </p:style>
+        </p:cxnSp>
+        <p:sp>
+          <p:nvSpPr>
+            <p:cNvPr id="61" name="Rectangle 60">
+              <a:extLst>
+                <a:ext uri="{FF2B5EF4-FFF2-40B4-BE49-F238E27FC236}">
+                  <a16:creationId xmlns:a16="http://schemas.microsoft.com/office/drawing/2014/main" id="{0F01BBB8-21BA-4814-A106-897444FBDDA3}"/>
+                </a:ext>
+              </a:extLst>
+            </p:cNvPr>
+            <p:cNvSpPr/>
+            <p:nvPr/>
+          </p:nvSpPr>
+          <p:spPr>
+            <a:xfrm>
+              <a:off x="6687452" y="4467000"/>
+              <a:ext cx="161322" cy="1019400"/>
+            </a:xfrm>
+            <a:prstGeom prst="rect">
+              <a:avLst/>
+            </a:prstGeom>
+            <a:solidFill>
+              <a:srgbClr val="0070C0"/>
+            </a:solidFill>
+            <a:ln>
+              <a:solidFill>
+                <a:srgbClr val="0070C0"/>
+              </a:solidFill>
+            </a:ln>
+            <a:effectLst/>
+          </p:spPr>
+          <p:style>
+            <a:lnRef idx="1">
+              <a:schemeClr val="accent3"/>
+            </a:lnRef>
+            <a:fillRef idx="2">
+              <a:schemeClr val="accent3"/>
+            </a:fillRef>
+            <a:effectRef idx="1">
+              <a:schemeClr val="accent3"/>
+            </a:effectRef>
+            <a:fontRef idx="minor">
+              <a:schemeClr val="dk1"/>
+            </a:fontRef>
+          </p:style>
+          <p:txBody>
+            <a:bodyPr rtlCol="0" anchor="ctr"/>
+            <a:lstStyle/>
+            <a:p>
+              <a:pPr algn="ctr"/>
+              <a:endParaRPr lang="en-SG" sz="1400"/>
+            </a:p>
+          </p:txBody>
+        </p:sp>
+        <p:cxnSp>
+          <p:nvCxnSpPr>
+            <p:cNvPr id="66" name="Straight Arrow Connector 65">
+              <a:extLst>
+                <a:ext uri="{FF2B5EF4-FFF2-40B4-BE49-F238E27FC236}">
+                  <a16:creationId xmlns:a16="http://schemas.microsoft.com/office/drawing/2014/main" id="{466D4003-BD00-4799-96F6-542585F015D0}"/>
+                </a:ext>
+              </a:extLst>
+            </p:cNvPr>
+            <p:cNvCxnSpPr/>
+            <p:nvPr/>
+          </p:nvCxnSpPr>
+          <p:spPr>
+            <a:xfrm>
+              <a:off x="1653251" y="5486400"/>
+              <a:ext cx="5052349" cy="0"/>
+            </a:xfrm>
+            <a:prstGeom prst="straightConnector1">
+              <a:avLst/>
+            </a:prstGeom>
+            <a:ln w="19050">
+              <a:solidFill>
+                <a:srgbClr val="0070C0"/>
+              </a:solidFill>
+              <a:prstDash val="sysDash"/>
+              <a:headEnd type="arrow" w="med" len="med"/>
+              <a:tailEnd type="none" w="med" len="med"/>
+            </a:ln>
+          </p:spPr>
+          <p:style>
+            <a:lnRef idx="1">
+              <a:schemeClr val="accent1"/>
+            </a:lnRef>
+            <a:fillRef idx="0">
+              <a:schemeClr val="accent1"/>
+            </a:fillRef>
+            <a:effectRef idx="0">
+              <a:schemeClr val="accent1"/>
+            </a:effectRef>
+            <a:fontRef idx="minor">
+              <a:schemeClr val="tx1"/>
+            </a:fontRef>
+          </p:style>
+        </p:cxnSp>
+        <p:sp>
+          <p:nvSpPr>
+            <p:cNvPr id="68" name="TextBox 67">
+              <a:extLst>
+                <a:ext uri="{FF2B5EF4-FFF2-40B4-BE49-F238E27FC236}">
+                  <a16:creationId xmlns:a16="http://schemas.microsoft.com/office/drawing/2014/main" id="{F5454079-B9AA-4164-B31C-31B67B33324C}"/>
+                </a:ext>
+              </a:extLst>
+            </p:cNvPr>
+            <p:cNvSpPr txBox="1"/>
+            <p:nvPr/>
+          </p:nvSpPr>
+          <p:spPr>
+            <a:xfrm>
+              <a:off x="3629363" y="3672116"/>
+              <a:ext cx="985221" cy="184666"/>
+            </a:xfrm>
+            <a:prstGeom prst="rect">
+              <a:avLst/>
+            </a:prstGeom>
+            <a:noFill/>
+          </p:spPr>
+          <p:txBody>
+            <a:bodyPr wrap="square" lIns="0" tIns="0" rIns="0" bIns="0" rtlCol="0">
+              <a:spAutoFit/>
+            </a:bodyPr>
+            <a:lstStyle>
+              <a:defPPr>
+                <a:defRPr lang="en-US"/>
+              </a:defPPr>
+              <a:lvl1pPr algn="r">
+                <a:defRPr sz="1400">
+                  <a:solidFill>
+                    <a:srgbClr val="0070C0"/>
+                  </a:solidFill>
+                </a:defRPr>
+              </a:lvl1pPr>
+            </a:lstStyle>
+            <a:p>
+              <a:r>
+                <a:rPr lang="en-US" sz="1200" dirty="0"/>
+                <a:t>parse(“m/Jan”)</a:t>
+              </a:r>
+            </a:p>
+          </p:txBody>
+        </p:sp>
+        <p:sp>
+          <p:nvSpPr>
+            <p:cNvPr id="69" name="TextBox 68">
+              <a:extLst>
+                <a:ext uri="{FF2B5EF4-FFF2-40B4-BE49-F238E27FC236}">
+                  <a16:creationId xmlns:a16="http://schemas.microsoft.com/office/drawing/2014/main" id="{2B9A2D1A-56BE-4EA4-830E-9F6962132738}"/>
+                </a:ext>
+              </a:extLst>
+            </p:cNvPr>
+            <p:cNvSpPr txBox="1"/>
+            <p:nvPr/>
+          </p:nvSpPr>
+          <p:spPr>
+            <a:xfrm>
+              <a:off x="1496855" y="2850922"/>
+              <a:ext cx="1670973" cy="215444"/>
+            </a:xfrm>
+            <a:prstGeom prst="rect">
+              <a:avLst/>
+            </a:prstGeom>
+            <a:noFill/>
+          </p:spPr>
+          <p:txBody>
+            <a:bodyPr wrap="square" lIns="0" tIns="0" rIns="0" bIns="0" rtlCol="0">
+              <a:spAutoFit/>
+            </a:bodyPr>
+            <a:lstStyle>
+              <a:defPPr>
+                <a:defRPr lang="en-US"/>
+              </a:defPPr>
+              <a:lvl1pPr algn="r">
+                <a:defRPr sz="1400">
+                  <a:solidFill>
+                    <a:srgbClr val="0070C0"/>
+                  </a:solidFill>
+                </a:defRPr>
+              </a:lvl1pPr>
+            </a:lstStyle>
+            <a:p>
+              <a:r>
+                <a:rPr lang="en-US" dirty="0"/>
+                <a:t>parse(“Find m/Jan”)</a:t>
+              </a:r>
+            </a:p>
+          </p:txBody>
+        </p:sp>
+        <p:sp>
+          <p:nvSpPr>
+            <p:cNvPr id="70" name="TextBox 69">
+              <a:extLst>
+                <a:ext uri="{FF2B5EF4-FFF2-40B4-BE49-F238E27FC236}">
+                  <a16:creationId xmlns:a16="http://schemas.microsoft.com/office/drawing/2014/main" id="{137878AD-BFFA-4682-BC29-FBDDC822DF82}"/>
+                </a:ext>
+              </a:extLst>
+            </p:cNvPr>
+            <p:cNvSpPr txBox="1"/>
+            <p:nvPr/>
+          </p:nvSpPr>
+          <p:spPr>
+            <a:xfrm>
+              <a:off x="4340137" y="5255323"/>
+              <a:ext cx="621216" cy="215444"/>
+            </a:xfrm>
+            <a:prstGeom prst="rect">
+              <a:avLst/>
+            </a:prstGeom>
+            <a:noFill/>
+          </p:spPr>
+          <p:txBody>
+            <a:bodyPr wrap="square" lIns="0" tIns="0" rIns="0" bIns="0" rtlCol="0">
+              <a:spAutoFit/>
+            </a:bodyPr>
+            <a:lstStyle>
+              <a:defPPr>
+                <a:defRPr lang="en-US"/>
+              </a:defPPr>
+              <a:lvl1pPr algn="r">
+                <a:defRPr sz="1400">
+                  <a:solidFill>
+                    <a:srgbClr val="0070C0"/>
+                  </a:solidFill>
+                </a:defRPr>
+              </a:lvl1pPr>
+            </a:lstStyle>
+            <a:p>
+              <a:r>
+                <a:rPr lang="en-US" dirty="0"/>
+                <a:t>return</a:t>
+              </a:r>
+            </a:p>
+          </p:txBody>
+        </p:sp>
+        <p:sp>
+          <p:nvSpPr>
+            <p:cNvPr id="71" name="TextBox 70">
+              <a:extLst>
+                <a:ext uri="{FF2B5EF4-FFF2-40B4-BE49-F238E27FC236}">
+                  <a16:creationId xmlns:a16="http://schemas.microsoft.com/office/drawing/2014/main" id="{092E3826-0772-4368-AF94-A936D30E2581}"/>
+                </a:ext>
+              </a:extLst>
+            </p:cNvPr>
+            <p:cNvSpPr txBox="1"/>
+            <p:nvPr/>
+          </p:nvSpPr>
+          <p:spPr>
+            <a:xfrm>
+              <a:off x="599983" y="5538488"/>
+              <a:ext cx="762000" cy="215444"/>
+            </a:xfrm>
+            <a:prstGeom prst="rect">
+              <a:avLst/>
+            </a:prstGeom>
+            <a:noFill/>
+          </p:spPr>
+          <p:txBody>
+            <a:bodyPr wrap="square" lIns="0" tIns="0" rIns="0" bIns="0" rtlCol="0">
+              <a:spAutoFit/>
+            </a:bodyPr>
+            <a:lstStyle>
+              <a:defPPr>
+                <a:defRPr lang="en-US"/>
+              </a:defPPr>
+              <a:lvl1pPr algn="r">
+                <a:defRPr sz="1400">
+                  <a:solidFill>
+                    <a:srgbClr val="0070C0"/>
+                  </a:solidFill>
+                </a:defRPr>
+              </a:lvl1pPr>
+            </a:lstStyle>
+            <a:p>
+              <a:r>
+                <a:rPr lang="en-US" dirty="0"/>
+                <a:t>return</a:t>
+              </a:r>
+            </a:p>
+          </p:txBody>
+        </p:sp>
+        <p:sp>
+          <p:nvSpPr>
+            <p:cNvPr id="72" name="Rectangle 62">
+              <a:extLst>
+                <a:ext uri="{FF2B5EF4-FFF2-40B4-BE49-F238E27FC236}">
+                  <a16:creationId xmlns:a16="http://schemas.microsoft.com/office/drawing/2014/main" id="{B2C44573-0C1E-4FAE-8925-F246A29B6493}"/>
+                </a:ext>
+              </a:extLst>
+            </p:cNvPr>
+            <p:cNvSpPr/>
+            <p:nvPr/>
+          </p:nvSpPr>
+          <p:spPr>
+            <a:xfrm>
+              <a:off x="7020245" y="4777286"/>
+              <a:ext cx="1805569" cy="461538"/>
+            </a:xfrm>
+            <a:prstGeom prst="rect">
+              <a:avLst/>
+            </a:prstGeom>
+            <a:solidFill>
+              <a:srgbClr val="0070C0"/>
+            </a:solidFill>
+            <a:ln w="19050">
+              <a:solidFill>
+                <a:srgbClr val="0070C0"/>
+              </a:solidFill>
+            </a:ln>
+            <a:effectLst/>
+          </p:spPr>
+          <p:style>
+            <a:lnRef idx="1">
+              <a:schemeClr val="accent2"/>
+            </a:lnRef>
+            <a:fillRef idx="2">
+              <a:schemeClr val="accent2"/>
+            </a:fillRef>
+            <a:effectRef idx="1">
+              <a:schemeClr val="accent2"/>
+            </a:effectRef>
+            <a:fontRef idx="minor">
+              <a:schemeClr val="dk1"/>
+            </a:fontRef>
+          </p:style>
+          <p:txBody>
+            <a:bodyPr rtlCol="0" anchor="ctr"/>
+            <a:lstStyle/>
+            <a:p>
+              <a:pPr algn="ctr"/>
+              <a:r>
+                <a:rPr lang="en-US" sz="1600" dirty="0">
+                  <a:solidFill>
+                    <a:schemeClr val="bg1"/>
+                  </a:solidFill>
+                </a:rPr>
+                <a:t>:</a:t>
+              </a:r>
+              <a:r>
+                <a:rPr lang="en-US" sz="1600" dirty="0" err="1">
+                  <a:solidFill>
+                    <a:schemeClr val="bg1"/>
+                  </a:solidFill>
+                </a:rPr>
+                <a:t>PersonContains</a:t>
+              </a:r>
+              <a:endParaRPr lang="en-US" sz="1600" dirty="0">
+                <a:solidFill>
+                  <a:schemeClr val="bg1"/>
+                </a:solidFill>
+              </a:endParaRPr>
+            </a:p>
+            <a:p>
+              <a:pPr algn="ctr"/>
+              <a:r>
+                <a:rPr lang="en-US" sz="1600" dirty="0" err="1">
+                  <a:solidFill>
+                    <a:schemeClr val="bg1"/>
+                  </a:solidFill>
+                </a:rPr>
+                <a:t>KeywordsPredicate</a:t>
+              </a:r>
+              <a:endParaRPr lang="en-SG" sz="1600" dirty="0">
+                <a:solidFill>
+                  <a:schemeClr val="bg1"/>
+                </a:solidFill>
+              </a:endParaRPr>
+            </a:p>
+          </p:txBody>
+        </p:sp>
+        <p:sp>
+          <p:nvSpPr>
+            <p:cNvPr id="73" name="Rectangle 72">
+              <a:extLst>
+                <a:ext uri="{FF2B5EF4-FFF2-40B4-BE49-F238E27FC236}">
+                  <a16:creationId xmlns:a16="http://schemas.microsoft.com/office/drawing/2014/main" id="{903AC10B-2EE9-4CA5-A47A-4E924C272018}"/>
+                </a:ext>
+              </a:extLst>
+            </p:cNvPr>
+            <p:cNvSpPr/>
+            <p:nvPr/>
+          </p:nvSpPr>
+          <p:spPr>
+            <a:xfrm>
+              <a:off x="7777323" y="5238824"/>
+              <a:ext cx="152400" cy="171376"/>
+            </a:xfrm>
+            <a:prstGeom prst="rect">
+              <a:avLst/>
+            </a:prstGeom>
+            <a:solidFill>
+              <a:srgbClr val="0070C0"/>
+            </a:solidFill>
+            <a:ln>
+              <a:solidFill>
+                <a:srgbClr val="0070C0"/>
+              </a:solidFill>
+            </a:ln>
+            <a:effectLst/>
+          </p:spPr>
+          <p:style>
+            <a:lnRef idx="1">
+              <a:schemeClr val="accent3"/>
+            </a:lnRef>
+            <a:fillRef idx="2">
+              <a:schemeClr val="accent3"/>
+            </a:fillRef>
+            <a:effectRef idx="1">
+              <a:schemeClr val="accent3"/>
+            </a:effectRef>
+            <a:fontRef idx="minor">
+              <a:schemeClr val="dk1"/>
+            </a:fontRef>
+          </p:style>
+          <p:txBody>
+            <a:bodyPr rtlCol="0" anchor="ctr"/>
+            <a:lstStyle/>
+            <a:p>
+              <a:pPr algn="ctr"/>
+              <a:endParaRPr lang="en-SG" sz="1400"/>
+            </a:p>
+          </p:txBody>
+        </p:sp>
+        <p:cxnSp>
+          <p:nvCxnSpPr>
+            <p:cNvPr id="74" name="Straight Arrow Connector 73">
+              <a:extLst>
+                <a:ext uri="{FF2B5EF4-FFF2-40B4-BE49-F238E27FC236}">
+                  <a16:creationId xmlns:a16="http://schemas.microsoft.com/office/drawing/2014/main" id="{2A2BA43E-EB4E-407A-ADC6-7B87BC19EFFB}"/>
+                </a:ext>
+              </a:extLst>
+            </p:cNvPr>
+            <p:cNvCxnSpPr/>
+            <p:nvPr/>
+          </p:nvCxnSpPr>
+          <p:spPr>
+            <a:xfrm>
+              <a:off x="6858000" y="5410200"/>
+              <a:ext cx="966624" cy="0"/>
+            </a:xfrm>
+            <a:prstGeom prst="straightConnector1">
+              <a:avLst/>
+            </a:prstGeom>
+            <a:ln w="19050">
+              <a:solidFill>
+                <a:srgbClr val="0070C0"/>
+              </a:solidFill>
+              <a:prstDash val="sysDash"/>
+              <a:headEnd type="arrow" w="med" len="med"/>
+              <a:tailEnd type="none" w="med" len="med"/>
+            </a:ln>
+          </p:spPr>
+          <p:style>
+            <a:lnRef idx="1">
+              <a:schemeClr val="accent1"/>
+            </a:lnRef>
+            <a:fillRef idx="0">
+              <a:schemeClr val="accent1"/>
+            </a:fillRef>
+            <a:effectRef idx="0">
+              <a:schemeClr val="accent1"/>
+            </a:effectRef>
+            <a:fontRef idx="minor">
+              <a:schemeClr val="tx1"/>
+            </a:fontRef>
+          </p:style>
+        </p:cxnSp>
+        <p:sp>
+          <p:nvSpPr>
+            <p:cNvPr id="76" name="Rectangle 62">
+              <a:extLst>
+                <a:ext uri="{FF2B5EF4-FFF2-40B4-BE49-F238E27FC236}">
+                  <a16:creationId xmlns:a16="http://schemas.microsoft.com/office/drawing/2014/main" id="{B6E9F6B7-F512-434D-B9B7-71150FAE4DC0}"/>
+                </a:ext>
+              </a:extLst>
+            </p:cNvPr>
+            <p:cNvSpPr/>
+            <p:nvPr/>
+          </p:nvSpPr>
+          <p:spPr>
+            <a:xfrm>
+              <a:off x="4231981" y="2929839"/>
+              <a:ext cx="1778201" cy="432035"/>
+            </a:xfrm>
+            <a:prstGeom prst="rect">
+              <a:avLst/>
+            </a:prstGeom>
+            <a:solidFill>
+              <a:srgbClr val="0070C0"/>
+            </a:solidFill>
+            <a:ln w="19050">
+              <a:solidFill>
+                <a:srgbClr val="0070C0"/>
+              </a:solidFill>
+            </a:ln>
+            <a:effectLst/>
+          </p:spPr>
+          <p:style>
+            <a:lnRef idx="1">
+              <a:schemeClr val="accent2"/>
+            </a:lnRef>
+            <a:fillRef idx="2">
+              <a:schemeClr val="accent2"/>
+            </a:fillRef>
+            <a:effectRef idx="1">
+              <a:schemeClr val="accent2"/>
+            </a:effectRef>
+            <a:fontRef idx="minor">
+              <a:schemeClr val="dk1"/>
+            </a:fontRef>
+          </p:style>
+          <p:txBody>
+            <a:bodyPr rtlCol="0" anchor="ctr"/>
+            <a:lstStyle/>
+            <a:p>
+              <a:pPr algn="ctr"/>
+              <a:r>
+                <a:rPr lang="en-US" sz="1600" dirty="0">
+                  <a:solidFill>
+                    <a:schemeClr val="bg1"/>
+                  </a:solidFill>
+                </a:rPr>
+                <a:t>:</a:t>
+              </a:r>
+              <a:r>
+                <a:rPr lang="en-US" sz="1600" dirty="0" err="1">
+                  <a:solidFill>
+                    <a:schemeClr val="bg1"/>
+                  </a:solidFill>
+                </a:rPr>
+                <a:t>FindCommand</a:t>
+              </a:r>
+              <a:endParaRPr lang="en-US" sz="1600" dirty="0">
+                <a:solidFill>
+                  <a:schemeClr val="bg1"/>
+                </a:solidFill>
+              </a:endParaRPr>
+            </a:p>
+            <a:p>
+              <a:pPr algn="ctr"/>
+              <a:r>
+                <a:rPr lang="en-US" sz="1600" dirty="0">
+                  <a:solidFill>
+                    <a:schemeClr val="bg1"/>
+                  </a:solidFill>
+                </a:rPr>
+                <a:t>Parser</a:t>
+              </a:r>
+              <a:endParaRPr lang="en-SG" sz="1600" dirty="0">
+                <a:solidFill>
+                  <a:schemeClr val="bg1"/>
+                </a:solidFill>
+              </a:endParaRPr>
+            </a:p>
+          </p:txBody>
+        </p:sp>
+        <p:cxnSp>
+          <p:nvCxnSpPr>
+            <p:cNvPr id="77" name="Straight Arrow Connector 76">
+              <a:extLst>
+                <a:ext uri="{FF2B5EF4-FFF2-40B4-BE49-F238E27FC236}">
+                  <a16:creationId xmlns:a16="http://schemas.microsoft.com/office/drawing/2014/main" id="{39D51FFC-4F4F-4481-BFD7-198E19D3DB2A}"/>
+                </a:ext>
+              </a:extLst>
+            </p:cNvPr>
+            <p:cNvCxnSpPr/>
+            <p:nvPr/>
+          </p:nvCxnSpPr>
+          <p:spPr>
+            <a:xfrm>
+              <a:off x="3462591" y="3657600"/>
+              <a:ext cx="1597356" cy="1"/>
+            </a:xfrm>
+            <a:prstGeom prst="straightConnector1">
+              <a:avLst/>
+            </a:prstGeom>
+            <a:ln w="19050">
+              <a:headEnd type="none" w="med" len="med"/>
+              <a:tailEnd type="arrow" w="med" len="med"/>
+            </a:ln>
+          </p:spPr>
+          <p:style>
+            <a:lnRef idx="1">
+              <a:schemeClr val="accent1"/>
+            </a:lnRef>
+            <a:fillRef idx="0">
+              <a:schemeClr val="accent1"/>
+            </a:fillRef>
+            <a:effectRef idx="0">
+              <a:schemeClr val="accent1"/>
+            </a:effectRef>
+            <a:fontRef idx="minor">
+              <a:schemeClr val="tx1"/>
+            </a:fontRef>
+          </p:style>
+        </p:cxnSp>
+        <p:sp>
+          <p:nvSpPr>
+            <p:cNvPr id="78" name="Rectangle 77">
+              <a:extLst>
+                <a:ext uri="{FF2B5EF4-FFF2-40B4-BE49-F238E27FC236}">
+                  <a16:creationId xmlns:a16="http://schemas.microsoft.com/office/drawing/2014/main" id="{41FE1336-F20C-41BF-999B-9BFED209A20E}"/>
+                </a:ext>
+              </a:extLst>
+            </p:cNvPr>
+            <p:cNvSpPr/>
+            <p:nvPr/>
+          </p:nvSpPr>
+          <p:spPr>
+            <a:xfrm>
+              <a:off x="5059947" y="3352800"/>
+              <a:ext cx="205843" cy="123165"/>
+            </a:xfrm>
+            <a:prstGeom prst="rect">
+              <a:avLst/>
+            </a:prstGeom>
+            <a:solidFill>
+              <a:srgbClr val="0070C0"/>
+            </a:solidFill>
+            <a:ln>
+              <a:solidFill>
+                <a:srgbClr val="0070C0"/>
+              </a:solidFill>
+            </a:ln>
+            <a:effectLst/>
+          </p:spPr>
+          <p:style>
+            <a:lnRef idx="1">
+              <a:schemeClr val="accent3"/>
+            </a:lnRef>
+            <a:fillRef idx="2">
+              <a:schemeClr val="accent3"/>
+            </a:fillRef>
+            <a:effectRef idx="1">
+              <a:schemeClr val="accent3"/>
+            </a:effectRef>
+            <a:fontRef idx="minor">
+              <a:schemeClr val="dk1"/>
+            </a:fontRef>
+          </p:style>
+          <p:txBody>
+            <a:bodyPr rtlCol="0" anchor="ctr"/>
+            <a:lstStyle/>
+            <a:p>
+              <a:pPr algn="ctr"/>
+              <a:endParaRPr lang="en-SG" sz="1400"/>
+            </a:p>
+          </p:txBody>
+        </p:sp>
+        <p:cxnSp>
+          <p:nvCxnSpPr>
+            <p:cNvPr id="79" name="Straight Connector 78">
+              <a:extLst>
+                <a:ext uri="{FF2B5EF4-FFF2-40B4-BE49-F238E27FC236}">
+                  <a16:creationId xmlns:a16="http://schemas.microsoft.com/office/drawing/2014/main" id="{86CF5402-D583-4BC9-8CD9-67A9F84CADDD}"/>
+                </a:ext>
+              </a:extLst>
+            </p:cNvPr>
+            <p:cNvCxnSpPr>
+              <a:stCxn id="78" idx="0"/>
+            </p:cNvCxnSpPr>
+            <p:nvPr/>
+          </p:nvCxnSpPr>
+          <p:spPr>
+            <a:xfrm>
+              <a:off x="5162869" y="3352800"/>
+              <a:ext cx="0" cy="990600"/>
+            </a:xfrm>
+            <a:prstGeom prst="line">
+              <a:avLst/>
+            </a:prstGeom>
+            <a:ln w="19050">
+              <a:solidFill>
+                <a:srgbClr val="0070C0"/>
+              </a:solidFill>
+              <a:prstDash val="sysDash"/>
+            </a:ln>
+            <a:effectLst/>
+          </p:spPr>
+          <p:style>
+            <a:lnRef idx="1">
+              <a:schemeClr val="accent1"/>
+            </a:lnRef>
+            <a:fillRef idx="2">
+              <a:schemeClr val="accent1"/>
+            </a:fillRef>
+            <a:effectRef idx="1">
+              <a:schemeClr val="accent1"/>
+            </a:effectRef>
+            <a:fontRef idx="minor">
+              <a:schemeClr val="dk1"/>
+            </a:fontRef>
+          </p:style>
+        </p:cxnSp>
+        <p:sp>
+          <p:nvSpPr>
+            <p:cNvPr id="80" name="Rectangle 79">
+              <a:extLst>
+                <a:ext uri="{FF2B5EF4-FFF2-40B4-BE49-F238E27FC236}">
+                  <a16:creationId xmlns:a16="http://schemas.microsoft.com/office/drawing/2014/main" id="{BCDF4353-E76F-4E83-800D-E57E42203ADC}"/>
+                </a:ext>
+              </a:extLst>
+            </p:cNvPr>
+            <p:cNvSpPr/>
+            <p:nvPr/>
+          </p:nvSpPr>
+          <p:spPr>
+            <a:xfrm>
+              <a:off x="5059947" y="3657601"/>
+              <a:ext cx="205843" cy="533400"/>
+            </a:xfrm>
+            <a:prstGeom prst="rect">
+              <a:avLst/>
+            </a:prstGeom>
+            <a:solidFill>
+              <a:srgbClr val="0070C0"/>
+            </a:solidFill>
+            <a:ln>
+              <a:solidFill>
+                <a:srgbClr val="0070C0"/>
+              </a:solidFill>
+            </a:ln>
+            <a:effectLst/>
+          </p:spPr>
+          <p:style>
+            <a:lnRef idx="1">
+              <a:schemeClr val="accent3"/>
+            </a:lnRef>
+            <a:fillRef idx="2">
+              <a:schemeClr val="accent3"/>
+            </a:fillRef>
+            <a:effectRef idx="1">
+              <a:schemeClr val="accent3"/>
+            </a:effectRef>
+            <a:fontRef idx="minor">
+              <a:schemeClr val="dk1"/>
+            </a:fontRef>
+          </p:style>
+          <p:txBody>
+            <a:bodyPr rtlCol="0" anchor="ctr"/>
+            <a:lstStyle/>
+            <a:p>
+              <a:pPr algn="ctr"/>
+              <a:endParaRPr lang="en-SG" sz="1400"/>
+            </a:p>
+          </p:txBody>
+        </p:sp>
+        <p:cxnSp>
+          <p:nvCxnSpPr>
+            <p:cNvPr id="81" name="Straight Arrow Connector 80">
+              <a:extLst>
+                <a:ext uri="{FF2B5EF4-FFF2-40B4-BE49-F238E27FC236}">
+                  <a16:creationId xmlns:a16="http://schemas.microsoft.com/office/drawing/2014/main" id="{A37B2CD6-21E1-4F7F-98BB-8EA910B8F256}"/>
+                </a:ext>
+              </a:extLst>
+            </p:cNvPr>
+            <p:cNvCxnSpPr/>
+            <p:nvPr/>
+          </p:nvCxnSpPr>
+          <p:spPr>
+            <a:xfrm>
+              <a:off x="3499382" y="4185073"/>
+              <a:ext cx="1667219" cy="0"/>
+            </a:xfrm>
+            <a:prstGeom prst="straightConnector1">
+              <a:avLst/>
+            </a:prstGeom>
+            <a:ln w="19050">
+              <a:solidFill>
+                <a:srgbClr val="0070C0"/>
+              </a:solidFill>
+              <a:prstDash val="sysDash"/>
+              <a:headEnd type="arrow" w="med" len="med"/>
+              <a:tailEnd type="none" w="med" len="med"/>
+            </a:ln>
+          </p:spPr>
+          <p:style>
+            <a:lnRef idx="1">
+              <a:schemeClr val="accent1"/>
+            </a:lnRef>
+            <a:fillRef idx="0">
+              <a:schemeClr val="accent1"/>
+            </a:fillRef>
+            <a:effectRef idx="0">
+              <a:schemeClr val="accent1"/>
+            </a:effectRef>
+            <a:fontRef idx="minor">
+              <a:schemeClr val="tx1"/>
+            </a:fontRef>
+          </p:style>
+        </p:cxnSp>
+        <p:cxnSp>
+          <p:nvCxnSpPr>
+            <p:cNvPr id="82" name="Straight Arrow Connector 81">
+              <a:extLst>
+                <a:ext uri="{FF2B5EF4-FFF2-40B4-BE49-F238E27FC236}">
+                  <a16:creationId xmlns:a16="http://schemas.microsoft.com/office/drawing/2014/main" id="{2C6B856E-2FEE-498E-873A-E624C20F7944}"/>
+                </a:ext>
+              </a:extLst>
+            </p:cNvPr>
+            <p:cNvCxnSpPr/>
+            <p:nvPr/>
+          </p:nvCxnSpPr>
+          <p:spPr>
+            <a:xfrm>
+              <a:off x="6858000" y="5029200"/>
+              <a:ext cx="162246" cy="0"/>
+            </a:xfrm>
+            <a:prstGeom prst="straightConnector1">
+              <a:avLst/>
+            </a:prstGeom>
+            <a:ln w="19050">
+              <a:headEnd type="none" w="med" len="med"/>
+              <a:tailEnd type="arrow" w="med" len="med"/>
+            </a:ln>
+          </p:spPr>
+          <p:style>
+            <a:lnRef idx="1">
+              <a:schemeClr val="accent1"/>
+            </a:lnRef>
+            <a:fillRef idx="0">
+              <a:schemeClr val="accent1"/>
+            </a:fillRef>
+            <a:effectRef idx="0">
+              <a:schemeClr val="accent1"/>
+            </a:effectRef>
+            <a:fontRef idx="minor">
+              <a:schemeClr val="tx1"/>
+            </a:fontRef>
+          </p:style>
+        </p:cxnSp>
+        <p:cxnSp>
+          <p:nvCxnSpPr>
+            <p:cNvPr id="83" name="Straight Arrow Connector 82">
+              <a:extLst>
+                <a:ext uri="{FF2B5EF4-FFF2-40B4-BE49-F238E27FC236}">
+                  <a16:creationId xmlns:a16="http://schemas.microsoft.com/office/drawing/2014/main" id="{89797479-F24F-423A-A689-30AEA8533484}"/>
+                </a:ext>
+              </a:extLst>
+            </p:cNvPr>
+            <p:cNvCxnSpPr/>
+            <p:nvPr/>
+          </p:nvCxnSpPr>
+          <p:spPr>
+            <a:xfrm>
+              <a:off x="3412425" y="3173004"/>
+              <a:ext cx="819556" cy="1"/>
+            </a:xfrm>
+            <a:prstGeom prst="straightConnector1">
+              <a:avLst/>
+            </a:prstGeom>
+            <a:ln w="19050">
+              <a:solidFill>
+                <a:srgbClr val="0070C0"/>
+              </a:solidFill>
+              <a:tailEnd type="arrow"/>
+            </a:ln>
+          </p:spPr>
+          <p:style>
+            <a:lnRef idx="1">
+              <a:schemeClr val="accent1"/>
+            </a:lnRef>
+            <a:fillRef idx="0">
+              <a:schemeClr val="accent1"/>
+            </a:fillRef>
+            <a:effectRef idx="0">
+              <a:schemeClr val="accent1"/>
+            </a:effectRef>
+            <a:fontRef idx="minor">
+              <a:schemeClr val="tx1"/>
+            </a:fontRef>
+          </p:style>
+        </p:cxnSp>
+        <p:cxnSp>
+          <p:nvCxnSpPr>
+            <p:cNvPr id="84" name="Straight Arrow Connector 83">
+              <a:extLst>
+                <a:ext uri="{FF2B5EF4-FFF2-40B4-BE49-F238E27FC236}">
+                  <a16:creationId xmlns:a16="http://schemas.microsoft.com/office/drawing/2014/main" id="{2EB9E988-0478-4B87-AE81-7742F86B9EA6}"/>
+                </a:ext>
+              </a:extLst>
+            </p:cNvPr>
+            <p:cNvCxnSpPr/>
+            <p:nvPr/>
+          </p:nvCxnSpPr>
+          <p:spPr>
+            <a:xfrm>
+              <a:off x="3459519" y="3475965"/>
+              <a:ext cx="1600428" cy="0"/>
+            </a:xfrm>
+            <a:prstGeom prst="straightConnector1">
+              <a:avLst/>
+            </a:prstGeom>
+            <a:ln w="19050">
+              <a:solidFill>
+                <a:srgbClr val="0070C0"/>
+              </a:solidFill>
+              <a:prstDash val="sysDash"/>
+              <a:headEnd type="arrow" w="med" len="med"/>
+              <a:tailEnd type="none" w="med" len="med"/>
+            </a:ln>
+          </p:spPr>
+          <p:style>
+            <a:lnRef idx="1">
+              <a:schemeClr val="accent1"/>
+            </a:lnRef>
+            <a:fillRef idx="0">
+              <a:schemeClr val="accent1"/>
+            </a:fillRef>
+            <a:effectRef idx="0">
+              <a:schemeClr val="accent1"/>
+            </a:effectRef>
+            <a:fontRef idx="minor">
+              <a:schemeClr val="tx1"/>
+            </a:fontRef>
+          </p:style>
+        </p:cxnSp>
+        <p:sp>
+          <p:nvSpPr>
+            <p:cNvPr id="85" name="TextBox 84">
+              <a:extLst>
+                <a:ext uri="{FF2B5EF4-FFF2-40B4-BE49-F238E27FC236}">
+                  <a16:creationId xmlns:a16="http://schemas.microsoft.com/office/drawing/2014/main" id="{C636911B-7D54-4AB0-8BC1-912CC212815F}"/>
+                </a:ext>
+              </a:extLst>
+            </p:cNvPr>
+            <p:cNvSpPr txBox="1"/>
+            <p:nvPr/>
+          </p:nvSpPr>
+          <p:spPr>
+            <a:xfrm>
+              <a:off x="5033665" y="4199590"/>
+              <a:ext cx="258404" cy="261610"/>
+            </a:xfrm>
+            <a:prstGeom prst="rect">
+              <a:avLst/>
+            </a:prstGeom>
+            <a:noFill/>
+          </p:spPr>
+          <p:txBody>
+            <a:bodyPr wrap="none" rtlCol="0">
+              <a:spAutoFit/>
+            </a:bodyPr>
+            <a:lstStyle/>
+            <a:p>
+              <a:r>
+                <a:rPr lang="en-SG" sz="1100" dirty="0">
+                  <a:solidFill>
+                    <a:srgbClr val="002060"/>
+                  </a:solidFill>
+                </a:rPr>
+                <a:t>X</a:t>
+              </a:r>
+            </a:p>
+          </p:txBody>
+        </p:sp>
+      </p:grpSp>
+    </p:spTree>
+    <p:extLst>
+      <p:ext uri="{BB962C8B-B14F-4D97-AF65-F5344CB8AC3E}">
+        <p14:creationId xmlns:p14="http://schemas.microsoft.com/office/powerpoint/2010/main" val="4213616340"/>
+      </p:ext>
+    </p:extLst>
+  </p:cSld>
+  <p:clrMapOvr>
+    <a:masterClrMapping/>
+  </p:clrMapOvr>
+</p:sld>
+</file>
+
+<file path=ppt/slides/slide3.xml><?xml version="1.0" encoding="utf-8"?>
+<p:sld xmlns:a="http://schemas.openxmlformats.org/drawingml/2006/main" xmlns:r="http://schemas.openxmlformats.org/officeDocument/2006/relationships" xmlns:p="http://schemas.openxmlformats.org/presentationml/2006/main">
+  <p:cSld>
+    <p:spTree>
+      <p:nvGrpSpPr>
+        <p:cNvPr id="1" name=""/>
+        <p:cNvGrpSpPr/>
+        <p:nvPr/>
+      </p:nvGrpSpPr>
+      <p:grpSpPr>
+        <a:xfrm>
+          <a:off x="0" y="0"/>
+          <a:ext cx="0" cy="0"/>
+          <a:chOff x="0" y="0"/>
+          <a:chExt cx="0" cy="0"/>
+        </a:xfrm>
+      </p:grpSpPr>
+      <p:sp>
+        <p:nvSpPr>
+          <p:cNvPr id="2" name="Rectangle 65">
+            <a:extLst>
+              <a:ext uri="{FF2B5EF4-FFF2-40B4-BE49-F238E27FC236}">
+                <a16:creationId xmlns:a16="http://schemas.microsoft.com/office/drawing/2014/main" id="{385F12F8-A5E3-48D3-99AC-F018C33F8052}"/>
+              </a:ext>
+            </a:extLst>
+          </p:cNvPr>
+          <p:cNvSpPr/>
+          <p:nvPr/>
+        </p:nvSpPr>
+        <p:spPr>
+          <a:xfrm>
+            <a:off x="1981200" y="1981200"/>
+            <a:ext cx="4953000" cy="4000286"/>
+          </a:xfrm>
+          <a:prstGeom prst="roundRect">
+            <a:avLst>
+              <a:gd name="adj" fmla="val 3484"/>
+            </a:avLst>
+          </a:prstGeom>
+          <a:solidFill>
+            <a:schemeClr val="accent1">
+              <a:lumMod val="20000"/>
+              <a:lumOff val="80000"/>
+            </a:schemeClr>
+          </a:solidFill>
+          <a:ln w="19050">
+            <a:noFill/>
+          </a:ln>
+          <a:effectLst/>
+        </p:spPr>
+        <p:style>
+          <a:lnRef idx="1">
+            <a:schemeClr val="accent2"/>
+          </a:lnRef>
+          <a:fillRef idx="2">
+            <a:schemeClr val="accent2"/>
+          </a:fillRef>
+          <a:effectRef idx="1">
+            <a:schemeClr val="accent2"/>
+          </a:effectRef>
+          <a:fontRef idx="minor">
+            <a:schemeClr val="dk1"/>
+          </a:fontRef>
+        </p:style>
+        <p:txBody>
+          <a:bodyPr rtlCol="0" anchor="t"/>
+          <a:lstStyle/>
+          <a:p>
+            <a:r>
+              <a:rPr lang="en-US" sz="1200" b="1" dirty="0">
+                <a:solidFill>
+                  <a:srgbClr val="0070C0"/>
+                </a:solidFill>
+              </a:rPr>
+              <a:t>Logic</a:t>
+            </a:r>
+            <a:endParaRPr lang="en-SG" sz="1200" b="1" dirty="0">
+              <a:solidFill>
+                <a:srgbClr val="0070C0"/>
+              </a:solidFill>
+            </a:endParaRPr>
+          </a:p>
+        </p:txBody>
+      </p:sp>
+      <p:sp>
+        <p:nvSpPr>
+          <p:cNvPr id="3" name="Rectangle 62">
+            <a:extLst>
+              <a:ext uri="{FF2B5EF4-FFF2-40B4-BE49-F238E27FC236}">
+                <a16:creationId xmlns:a16="http://schemas.microsoft.com/office/drawing/2014/main" id="{F6984BBF-49FB-4F18-A68A-B736CE347345}"/>
+              </a:ext>
+            </a:extLst>
+          </p:cNvPr>
+          <p:cNvSpPr/>
+          <p:nvPr/>
+        </p:nvSpPr>
+        <p:spPr>
+          <a:xfrm>
+            <a:off x="3054845" y="2296546"/>
+            <a:ext cx="1455629" cy="346760"/>
+          </a:xfrm>
+          <a:prstGeom prst="rect">
+            <a:avLst/>
+          </a:prstGeom>
+          <a:solidFill>
+            <a:srgbClr val="0070C0"/>
+          </a:solidFill>
+          <a:ln w="19050">
+            <a:solidFill>
+              <a:srgbClr val="0070C0"/>
+            </a:solidFill>
+          </a:ln>
+          <a:effectLst/>
+        </p:spPr>
+        <p:style>
+          <a:lnRef idx="1">
+            <a:schemeClr val="accent2"/>
+          </a:lnRef>
+          <a:fillRef idx="2">
+            <a:schemeClr val="accent2"/>
+          </a:fillRef>
+          <a:effectRef idx="1">
+            <a:schemeClr val="accent2"/>
+          </a:effectRef>
+          <a:fontRef idx="minor">
+            <a:schemeClr val="dk1"/>
+          </a:fontRef>
+        </p:style>
+        <p:txBody>
+          <a:bodyPr rtlCol="0" anchor="ctr"/>
+          <a:lstStyle/>
+          <a:p>
+            <a:pPr algn="ctr"/>
+            <a:r>
+              <a:rPr lang="en-US" sz="1600" dirty="0">
+                <a:solidFill>
+                  <a:schemeClr val="bg1"/>
+                </a:solidFill>
+              </a:rPr>
+              <a:t>:</a:t>
+            </a:r>
+            <a:r>
+              <a:rPr lang="en-US" sz="1600" dirty="0" err="1">
+                <a:solidFill>
+                  <a:schemeClr val="bg1"/>
+                </a:solidFill>
+              </a:rPr>
+              <a:t>AddressBook</a:t>
+            </a:r>
+            <a:endParaRPr lang="en-SG" sz="1600" dirty="0">
+              <a:solidFill>
+                <a:schemeClr val="bg1"/>
+              </a:solidFill>
+            </a:endParaRPr>
+          </a:p>
+        </p:txBody>
+      </p:sp>
+      <p:cxnSp>
+        <p:nvCxnSpPr>
+          <p:cNvPr id="4" name="Straight Connector 3">
+            <a:extLst>
+              <a:ext uri="{FF2B5EF4-FFF2-40B4-BE49-F238E27FC236}">
+                <a16:creationId xmlns:a16="http://schemas.microsoft.com/office/drawing/2014/main" id="{B02A8271-17CD-43A3-B791-083FFF8C2BC2}"/>
+              </a:ext>
+            </a:extLst>
+          </p:cNvPr>
+          <p:cNvCxnSpPr/>
+          <p:nvPr/>
+        </p:nvCxnSpPr>
+        <p:spPr>
+          <a:xfrm>
+            <a:off x="3782659" y="2660217"/>
+            <a:ext cx="0" cy="2597583"/>
+          </a:xfrm>
+          <a:prstGeom prst="line">
+            <a:avLst/>
+          </a:prstGeom>
+          <a:ln w="19050">
+            <a:solidFill>
+              <a:srgbClr val="0070C0"/>
+            </a:solidFill>
+            <a:prstDash val="sysDash"/>
+          </a:ln>
+          <a:effectLst/>
+        </p:spPr>
+        <p:style>
+          <a:lnRef idx="1">
+            <a:schemeClr val="accent1"/>
+          </a:lnRef>
+          <a:fillRef idx="2">
+            <a:schemeClr val="accent1"/>
+          </a:fillRef>
+          <a:effectRef idx="1">
+            <a:schemeClr val="accent1"/>
+          </a:effectRef>
+          <a:fontRef idx="minor">
+            <a:schemeClr val="dk1"/>
+          </a:fontRef>
+        </p:style>
+      </p:cxnSp>
+      <p:sp>
+        <p:nvSpPr>
+          <p:cNvPr id="5" name="Rectangle 4">
+            <a:extLst>
+              <a:ext uri="{FF2B5EF4-FFF2-40B4-BE49-F238E27FC236}">
+                <a16:creationId xmlns:a16="http://schemas.microsoft.com/office/drawing/2014/main" id="{B58DD177-7A30-4F12-AB19-07059FBEC973}"/>
+              </a:ext>
+            </a:extLst>
+          </p:cNvPr>
+          <p:cNvSpPr/>
+          <p:nvPr/>
+        </p:nvSpPr>
+        <p:spPr>
+          <a:xfrm>
+            <a:off x="3710651" y="3010911"/>
+            <a:ext cx="152400" cy="2780287"/>
+          </a:xfrm>
+          <a:prstGeom prst="rect">
+            <a:avLst/>
+          </a:prstGeom>
+          <a:solidFill>
+            <a:srgbClr val="0070C0"/>
+          </a:solidFill>
+          <a:ln>
+            <a:solidFill>
+              <a:srgbClr val="0070C0"/>
+            </a:solidFill>
+          </a:ln>
+          <a:effectLst/>
+        </p:spPr>
+        <p:style>
+          <a:lnRef idx="1">
+            <a:schemeClr val="accent3"/>
+          </a:lnRef>
+          <a:fillRef idx="2">
+            <a:schemeClr val="accent3"/>
+          </a:fillRef>
+          <a:effectRef idx="1">
+            <a:schemeClr val="accent3"/>
+          </a:effectRef>
+          <a:fontRef idx="minor">
+            <a:schemeClr val="dk1"/>
+          </a:fontRef>
+        </p:style>
+        <p:txBody>
+          <a:bodyPr rtlCol="0" anchor="ctr"/>
+          <a:lstStyle/>
+          <a:p>
+            <a:pPr algn="ctr"/>
+            <a:endParaRPr lang="en-SG" sz="1400"/>
+          </a:p>
+        </p:txBody>
+      </p:sp>
+      <p:sp>
+        <p:nvSpPr>
+          <p:cNvPr id="6" name="Rectangle 62">
+            <a:extLst>
+              <a:ext uri="{FF2B5EF4-FFF2-40B4-BE49-F238E27FC236}">
+                <a16:creationId xmlns:a16="http://schemas.microsoft.com/office/drawing/2014/main" id="{F0294B5C-51C2-4864-962A-1766DACC47B0}"/>
+              </a:ext>
+            </a:extLst>
+          </p:cNvPr>
+          <p:cNvSpPr/>
+          <p:nvPr/>
+        </p:nvSpPr>
+        <p:spPr>
+          <a:xfrm>
+            <a:off x="4953000" y="2179309"/>
+            <a:ext cx="1219200" cy="467684"/>
+          </a:xfrm>
+          <a:prstGeom prst="rect">
+            <a:avLst/>
+          </a:prstGeom>
+          <a:solidFill>
+            <a:srgbClr val="0070C0"/>
+          </a:solidFill>
+          <a:ln w="19050">
+            <a:solidFill>
+              <a:srgbClr val="0070C0"/>
+            </a:solidFill>
+          </a:ln>
+          <a:effectLst/>
+        </p:spPr>
+        <p:style>
+          <a:lnRef idx="1">
+            <a:schemeClr val="accent2"/>
+          </a:lnRef>
+          <a:fillRef idx="2">
+            <a:schemeClr val="accent2"/>
+          </a:fillRef>
+          <a:effectRef idx="1">
+            <a:schemeClr val="accent2"/>
+          </a:effectRef>
+          <a:fontRef idx="minor">
+            <a:schemeClr val="dk1"/>
+          </a:fontRef>
+        </p:style>
+        <p:txBody>
+          <a:bodyPr rtlCol="0" anchor="ctr"/>
+          <a:lstStyle/>
+          <a:p>
+            <a:pPr algn="ctr"/>
+            <a:r>
+              <a:rPr lang="en-US" sz="1600" dirty="0">
+                <a:solidFill>
+                  <a:schemeClr val="bg1"/>
+                </a:solidFill>
+              </a:rPr>
+              <a:t>:Unique</a:t>
+            </a:r>
+          </a:p>
+          <a:p>
+            <a:pPr algn="ctr"/>
+            <a:r>
+              <a:rPr lang="en-US" sz="1600" dirty="0" err="1">
+                <a:solidFill>
+                  <a:schemeClr val="bg1"/>
+                </a:solidFill>
+              </a:rPr>
+              <a:t>PersonList</a:t>
+            </a:r>
+            <a:endParaRPr lang="en-US" sz="1600" dirty="0">
+              <a:solidFill>
+                <a:schemeClr val="bg1"/>
+              </a:solidFill>
+            </a:endParaRPr>
+          </a:p>
+        </p:txBody>
+      </p:sp>
+      <p:cxnSp>
+        <p:nvCxnSpPr>
+          <p:cNvPr id="7" name="Straight Connector 6">
+            <a:extLst>
+              <a:ext uri="{FF2B5EF4-FFF2-40B4-BE49-F238E27FC236}">
+                <a16:creationId xmlns:a16="http://schemas.microsoft.com/office/drawing/2014/main" id="{DD5C39C3-683B-494C-8942-904E0A344D8B}"/>
+              </a:ext>
+            </a:extLst>
+          </p:cNvPr>
+          <p:cNvCxnSpPr/>
+          <p:nvPr/>
+        </p:nvCxnSpPr>
+        <p:spPr>
+          <a:xfrm>
+            <a:off x="5566399" y="2663904"/>
+            <a:ext cx="0" cy="1695374"/>
+          </a:xfrm>
+          <a:prstGeom prst="line">
+            <a:avLst/>
+          </a:prstGeom>
+          <a:ln w="19050">
+            <a:solidFill>
+              <a:srgbClr val="0070C0"/>
+            </a:solidFill>
+            <a:prstDash val="sysDash"/>
+          </a:ln>
+          <a:effectLst/>
+        </p:spPr>
+        <p:style>
+          <a:lnRef idx="1">
+            <a:schemeClr val="accent1"/>
+          </a:lnRef>
+          <a:fillRef idx="2">
+            <a:schemeClr val="accent1"/>
+          </a:fillRef>
+          <a:effectRef idx="1">
+            <a:schemeClr val="accent1"/>
+          </a:effectRef>
+          <a:fontRef idx="minor">
+            <a:schemeClr val="dk1"/>
+          </a:fontRef>
+        </p:style>
+      </p:cxnSp>
+      <p:sp>
+        <p:nvSpPr>
+          <p:cNvPr id="8" name="Rectangle 7">
+            <a:extLst>
+              <a:ext uri="{FF2B5EF4-FFF2-40B4-BE49-F238E27FC236}">
+                <a16:creationId xmlns:a16="http://schemas.microsoft.com/office/drawing/2014/main" id="{FB268405-F662-4DF1-93B5-81BC4738C68C}"/>
+              </a:ext>
+            </a:extLst>
+          </p:cNvPr>
+          <p:cNvSpPr/>
+          <p:nvPr/>
+        </p:nvSpPr>
+        <p:spPr>
+          <a:xfrm>
+            <a:off x="5494390" y="3122096"/>
+            <a:ext cx="174929" cy="1129459"/>
+          </a:xfrm>
+          <a:prstGeom prst="rect">
+            <a:avLst/>
+          </a:prstGeom>
+          <a:solidFill>
+            <a:srgbClr val="0070C0"/>
+          </a:solidFill>
+          <a:ln>
+            <a:solidFill>
+              <a:srgbClr val="0070C0"/>
+            </a:solidFill>
+          </a:ln>
+          <a:effectLst/>
+        </p:spPr>
+        <p:style>
+          <a:lnRef idx="1">
+            <a:schemeClr val="accent3"/>
+          </a:lnRef>
+          <a:fillRef idx="2">
+            <a:schemeClr val="accent3"/>
+          </a:fillRef>
+          <a:effectRef idx="1">
+            <a:schemeClr val="accent3"/>
+          </a:effectRef>
+          <a:fontRef idx="minor">
+            <a:schemeClr val="dk1"/>
+          </a:fontRef>
+        </p:style>
+        <p:txBody>
+          <a:bodyPr rtlCol="0" anchor="ctr"/>
+          <a:lstStyle/>
+          <a:p>
+            <a:pPr algn="ctr"/>
+            <a:endParaRPr lang="en-SG" sz="1400">
+              <a:solidFill>
+                <a:schemeClr val="dk1"/>
+              </a:solidFill>
+            </a:endParaRPr>
+          </a:p>
+        </p:txBody>
+      </p:sp>
+      <p:cxnSp>
+        <p:nvCxnSpPr>
+          <p:cNvPr id="12" name="Straight Arrow Connector 11">
+            <a:extLst>
+              <a:ext uri="{FF2B5EF4-FFF2-40B4-BE49-F238E27FC236}">
+                <a16:creationId xmlns:a16="http://schemas.microsoft.com/office/drawing/2014/main" id="{9606D2E9-46B4-4C42-8A48-C63D85061C9E}"/>
+              </a:ext>
+            </a:extLst>
+          </p:cNvPr>
+          <p:cNvCxnSpPr/>
+          <p:nvPr/>
+        </p:nvCxnSpPr>
+        <p:spPr>
+          <a:xfrm>
+            <a:off x="2590800" y="3014599"/>
+            <a:ext cx="1119851" cy="0"/>
+          </a:xfrm>
+          <a:prstGeom prst="straightConnector1">
+            <a:avLst/>
+          </a:prstGeom>
+          <a:ln w="19050">
+            <a:solidFill>
+              <a:srgbClr val="00B050"/>
+            </a:solidFill>
+            <a:tailEnd type="arrow"/>
+          </a:ln>
+        </p:spPr>
+        <p:style>
+          <a:lnRef idx="1">
+            <a:schemeClr val="accent1"/>
+          </a:lnRef>
+          <a:fillRef idx="0">
+            <a:schemeClr val="accent1"/>
+          </a:fillRef>
+          <a:effectRef idx="0">
+            <a:schemeClr val="accent1"/>
+          </a:effectRef>
+          <a:fontRef idx="minor">
+            <a:schemeClr val="tx1"/>
+          </a:fontRef>
+        </p:style>
+      </p:cxnSp>
+      <p:cxnSp>
+        <p:nvCxnSpPr>
+          <p:cNvPr id="13" name="Straight Arrow Connector 12">
+            <a:extLst>
+              <a:ext uri="{FF2B5EF4-FFF2-40B4-BE49-F238E27FC236}">
+                <a16:creationId xmlns:a16="http://schemas.microsoft.com/office/drawing/2014/main" id="{2651C0AA-D94E-42E9-A1BA-69BA43598C34}"/>
+              </a:ext>
+            </a:extLst>
+          </p:cNvPr>
+          <p:cNvCxnSpPr>
+            <a:cxnSpLocks/>
+          </p:cNvCxnSpPr>
+          <p:nvPr/>
+        </p:nvCxnSpPr>
+        <p:spPr>
+          <a:xfrm flipV="1">
+            <a:off x="3863051" y="3122098"/>
+            <a:ext cx="1613449" cy="1"/>
+          </a:xfrm>
+          <a:prstGeom prst="straightConnector1">
+            <a:avLst/>
+          </a:prstGeom>
+          <a:ln w="19050">
+            <a:solidFill>
+              <a:srgbClr val="0070C0"/>
+            </a:solidFill>
+            <a:tailEnd type="arrow"/>
+          </a:ln>
+        </p:spPr>
+        <p:style>
+          <a:lnRef idx="1">
+            <a:schemeClr val="accent1"/>
+          </a:lnRef>
+          <a:fillRef idx="0">
+            <a:schemeClr val="accent1"/>
+          </a:fillRef>
+          <a:effectRef idx="0">
+            <a:schemeClr val="accent1"/>
+          </a:effectRef>
+          <a:fontRef idx="minor">
+            <a:schemeClr val="tx1"/>
+          </a:fontRef>
+        </p:style>
+      </p:cxnSp>
+      <p:cxnSp>
+        <p:nvCxnSpPr>
+          <p:cNvPr id="18" name="Straight Arrow Connector 17">
+            <a:extLst>
+              <a:ext uri="{FF2B5EF4-FFF2-40B4-BE49-F238E27FC236}">
+                <a16:creationId xmlns:a16="http://schemas.microsoft.com/office/drawing/2014/main" id="{3B1488FD-80F0-4482-8707-66B560E6F015}"/>
+              </a:ext>
+            </a:extLst>
+          </p:cNvPr>
+          <p:cNvCxnSpPr/>
+          <p:nvPr/>
+        </p:nvCxnSpPr>
+        <p:spPr>
+          <a:xfrm flipV="1">
+            <a:off x="3879986" y="4243231"/>
+            <a:ext cx="1596514" cy="5378"/>
+          </a:xfrm>
+          <a:prstGeom prst="straightConnector1">
+            <a:avLst/>
+          </a:prstGeom>
+          <a:ln w="19050">
+            <a:solidFill>
+              <a:srgbClr val="0070C0"/>
+            </a:solidFill>
+            <a:prstDash val="sysDash"/>
+            <a:headEnd type="arrow" w="med" len="med"/>
+            <a:tailEnd type="none" w="med" len="med"/>
+          </a:ln>
+        </p:spPr>
+        <p:style>
+          <a:lnRef idx="1">
+            <a:schemeClr val="accent1"/>
+          </a:lnRef>
+          <a:fillRef idx="0">
+            <a:schemeClr val="accent1"/>
+          </a:fillRef>
+          <a:effectRef idx="0">
+            <a:schemeClr val="accent1"/>
+          </a:effectRef>
+          <a:fontRef idx="minor">
+            <a:schemeClr val="tx1"/>
+          </a:fontRef>
+        </p:style>
+      </p:cxnSp>
+      <p:cxnSp>
+        <p:nvCxnSpPr>
+          <p:cNvPr id="19" name="Straight Arrow Connector 18">
+            <a:extLst>
+              <a:ext uri="{FF2B5EF4-FFF2-40B4-BE49-F238E27FC236}">
+                <a16:creationId xmlns:a16="http://schemas.microsoft.com/office/drawing/2014/main" id="{321C25FD-338C-4F9C-8A6E-8756D2C2E69D}"/>
+              </a:ext>
+            </a:extLst>
+          </p:cNvPr>
+          <p:cNvCxnSpPr/>
+          <p:nvPr/>
+        </p:nvCxnSpPr>
+        <p:spPr>
+          <a:xfrm>
+            <a:off x="2511308" y="4648200"/>
+            <a:ext cx="1196051" cy="0"/>
+          </a:xfrm>
+          <a:prstGeom prst="straightConnector1">
+            <a:avLst/>
+          </a:prstGeom>
+          <a:ln w="19050">
+            <a:solidFill>
+              <a:schemeClr val="accent1"/>
+            </a:solidFill>
+            <a:prstDash val="sysDash"/>
+            <a:headEnd type="arrow" w="med" len="med"/>
+            <a:tailEnd type="none" w="med" len="med"/>
+          </a:ln>
+        </p:spPr>
+        <p:style>
+          <a:lnRef idx="1">
+            <a:schemeClr val="accent1"/>
+          </a:lnRef>
+          <a:fillRef idx="0">
+            <a:schemeClr val="accent1"/>
+          </a:fillRef>
+          <a:effectRef idx="0">
+            <a:schemeClr val="accent1"/>
+          </a:effectRef>
+          <a:fontRef idx="minor">
+            <a:schemeClr val="tx1"/>
+          </a:fontRef>
+        </p:style>
+      </p:cxnSp>
+      <p:sp>
+        <p:nvSpPr>
+          <p:cNvPr id="24" name="TextBox 23">
+            <a:extLst>
+              <a:ext uri="{FF2B5EF4-FFF2-40B4-BE49-F238E27FC236}">
+                <a16:creationId xmlns:a16="http://schemas.microsoft.com/office/drawing/2014/main" id="{C958E24B-3B8D-40D8-976B-9AFB50CC0F12}"/>
+              </a:ext>
+            </a:extLst>
+          </p:cNvPr>
+          <p:cNvSpPr txBox="1"/>
+          <p:nvPr/>
+        </p:nvSpPr>
+        <p:spPr>
+          <a:xfrm>
+            <a:off x="1900810" y="2819400"/>
+            <a:ext cx="1670973" cy="215444"/>
+          </a:xfrm>
+          <a:prstGeom prst="rect">
+            <a:avLst/>
+          </a:prstGeom>
+          <a:noFill/>
+        </p:spPr>
+        <p:txBody>
+          <a:bodyPr wrap="square" lIns="0" tIns="0" rIns="0" bIns="0" rtlCol="0">
+            <a:spAutoFit/>
+          </a:bodyPr>
+          <a:lstStyle>
+            <a:defPPr>
+              <a:defRPr lang="en-US"/>
+            </a:defPPr>
+            <a:lvl1pPr algn="r">
+              <a:defRPr sz="1400">
+                <a:solidFill>
+                  <a:srgbClr val="0070C0"/>
+                </a:solidFill>
+              </a:defRPr>
+            </a:lvl1pPr>
+          </a:lstStyle>
+          <a:p>
+            <a:r>
+              <a:rPr lang="en-US" dirty="0" err="1"/>
+              <a:t>addPerson</a:t>
+            </a:r>
+            <a:r>
+              <a:rPr lang="en-US" dirty="0"/>
+              <a:t>(p)</a:t>
+            </a:r>
+          </a:p>
+        </p:txBody>
+      </p:sp>
+      <p:sp>
+        <p:nvSpPr>
+          <p:cNvPr id="26" name="TextBox 25">
+            <a:extLst>
+              <a:ext uri="{FF2B5EF4-FFF2-40B4-BE49-F238E27FC236}">
+                <a16:creationId xmlns:a16="http://schemas.microsoft.com/office/drawing/2014/main" id="{73F74ECF-096C-453D-B36E-E3BAAB814E91}"/>
+              </a:ext>
+            </a:extLst>
+          </p:cNvPr>
+          <p:cNvSpPr txBox="1"/>
+          <p:nvPr/>
+        </p:nvSpPr>
+        <p:spPr>
+          <a:xfrm>
+            <a:off x="4121289" y="4038600"/>
+            <a:ext cx="762000" cy="215444"/>
+          </a:xfrm>
+          <a:prstGeom prst="rect">
+            <a:avLst/>
+          </a:prstGeom>
+          <a:noFill/>
+        </p:spPr>
+        <p:txBody>
+          <a:bodyPr wrap="square" lIns="0" tIns="0" rIns="0" bIns="0" rtlCol="0">
+            <a:spAutoFit/>
+          </a:bodyPr>
+          <a:lstStyle>
+            <a:defPPr>
+              <a:defRPr lang="en-US"/>
+            </a:defPPr>
+            <a:lvl1pPr algn="r">
+              <a:defRPr sz="1400">
+                <a:solidFill>
+                  <a:srgbClr val="0070C0"/>
+                </a:solidFill>
+              </a:defRPr>
+            </a:lvl1pPr>
+          </a:lstStyle>
+          <a:p>
+            <a:r>
+              <a:rPr lang="en-US" dirty="0"/>
+              <a:t>return</a:t>
+            </a:r>
+          </a:p>
+        </p:txBody>
+      </p:sp>
+      <p:sp>
+        <p:nvSpPr>
+          <p:cNvPr id="40" name="TextBox 39">
+            <a:extLst>
+              <a:ext uri="{FF2B5EF4-FFF2-40B4-BE49-F238E27FC236}">
+                <a16:creationId xmlns:a16="http://schemas.microsoft.com/office/drawing/2014/main" id="{B4F57507-A93C-4E46-B9BA-8CBEF22FF3FC}"/>
+              </a:ext>
+            </a:extLst>
+          </p:cNvPr>
+          <p:cNvSpPr txBox="1"/>
+          <p:nvPr/>
+        </p:nvSpPr>
+        <p:spPr>
+          <a:xfrm>
+            <a:off x="3898068" y="2895600"/>
+            <a:ext cx="985221" cy="184666"/>
+          </a:xfrm>
+          <a:prstGeom prst="rect">
+            <a:avLst/>
+          </a:prstGeom>
+          <a:noFill/>
+        </p:spPr>
+        <p:txBody>
+          <a:bodyPr wrap="square" lIns="0" tIns="0" rIns="0" bIns="0" rtlCol="0">
+            <a:spAutoFit/>
+          </a:bodyPr>
+          <a:lstStyle>
+            <a:defPPr>
+              <a:defRPr lang="en-US"/>
+            </a:defPPr>
+            <a:lvl1pPr algn="r">
+              <a:defRPr sz="1400">
+                <a:solidFill>
+                  <a:srgbClr val="0070C0"/>
+                </a:solidFill>
+              </a:defRPr>
+            </a:lvl1pPr>
+          </a:lstStyle>
+          <a:p>
+            <a:r>
+              <a:rPr lang="en-US" sz="1200" dirty="0"/>
+              <a:t>sort()</a:t>
+            </a:r>
+          </a:p>
+        </p:txBody>
+      </p:sp>
+      <p:sp>
+        <p:nvSpPr>
+          <p:cNvPr id="41" name="TextBox 40">
+            <a:extLst>
+              <a:ext uri="{FF2B5EF4-FFF2-40B4-BE49-F238E27FC236}">
+                <a16:creationId xmlns:a16="http://schemas.microsoft.com/office/drawing/2014/main" id="{5B42F78F-6D39-4C85-9F1A-31A94583ACBB}"/>
+              </a:ext>
+            </a:extLst>
+          </p:cNvPr>
+          <p:cNvSpPr txBox="1"/>
+          <p:nvPr/>
+        </p:nvSpPr>
+        <p:spPr>
+          <a:xfrm>
+            <a:off x="2603655" y="4432756"/>
+            <a:ext cx="762000" cy="215444"/>
+          </a:xfrm>
+          <a:prstGeom prst="rect">
+            <a:avLst/>
+          </a:prstGeom>
+          <a:noFill/>
+        </p:spPr>
+        <p:txBody>
+          <a:bodyPr wrap="square" lIns="0" tIns="0" rIns="0" bIns="0" rtlCol="0">
+            <a:spAutoFit/>
+          </a:bodyPr>
+          <a:lstStyle>
+            <a:defPPr>
+              <a:defRPr lang="en-US"/>
+            </a:defPPr>
+            <a:lvl1pPr algn="r">
+              <a:defRPr sz="1400">
+                <a:solidFill>
+                  <a:srgbClr val="0070C0"/>
+                </a:solidFill>
+              </a:defRPr>
+            </a:lvl1pPr>
+          </a:lstStyle>
+          <a:p>
+            <a:r>
+              <a:rPr lang="en-US" dirty="0"/>
+              <a:t>return</a:t>
+            </a:r>
+          </a:p>
+        </p:txBody>
+      </p:sp>
+    </p:spTree>
+    <p:extLst>
+      <p:ext uri="{BB962C8B-B14F-4D97-AF65-F5344CB8AC3E}">
+        <p14:creationId xmlns:p14="http://schemas.microsoft.com/office/powerpoint/2010/main" val="3031917990"/>
       </p:ext>
     </p:extLst>
   </p:cSld>

--- a/docs/diagrams/LogicComponentSequenceDiagram.pptx
+++ b/docs/diagrams/LogicComponentSequenceDiagram.pptx
@@ -214,7 +214,7 @@
           <a:p>
             <a:fld id="{F5CC4B3F-88C1-4FFA-B1B6-F41C21DC6924}" type="datetimeFigureOut">
               <a:rPr lang="en-US" smtClean="0"/>
-              <a:t>10/26/2017</a:t>
+              <a:t>10/30/2017</a:t>
             </a:fld>
             <a:endParaRPr lang="en-US"/>
           </a:p>
@@ -660,7 +660,7 @@
           <a:p>
             <a:fld id="{78C97017-6FC3-485B-9764-EAC9E56C1D49}" type="datetimeFigureOut">
               <a:rPr lang="en-US" smtClean="0"/>
-              <a:t>10/26/2017</a:t>
+              <a:t>10/30/2017</a:t>
             </a:fld>
             <a:endParaRPr lang="en-US"/>
           </a:p>
@@ -828,7 +828,7 @@
           <a:p>
             <a:fld id="{78C97017-6FC3-485B-9764-EAC9E56C1D49}" type="datetimeFigureOut">
               <a:rPr lang="en-US" smtClean="0"/>
-              <a:t>10/26/2017</a:t>
+              <a:t>10/30/2017</a:t>
             </a:fld>
             <a:endParaRPr lang="en-US"/>
           </a:p>
@@ -1006,7 +1006,7 @@
           <a:p>
             <a:fld id="{78C97017-6FC3-485B-9764-EAC9E56C1D49}" type="datetimeFigureOut">
               <a:rPr lang="en-US" smtClean="0"/>
-              <a:t>10/26/2017</a:t>
+              <a:t>10/30/2017</a:t>
             </a:fld>
             <a:endParaRPr lang="en-US"/>
           </a:p>
@@ -1174,7 +1174,7 @@
           <a:p>
             <a:fld id="{78C97017-6FC3-485B-9764-EAC9E56C1D49}" type="datetimeFigureOut">
               <a:rPr lang="en-US" smtClean="0"/>
-              <a:t>10/26/2017</a:t>
+              <a:t>10/30/2017</a:t>
             </a:fld>
             <a:endParaRPr lang="en-US"/>
           </a:p>
@@ -1419,7 +1419,7 @@
           <a:p>
             <a:fld id="{78C97017-6FC3-485B-9764-EAC9E56C1D49}" type="datetimeFigureOut">
               <a:rPr lang="en-US" smtClean="0"/>
-              <a:t>10/26/2017</a:t>
+              <a:t>10/30/2017</a:t>
             </a:fld>
             <a:endParaRPr lang="en-US"/>
           </a:p>
@@ -1704,7 +1704,7 @@
           <a:p>
             <a:fld id="{78C97017-6FC3-485B-9764-EAC9E56C1D49}" type="datetimeFigureOut">
               <a:rPr lang="en-US" smtClean="0"/>
-              <a:t>10/26/2017</a:t>
+              <a:t>10/30/2017</a:t>
             </a:fld>
             <a:endParaRPr lang="en-US"/>
           </a:p>
@@ -2123,7 +2123,7 @@
           <a:p>
             <a:fld id="{78C97017-6FC3-485B-9764-EAC9E56C1D49}" type="datetimeFigureOut">
               <a:rPr lang="en-US" smtClean="0"/>
-              <a:t>10/26/2017</a:t>
+              <a:t>10/30/2017</a:t>
             </a:fld>
             <a:endParaRPr lang="en-US"/>
           </a:p>
@@ -2240,7 +2240,7 @@
           <a:p>
             <a:fld id="{78C97017-6FC3-485B-9764-EAC9E56C1D49}" type="datetimeFigureOut">
               <a:rPr lang="en-US" smtClean="0"/>
-              <a:t>10/26/2017</a:t>
+              <a:t>10/30/2017</a:t>
             </a:fld>
             <a:endParaRPr lang="en-US"/>
           </a:p>
@@ -2335,7 +2335,7 @@
           <a:p>
             <a:fld id="{78C97017-6FC3-485B-9764-EAC9E56C1D49}" type="datetimeFigureOut">
               <a:rPr lang="en-US" smtClean="0"/>
-              <a:t>10/26/2017</a:t>
+              <a:t>10/30/2017</a:t>
             </a:fld>
             <a:endParaRPr lang="en-US"/>
           </a:p>
@@ -2610,7 +2610,7 @@
           <a:p>
             <a:fld id="{78C97017-6FC3-485B-9764-EAC9E56C1D49}" type="datetimeFigureOut">
               <a:rPr lang="en-US" smtClean="0"/>
-              <a:t>10/26/2017</a:t>
+              <a:t>10/30/2017</a:t>
             </a:fld>
             <a:endParaRPr lang="en-US"/>
           </a:p>
@@ -2862,7 +2862,7 @@
           <a:p>
             <a:fld id="{78C97017-6FC3-485B-9764-EAC9E56C1D49}" type="datetimeFigureOut">
               <a:rPr lang="en-US" smtClean="0"/>
-              <a:t>10/26/2017</a:t>
+              <a:t>10/30/2017</a:t>
             </a:fld>
             <a:endParaRPr lang="en-US"/>
           </a:p>
@@ -3073,7 +3073,7 @@
           <a:p>
             <a:fld id="{78C97017-6FC3-485B-9764-EAC9E56C1D49}" type="datetimeFigureOut">
               <a:rPr lang="en-US" smtClean="0"/>
-              <a:t>10/26/2017</a:t>
+              <a:t>10/30/2017</a:t>
             </a:fld>
             <a:endParaRPr lang="en-US"/>
           </a:p>
@@ -4673,7 +4673,7 @@
                   <a:srgbClr val="7030A0"/>
                 </a:solidFill>
               </a:rPr>
-              <a:t>deletePerson</a:t>
+              <a:t>deletePersons</a:t>
             </a:r>
             <a:r>
               <a:rPr lang="en-US" dirty="0">

--- a/docs/diagrams/LogicComponentSequenceDiagram.pptx
+++ b/docs/diagrams/LogicComponentSequenceDiagram.pptx
@@ -5,12 +5,13 @@
     <p:sldMasterId id="2147483648" r:id="rId1"/>
   </p:sldMasterIdLst>
   <p:notesMasterIdLst>
-    <p:notesMasterId r:id="rId5"/>
+    <p:notesMasterId r:id="rId6"/>
   </p:notesMasterIdLst>
   <p:sldIdLst>
     <p:sldId id="267" r:id="rId2"/>
     <p:sldId id="268" r:id="rId3"/>
     <p:sldId id="269" r:id="rId4"/>
+    <p:sldId id="270" r:id="rId5"/>
   </p:sldIdLst>
   <p:sldSz cx="9144000" cy="6858000" type="screen4x3"/>
   <p:notesSz cx="6858000" cy="9144000"/>
@@ -214,7 +215,7 @@
           <a:p>
             <a:fld id="{F5CC4B3F-88C1-4FFA-B1B6-F41C21DC6924}" type="datetimeFigureOut">
               <a:rPr lang="en-US" smtClean="0"/>
-              <a:t>10/26/2017</a:t>
+              <a:t>10/31/2017</a:t>
             </a:fld>
             <a:endParaRPr lang="en-US"/>
           </a:p>
@@ -481,6 +482,90 @@
 </p:notesMaster>
 </file>
 
+<file path=ppt/notesSlides/notesSlide1.xml><?xml version="1.0" encoding="utf-8"?>
+<p:notes xmlns:a="http://schemas.openxmlformats.org/drawingml/2006/main" xmlns:r="http://schemas.openxmlformats.org/officeDocument/2006/relationships" xmlns:p="http://schemas.openxmlformats.org/presentationml/2006/main">
+  <p:cSld>
+    <p:spTree>
+      <p:nvGrpSpPr>
+        <p:cNvPr id="1" name=""/>
+        <p:cNvGrpSpPr/>
+        <p:nvPr/>
+      </p:nvGrpSpPr>
+      <p:grpSpPr>
+        <a:xfrm>
+          <a:off x="0" y="0"/>
+          <a:ext cx="0" cy="0"/>
+          <a:chOff x="0" y="0"/>
+          <a:chExt cx="0" cy="0"/>
+        </a:xfrm>
+      </p:grpSpPr>
+      <p:sp>
+        <p:nvSpPr>
+          <p:cNvPr id="2" name="Slide Image Placeholder 1"/>
+          <p:cNvSpPr>
+            <a:spLocks noGrp="1" noRot="1" noChangeAspect="1"/>
+          </p:cNvSpPr>
+          <p:nvPr>
+            <p:ph type="sldImg"/>
+          </p:nvPr>
+        </p:nvSpPr>
+        <p:spPr/>
+      </p:sp>
+      <p:sp>
+        <p:nvSpPr>
+          <p:cNvPr id="3" name="Notes Placeholder 2"/>
+          <p:cNvSpPr>
+            <a:spLocks noGrp="1"/>
+          </p:cNvSpPr>
+          <p:nvPr>
+            <p:ph type="body" idx="1"/>
+          </p:nvPr>
+        </p:nvSpPr>
+        <p:spPr/>
+        <p:txBody>
+          <a:bodyPr/>
+          <a:lstStyle/>
+          <a:p>
+            <a:endParaRPr lang="en-SG" dirty="0"/>
+          </a:p>
+        </p:txBody>
+      </p:sp>
+      <p:sp>
+        <p:nvSpPr>
+          <p:cNvPr id="4" name="Slide Number Placeholder 3"/>
+          <p:cNvSpPr>
+            <a:spLocks noGrp="1"/>
+          </p:cNvSpPr>
+          <p:nvPr>
+            <p:ph type="sldNum" sz="quarter" idx="10"/>
+          </p:nvPr>
+        </p:nvSpPr>
+        <p:spPr/>
+        <p:txBody>
+          <a:bodyPr/>
+          <a:lstStyle/>
+          <a:p>
+            <a:fld id="{5A7AB025-77E3-4BD1-A2FD-B3183DBA47A3}" type="slidenum">
+              <a:rPr lang="en-US" smtClean="0"/>
+              <a:t>4</a:t>
+            </a:fld>
+            <a:endParaRPr lang="en-US"/>
+          </a:p>
+        </p:txBody>
+      </p:sp>
+    </p:spTree>
+    <p:extLst>
+      <p:ext uri="{BB962C8B-B14F-4D97-AF65-F5344CB8AC3E}">
+        <p14:creationId xmlns:p14="http://schemas.microsoft.com/office/powerpoint/2010/main" val="1971341636"/>
+      </p:ext>
+    </p:extLst>
+  </p:cSld>
+  <p:clrMapOvr>
+    <a:masterClrMapping/>
+  </p:clrMapOvr>
+</p:notes>
+</file>
+
 <file path=ppt/slideLayouts/slideLayout1.xml><?xml version="1.0" encoding="utf-8"?>
 <p:sldLayout xmlns:a="http://schemas.openxmlformats.org/drawingml/2006/main" xmlns:r="http://schemas.openxmlformats.org/officeDocument/2006/relationships" xmlns:p="http://schemas.openxmlformats.org/presentationml/2006/main" type="title" preserve="1">
   <p:cSld name="Title Slide">
@@ -660,7 +745,7 @@
           <a:p>
             <a:fld id="{78C97017-6FC3-485B-9764-EAC9E56C1D49}" type="datetimeFigureOut">
               <a:rPr lang="en-US" smtClean="0"/>
-              <a:t>10/26/2017</a:t>
+              <a:t>10/31/2017</a:t>
             </a:fld>
             <a:endParaRPr lang="en-US"/>
           </a:p>
@@ -828,7 +913,7 @@
           <a:p>
             <a:fld id="{78C97017-6FC3-485B-9764-EAC9E56C1D49}" type="datetimeFigureOut">
               <a:rPr lang="en-US" smtClean="0"/>
-              <a:t>10/26/2017</a:t>
+              <a:t>10/31/2017</a:t>
             </a:fld>
             <a:endParaRPr lang="en-US"/>
           </a:p>
@@ -1006,7 +1091,7 @@
           <a:p>
             <a:fld id="{78C97017-6FC3-485B-9764-EAC9E56C1D49}" type="datetimeFigureOut">
               <a:rPr lang="en-US" smtClean="0"/>
-              <a:t>10/26/2017</a:t>
+              <a:t>10/31/2017</a:t>
             </a:fld>
             <a:endParaRPr lang="en-US"/>
           </a:p>
@@ -1174,7 +1259,7 @@
           <a:p>
             <a:fld id="{78C97017-6FC3-485B-9764-EAC9E56C1D49}" type="datetimeFigureOut">
               <a:rPr lang="en-US" smtClean="0"/>
-              <a:t>10/26/2017</a:t>
+              <a:t>10/31/2017</a:t>
             </a:fld>
             <a:endParaRPr lang="en-US"/>
           </a:p>
@@ -1419,7 +1504,7 @@
           <a:p>
             <a:fld id="{78C97017-6FC3-485B-9764-EAC9E56C1D49}" type="datetimeFigureOut">
               <a:rPr lang="en-US" smtClean="0"/>
-              <a:t>10/26/2017</a:t>
+              <a:t>10/31/2017</a:t>
             </a:fld>
             <a:endParaRPr lang="en-US"/>
           </a:p>
@@ -1704,7 +1789,7 @@
           <a:p>
             <a:fld id="{78C97017-6FC3-485B-9764-EAC9E56C1D49}" type="datetimeFigureOut">
               <a:rPr lang="en-US" smtClean="0"/>
-              <a:t>10/26/2017</a:t>
+              <a:t>10/31/2017</a:t>
             </a:fld>
             <a:endParaRPr lang="en-US"/>
           </a:p>
@@ -2123,7 +2208,7 @@
           <a:p>
             <a:fld id="{78C97017-6FC3-485B-9764-EAC9E56C1D49}" type="datetimeFigureOut">
               <a:rPr lang="en-US" smtClean="0"/>
-              <a:t>10/26/2017</a:t>
+              <a:t>10/31/2017</a:t>
             </a:fld>
             <a:endParaRPr lang="en-US"/>
           </a:p>
@@ -2240,7 +2325,7 @@
           <a:p>
             <a:fld id="{78C97017-6FC3-485B-9764-EAC9E56C1D49}" type="datetimeFigureOut">
               <a:rPr lang="en-US" smtClean="0"/>
-              <a:t>10/26/2017</a:t>
+              <a:t>10/31/2017</a:t>
             </a:fld>
             <a:endParaRPr lang="en-US"/>
           </a:p>
@@ -2335,7 +2420,7 @@
           <a:p>
             <a:fld id="{78C97017-6FC3-485B-9764-EAC9E56C1D49}" type="datetimeFigureOut">
               <a:rPr lang="en-US" smtClean="0"/>
-              <a:t>10/26/2017</a:t>
+              <a:t>10/31/2017</a:t>
             </a:fld>
             <a:endParaRPr lang="en-US"/>
           </a:p>
@@ -2610,7 +2695,7 @@
           <a:p>
             <a:fld id="{78C97017-6FC3-485B-9764-EAC9E56C1D49}" type="datetimeFigureOut">
               <a:rPr lang="en-US" smtClean="0"/>
-              <a:t>10/26/2017</a:t>
+              <a:t>10/31/2017</a:t>
             </a:fld>
             <a:endParaRPr lang="en-US"/>
           </a:p>
@@ -2862,7 +2947,7 @@
           <a:p>
             <a:fld id="{78C97017-6FC3-485B-9764-EAC9E56C1D49}" type="datetimeFigureOut">
               <a:rPr lang="en-US" smtClean="0"/>
-              <a:t>10/26/2017</a:t>
+              <a:t>10/31/2017</a:t>
             </a:fld>
             <a:endParaRPr lang="en-US"/>
           </a:p>
@@ -3073,7 +3158,7 @@
           <a:p>
             <a:fld id="{78C97017-6FC3-485B-9764-EAC9E56C1D49}" type="datetimeFigureOut">
               <a:rPr lang="en-US" smtClean="0"/>
-              <a:t>10/26/2017</a:t>
+              <a:t>10/31/2017</a:t>
             </a:fld>
             <a:endParaRPr lang="en-US"/>
           </a:p>
@@ -5497,1959 +5582,1938 @@
           <a:chExt cx="0" cy="0"/>
         </a:xfrm>
       </p:grpSpPr>
-      <p:grpSp>
-        <p:nvGrpSpPr>
-          <p:cNvPr id="87" name="Group 86">
+      <p:sp>
+        <p:nvSpPr>
+          <p:cNvPr id="41" name="Rectangle 65">
             <a:extLst>
               <a:ext uri="{FF2B5EF4-FFF2-40B4-BE49-F238E27FC236}">
-                <a16:creationId xmlns:a16="http://schemas.microsoft.com/office/drawing/2014/main" id="{8653116A-F2DE-4B59-9AE8-5A427F792E31}"/>
+                <a16:creationId xmlns:a16="http://schemas.microsoft.com/office/drawing/2014/main" id="{CB2C7C65-65C6-41BB-90C6-6D282B2FA6CA}"/>
               </a:ext>
             </a:extLst>
           </p:cNvPr>
-          <p:cNvGrpSpPr/>
-          <p:nvPr/>
-        </p:nvGrpSpPr>
-        <p:grpSpPr>
-          <a:xfrm>
-            <a:off x="-275323" y="1981200"/>
-            <a:ext cx="9101137" cy="4000286"/>
-            <a:chOff x="-275323" y="1981200"/>
-            <a:chExt cx="9101137" cy="4000286"/>
-          </a:xfrm>
-        </p:grpSpPr>
-        <p:sp>
-          <p:nvSpPr>
-            <p:cNvPr id="41" name="Rectangle 65">
-              <a:extLst>
-                <a:ext uri="{FF2B5EF4-FFF2-40B4-BE49-F238E27FC236}">
-                  <a16:creationId xmlns:a16="http://schemas.microsoft.com/office/drawing/2014/main" id="{CB2C7C65-65C6-41BB-90C6-6D282B2FA6CA}"/>
-                </a:ext>
-              </a:extLst>
-            </p:cNvPr>
-            <p:cNvSpPr/>
-            <p:nvPr/>
-          </p:nvSpPr>
-          <p:spPr>
-            <a:xfrm>
-              <a:off x="685800" y="1981200"/>
-              <a:ext cx="7252956" cy="4000286"/>
-            </a:xfrm>
-            <a:prstGeom prst="roundRect">
-              <a:avLst>
-                <a:gd name="adj" fmla="val 3484"/>
-              </a:avLst>
-            </a:prstGeom>
-            <a:solidFill>
-              <a:schemeClr val="accent1">
-                <a:lumMod val="20000"/>
-                <a:lumOff val="80000"/>
-              </a:schemeClr>
-            </a:solidFill>
-            <a:ln w="19050">
-              <a:noFill/>
-            </a:ln>
-            <a:effectLst/>
-          </p:spPr>
-          <p:style>
-            <a:lnRef idx="1">
-              <a:schemeClr val="accent2"/>
-            </a:lnRef>
-            <a:fillRef idx="2">
-              <a:schemeClr val="accent2"/>
-            </a:fillRef>
-            <a:effectRef idx="1">
-              <a:schemeClr val="accent2"/>
-            </a:effectRef>
-            <a:fontRef idx="minor">
-              <a:schemeClr val="dk1"/>
-            </a:fontRef>
-          </p:style>
-          <p:txBody>
-            <a:bodyPr rtlCol="0" anchor="t"/>
-            <a:lstStyle/>
-            <a:p>
-              <a:r>
-                <a:rPr lang="en-US" sz="1200" b="1" dirty="0">
-                  <a:solidFill>
-                    <a:srgbClr val="0070C0"/>
-                  </a:solidFill>
-                </a:rPr>
-                <a:t>Logic</a:t>
-              </a:r>
-              <a:endParaRPr lang="en-SG" sz="1200" b="1" dirty="0">
+          <p:cNvSpPr/>
+          <p:nvPr/>
+        </p:nvSpPr>
+        <p:spPr>
+          <a:xfrm>
+            <a:off x="685800" y="1981200"/>
+            <a:ext cx="7252956" cy="4000286"/>
+          </a:xfrm>
+          <a:prstGeom prst="roundRect">
+            <a:avLst>
+              <a:gd name="adj" fmla="val 3484"/>
+            </a:avLst>
+          </a:prstGeom>
+          <a:solidFill>
+            <a:schemeClr val="accent1">
+              <a:lumMod val="20000"/>
+              <a:lumOff val="80000"/>
+            </a:schemeClr>
+          </a:solidFill>
+          <a:ln w="19050">
+            <a:noFill/>
+          </a:ln>
+          <a:effectLst/>
+        </p:spPr>
+        <p:style>
+          <a:lnRef idx="1">
+            <a:schemeClr val="accent2"/>
+          </a:lnRef>
+          <a:fillRef idx="2">
+            <a:schemeClr val="accent2"/>
+          </a:fillRef>
+          <a:effectRef idx="1">
+            <a:schemeClr val="accent2"/>
+          </a:effectRef>
+          <a:fontRef idx="minor">
+            <a:schemeClr val="dk1"/>
+          </a:fontRef>
+        </p:style>
+        <p:txBody>
+          <a:bodyPr rtlCol="0" anchor="t"/>
+          <a:lstStyle/>
+          <a:p>
+            <a:r>
+              <a:rPr lang="en-US" sz="1200" b="1" dirty="0">
                 <a:solidFill>
                   <a:srgbClr val="0070C0"/>
                 </a:solidFill>
-              </a:endParaRPr>
-            </a:p>
-          </p:txBody>
-        </p:sp>
-        <p:sp>
-          <p:nvSpPr>
-            <p:cNvPr id="42" name="Rectangle 62">
-              <a:extLst>
-                <a:ext uri="{FF2B5EF4-FFF2-40B4-BE49-F238E27FC236}">
-                  <a16:creationId xmlns:a16="http://schemas.microsoft.com/office/drawing/2014/main" id="{20711C50-1DDA-41F3-9035-28F64BA4CB90}"/>
-                </a:ext>
-              </a:extLst>
-            </p:cNvPr>
-            <p:cNvSpPr/>
-            <p:nvPr/>
-          </p:nvSpPr>
-          <p:spPr>
-            <a:xfrm>
-              <a:off x="845045" y="2296546"/>
-              <a:ext cx="1455629" cy="346760"/>
-            </a:xfrm>
-            <a:prstGeom prst="rect">
-              <a:avLst/>
-            </a:prstGeom>
+              </a:rPr>
+              <a:t>Logic</a:t>
+            </a:r>
+            <a:endParaRPr lang="en-SG" sz="1200" b="1" dirty="0">
+              <a:solidFill>
+                <a:srgbClr val="0070C0"/>
+              </a:solidFill>
+            </a:endParaRPr>
+          </a:p>
+        </p:txBody>
+      </p:sp>
+      <p:sp>
+        <p:nvSpPr>
+          <p:cNvPr id="42" name="Rectangle 62">
+            <a:extLst>
+              <a:ext uri="{FF2B5EF4-FFF2-40B4-BE49-F238E27FC236}">
+                <a16:creationId xmlns:a16="http://schemas.microsoft.com/office/drawing/2014/main" id="{20711C50-1DDA-41F3-9035-28F64BA4CB90}"/>
+              </a:ext>
+            </a:extLst>
+          </p:cNvPr>
+          <p:cNvSpPr/>
+          <p:nvPr/>
+        </p:nvSpPr>
+        <p:spPr>
+          <a:xfrm>
+            <a:off x="845045" y="2296546"/>
+            <a:ext cx="1455629" cy="346760"/>
+          </a:xfrm>
+          <a:prstGeom prst="rect">
+            <a:avLst/>
+          </a:prstGeom>
+          <a:solidFill>
+            <a:srgbClr val="0070C0"/>
+          </a:solidFill>
+          <a:ln w="19050">
             <a:solidFill>
               <a:srgbClr val="0070C0"/>
             </a:solidFill>
-            <a:ln w="19050">
-              <a:solidFill>
-                <a:srgbClr val="0070C0"/>
-              </a:solidFill>
-            </a:ln>
-            <a:effectLst/>
-          </p:spPr>
-          <p:style>
-            <a:lnRef idx="1">
-              <a:schemeClr val="accent2"/>
-            </a:lnRef>
-            <a:fillRef idx="2">
-              <a:schemeClr val="accent2"/>
-            </a:fillRef>
-            <a:effectRef idx="1">
-              <a:schemeClr val="accent2"/>
-            </a:effectRef>
-            <a:fontRef idx="minor">
-              <a:schemeClr val="dk1"/>
-            </a:fontRef>
-          </p:style>
-          <p:txBody>
-            <a:bodyPr rtlCol="0" anchor="ctr"/>
-            <a:lstStyle/>
-            <a:p>
-              <a:pPr algn="ctr"/>
-              <a:r>
-                <a:rPr lang="en-US" sz="1600" dirty="0">
-                  <a:solidFill>
-                    <a:schemeClr val="bg1"/>
-                  </a:solidFill>
-                </a:rPr>
-                <a:t>:</a:t>
-              </a:r>
-              <a:r>
-                <a:rPr lang="en-US" sz="1600" dirty="0" err="1">
-                  <a:solidFill>
-                    <a:schemeClr val="bg1"/>
-                  </a:solidFill>
-                </a:rPr>
-                <a:t>LogicManager</a:t>
-              </a:r>
-              <a:endParaRPr lang="en-SG" sz="1600" dirty="0">
+          </a:ln>
+          <a:effectLst/>
+        </p:spPr>
+        <p:style>
+          <a:lnRef idx="1">
+            <a:schemeClr val="accent2"/>
+          </a:lnRef>
+          <a:fillRef idx="2">
+            <a:schemeClr val="accent2"/>
+          </a:fillRef>
+          <a:effectRef idx="1">
+            <a:schemeClr val="accent2"/>
+          </a:effectRef>
+          <a:fontRef idx="minor">
+            <a:schemeClr val="dk1"/>
+          </a:fontRef>
+        </p:style>
+        <p:txBody>
+          <a:bodyPr rtlCol="0" anchor="ctr"/>
+          <a:lstStyle/>
+          <a:p>
+            <a:pPr algn="ctr"/>
+            <a:r>
+              <a:rPr lang="en-US" sz="1600" dirty="0">
                 <a:solidFill>
                   <a:schemeClr val="bg1"/>
                 </a:solidFill>
-              </a:endParaRPr>
-            </a:p>
-          </p:txBody>
-        </p:sp>
-        <p:cxnSp>
-          <p:nvCxnSpPr>
-            <p:cNvPr id="43" name="Straight Connector 42">
-              <a:extLst>
-                <a:ext uri="{FF2B5EF4-FFF2-40B4-BE49-F238E27FC236}">
-                  <a16:creationId xmlns:a16="http://schemas.microsoft.com/office/drawing/2014/main" id="{F425D3ED-13D4-405F-93E2-C27F83D3D951}"/>
-                </a:ext>
-              </a:extLst>
-            </p:cNvPr>
-            <p:cNvCxnSpPr/>
-            <p:nvPr/>
-          </p:nvCxnSpPr>
-          <p:spPr>
-            <a:xfrm>
-              <a:off x="1572859" y="2660217"/>
-              <a:ext cx="0" cy="2597583"/>
-            </a:xfrm>
-            <a:prstGeom prst="line">
-              <a:avLst/>
-            </a:prstGeom>
-            <a:ln w="19050">
+              </a:rPr>
+              <a:t>:</a:t>
+            </a:r>
+            <a:r>
+              <a:rPr lang="en-US" sz="1600" dirty="0" err="1">
+                <a:solidFill>
+                  <a:schemeClr val="bg1"/>
+                </a:solidFill>
+              </a:rPr>
+              <a:t>LogicManager</a:t>
+            </a:r>
+            <a:endParaRPr lang="en-SG" sz="1600" dirty="0">
               <a:solidFill>
-                <a:srgbClr val="0070C0"/>
+                <a:schemeClr val="bg1"/>
               </a:solidFill>
-              <a:prstDash val="sysDash"/>
-            </a:ln>
-            <a:effectLst/>
-          </p:spPr>
-          <p:style>
-            <a:lnRef idx="1">
-              <a:schemeClr val="accent1"/>
-            </a:lnRef>
-            <a:fillRef idx="2">
-              <a:schemeClr val="accent1"/>
-            </a:fillRef>
-            <a:effectRef idx="1">
-              <a:schemeClr val="accent1"/>
-            </a:effectRef>
-            <a:fontRef idx="minor">
-              <a:schemeClr val="dk1"/>
-            </a:fontRef>
-          </p:style>
-        </p:cxnSp>
-        <p:sp>
-          <p:nvSpPr>
-            <p:cNvPr id="44" name="Rectangle 43">
-              <a:extLst>
-                <a:ext uri="{FF2B5EF4-FFF2-40B4-BE49-F238E27FC236}">
-                  <a16:creationId xmlns:a16="http://schemas.microsoft.com/office/drawing/2014/main" id="{64BCF385-AB5C-4966-894D-BE8B7FEF675B}"/>
-                </a:ext>
-              </a:extLst>
-            </p:cNvPr>
-            <p:cNvSpPr/>
-            <p:nvPr/>
-          </p:nvSpPr>
-          <p:spPr>
-            <a:xfrm>
-              <a:off x="1500851" y="3010911"/>
-              <a:ext cx="152400" cy="2780287"/>
-            </a:xfrm>
-            <a:prstGeom prst="rect">
-              <a:avLst/>
-            </a:prstGeom>
+            </a:endParaRPr>
+          </a:p>
+        </p:txBody>
+      </p:sp>
+      <p:cxnSp>
+        <p:nvCxnSpPr>
+          <p:cNvPr id="43" name="Straight Connector 42">
+            <a:extLst>
+              <a:ext uri="{FF2B5EF4-FFF2-40B4-BE49-F238E27FC236}">
+                <a16:creationId xmlns:a16="http://schemas.microsoft.com/office/drawing/2014/main" id="{F425D3ED-13D4-405F-93E2-C27F83D3D951}"/>
+              </a:ext>
+            </a:extLst>
+          </p:cNvPr>
+          <p:cNvCxnSpPr/>
+          <p:nvPr/>
+        </p:nvCxnSpPr>
+        <p:spPr>
+          <a:xfrm>
+            <a:off x="1572859" y="2660217"/>
+            <a:ext cx="0" cy="2597583"/>
+          </a:xfrm>
+          <a:prstGeom prst="line">
+            <a:avLst/>
+          </a:prstGeom>
+          <a:ln w="19050">
             <a:solidFill>
               <a:srgbClr val="0070C0"/>
             </a:solidFill>
-            <a:ln>
-              <a:solidFill>
-                <a:srgbClr val="0070C0"/>
-              </a:solidFill>
-            </a:ln>
-            <a:effectLst/>
-          </p:spPr>
-          <p:style>
-            <a:lnRef idx="1">
-              <a:schemeClr val="accent3"/>
-            </a:lnRef>
-            <a:fillRef idx="2">
-              <a:schemeClr val="accent3"/>
-            </a:fillRef>
-            <a:effectRef idx="1">
-              <a:schemeClr val="accent3"/>
-            </a:effectRef>
-            <a:fontRef idx="minor">
-              <a:schemeClr val="dk1"/>
-            </a:fontRef>
-          </p:style>
-          <p:txBody>
-            <a:bodyPr rtlCol="0" anchor="ctr"/>
-            <a:lstStyle/>
-            <a:p>
-              <a:pPr algn="ctr"/>
-              <a:endParaRPr lang="en-SG" sz="1400"/>
-            </a:p>
-          </p:txBody>
-        </p:sp>
-        <p:sp>
-          <p:nvSpPr>
-            <p:cNvPr id="45" name="Rectangle 62">
-              <a:extLst>
-                <a:ext uri="{FF2B5EF4-FFF2-40B4-BE49-F238E27FC236}">
-                  <a16:creationId xmlns:a16="http://schemas.microsoft.com/office/drawing/2014/main" id="{0108849C-8EB2-4B98-B3D4-B0D2441A4BB3}"/>
-                </a:ext>
-              </a:extLst>
-            </p:cNvPr>
-            <p:cNvSpPr/>
-            <p:nvPr/>
-          </p:nvSpPr>
-          <p:spPr>
-            <a:xfrm>
-              <a:off x="2743200" y="2179309"/>
-              <a:ext cx="1219200" cy="467684"/>
-            </a:xfrm>
-            <a:prstGeom prst="rect">
-              <a:avLst/>
-            </a:prstGeom>
+            <a:prstDash val="sysDash"/>
+          </a:ln>
+          <a:effectLst/>
+        </p:spPr>
+        <p:style>
+          <a:lnRef idx="1">
+            <a:schemeClr val="accent1"/>
+          </a:lnRef>
+          <a:fillRef idx="2">
+            <a:schemeClr val="accent1"/>
+          </a:fillRef>
+          <a:effectRef idx="1">
+            <a:schemeClr val="accent1"/>
+          </a:effectRef>
+          <a:fontRef idx="minor">
+            <a:schemeClr val="dk1"/>
+          </a:fontRef>
+        </p:style>
+      </p:cxnSp>
+      <p:sp>
+        <p:nvSpPr>
+          <p:cNvPr id="44" name="Rectangle 43">
+            <a:extLst>
+              <a:ext uri="{FF2B5EF4-FFF2-40B4-BE49-F238E27FC236}">
+                <a16:creationId xmlns:a16="http://schemas.microsoft.com/office/drawing/2014/main" id="{64BCF385-AB5C-4966-894D-BE8B7FEF675B}"/>
+              </a:ext>
+            </a:extLst>
+          </p:cNvPr>
+          <p:cNvSpPr/>
+          <p:nvPr/>
+        </p:nvSpPr>
+        <p:spPr>
+          <a:xfrm>
+            <a:off x="1500851" y="3010911"/>
+            <a:ext cx="152400" cy="2780287"/>
+          </a:xfrm>
+          <a:prstGeom prst="rect">
+            <a:avLst/>
+          </a:prstGeom>
+          <a:solidFill>
+            <a:srgbClr val="0070C0"/>
+          </a:solidFill>
+          <a:ln>
             <a:solidFill>
               <a:srgbClr val="0070C0"/>
             </a:solidFill>
-            <a:ln w="19050">
-              <a:solidFill>
-                <a:srgbClr val="0070C0"/>
-              </a:solidFill>
-            </a:ln>
-            <a:effectLst/>
-          </p:spPr>
-          <p:style>
-            <a:lnRef idx="1">
-              <a:schemeClr val="accent2"/>
-            </a:lnRef>
-            <a:fillRef idx="2">
-              <a:schemeClr val="accent2"/>
-            </a:fillRef>
-            <a:effectRef idx="1">
-              <a:schemeClr val="accent2"/>
-            </a:effectRef>
-            <a:fontRef idx="minor">
-              <a:schemeClr val="dk1"/>
-            </a:fontRef>
-          </p:style>
-          <p:txBody>
-            <a:bodyPr rtlCol="0" anchor="ctr"/>
-            <a:lstStyle/>
-            <a:p>
-              <a:pPr algn="ctr"/>
-              <a:r>
-                <a:rPr lang="en-US" sz="1600" dirty="0">
-                  <a:solidFill>
-                    <a:schemeClr val="bg1"/>
-                  </a:solidFill>
-                </a:rPr>
-                <a:t>:Address</a:t>
-              </a:r>
-            </a:p>
-            <a:p>
-              <a:pPr algn="ctr"/>
-              <a:r>
-                <a:rPr lang="en-US" sz="1600" dirty="0" err="1">
-                  <a:solidFill>
-                    <a:schemeClr val="bg1"/>
-                  </a:solidFill>
-                </a:rPr>
-                <a:t>BookParser</a:t>
-              </a:r>
-              <a:endParaRPr lang="en-SG" sz="1600" dirty="0">
+          </a:ln>
+          <a:effectLst/>
+        </p:spPr>
+        <p:style>
+          <a:lnRef idx="1">
+            <a:schemeClr val="accent3"/>
+          </a:lnRef>
+          <a:fillRef idx="2">
+            <a:schemeClr val="accent3"/>
+          </a:fillRef>
+          <a:effectRef idx="1">
+            <a:schemeClr val="accent3"/>
+          </a:effectRef>
+          <a:fontRef idx="minor">
+            <a:schemeClr val="dk1"/>
+          </a:fontRef>
+        </p:style>
+        <p:txBody>
+          <a:bodyPr rtlCol="0" anchor="ctr"/>
+          <a:lstStyle/>
+          <a:p>
+            <a:pPr algn="ctr"/>
+            <a:endParaRPr lang="en-SG" sz="1400"/>
+          </a:p>
+        </p:txBody>
+      </p:sp>
+      <p:sp>
+        <p:nvSpPr>
+          <p:cNvPr id="45" name="Rectangle 62">
+            <a:extLst>
+              <a:ext uri="{FF2B5EF4-FFF2-40B4-BE49-F238E27FC236}">
+                <a16:creationId xmlns:a16="http://schemas.microsoft.com/office/drawing/2014/main" id="{0108849C-8EB2-4B98-B3D4-B0D2441A4BB3}"/>
+              </a:ext>
+            </a:extLst>
+          </p:cNvPr>
+          <p:cNvSpPr/>
+          <p:nvPr/>
+        </p:nvSpPr>
+        <p:spPr>
+          <a:xfrm>
+            <a:off x="2743200" y="2179309"/>
+            <a:ext cx="1219200" cy="467684"/>
+          </a:xfrm>
+          <a:prstGeom prst="rect">
+            <a:avLst/>
+          </a:prstGeom>
+          <a:solidFill>
+            <a:srgbClr val="0070C0"/>
+          </a:solidFill>
+          <a:ln w="19050">
+            <a:solidFill>
+              <a:srgbClr val="0070C0"/>
+            </a:solidFill>
+          </a:ln>
+          <a:effectLst/>
+        </p:spPr>
+        <p:style>
+          <a:lnRef idx="1">
+            <a:schemeClr val="accent2"/>
+          </a:lnRef>
+          <a:fillRef idx="2">
+            <a:schemeClr val="accent2"/>
+          </a:fillRef>
+          <a:effectRef idx="1">
+            <a:schemeClr val="accent2"/>
+          </a:effectRef>
+          <a:fontRef idx="minor">
+            <a:schemeClr val="dk1"/>
+          </a:fontRef>
+        </p:style>
+        <p:txBody>
+          <a:bodyPr rtlCol="0" anchor="ctr"/>
+          <a:lstStyle/>
+          <a:p>
+            <a:pPr algn="ctr"/>
+            <a:r>
+              <a:rPr lang="en-US" sz="1600" dirty="0">
                 <a:solidFill>
                   <a:schemeClr val="bg1"/>
                 </a:solidFill>
-              </a:endParaRPr>
-            </a:p>
-          </p:txBody>
-        </p:sp>
-        <p:cxnSp>
-          <p:nvCxnSpPr>
-            <p:cNvPr id="46" name="Straight Connector 45">
-              <a:extLst>
-                <a:ext uri="{FF2B5EF4-FFF2-40B4-BE49-F238E27FC236}">
-                  <a16:creationId xmlns:a16="http://schemas.microsoft.com/office/drawing/2014/main" id="{34970863-B56B-4FE4-BBDF-02708128EBFA}"/>
-                </a:ext>
-              </a:extLst>
-            </p:cNvPr>
-            <p:cNvCxnSpPr/>
-            <p:nvPr/>
-          </p:nvCxnSpPr>
-          <p:spPr>
-            <a:xfrm>
-              <a:off x="3356599" y="2663904"/>
-              <a:ext cx="0" cy="1695374"/>
-            </a:xfrm>
-            <a:prstGeom prst="line">
-              <a:avLst/>
-            </a:prstGeom>
-            <a:ln w="19050">
+              </a:rPr>
+              <a:t>:Address</a:t>
+            </a:r>
+          </a:p>
+          <a:p>
+            <a:pPr algn="ctr"/>
+            <a:r>
+              <a:rPr lang="en-US" sz="1600" dirty="0" err="1">
+                <a:solidFill>
+                  <a:schemeClr val="bg1"/>
+                </a:solidFill>
+              </a:rPr>
+              <a:t>BookParser</a:t>
+            </a:r>
+            <a:endParaRPr lang="en-SG" sz="1600" dirty="0">
               <a:solidFill>
-                <a:srgbClr val="0070C0"/>
+                <a:schemeClr val="bg1"/>
               </a:solidFill>
-              <a:prstDash val="sysDash"/>
-            </a:ln>
-            <a:effectLst/>
-          </p:spPr>
-          <p:style>
-            <a:lnRef idx="1">
-              <a:schemeClr val="accent1"/>
-            </a:lnRef>
-            <a:fillRef idx="2">
-              <a:schemeClr val="accent1"/>
-            </a:fillRef>
-            <a:effectRef idx="1">
-              <a:schemeClr val="accent1"/>
-            </a:effectRef>
-            <a:fontRef idx="minor">
-              <a:schemeClr val="dk1"/>
-            </a:fontRef>
-          </p:style>
-        </p:cxnSp>
-        <p:sp>
-          <p:nvSpPr>
-            <p:cNvPr id="47" name="Rectangle 46">
-              <a:extLst>
-                <a:ext uri="{FF2B5EF4-FFF2-40B4-BE49-F238E27FC236}">
-                  <a16:creationId xmlns:a16="http://schemas.microsoft.com/office/drawing/2014/main" id="{267082CA-2446-4053-B67E-32EFB48F000E}"/>
-                </a:ext>
-              </a:extLst>
-            </p:cNvPr>
-            <p:cNvSpPr/>
-            <p:nvPr/>
-          </p:nvSpPr>
-          <p:spPr>
-            <a:xfrm>
-              <a:off x="3284590" y="3122096"/>
-              <a:ext cx="174929" cy="1129459"/>
-            </a:xfrm>
-            <a:prstGeom prst="rect">
-              <a:avLst/>
-            </a:prstGeom>
+            </a:endParaRPr>
+          </a:p>
+        </p:txBody>
+      </p:sp>
+      <p:cxnSp>
+        <p:nvCxnSpPr>
+          <p:cNvPr id="46" name="Straight Connector 45">
+            <a:extLst>
+              <a:ext uri="{FF2B5EF4-FFF2-40B4-BE49-F238E27FC236}">
+                <a16:creationId xmlns:a16="http://schemas.microsoft.com/office/drawing/2014/main" id="{34970863-B56B-4FE4-BBDF-02708128EBFA}"/>
+              </a:ext>
+            </a:extLst>
+          </p:cNvPr>
+          <p:cNvCxnSpPr/>
+          <p:nvPr/>
+        </p:nvCxnSpPr>
+        <p:spPr>
+          <a:xfrm>
+            <a:off x="3356599" y="2663904"/>
+            <a:ext cx="0" cy="1695374"/>
+          </a:xfrm>
+          <a:prstGeom prst="line">
+            <a:avLst/>
+          </a:prstGeom>
+          <a:ln w="19050">
             <a:solidFill>
               <a:srgbClr val="0070C0"/>
             </a:solidFill>
-            <a:ln>
-              <a:solidFill>
-                <a:srgbClr val="0070C0"/>
-              </a:solidFill>
-            </a:ln>
-            <a:effectLst/>
-          </p:spPr>
-          <p:style>
-            <a:lnRef idx="1">
-              <a:schemeClr val="accent3"/>
-            </a:lnRef>
-            <a:fillRef idx="2">
-              <a:schemeClr val="accent3"/>
-            </a:fillRef>
-            <a:effectRef idx="1">
-              <a:schemeClr val="accent3"/>
-            </a:effectRef>
-            <a:fontRef idx="minor">
-              <a:schemeClr val="dk1"/>
-            </a:fontRef>
-          </p:style>
-          <p:txBody>
-            <a:bodyPr rtlCol="0" anchor="ctr"/>
-            <a:lstStyle/>
-            <a:p>
-              <a:pPr algn="ctr"/>
-              <a:endParaRPr lang="en-SG" sz="1400">
-                <a:solidFill>
-                  <a:schemeClr val="dk1"/>
-                </a:solidFill>
-              </a:endParaRPr>
-            </a:p>
-          </p:txBody>
-        </p:sp>
-        <p:sp>
-          <p:nvSpPr>
-            <p:cNvPr id="48" name="Rectangle 62">
-              <a:extLst>
-                <a:ext uri="{FF2B5EF4-FFF2-40B4-BE49-F238E27FC236}">
-                  <a16:creationId xmlns:a16="http://schemas.microsoft.com/office/drawing/2014/main" id="{1E7B13F9-97B0-443E-9A8C-09405725854C}"/>
-                </a:ext>
-              </a:extLst>
-            </p:cNvPr>
-            <p:cNvSpPr/>
-            <p:nvPr/>
-          </p:nvSpPr>
-          <p:spPr>
-            <a:xfrm>
-              <a:off x="6221565" y="3312740"/>
-              <a:ext cx="1093635" cy="461538"/>
-            </a:xfrm>
-            <a:prstGeom prst="rect">
-              <a:avLst/>
-            </a:prstGeom>
+            <a:prstDash val="sysDash"/>
+          </a:ln>
+          <a:effectLst/>
+        </p:spPr>
+        <p:style>
+          <a:lnRef idx="1">
+            <a:schemeClr val="accent1"/>
+          </a:lnRef>
+          <a:fillRef idx="2">
+            <a:schemeClr val="accent1"/>
+          </a:fillRef>
+          <a:effectRef idx="1">
+            <a:schemeClr val="accent1"/>
+          </a:effectRef>
+          <a:fontRef idx="minor">
+            <a:schemeClr val="dk1"/>
+          </a:fontRef>
+        </p:style>
+      </p:cxnSp>
+      <p:sp>
+        <p:nvSpPr>
+          <p:cNvPr id="47" name="Rectangle 46">
+            <a:extLst>
+              <a:ext uri="{FF2B5EF4-FFF2-40B4-BE49-F238E27FC236}">
+                <a16:creationId xmlns:a16="http://schemas.microsoft.com/office/drawing/2014/main" id="{267082CA-2446-4053-B67E-32EFB48F000E}"/>
+              </a:ext>
+            </a:extLst>
+          </p:cNvPr>
+          <p:cNvSpPr/>
+          <p:nvPr/>
+        </p:nvSpPr>
+        <p:spPr>
+          <a:xfrm>
+            <a:off x="3284590" y="3122096"/>
+            <a:ext cx="174929" cy="1129459"/>
+          </a:xfrm>
+          <a:prstGeom prst="rect">
+            <a:avLst/>
+          </a:prstGeom>
+          <a:solidFill>
+            <a:srgbClr val="0070C0"/>
+          </a:solidFill>
+          <a:ln>
             <a:solidFill>
               <a:srgbClr val="0070C0"/>
             </a:solidFill>
-            <a:ln w="19050">
+          </a:ln>
+          <a:effectLst/>
+        </p:spPr>
+        <p:style>
+          <a:lnRef idx="1">
+            <a:schemeClr val="accent3"/>
+          </a:lnRef>
+          <a:fillRef idx="2">
+            <a:schemeClr val="accent3"/>
+          </a:fillRef>
+          <a:effectRef idx="1">
+            <a:schemeClr val="accent3"/>
+          </a:effectRef>
+          <a:fontRef idx="minor">
+            <a:schemeClr val="dk1"/>
+          </a:fontRef>
+        </p:style>
+        <p:txBody>
+          <a:bodyPr rtlCol="0" anchor="ctr"/>
+          <a:lstStyle/>
+          <a:p>
+            <a:pPr algn="ctr"/>
+            <a:endParaRPr lang="en-SG" sz="1400">
               <a:solidFill>
-                <a:srgbClr val="0070C0"/>
+                <a:schemeClr val="dk1"/>
               </a:solidFill>
-            </a:ln>
-            <a:effectLst/>
-          </p:spPr>
-          <p:style>
-            <a:lnRef idx="1">
-              <a:schemeClr val="accent2"/>
-            </a:lnRef>
-            <a:fillRef idx="2">
-              <a:schemeClr val="accent2"/>
-            </a:fillRef>
-            <a:effectRef idx="1">
-              <a:schemeClr val="accent2"/>
-            </a:effectRef>
-            <a:fontRef idx="minor">
-              <a:schemeClr val="dk1"/>
-            </a:fontRef>
-          </p:style>
-          <p:txBody>
-            <a:bodyPr rtlCol="0" anchor="ctr"/>
-            <a:lstStyle/>
-            <a:p>
-              <a:pPr algn="ctr"/>
-              <a:r>
-                <a:rPr lang="en-US" sz="1600" dirty="0">
-                  <a:solidFill>
-                    <a:schemeClr val="bg1"/>
-                  </a:solidFill>
-                </a:rPr>
-                <a:t>d:Find</a:t>
-              </a:r>
-              <a:br>
-                <a:rPr lang="en-US" sz="1600" dirty="0">
-                  <a:solidFill>
-                    <a:schemeClr val="bg1"/>
-                  </a:solidFill>
-                </a:rPr>
-              </a:br>
-              <a:r>
-                <a:rPr lang="en-US" sz="1600" dirty="0">
-                  <a:solidFill>
-                    <a:schemeClr val="bg1"/>
-                  </a:solidFill>
-                </a:rPr>
-                <a:t>Command</a:t>
-              </a:r>
-              <a:endParaRPr lang="en-SG" sz="1600" dirty="0">
+            </a:endParaRPr>
+          </a:p>
+        </p:txBody>
+      </p:sp>
+      <p:sp>
+        <p:nvSpPr>
+          <p:cNvPr id="48" name="Rectangle 62">
+            <a:extLst>
+              <a:ext uri="{FF2B5EF4-FFF2-40B4-BE49-F238E27FC236}">
+                <a16:creationId xmlns:a16="http://schemas.microsoft.com/office/drawing/2014/main" id="{1E7B13F9-97B0-443E-9A8C-09405725854C}"/>
+              </a:ext>
+            </a:extLst>
+          </p:cNvPr>
+          <p:cNvSpPr/>
+          <p:nvPr/>
+        </p:nvSpPr>
+        <p:spPr>
+          <a:xfrm>
+            <a:off x="6221565" y="3312740"/>
+            <a:ext cx="1093635" cy="461538"/>
+          </a:xfrm>
+          <a:prstGeom prst="rect">
+            <a:avLst/>
+          </a:prstGeom>
+          <a:solidFill>
+            <a:srgbClr val="0070C0"/>
+          </a:solidFill>
+          <a:ln w="19050">
+            <a:solidFill>
+              <a:srgbClr val="0070C0"/>
+            </a:solidFill>
+          </a:ln>
+          <a:effectLst/>
+        </p:spPr>
+        <p:style>
+          <a:lnRef idx="1">
+            <a:schemeClr val="accent2"/>
+          </a:lnRef>
+          <a:fillRef idx="2">
+            <a:schemeClr val="accent2"/>
+          </a:fillRef>
+          <a:effectRef idx="1">
+            <a:schemeClr val="accent2"/>
+          </a:effectRef>
+          <a:fontRef idx="minor">
+            <a:schemeClr val="dk1"/>
+          </a:fontRef>
+        </p:style>
+        <p:txBody>
+          <a:bodyPr rtlCol="0" anchor="ctr"/>
+          <a:lstStyle/>
+          <a:p>
+            <a:pPr algn="ctr"/>
+            <a:r>
+              <a:rPr lang="en-US" sz="1600" dirty="0">
                 <a:solidFill>
                   <a:schemeClr val="bg1"/>
                 </a:solidFill>
-              </a:endParaRPr>
-            </a:p>
-          </p:txBody>
-        </p:sp>
-        <p:cxnSp>
-          <p:nvCxnSpPr>
-            <p:cNvPr id="49" name="Straight Connector 48">
-              <a:extLst>
-                <a:ext uri="{FF2B5EF4-FFF2-40B4-BE49-F238E27FC236}">
-                  <a16:creationId xmlns:a16="http://schemas.microsoft.com/office/drawing/2014/main" id="{C7CE0EDD-ADC4-4382-A68E-797ADA9D5727}"/>
-                </a:ext>
-              </a:extLst>
-            </p:cNvPr>
-            <p:cNvCxnSpPr>
-              <a:stCxn id="50" idx="0"/>
-            </p:cNvCxnSpPr>
-            <p:nvPr/>
-          </p:nvCxnSpPr>
-          <p:spPr>
-            <a:xfrm>
-              <a:off x="6772574" y="3774278"/>
-              <a:ext cx="0" cy="1940722"/>
-            </a:xfrm>
-            <a:prstGeom prst="line">
-              <a:avLst/>
-            </a:prstGeom>
-            <a:ln w="19050">
+              </a:rPr>
+              <a:t>d:Find</a:t>
+            </a:r>
+            <a:br>
+              <a:rPr lang="en-US" sz="1600" dirty="0">
+                <a:solidFill>
+                  <a:schemeClr val="bg1"/>
+                </a:solidFill>
+              </a:rPr>
+            </a:br>
+            <a:r>
+              <a:rPr lang="en-US" sz="1600" dirty="0">
+                <a:solidFill>
+                  <a:schemeClr val="bg1"/>
+                </a:solidFill>
+              </a:rPr>
+              <a:t>Command</a:t>
+            </a:r>
+            <a:endParaRPr lang="en-SG" sz="1600" dirty="0">
               <a:solidFill>
-                <a:srgbClr val="0070C0"/>
+                <a:schemeClr val="bg1"/>
               </a:solidFill>
-              <a:prstDash val="sysDash"/>
-            </a:ln>
-            <a:effectLst/>
-          </p:spPr>
-          <p:style>
-            <a:lnRef idx="1">
-              <a:schemeClr val="accent1"/>
-            </a:lnRef>
-            <a:fillRef idx="2">
-              <a:schemeClr val="accent1"/>
-            </a:fillRef>
-            <a:effectRef idx="1">
-              <a:schemeClr val="accent1"/>
-            </a:effectRef>
-            <a:fontRef idx="minor">
-              <a:schemeClr val="dk1"/>
-            </a:fontRef>
-          </p:style>
-        </p:cxnSp>
-        <p:sp>
-          <p:nvSpPr>
-            <p:cNvPr id="50" name="Rectangle 49">
-              <a:extLst>
-                <a:ext uri="{FF2B5EF4-FFF2-40B4-BE49-F238E27FC236}">
-                  <a16:creationId xmlns:a16="http://schemas.microsoft.com/office/drawing/2014/main" id="{47572529-C5ED-470B-8A54-28C71F812793}"/>
-                </a:ext>
-              </a:extLst>
-            </p:cNvPr>
-            <p:cNvSpPr/>
-            <p:nvPr/>
-          </p:nvSpPr>
-          <p:spPr>
-            <a:xfrm>
-              <a:off x="6696374" y="3774278"/>
-              <a:ext cx="152400" cy="276003"/>
-            </a:xfrm>
-            <a:prstGeom prst="rect">
-              <a:avLst/>
-            </a:prstGeom>
+            </a:endParaRPr>
+          </a:p>
+        </p:txBody>
+      </p:sp>
+      <p:cxnSp>
+        <p:nvCxnSpPr>
+          <p:cNvPr id="49" name="Straight Connector 48">
+            <a:extLst>
+              <a:ext uri="{FF2B5EF4-FFF2-40B4-BE49-F238E27FC236}">
+                <a16:creationId xmlns:a16="http://schemas.microsoft.com/office/drawing/2014/main" id="{C7CE0EDD-ADC4-4382-A68E-797ADA9D5727}"/>
+              </a:ext>
+            </a:extLst>
+          </p:cNvPr>
+          <p:cNvCxnSpPr>
+            <a:stCxn id="50" idx="0"/>
+          </p:cNvCxnSpPr>
+          <p:nvPr/>
+        </p:nvCxnSpPr>
+        <p:spPr>
+          <a:xfrm>
+            <a:off x="6772574" y="3774278"/>
+            <a:ext cx="0" cy="1940722"/>
+          </a:xfrm>
+          <a:prstGeom prst="line">
+            <a:avLst/>
+          </a:prstGeom>
+          <a:ln w="19050">
             <a:solidFill>
               <a:srgbClr val="0070C0"/>
             </a:solidFill>
-            <a:ln>
-              <a:solidFill>
-                <a:srgbClr val="0070C0"/>
-              </a:solidFill>
-            </a:ln>
-            <a:effectLst/>
-          </p:spPr>
-          <p:style>
-            <a:lnRef idx="1">
-              <a:schemeClr val="accent3"/>
-            </a:lnRef>
-            <a:fillRef idx="2">
-              <a:schemeClr val="accent3"/>
-            </a:fillRef>
-            <a:effectRef idx="1">
-              <a:schemeClr val="accent3"/>
-            </a:effectRef>
-            <a:fontRef idx="minor">
-              <a:schemeClr val="dk1"/>
-            </a:fontRef>
-          </p:style>
-          <p:txBody>
-            <a:bodyPr rtlCol="0" anchor="ctr"/>
-            <a:lstStyle/>
-            <a:p>
-              <a:pPr algn="ctr"/>
-              <a:endParaRPr lang="en-SG" sz="1400"/>
-            </a:p>
-          </p:txBody>
-        </p:sp>
-        <p:cxnSp>
-          <p:nvCxnSpPr>
-            <p:cNvPr id="51" name="Straight Arrow Connector 50">
-              <a:extLst>
-                <a:ext uri="{FF2B5EF4-FFF2-40B4-BE49-F238E27FC236}">
-                  <a16:creationId xmlns:a16="http://schemas.microsoft.com/office/drawing/2014/main" id="{7F13AB63-141F-4B3B-9D87-B02652B927EB}"/>
-                </a:ext>
-              </a:extLst>
-            </p:cNvPr>
-            <p:cNvCxnSpPr/>
-            <p:nvPr/>
-          </p:nvCxnSpPr>
-          <p:spPr>
-            <a:xfrm>
-              <a:off x="381000" y="3014599"/>
-              <a:ext cx="1119851" cy="0"/>
-            </a:xfrm>
-            <a:prstGeom prst="straightConnector1">
-              <a:avLst/>
-            </a:prstGeom>
-            <a:ln w="19050">
-              <a:solidFill>
-                <a:srgbClr val="00B050"/>
-              </a:solidFill>
-              <a:tailEnd type="arrow"/>
-            </a:ln>
-          </p:spPr>
-          <p:style>
-            <a:lnRef idx="1">
-              <a:schemeClr val="accent1"/>
-            </a:lnRef>
-            <a:fillRef idx="0">
-              <a:schemeClr val="accent1"/>
-            </a:fillRef>
-            <a:effectRef idx="0">
-              <a:schemeClr val="accent1"/>
-            </a:effectRef>
-            <a:fontRef idx="minor">
-              <a:schemeClr val="tx1"/>
-            </a:fontRef>
-          </p:style>
-        </p:cxnSp>
-        <p:cxnSp>
-          <p:nvCxnSpPr>
-            <p:cNvPr id="52" name="Straight Arrow Connector 51">
-              <a:extLst>
-                <a:ext uri="{FF2B5EF4-FFF2-40B4-BE49-F238E27FC236}">
-                  <a16:creationId xmlns:a16="http://schemas.microsoft.com/office/drawing/2014/main" id="{4207C632-8E46-4A6D-B648-3A40705FA2C1}"/>
-                </a:ext>
-              </a:extLst>
-            </p:cNvPr>
-            <p:cNvCxnSpPr/>
-            <p:nvPr/>
-          </p:nvCxnSpPr>
-          <p:spPr>
-            <a:xfrm flipV="1">
-              <a:off x="1653251" y="3122097"/>
-              <a:ext cx="1596514" cy="1"/>
-            </a:xfrm>
-            <a:prstGeom prst="straightConnector1">
-              <a:avLst/>
-            </a:prstGeom>
-            <a:ln w="19050">
-              <a:solidFill>
-                <a:srgbClr val="0070C0"/>
-              </a:solidFill>
-              <a:tailEnd type="arrow"/>
-            </a:ln>
-          </p:spPr>
-          <p:style>
-            <a:lnRef idx="1">
-              <a:schemeClr val="accent1"/>
-            </a:lnRef>
-            <a:fillRef idx="0">
-              <a:schemeClr val="accent1"/>
-            </a:fillRef>
-            <a:effectRef idx="0">
-              <a:schemeClr val="accent1"/>
-            </a:effectRef>
-            <a:fontRef idx="minor">
-              <a:schemeClr val="tx1"/>
-            </a:fontRef>
-          </p:style>
-        </p:cxnSp>
-        <p:sp>
-          <p:nvSpPr>
-            <p:cNvPr id="53" name="TextBox 52">
-              <a:extLst>
-                <a:ext uri="{FF2B5EF4-FFF2-40B4-BE49-F238E27FC236}">
-                  <a16:creationId xmlns:a16="http://schemas.microsoft.com/office/drawing/2014/main" id="{6FAF6AAF-1795-4BE1-A76A-4E28D5C320FA}"/>
-                </a:ext>
-              </a:extLst>
-            </p:cNvPr>
-            <p:cNvSpPr txBox="1"/>
-            <p:nvPr/>
-          </p:nvSpPr>
-          <p:spPr>
-            <a:xfrm>
-              <a:off x="-275323" y="2743200"/>
-              <a:ext cx="1700169" cy="215444"/>
-            </a:xfrm>
-            <a:prstGeom prst="rect">
-              <a:avLst/>
-            </a:prstGeom>
-            <a:noFill/>
-          </p:spPr>
-          <p:txBody>
-            <a:bodyPr wrap="square" lIns="0" tIns="0" rIns="0" bIns="0" rtlCol="0">
-              <a:spAutoFit/>
-            </a:bodyPr>
-            <a:lstStyle/>
-            <a:p>
-              <a:pPr algn="r"/>
-              <a:r>
-                <a:rPr lang="en-US" sz="1400" dirty="0">
-                  <a:solidFill>
-                    <a:srgbClr val="0070C0"/>
-                  </a:solidFill>
-                </a:rPr>
-                <a:t>execute(“Find m/Jan”)</a:t>
-              </a:r>
-            </a:p>
-          </p:txBody>
-        </p:sp>
-        <p:cxnSp>
-          <p:nvCxnSpPr>
-            <p:cNvPr id="54" name="Straight Arrow Connector 53">
-              <a:extLst>
-                <a:ext uri="{FF2B5EF4-FFF2-40B4-BE49-F238E27FC236}">
-                  <a16:creationId xmlns:a16="http://schemas.microsoft.com/office/drawing/2014/main" id="{D4B44A02-BFEB-4195-85B0-42B27D03E616}"/>
-                </a:ext>
-              </a:extLst>
-            </p:cNvPr>
-            <p:cNvCxnSpPr/>
-            <p:nvPr/>
-          </p:nvCxnSpPr>
-          <p:spPr>
-            <a:xfrm flipV="1">
-              <a:off x="5257218" y="3703214"/>
-              <a:ext cx="922392" cy="1"/>
-            </a:xfrm>
-            <a:prstGeom prst="straightConnector1">
-              <a:avLst/>
-            </a:prstGeom>
-            <a:ln w="19050">
-              <a:solidFill>
-                <a:srgbClr val="0070C0"/>
-              </a:solidFill>
-              <a:tailEnd type="arrow"/>
-            </a:ln>
-          </p:spPr>
-          <p:style>
-            <a:lnRef idx="1">
-              <a:schemeClr val="accent1"/>
-            </a:lnRef>
-            <a:fillRef idx="0">
-              <a:schemeClr val="accent1"/>
-            </a:fillRef>
-            <a:effectRef idx="0">
-              <a:schemeClr val="accent1"/>
-            </a:effectRef>
-            <a:fontRef idx="minor">
-              <a:schemeClr val="tx1"/>
-            </a:fontRef>
-          </p:style>
-        </p:cxnSp>
-        <p:sp>
-          <p:nvSpPr>
-            <p:cNvPr id="55" name="TextBox 54">
-              <a:extLst>
-                <a:ext uri="{FF2B5EF4-FFF2-40B4-BE49-F238E27FC236}">
-                  <a16:creationId xmlns:a16="http://schemas.microsoft.com/office/drawing/2014/main" id="{167D1E71-0970-4FA6-A2F9-2EBB0FA6C1D3}"/>
-                </a:ext>
-              </a:extLst>
-            </p:cNvPr>
-            <p:cNvSpPr txBox="1"/>
-            <p:nvPr/>
-          </p:nvSpPr>
-          <p:spPr>
-            <a:xfrm>
-              <a:off x="4257582" y="4251556"/>
-              <a:ext cx="855809" cy="215444"/>
-            </a:xfrm>
-            <a:prstGeom prst="rect">
-              <a:avLst/>
-            </a:prstGeom>
-            <a:noFill/>
-          </p:spPr>
-          <p:txBody>
-            <a:bodyPr wrap="square" lIns="0" tIns="0" rIns="0" bIns="0" rtlCol="0">
-              <a:spAutoFit/>
-            </a:bodyPr>
-            <a:lstStyle>
-              <a:defPPr>
-                <a:defRPr lang="en-US"/>
-              </a:defPPr>
-              <a:lvl1pPr algn="r">
-                <a:defRPr sz="1400">
-                  <a:solidFill>
-                    <a:srgbClr val="0070C0"/>
-                  </a:solidFill>
-                </a:defRPr>
-              </a:lvl1pPr>
-            </a:lstStyle>
-            <a:p>
-              <a:r>
-                <a:rPr lang="en-US" dirty="0"/>
-                <a:t>execute()</a:t>
-              </a:r>
-            </a:p>
-          </p:txBody>
-        </p:sp>
-        <p:cxnSp>
-          <p:nvCxnSpPr>
-            <p:cNvPr id="56" name="Straight Arrow Connector 55">
-              <a:extLst>
-                <a:ext uri="{FF2B5EF4-FFF2-40B4-BE49-F238E27FC236}">
-                  <a16:creationId xmlns:a16="http://schemas.microsoft.com/office/drawing/2014/main" id="{F2B52AF7-4B6E-4A2F-8264-A55168354EEA}"/>
-                </a:ext>
-              </a:extLst>
-            </p:cNvPr>
-            <p:cNvCxnSpPr/>
-            <p:nvPr/>
-          </p:nvCxnSpPr>
-          <p:spPr>
-            <a:xfrm>
-              <a:off x="5257800" y="4050281"/>
-              <a:ext cx="1492974" cy="0"/>
-            </a:xfrm>
-            <a:prstGeom prst="straightConnector1">
-              <a:avLst/>
-            </a:prstGeom>
-            <a:ln w="19050">
-              <a:solidFill>
-                <a:srgbClr val="0070C0"/>
-              </a:solidFill>
-              <a:prstDash val="sysDash"/>
-              <a:headEnd type="arrow" w="med" len="med"/>
-              <a:tailEnd type="none" w="med" len="med"/>
-            </a:ln>
-          </p:spPr>
-          <p:style>
-            <a:lnRef idx="1">
-              <a:schemeClr val="accent1"/>
-            </a:lnRef>
-            <a:fillRef idx="0">
-              <a:schemeClr val="accent1"/>
-            </a:fillRef>
-            <a:effectRef idx="0">
-              <a:schemeClr val="accent1"/>
-            </a:effectRef>
-            <a:fontRef idx="minor">
-              <a:schemeClr val="tx1"/>
-            </a:fontRef>
-          </p:style>
-        </p:cxnSp>
-        <p:cxnSp>
-          <p:nvCxnSpPr>
-            <p:cNvPr id="57" name="Straight Arrow Connector 56">
-              <a:extLst>
-                <a:ext uri="{FF2B5EF4-FFF2-40B4-BE49-F238E27FC236}">
-                  <a16:creationId xmlns:a16="http://schemas.microsoft.com/office/drawing/2014/main" id="{1066ABA3-ABEF-4F45-B262-7DE3B40C777E}"/>
-                </a:ext>
-              </a:extLst>
-            </p:cNvPr>
-            <p:cNvCxnSpPr/>
-            <p:nvPr/>
-          </p:nvCxnSpPr>
-          <p:spPr>
-            <a:xfrm flipV="1">
-              <a:off x="1670186" y="4243231"/>
-              <a:ext cx="1596514" cy="5378"/>
-            </a:xfrm>
-            <a:prstGeom prst="straightConnector1">
-              <a:avLst/>
-            </a:prstGeom>
-            <a:ln w="19050">
-              <a:solidFill>
-                <a:srgbClr val="0070C0"/>
-              </a:solidFill>
-              <a:prstDash val="sysDash"/>
-              <a:headEnd type="arrow" w="med" len="med"/>
-              <a:tailEnd type="none" w="med" len="med"/>
-            </a:ln>
-          </p:spPr>
-          <p:style>
-            <a:lnRef idx="1">
-              <a:schemeClr val="accent1"/>
-            </a:lnRef>
-            <a:fillRef idx="0">
-              <a:schemeClr val="accent1"/>
-            </a:fillRef>
-            <a:effectRef idx="0">
-              <a:schemeClr val="accent1"/>
-            </a:effectRef>
-            <a:fontRef idx="minor">
-              <a:schemeClr val="tx1"/>
-            </a:fontRef>
-          </p:style>
-        </p:cxnSp>
-        <p:cxnSp>
-          <p:nvCxnSpPr>
-            <p:cNvPr id="58" name="Straight Arrow Connector 57">
-              <a:extLst>
-                <a:ext uri="{FF2B5EF4-FFF2-40B4-BE49-F238E27FC236}">
-                  <a16:creationId xmlns:a16="http://schemas.microsoft.com/office/drawing/2014/main" id="{59146C92-EF21-4700-BE49-D134BE64AFF3}"/>
-                </a:ext>
-              </a:extLst>
-            </p:cNvPr>
-            <p:cNvCxnSpPr/>
-            <p:nvPr/>
-          </p:nvCxnSpPr>
-          <p:spPr>
-            <a:xfrm>
-              <a:off x="304800" y="5791200"/>
-              <a:ext cx="1196051" cy="0"/>
-            </a:xfrm>
-            <a:prstGeom prst="straightConnector1">
-              <a:avLst/>
-            </a:prstGeom>
-            <a:ln w="19050">
-              <a:solidFill>
-                <a:schemeClr val="accent1"/>
-              </a:solidFill>
-              <a:prstDash val="sysDash"/>
-              <a:headEnd type="arrow" w="med" len="med"/>
-              <a:tailEnd type="none" w="med" len="med"/>
-            </a:ln>
-          </p:spPr>
-          <p:style>
-            <a:lnRef idx="1">
-              <a:schemeClr val="accent1"/>
-            </a:lnRef>
-            <a:fillRef idx="0">
-              <a:schemeClr val="accent1"/>
-            </a:fillRef>
-            <a:effectRef idx="0">
-              <a:schemeClr val="accent1"/>
-            </a:effectRef>
-            <a:fontRef idx="minor">
-              <a:schemeClr val="tx1"/>
-            </a:fontRef>
-          </p:style>
-        </p:cxnSp>
-        <p:cxnSp>
-          <p:nvCxnSpPr>
-            <p:cNvPr id="60" name="Straight Arrow Connector 59">
-              <a:extLst>
-                <a:ext uri="{FF2B5EF4-FFF2-40B4-BE49-F238E27FC236}">
-                  <a16:creationId xmlns:a16="http://schemas.microsoft.com/office/drawing/2014/main" id="{BA35CE39-DBFC-4BF6-8D35-2AD97EE43E3E}"/>
-                </a:ext>
-              </a:extLst>
-            </p:cNvPr>
-            <p:cNvCxnSpPr/>
-            <p:nvPr/>
-          </p:nvCxnSpPr>
-          <p:spPr>
-            <a:xfrm>
-              <a:off x="1653251" y="4495317"/>
-              <a:ext cx="5043123" cy="0"/>
-            </a:xfrm>
-            <a:prstGeom prst="straightConnector1">
-              <a:avLst/>
-            </a:prstGeom>
-            <a:ln w="19050">
-              <a:solidFill>
-                <a:srgbClr val="0070C0"/>
-              </a:solidFill>
-              <a:tailEnd type="arrow"/>
-            </a:ln>
-          </p:spPr>
-          <p:style>
-            <a:lnRef idx="1">
-              <a:schemeClr val="accent1"/>
-            </a:lnRef>
-            <a:fillRef idx="0">
-              <a:schemeClr val="accent1"/>
-            </a:fillRef>
-            <a:effectRef idx="0">
-              <a:schemeClr val="accent1"/>
-            </a:effectRef>
-            <a:fontRef idx="minor">
-              <a:schemeClr val="tx1"/>
-            </a:fontRef>
-          </p:style>
-        </p:cxnSp>
-        <p:sp>
-          <p:nvSpPr>
-            <p:cNvPr id="61" name="Rectangle 60">
-              <a:extLst>
-                <a:ext uri="{FF2B5EF4-FFF2-40B4-BE49-F238E27FC236}">
-                  <a16:creationId xmlns:a16="http://schemas.microsoft.com/office/drawing/2014/main" id="{0F01BBB8-21BA-4814-A106-897444FBDDA3}"/>
-                </a:ext>
-              </a:extLst>
-            </p:cNvPr>
-            <p:cNvSpPr/>
-            <p:nvPr/>
-          </p:nvSpPr>
-          <p:spPr>
-            <a:xfrm>
-              <a:off x="6687452" y="4467000"/>
-              <a:ext cx="161322" cy="1019400"/>
-            </a:xfrm>
-            <a:prstGeom prst="rect">
-              <a:avLst/>
-            </a:prstGeom>
+            <a:prstDash val="sysDash"/>
+          </a:ln>
+          <a:effectLst/>
+        </p:spPr>
+        <p:style>
+          <a:lnRef idx="1">
+            <a:schemeClr val="accent1"/>
+          </a:lnRef>
+          <a:fillRef idx="2">
+            <a:schemeClr val="accent1"/>
+          </a:fillRef>
+          <a:effectRef idx="1">
+            <a:schemeClr val="accent1"/>
+          </a:effectRef>
+          <a:fontRef idx="minor">
+            <a:schemeClr val="dk1"/>
+          </a:fontRef>
+        </p:style>
+      </p:cxnSp>
+      <p:sp>
+        <p:nvSpPr>
+          <p:cNvPr id="50" name="Rectangle 49">
+            <a:extLst>
+              <a:ext uri="{FF2B5EF4-FFF2-40B4-BE49-F238E27FC236}">
+                <a16:creationId xmlns:a16="http://schemas.microsoft.com/office/drawing/2014/main" id="{47572529-C5ED-470B-8A54-28C71F812793}"/>
+              </a:ext>
+            </a:extLst>
+          </p:cNvPr>
+          <p:cNvSpPr/>
+          <p:nvPr/>
+        </p:nvSpPr>
+        <p:spPr>
+          <a:xfrm>
+            <a:off x="6696374" y="3774278"/>
+            <a:ext cx="152400" cy="276003"/>
+          </a:xfrm>
+          <a:prstGeom prst="rect">
+            <a:avLst/>
+          </a:prstGeom>
+          <a:solidFill>
+            <a:srgbClr val="0070C0"/>
+          </a:solidFill>
+          <a:ln>
             <a:solidFill>
               <a:srgbClr val="0070C0"/>
             </a:solidFill>
-            <a:ln>
-              <a:solidFill>
-                <a:srgbClr val="0070C0"/>
-              </a:solidFill>
-            </a:ln>
-            <a:effectLst/>
-          </p:spPr>
-          <p:style>
-            <a:lnRef idx="1">
-              <a:schemeClr val="accent3"/>
-            </a:lnRef>
-            <a:fillRef idx="2">
-              <a:schemeClr val="accent3"/>
-            </a:fillRef>
-            <a:effectRef idx="1">
-              <a:schemeClr val="accent3"/>
-            </a:effectRef>
-            <a:fontRef idx="minor">
-              <a:schemeClr val="dk1"/>
-            </a:fontRef>
-          </p:style>
-          <p:txBody>
-            <a:bodyPr rtlCol="0" anchor="ctr"/>
-            <a:lstStyle/>
-            <a:p>
-              <a:pPr algn="ctr"/>
-              <a:endParaRPr lang="en-SG" sz="1400"/>
-            </a:p>
-          </p:txBody>
-        </p:sp>
-        <p:cxnSp>
-          <p:nvCxnSpPr>
-            <p:cNvPr id="66" name="Straight Arrow Connector 65">
-              <a:extLst>
-                <a:ext uri="{FF2B5EF4-FFF2-40B4-BE49-F238E27FC236}">
-                  <a16:creationId xmlns:a16="http://schemas.microsoft.com/office/drawing/2014/main" id="{466D4003-BD00-4799-96F6-542585F015D0}"/>
-                </a:ext>
-              </a:extLst>
-            </p:cNvPr>
-            <p:cNvCxnSpPr/>
-            <p:nvPr/>
-          </p:nvCxnSpPr>
-          <p:spPr>
-            <a:xfrm>
-              <a:off x="1653251" y="5486400"/>
-              <a:ext cx="5052349" cy="0"/>
-            </a:xfrm>
-            <a:prstGeom prst="straightConnector1">
-              <a:avLst/>
-            </a:prstGeom>
-            <a:ln w="19050">
-              <a:solidFill>
-                <a:srgbClr val="0070C0"/>
-              </a:solidFill>
-              <a:prstDash val="sysDash"/>
-              <a:headEnd type="arrow" w="med" len="med"/>
-              <a:tailEnd type="none" w="med" len="med"/>
-            </a:ln>
-          </p:spPr>
-          <p:style>
-            <a:lnRef idx="1">
-              <a:schemeClr val="accent1"/>
-            </a:lnRef>
-            <a:fillRef idx="0">
-              <a:schemeClr val="accent1"/>
-            </a:fillRef>
-            <a:effectRef idx="0">
-              <a:schemeClr val="accent1"/>
-            </a:effectRef>
-            <a:fontRef idx="minor">
-              <a:schemeClr val="tx1"/>
-            </a:fontRef>
-          </p:style>
-        </p:cxnSp>
-        <p:sp>
-          <p:nvSpPr>
-            <p:cNvPr id="68" name="TextBox 67">
-              <a:extLst>
-                <a:ext uri="{FF2B5EF4-FFF2-40B4-BE49-F238E27FC236}">
-                  <a16:creationId xmlns:a16="http://schemas.microsoft.com/office/drawing/2014/main" id="{F5454079-B9AA-4164-B31C-31B67B33324C}"/>
-                </a:ext>
-              </a:extLst>
-            </p:cNvPr>
-            <p:cNvSpPr txBox="1"/>
-            <p:nvPr/>
-          </p:nvSpPr>
-          <p:spPr>
-            <a:xfrm>
-              <a:off x="3629363" y="3672116"/>
-              <a:ext cx="985221" cy="184666"/>
-            </a:xfrm>
-            <a:prstGeom prst="rect">
-              <a:avLst/>
-            </a:prstGeom>
-            <a:noFill/>
-          </p:spPr>
-          <p:txBody>
-            <a:bodyPr wrap="square" lIns="0" tIns="0" rIns="0" bIns="0" rtlCol="0">
-              <a:spAutoFit/>
-            </a:bodyPr>
-            <a:lstStyle>
-              <a:defPPr>
-                <a:defRPr lang="en-US"/>
-              </a:defPPr>
-              <a:lvl1pPr algn="r">
-                <a:defRPr sz="1400">
-                  <a:solidFill>
-                    <a:srgbClr val="0070C0"/>
-                  </a:solidFill>
-                </a:defRPr>
-              </a:lvl1pPr>
-            </a:lstStyle>
-            <a:p>
-              <a:r>
-                <a:rPr lang="en-US" sz="1200" dirty="0"/>
-                <a:t>parse(“m/Jan”)</a:t>
-              </a:r>
-            </a:p>
-          </p:txBody>
-        </p:sp>
-        <p:sp>
-          <p:nvSpPr>
-            <p:cNvPr id="69" name="TextBox 68">
-              <a:extLst>
-                <a:ext uri="{FF2B5EF4-FFF2-40B4-BE49-F238E27FC236}">
-                  <a16:creationId xmlns:a16="http://schemas.microsoft.com/office/drawing/2014/main" id="{2B9A2D1A-56BE-4EA4-830E-9F6962132738}"/>
-                </a:ext>
-              </a:extLst>
-            </p:cNvPr>
-            <p:cNvSpPr txBox="1"/>
-            <p:nvPr/>
-          </p:nvSpPr>
-          <p:spPr>
-            <a:xfrm>
-              <a:off x="1496855" y="2850922"/>
-              <a:ext cx="1670973" cy="215444"/>
-            </a:xfrm>
-            <a:prstGeom prst="rect">
-              <a:avLst/>
-            </a:prstGeom>
-            <a:noFill/>
-          </p:spPr>
-          <p:txBody>
-            <a:bodyPr wrap="square" lIns="0" tIns="0" rIns="0" bIns="0" rtlCol="0">
-              <a:spAutoFit/>
-            </a:bodyPr>
-            <a:lstStyle>
-              <a:defPPr>
-                <a:defRPr lang="en-US"/>
-              </a:defPPr>
-              <a:lvl1pPr algn="r">
-                <a:defRPr sz="1400">
-                  <a:solidFill>
-                    <a:srgbClr val="0070C0"/>
-                  </a:solidFill>
-                </a:defRPr>
-              </a:lvl1pPr>
-            </a:lstStyle>
-            <a:p>
-              <a:r>
-                <a:rPr lang="en-US" dirty="0"/>
-                <a:t>parse(“Find m/Jan”)</a:t>
-              </a:r>
-            </a:p>
-          </p:txBody>
-        </p:sp>
-        <p:sp>
-          <p:nvSpPr>
-            <p:cNvPr id="70" name="TextBox 69">
-              <a:extLst>
-                <a:ext uri="{FF2B5EF4-FFF2-40B4-BE49-F238E27FC236}">
-                  <a16:creationId xmlns:a16="http://schemas.microsoft.com/office/drawing/2014/main" id="{137878AD-BFFA-4682-BC29-FBDDC822DF82}"/>
-                </a:ext>
-              </a:extLst>
-            </p:cNvPr>
-            <p:cNvSpPr txBox="1"/>
-            <p:nvPr/>
-          </p:nvSpPr>
-          <p:spPr>
-            <a:xfrm>
-              <a:off x="4340137" y="5255323"/>
-              <a:ext cx="621216" cy="215444"/>
-            </a:xfrm>
-            <a:prstGeom prst="rect">
-              <a:avLst/>
-            </a:prstGeom>
-            <a:noFill/>
-          </p:spPr>
-          <p:txBody>
-            <a:bodyPr wrap="square" lIns="0" tIns="0" rIns="0" bIns="0" rtlCol="0">
-              <a:spAutoFit/>
-            </a:bodyPr>
-            <a:lstStyle>
-              <a:defPPr>
-                <a:defRPr lang="en-US"/>
-              </a:defPPr>
-              <a:lvl1pPr algn="r">
-                <a:defRPr sz="1400">
-                  <a:solidFill>
-                    <a:srgbClr val="0070C0"/>
-                  </a:solidFill>
-                </a:defRPr>
-              </a:lvl1pPr>
-            </a:lstStyle>
-            <a:p>
-              <a:r>
-                <a:rPr lang="en-US" dirty="0"/>
-                <a:t>return</a:t>
-              </a:r>
-            </a:p>
-          </p:txBody>
-        </p:sp>
-        <p:sp>
-          <p:nvSpPr>
-            <p:cNvPr id="71" name="TextBox 70">
-              <a:extLst>
-                <a:ext uri="{FF2B5EF4-FFF2-40B4-BE49-F238E27FC236}">
-                  <a16:creationId xmlns:a16="http://schemas.microsoft.com/office/drawing/2014/main" id="{092E3826-0772-4368-AF94-A936D30E2581}"/>
-                </a:ext>
-              </a:extLst>
-            </p:cNvPr>
-            <p:cNvSpPr txBox="1"/>
-            <p:nvPr/>
-          </p:nvSpPr>
-          <p:spPr>
-            <a:xfrm>
-              <a:off x="599983" y="5538488"/>
-              <a:ext cx="762000" cy="215444"/>
-            </a:xfrm>
-            <a:prstGeom prst="rect">
-              <a:avLst/>
-            </a:prstGeom>
-            <a:noFill/>
-          </p:spPr>
-          <p:txBody>
-            <a:bodyPr wrap="square" lIns="0" tIns="0" rIns="0" bIns="0" rtlCol="0">
-              <a:spAutoFit/>
-            </a:bodyPr>
-            <a:lstStyle>
-              <a:defPPr>
-                <a:defRPr lang="en-US"/>
-              </a:defPPr>
-              <a:lvl1pPr algn="r">
-                <a:defRPr sz="1400">
-                  <a:solidFill>
-                    <a:srgbClr val="0070C0"/>
-                  </a:solidFill>
-                </a:defRPr>
-              </a:lvl1pPr>
-            </a:lstStyle>
-            <a:p>
-              <a:r>
-                <a:rPr lang="en-US" dirty="0"/>
-                <a:t>return</a:t>
-              </a:r>
-            </a:p>
-          </p:txBody>
-        </p:sp>
-        <p:sp>
-          <p:nvSpPr>
-            <p:cNvPr id="72" name="Rectangle 62">
-              <a:extLst>
-                <a:ext uri="{FF2B5EF4-FFF2-40B4-BE49-F238E27FC236}">
-                  <a16:creationId xmlns:a16="http://schemas.microsoft.com/office/drawing/2014/main" id="{B2C44573-0C1E-4FAE-8925-F246A29B6493}"/>
-                </a:ext>
-              </a:extLst>
-            </p:cNvPr>
-            <p:cNvSpPr/>
-            <p:nvPr/>
-          </p:nvSpPr>
-          <p:spPr>
-            <a:xfrm>
-              <a:off x="7020245" y="4777286"/>
-              <a:ext cx="1805569" cy="461538"/>
-            </a:xfrm>
-            <a:prstGeom prst="rect">
-              <a:avLst/>
-            </a:prstGeom>
+          </a:ln>
+          <a:effectLst/>
+        </p:spPr>
+        <p:style>
+          <a:lnRef idx="1">
+            <a:schemeClr val="accent3"/>
+          </a:lnRef>
+          <a:fillRef idx="2">
+            <a:schemeClr val="accent3"/>
+          </a:fillRef>
+          <a:effectRef idx="1">
+            <a:schemeClr val="accent3"/>
+          </a:effectRef>
+          <a:fontRef idx="minor">
+            <a:schemeClr val="dk1"/>
+          </a:fontRef>
+        </p:style>
+        <p:txBody>
+          <a:bodyPr rtlCol="0" anchor="ctr"/>
+          <a:lstStyle/>
+          <a:p>
+            <a:pPr algn="ctr"/>
+            <a:endParaRPr lang="en-SG" sz="1400"/>
+          </a:p>
+        </p:txBody>
+      </p:sp>
+      <p:cxnSp>
+        <p:nvCxnSpPr>
+          <p:cNvPr id="51" name="Straight Arrow Connector 50">
+            <a:extLst>
+              <a:ext uri="{FF2B5EF4-FFF2-40B4-BE49-F238E27FC236}">
+                <a16:creationId xmlns:a16="http://schemas.microsoft.com/office/drawing/2014/main" id="{7F13AB63-141F-4B3B-9D87-B02652B927EB}"/>
+              </a:ext>
+            </a:extLst>
+          </p:cNvPr>
+          <p:cNvCxnSpPr/>
+          <p:nvPr/>
+        </p:nvCxnSpPr>
+        <p:spPr>
+          <a:xfrm>
+            <a:off x="381000" y="3014599"/>
+            <a:ext cx="1119851" cy="0"/>
+          </a:xfrm>
+          <a:prstGeom prst="straightConnector1">
+            <a:avLst/>
+          </a:prstGeom>
+          <a:ln w="19050">
+            <a:solidFill>
+              <a:srgbClr val="00B050"/>
+            </a:solidFill>
+            <a:tailEnd type="arrow"/>
+          </a:ln>
+        </p:spPr>
+        <p:style>
+          <a:lnRef idx="1">
+            <a:schemeClr val="accent1"/>
+          </a:lnRef>
+          <a:fillRef idx="0">
+            <a:schemeClr val="accent1"/>
+          </a:fillRef>
+          <a:effectRef idx="0">
+            <a:schemeClr val="accent1"/>
+          </a:effectRef>
+          <a:fontRef idx="minor">
+            <a:schemeClr val="tx1"/>
+          </a:fontRef>
+        </p:style>
+      </p:cxnSp>
+      <p:cxnSp>
+        <p:nvCxnSpPr>
+          <p:cNvPr id="52" name="Straight Arrow Connector 51">
+            <a:extLst>
+              <a:ext uri="{FF2B5EF4-FFF2-40B4-BE49-F238E27FC236}">
+                <a16:creationId xmlns:a16="http://schemas.microsoft.com/office/drawing/2014/main" id="{4207C632-8E46-4A6D-B648-3A40705FA2C1}"/>
+              </a:ext>
+            </a:extLst>
+          </p:cNvPr>
+          <p:cNvCxnSpPr/>
+          <p:nvPr/>
+        </p:nvCxnSpPr>
+        <p:spPr>
+          <a:xfrm flipV="1">
+            <a:off x="1653251" y="3122097"/>
+            <a:ext cx="1596514" cy="1"/>
+          </a:xfrm>
+          <a:prstGeom prst="straightConnector1">
+            <a:avLst/>
+          </a:prstGeom>
+          <a:ln w="19050">
             <a:solidFill>
               <a:srgbClr val="0070C0"/>
             </a:solidFill>
-            <a:ln w="19050">
-              <a:solidFill>
-                <a:srgbClr val="0070C0"/>
-              </a:solidFill>
-            </a:ln>
-            <a:effectLst/>
-          </p:spPr>
-          <p:style>
-            <a:lnRef idx="1">
-              <a:schemeClr val="accent2"/>
-            </a:lnRef>
-            <a:fillRef idx="2">
-              <a:schemeClr val="accent2"/>
-            </a:fillRef>
-            <a:effectRef idx="1">
-              <a:schemeClr val="accent2"/>
-            </a:effectRef>
-            <a:fontRef idx="minor">
-              <a:schemeClr val="dk1"/>
-            </a:fontRef>
-          </p:style>
-          <p:txBody>
-            <a:bodyPr rtlCol="0" anchor="ctr"/>
-            <a:lstStyle/>
-            <a:p>
-              <a:pPr algn="ctr"/>
-              <a:r>
-                <a:rPr lang="en-US" sz="1600" dirty="0">
-                  <a:solidFill>
-                    <a:schemeClr val="bg1"/>
-                  </a:solidFill>
-                </a:rPr>
-                <a:t>:</a:t>
-              </a:r>
-              <a:r>
-                <a:rPr lang="en-US" sz="1600" dirty="0" err="1">
-                  <a:solidFill>
-                    <a:schemeClr val="bg1"/>
-                  </a:solidFill>
-                </a:rPr>
-                <a:t>PersonContains</a:t>
-              </a:r>
-              <a:endParaRPr lang="en-US" sz="1600" dirty="0">
+            <a:tailEnd type="arrow"/>
+          </a:ln>
+        </p:spPr>
+        <p:style>
+          <a:lnRef idx="1">
+            <a:schemeClr val="accent1"/>
+          </a:lnRef>
+          <a:fillRef idx="0">
+            <a:schemeClr val="accent1"/>
+          </a:fillRef>
+          <a:effectRef idx="0">
+            <a:schemeClr val="accent1"/>
+          </a:effectRef>
+          <a:fontRef idx="minor">
+            <a:schemeClr val="tx1"/>
+          </a:fontRef>
+        </p:style>
+      </p:cxnSp>
+      <p:sp>
+        <p:nvSpPr>
+          <p:cNvPr id="53" name="TextBox 52">
+            <a:extLst>
+              <a:ext uri="{FF2B5EF4-FFF2-40B4-BE49-F238E27FC236}">
+                <a16:creationId xmlns:a16="http://schemas.microsoft.com/office/drawing/2014/main" id="{6FAF6AAF-1795-4BE1-A76A-4E28D5C320FA}"/>
+              </a:ext>
+            </a:extLst>
+          </p:cNvPr>
+          <p:cNvSpPr txBox="1"/>
+          <p:nvPr/>
+        </p:nvSpPr>
+        <p:spPr>
+          <a:xfrm>
+            <a:off x="-275323" y="2743200"/>
+            <a:ext cx="1700169" cy="215444"/>
+          </a:xfrm>
+          <a:prstGeom prst="rect">
+            <a:avLst/>
+          </a:prstGeom>
+          <a:noFill/>
+        </p:spPr>
+        <p:txBody>
+          <a:bodyPr wrap="square" lIns="0" tIns="0" rIns="0" bIns="0" rtlCol="0">
+            <a:spAutoFit/>
+          </a:bodyPr>
+          <a:lstStyle/>
+          <a:p>
+            <a:pPr algn="r"/>
+            <a:r>
+              <a:rPr lang="en-US" sz="1400" dirty="0">
+                <a:solidFill>
+                  <a:srgbClr val="0070C0"/>
+                </a:solidFill>
+              </a:rPr>
+              <a:t>execute(“Find m/Jan”)</a:t>
+            </a:r>
+          </a:p>
+        </p:txBody>
+      </p:sp>
+      <p:cxnSp>
+        <p:nvCxnSpPr>
+          <p:cNvPr id="54" name="Straight Arrow Connector 53">
+            <a:extLst>
+              <a:ext uri="{FF2B5EF4-FFF2-40B4-BE49-F238E27FC236}">
+                <a16:creationId xmlns:a16="http://schemas.microsoft.com/office/drawing/2014/main" id="{D4B44A02-BFEB-4195-85B0-42B27D03E616}"/>
+              </a:ext>
+            </a:extLst>
+          </p:cNvPr>
+          <p:cNvCxnSpPr/>
+          <p:nvPr/>
+        </p:nvCxnSpPr>
+        <p:spPr>
+          <a:xfrm flipV="1">
+            <a:off x="5257218" y="3703214"/>
+            <a:ext cx="922392" cy="1"/>
+          </a:xfrm>
+          <a:prstGeom prst="straightConnector1">
+            <a:avLst/>
+          </a:prstGeom>
+          <a:ln w="19050">
+            <a:solidFill>
+              <a:srgbClr val="0070C0"/>
+            </a:solidFill>
+            <a:tailEnd type="arrow"/>
+          </a:ln>
+        </p:spPr>
+        <p:style>
+          <a:lnRef idx="1">
+            <a:schemeClr val="accent1"/>
+          </a:lnRef>
+          <a:fillRef idx="0">
+            <a:schemeClr val="accent1"/>
+          </a:fillRef>
+          <a:effectRef idx="0">
+            <a:schemeClr val="accent1"/>
+          </a:effectRef>
+          <a:fontRef idx="minor">
+            <a:schemeClr val="tx1"/>
+          </a:fontRef>
+        </p:style>
+      </p:cxnSp>
+      <p:sp>
+        <p:nvSpPr>
+          <p:cNvPr id="55" name="TextBox 54">
+            <a:extLst>
+              <a:ext uri="{FF2B5EF4-FFF2-40B4-BE49-F238E27FC236}">
+                <a16:creationId xmlns:a16="http://schemas.microsoft.com/office/drawing/2014/main" id="{167D1E71-0970-4FA6-A2F9-2EBB0FA6C1D3}"/>
+              </a:ext>
+            </a:extLst>
+          </p:cNvPr>
+          <p:cNvSpPr txBox="1"/>
+          <p:nvPr/>
+        </p:nvSpPr>
+        <p:spPr>
+          <a:xfrm>
+            <a:off x="4257582" y="4251556"/>
+            <a:ext cx="855809" cy="215444"/>
+          </a:xfrm>
+          <a:prstGeom prst="rect">
+            <a:avLst/>
+          </a:prstGeom>
+          <a:noFill/>
+        </p:spPr>
+        <p:txBody>
+          <a:bodyPr wrap="square" lIns="0" tIns="0" rIns="0" bIns="0" rtlCol="0">
+            <a:spAutoFit/>
+          </a:bodyPr>
+          <a:lstStyle>
+            <a:defPPr>
+              <a:defRPr lang="en-US"/>
+            </a:defPPr>
+            <a:lvl1pPr algn="r">
+              <a:defRPr sz="1400">
+                <a:solidFill>
+                  <a:srgbClr val="0070C0"/>
+                </a:solidFill>
+              </a:defRPr>
+            </a:lvl1pPr>
+          </a:lstStyle>
+          <a:p>
+            <a:r>
+              <a:rPr lang="en-US" dirty="0"/>
+              <a:t>execute()</a:t>
+            </a:r>
+          </a:p>
+        </p:txBody>
+      </p:sp>
+      <p:cxnSp>
+        <p:nvCxnSpPr>
+          <p:cNvPr id="56" name="Straight Arrow Connector 55">
+            <a:extLst>
+              <a:ext uri="{FF2B5EF4-FFF2-40B4-BE49-F238E27FC236}">
+                <a16:creationId xmlns:a16="http://schemas.microsoft.com/office/drawing/2014/main" id="{F2B52AF7-4B6E-4A2F-8264-A55168354EEA}"/>
+              </a:ext>
+            </a:extLst>
+          </p:cNvPr>
+          <p:cNvCxnSpPr/>
+          <p:nvPr/>
+        </p:nvCxnSpPr>
+        <p:spPr>
+          <a:xfrm>
+            <a:off x="5257800" y="4050281"/>
+            <a:ext cx="1492974" cy="0"/>
+          </a:xfrm>
+          <a:prstGeom prst="straightConnector1">
+            <a:avLst/>
+          </a:prstGeom>
+          <a:ln w="19050">
+            <a:solidFill>
+              <a:srgbClr val="0070C0"/>
+            </a:solidFill>
+            <a:prstDash val="sysDash"/>
+            <a:headEnd type="arrow" w="med" len="med"/>
+            <a:tailEnd type="none" w="med" len="med"/>
+          </a:ln>
+        </p:spPr>
+        <p:style>
+          <a:lnRef idx="1">
+            <a:schemeClr val="accent1"/>
+          </a:lnRef>
+          <a:fillRef idx="0">
+            <a:schemeClr val="accent1"/>
+          </a:fillRef>
+          <a:effectRef idx="0">
+            <a:schemeClr val="accent1"/>
+          </a:effectRef>
+          <a:fontRef idx="minor">
+            <a:schemeClr val="tx1"/>
+          </a:fontRef>
+        </p:style>
+      </p:cxnSp>
+      <p:cxnSp>
+        <p:nvCxnSpPr>
+          <p:cNvPr id="57" name="Straight Arrow Connector 56">
+            <a:extLst>
+              <a:ext uri="{FF2B5EF4-FFF2-40B4-BE49-F238E27FC236}">
+                <a16:creationId xmlns:a16="http://schemas.microsoft.com/office/drawing/2014/main" id="{1066ABA3-ABEF-4F45-B262-7DE3B40C777E}"/>
+              </a:ext>
+            </a:extLst>
+          </p:cNvPr>
+          <p:cNvCxnSpPr/>
+          <p:nvPr/>
+        </p:nvCxnSpPr>
+        <p:spPr>
+          <a:xfrm flipV="1">
+            <a:off x="1670186" y="4243231"/>
+            <a:ext cx="1596514" cy="5378"/>
+          </a:xfrm>
+          <a:prstGeom prst="straightConnector1">
+            <a:avLst/>
+          </a:prstGeom>
+          <a:ln w="19050">
+            <a:solidFill>
+              <a:srgbClr val="0070C0"/>
+            </a:solidFill>
+            <a:prstDash val="sysDash"/>
+            <a:headEnd type="arrow" w="med" len="med"/>
+            <a:tailEnd type="none" w="med" len="med"/>
+          </a:ln>
+        </p:spPr>
+        <p:style>
+          <a:lnRef idx="1">
+            <a:schemeClr val="accent1"/>
+          </a:lnRef>
+          <a:fillRef idx="0">
+            <a:schemeClr val="accent1"/>
+          </a:fillRef>
+          <a:effectRef idx="0">
+            <a:schemeClr val="accent1"/>
+          </a:effectRef>
+          <a:fontRef idx="minor">
+            <a:schemeClr val="tx1"/>
+          </a:fontRef>
+        </p:style>
+      </p:cxnSp>
+      <p:cxnSp>
+        <p:nvCxnSpPr>
+          <p:cNvPr id="58" name="Straight Arrow Connector 57">
+            <a:extLst>
+              <a:ext uri="{FF2B5EF4-FFF2-40B4-BE49-F238E27FC236}">
+                <a16:creationId xmlns:a16="http://schemas.microsoft.com/office/drawing/2014/main" id="{59146C92-EF21-4700-BE49-D134BE64AFF3}"/>
+              </a:ext>
+            </a:extLst>
+          </p:cNvPr>
+          <p:cNvCxnSpPr/>
+          <p:nvPr/>
+        </p:nvCxnSpPr>
+        <p:spPr>
+          <a:xfrm>
+            <a:off x="304800" y="5791200"/>
+            <a:ext cx="1196051" cy="0"/>
+          </a:xfrm>
+          <a:prstGeom prst="straightConnector1">
+            <a:avLst/>
+          </a:prstGeom>
+          <a:ln w="19050">
+            <a:solidFill>
+              <a:schemeClr val="accent1"/>
+            </a:solidFill>
+            <a:prstDash val="sysDash"/>
+            <a:headEnd type="arrow" w="med" len="med"/>
+            <a:tailEnd type="none" w="med" len="med"/>
+          </a:ln>
+        </p:spPr>
+        <p:style>
+          <a:lnRef idx="1">
+            <a:schemeClr val="accent1"/>
+          </a:lnRef>
+          <a:fillRef idx="0">
+            <a:schemeClr val="accent1"/>
+          </a:fillRef>
+          <a:effectRef idx="0">
+            <a:schemeClr val="accent1"/>
+          </a:effectRef>
+          <a:fontRef idx="minor">
+            <a:schemeClr val="tx1"/>
+          </a:fontRef>
+        </p:style>
+      </p:cxnSp>
+      <p:cxnSp>
+        <p:nvCxnSpPr>
+          <p:cNvPr id="60" name="Straight Arrow Connector 59">
+            <a:extLst>
+              <a:ext uri="{FF2B5EF4-FFF2-40B4-BE49-F238E27FC236}">
+                <a16:creationId xmlns:a16="http://schemas.microsoft.com/office/drawing/2014/main" id="{BA35CE39-DBFC-4BF6-8D35-2AD97EE43E3E}"/>
+              </a:ext>
+            </a:extLst>
+          </p:cNvPr>
+          <p:cNvCxnSpPr/>
+          <p:nvPr/>
+        </p:nvCxnSpPr>
+        <p:spPr>
+          <a:xfrm>
+            <a:off x="1653251" y="4495317"/>
+            <a:ext cx="5043123" cy="0"/>
+          </a:xfrm>
+          <a:prstGeom prst="straightConnector1">
+            <a:avLst/>
+          </a:prstGeom>
+          <a:ln w="19050">
+            <a:solidFill>
+              <a:srgbClr val="0070C0"/>
+            </a:solidFill>
+            <a:tailEnd type="arrow"/>
+          </a:ln>
+        </p:spPr>
+        <p:style>
+          <a:lnRef idx="1">
+            <a:schemeClr val="accent1"/>
+          </a:lnRef>
+          <a:fillRef idx="0">
+            <a:schemeClr val="accent1"/>
+          </a:fillRef>
+          <a:effectRef idx="0">
+            <a:schemeClr val="accent1"/>
+          </a:effectRef>
+          <a:fontRef idx="minor">
+            <a:schemeClr val="tx1"/>
+          </a:fontRef>
+        </p:style>
+      </p:cxnSp>
+      <p:sp>
+        <p:nvSpPr>
+          <p:cNvPr id="61" name="Rectangle 60">
+            <a:extLst>
+              <a:ext uri="{FF2B5EF4-FFF2-40B4-BE49-F238E27FC236}">
+                <a16:creationId xmlns:a16="http://schemas.microsoft.com/office/drawing/2014/main" id="{0F01BBB8-21BA-4814-A106-897444FBDDA3}"/>
+              </a:ext>
+            </a:extLst>
+          </p:cNvPr>
+          <p:cNvSpPr/>
+          <p:nvPr/>
+        </p:nvSpPr>
+        <p:spPr>
+          <a:xfrm>
+            <a:off x="6687452" y="4467000"/>
+            <a:ext cx="161322" cy="1019400"/>
+          </a:xfrm>
+          <a:prstGeom prst="rect">
+            <a:avLst/>
+          </a:prstGeom>
+          <a:solidFill>
+            <a:srgbClr val="0070C0"/>
+          </a:solidFill>
+          <a:ln>
+            <a:solidFill>
+              <a:srgbClr val="0070C0"/>
+            </a:solidFill>
+          </a:ln>
+          <a:effectLst/>
+        </p:spPr>
+        <p:style>
+          <a:lnRef idx="1">
+            <a:schemeClr val="accent3"/>
+          </a:lnRef>
+          <a:fillRef idx="2">
+            <a:schemeClr val="accent3"/>
+          </a:fillRef>
+          <a:effectRef idx="1">
+            <a:schemeClr val="accent3"/>
+          </a:effectRef>
+          <a:fontRef idx="minor">
+            <a:schemeClr val="dk1"/>
+          </a:fontRef>
+        </p:style>
+        <p:txBody>
+          <a:bodyPr rtlCol="0" anchor="ctr"/>
+          <a:lstStyle/>
+          <a:p>
+            <a:pPr algn="ctr"/>
+            <a:endParaRPr lang="en-SG" sz="1400"/>
+          </a:p>
+        </p:txBody>
+      </p:sp>
+      <p:cxnSp>
+        <p:nvCxnSpPr>
+          <p:cNvPr id="66" name="Straight Arrow Connector 65">
+            <a:extLst>
+              <a:ext uri="{FF2B5EF4-FFF2-40B4-BE49-F238E27FC236}">
+                <a16:creationId xmlns:a16="http://schemas.microsoft.com/office/drawing/2014/main" id="{466D4003-BD00-4799-96F6-542585F015D0}"/>
+              </a:ext>
+            </a:extLst>
+          </p:cNvPr>
+          <p:cNvCxnSpPr/>
+          <p:nvPr/>
+        </p:nvCxnSpPr>
+        <p:spPr>
+          <a:xfrm>
+            <a:off x="1653251" y="5486400"/>
+            <a:ext cx="5052349" cy="0"/>
+          </a:xfrm>
+          <a:prstGeom prst="straightConnector1">
+            <a:avLst/>
+          </a:prstGeom>
+          <a:ln w="19050">
+            <a:solidFill>
+              <a:srgbClr val="0070C0"/>
+            </a:solidFill>
+            <a:prstDash val="sysDash"/>
+            <a:headEnd type="arrow" w="med" len="med"/>
+            <a:tailEnd type="none" w="med" len="med"/>
+          </a:ln>
+        </p:spPr>
+        <p:style>
+          <a:lnRef idx="1">
+            <a:schemeClr val="accent1"/>
+          </a:lnRef>
+          <a:fillRef idx="0">
+            <a:schemeClr val="accent1"/>
+          </a:fillRef>
+          <a:effectRef idx="0">
+            <a:schemeClr val="accent1"/>
+          </a:effectRef>
+          <a:fontRef idx="minor">
+            <a:schemeClr val="tx1"/>
+          </a:fontRef>
+        </p:style>
+      </p:cxnSp>
+      <p:sp>
+        <p:nvSpPr>
+          <p:cNvPr id="68" name="TextBox 67">
+            <a:extLst>
+              <a:ext uri="{FF2B5EF4-FFF2-40B4-BE49-F238E27FC236}">
+                <a16:creationId xmlns:a16="http://schemas.microsoft.com/office/drawing/2014/main" id="{F5454079-B9AA-4164-B31C-31B67B33324C}"/>
+              </a:ext>
+            </a:extLst>
+          </p:cNvPr>
+          <p:cNvSpPr txBox="1"/>
+          <p:nvPr/>
+        </p:nvSpPr>
+        <p:spPr>
+          <a:xfrm>
+            <a:off x="3629363" y="3672116"/>
+            <a:ext cx="985221" cy="184666"/>
+          </a:xfrm>
+          <a:prstGeom prst="rect">
+            <a:avLst/>
+          </a:prstGeom>
+          <a:noFill/>
+        </p:spPr>
+        <p:txBody>
+          <a:bodyPr wrap="square" lIns="0" tIns="0" rIns="0" bIns="0" rtlCol="0">
+            <a:spAutoFit/>
+          </a:bodyPr>
+          <a:lstStyle>
+            <a:defPPr>
+              <a:defRPr lang="en-US"/>
+            </a:defPPr>
+            <a:lvl1pPr algn="r">
+              <a:defRPr sz="1400">
+                <a:solidFill>
+                  <a:srgbClr val="0070C0"/>
+                </a:solidFill>
+              </a:defRPr>
+            </a:lvl1pPr>
+          </a:lstStyle>
+          <a:p>
+            <a:r>
+              <a:rPr lang="en-US" sz="1200" dirty="0"/>
+              <a:t>parse(“m/Jan”)</a:t>
+            </a:r>
+          </a:p>
+        </p:txBody>
+      </p:sp>
+      <p:sp>
+        <p:nvSpPr>
+          <p:cNvPr id="69" name="TextBox 68">
+            <a:extLst>
+              <a:ext uri="{FF2B5EF4-FFF2-40B4-BE49-F238E27FC236}">
+                <a16:creationId xmlns:a16="http://schemas.microsoft.com/office/drawing/2014/main" id="{2B9A2D1A-56BE-4EA4-830E-9F6962132738}"/>
+              </a:ext>
+            </a:extLst>
+          </p:cNvPr>
+          <p:cNvSpPr txBox="1"/>
+          <p:nvPr/>
+        </p:nvSpPr>
+        <p:spPr>
+          <a:xfrm>
+            <a:off x="1496855" y="2850922"/>
+            <a:ext cx="1670973" cy="215444"/>
+          </a:xfrm>
+          <a:prstGeom prst="rect">
+            <a:avLst/>
+          </a:prstGeom>
+          <a:noFill/>
+        </p:spPr>
+        <p:txBody>
+          <a:bodyPr wrap="square" lIns="0" tIns="0" rIns="0" bIns="0" rtlCol="0">
+            <a:spAutoFit/>
+          </a:bodyPr>
+          <a:lstStyle>
+            <a:defPPr>
+              <a:defRPr lang="en-US"/>
+            </a:defPPr>
+            <a:lvl1pPr algn="r">
+              <a:defRPr sz="1400">
+                <a:solidFill>
+                  <a:srgbClr val="0070C0"/>
+                </a:solidFill>
+              </a:defRPr>
+            </a:lvl1pPr>
+          </a:lstStyle>
+          <a:p>
+            <a:r>
+              <a:rPr lang="en-US" dirty="0"/>
+              <a:t>parse(“Find m/Jan”)</a:t>
+            </a:r>
+          </a:p>
+        </p:txBody>
+      </p:sp>
+      <p:sp>
+        <p:nvSpPr>
+          <p:cNvPr id="70" name="TextBox 69">
+            <a:extLst>
+              <a:ext uri="{FF2B5EF4-FFF2-40B4-BE49-F238E27FC236}">
+                <a16:creationId xmlns:a16="http://schemas.microsoft.com/office/drawing/2014/main" id="{137878AD-BFFA-4682-BC29-FBDDC822DF82}"/>
+              </a:ext>
+            </a:extLst>
+          </p:cNvPr>
+          <p:cNvSpPr txBox="1"/>
+          <p:nvPr/>
+        </p:nvSpPr>
+        <p:spPr>
+          <a:xfrm>
+            <a:off x="4340137" y="5255323"/>
+            <a:ext cx="621216" cy="215444"/>
+          </a:xfrm>
+          <a:prstGeom prst="rect">
+            <a:avLst/>
+          </a:prstGeom>
+          <a:noFill/>
+        </p:spPr>
+        <p:txBody>
+          <a:bodyPr wrap="square" lIns="0" tIns="0" rIns="0" bIns="0" rtlCol="0">
+            <a:spAutoFit/>
+          </a:bodyPr>
+          <a:lstStyle>
+            <a:defPPr>
+              <a:defRPr lang="en-US"/>
+            </a:defPPr>
+            <a:lvl1pPr algn="r">
+              <a:defRPr sz="1400">
+                <a:solidFill>
+                  <a:srgbClr val="0070C0"/>
+                </a:solidFill>
+              </a:defRPr>
+            </a:lvl1pPr>
+          </a:lstStyle>
+          <a:p>
+            <a:r>
+              <a:rPr lang="en-US" dirty="0"/>
+              <a:t>return</a:t>
+            </a:r>
+          </a:p>
+        </p:txBody>
+      </p:sp>
+      <p:sp>
+        <p:nvSpPr>
+          <p:cNvPr id="71" name="TextBox 70">
+            <a:extLst>
+              <a:ext uri="{FF2B5EF4-FFF2-40B4-BE49-F238E27FC236}">
+                <a16:creationId xmlns:a16="http://schemas.microsoft.com/office/drawing/2014/main" id="{092E3826-0772-4368-AF94-A936D30E2581}"/>
+              </a:ext>
+            </a:extLst>
+          </p:cNvPr>
+          <p:cNvSpPr txBox="1"/>
+          <p:nvPr/>
+        </p:nvSpPr>
+        <p:spPr>
+          <a:xfrm>
+            <a:off x="599983" y="5538488"/>
+            <a:ext cx="762000" cy="215444"/>
+          </a:xfrm>
+          <a:prstGeom prst="rect">
+            <a:avLst/>
+          </a:prstGeom>
+          <a:noFill/>
+        </p:spPr>
+        <p:txBody>
+          <a:bodyPr wrap="square" lIns="0" tIns="0" rIns="0" bIns="0" rtlCol="0">
+            <a:spAutoFit/>
+          </a:bodyPr>
+          <a:lstStyle>
+            <a:defPPr>
+              <a:defRPr lang="en-US"/>
+            </a:defPPr>
+            <a:lvl1pPr algn="r">
+              <a:defRPr sz="1400">
+                <a:solidFill>
+                  <a:srgbClr val="0070C0"/>
+                </a:solidFill>
+              </a:defRPr>
+            </a:lvl1pPr>
+          </a:lstStyle>
+          <a:p>
+            <a:r>
+              <a:rPr lang="en-US" dirty="0"/>
+              <a:t>return</a:t>
+            </a:r>
+          </a:p>
+        </p:txBody>
+      </p:sp>
+      <p:sp>
+        <p:nvSpPr>
+          <p:cNvPr id="72" name="Rectangle 62">
+            <a:extLst>
+              <a:ext uri="{FF2B5EF4-FFF2-40B4-BE49-F238E27FC236}">
+                <a16:creationId xmlns:a16="http://schemas.microsoft.com/office/drawing/2014/main" id="{B2C44573-0C1E-4FAE-8925-F246A29B6493}"/>
+              </a:ext>
+            </a:extLst>
+          </p:cNvPr>
+          <p:cNvSpPr/>
+          <p:nvPr/>
+        </p:nvSpPr>
+        <p:spPr>
+          <a:xfrm>
+            <a:off x="7020245" y="4777286"/>
+            <a:ext cx="1805569" cy="461538"/>
+          </a:xfrm>
+          <a:prstGeom prst="rect">
+            <a:avLst/>
+          </a:prstGeom>
+          <a:solidFill>
+            <a:srgbClr val="0070C0"/>
+          </a:solidFill>
+          <a:ln w="19050">
+            <a:solidFill>
+              <a:srgbClr val="0070C0"/>
+            </a:solidFill>
+          </a:ln>
+          <a:effectLst/>
+        </p:spPr>
+        <p:style>
+          <a:lnRef idx="1">
+            <a:schemeClr val="accent2"/>
+          </a:lnRef>
+          <a:fillRef idx="2">
+            <a:schemeClr val="accent2"/>
+          </a:fillRef>
+          <a:effectRef idx="1">
+            <a:schemeClr val="accent2"/>
+          </a:effectRef>
+          <a:fontRef idx="minor">
+            <a:schemeClr val="dk1"/>
+          </a:fontRef>
+        </p:style>
+        <p:txBody>
+          <a:bodyPr rtlCol="0" anchor="ctr"/>
+          <a:lstStyle/>
+          <a:p>
+            <a:pPr algn="ctr"/>
+            <a:r>
+              <a:rPr lang="en-US" sz="1600" dirty="0">
                 <a:solidFill>
                   <a:schemeClr val="bg1"/>
                 </a:solidFill>
-              </a:endParaRPr>
-            </a:p>
-            <a:p>
-              <a:pPr algn="ctr"/>
-              <a:r>
-                <a:rPr lang="en-US" sz="1600" dirty="0" err="1">
-                  <a:solidFill>
-                    <a:schemeClr val="bg1"/>
-                  </a:solidFill>
-                </a:rPr>
-                <a:t>KeywordsPredicate</a:t>
-              </a:r>
-              <a:endParaRPr lang="en-SG" sz="1600" dirty="0">
+              </a:rPr>
+              <a:t>:</a:t>
+            </a:r>
+            <a:r>
+              <a:rPr lang="en-US" sz="1600" dirty="0" err="1">
                 <a:solidFill>
                   <a:schemeClr val="bg1"/>
                 </a:solidFill>
-              </a:endParaRPr>
-            </a:p>
-          </p:txBody>
-        </p:sp>
-        <p:sp>
-          <p:nvSpPr>
-            <p:cNvPr id="73" name="Rectangle 72">
-              <a:extLst>
-                <a:ext uri="{FF2B5EF4-FFF2-40B4-BE49-F238E27FC236}">
-                  <a16:creationId xmlns:a16="http://schemas.microsoft.com/office/drawing/2014/main" id="{903AC10B-2EE9-4CA5-A47A-4E924C272018}"/>
-                </a:ext>
-              </a:extLst>
-            </p:cNvPr>
-            <p:cNvSpPr/>
-            <p:nvPr/>
-          </p:nvSpPr>
-          <p:spPr>
-            <a:xfrm>
-              <a:off x="7777323" y="5238824"/>
-              <a:ext cx="152400" cy="171376"/>
-            </a:xfrm>
-            <a:prstGeom prst="rect">
-              <a:avLst/>
-            </a:prstGeom>
+              </a:rPr>
+              <a:t>PersonContains</a:t>
+            </a:r>
+            <a:endParaRPr lang="en-US" sz="1600" dirty="0">
+              <a:solidFill>
+                <a:schemeClr val="bg1"/>
+              </a:solidFill>
+            </a:endParaRPr>
+          </a:p>
+          <a:p>
+            <a:pPr algn="ctr"/>
+            <a:r>
+              <a:rPr lang="en-US" sz="1600" dirty="0" err="1">
+                <a:solidFill>
+                  <a:schemeClr val="bg1"/>
+                </a:solidFill>
+              </a:rPr>
+              <a:t>KeywordsPredicate</a:t>
+            </a:r>
+            <a:endParaRPr lang="en-SG" sz="1600" dirty="0">
+              <a:solidFill>
+                <a:schemeClr val="bg1"/>
+              </a:solidFill>
+            </a:endParaRPr>
+          </a:p>
+        </p:txBody>
+      </p:sp>
+      <p:sp>
+        <p:nvSpPr>
+          <p:cNvPr id="73" name="Rectangle 72">
+            <a:extLst>
+              <a:ext uri="{FF2B5EF4-FFF2-40B4-BE49-F238E27FC236}">
+                <a16:creationId xmlns:a16="http://schemas.microsoft.com/office/drawing/2014/main" id="{903AC10B-2EE9-4CA5-A47A-4E924C272018}"/>
+              </a:ext>
+            </a:extLst>
+          </p:cNvPr>
+          <p:cNvSpPr/>
+          <p:nvPr/>
+        </p:nvSpPr>
+        <p:spPr>
+          <a:xfrm>
+            <a:off x="7777323" y="5238824"/>
+            <a:ext cx="152400" cy="171376"/>
+          </a:xfrm>
+          <a:prstGeom prst="rect">
+            <a:avLst/>
+          </a:prstGeom>
+          <a:solidFill>
+            <a:srgbClr val="0070C0"/>
+          </a:solidFill>
+          <a:ln>
             <a:solidFill>
               <a:srgbClr val="0070C0"/>
             </a:solidFill>
-            <a:ln>
-              <a:solidFill>
-                <a:srgbClr val="0070C0"/>
-              </a:solidFill>
-            </a:ln>
-            <a:effectLst/>
-          </p:spPr>
-          <p:style>
-            <a:lnRef idx="1">
-              <a:schemeClr val="accent3"/>
-            </a:lnRef>
-            <a:fillRef idx="2">
-              <a:schemeClr val="accent3"/>
-            </a:fillRef>
-            <a:effectRef idx="1">
-              <a:schemeClr val="accent3"/>
-            </a:effectRef>
-            <a:fontRef idx="minor">
-              <a:schemeClr val="dk1"/>
-            </a:fontRef>
-          </p:style>
-          <p:txBody>
-            <a:bodyPr rtlCol="0" anchor="ctr"/>
-            <a:lstStyle/>
-            <a:p>
-              <a:pPr algn="ctr"/>
-              <a:endParaRPr lang="en-SG" sz="1400"/>
-            </a:p>
-          </p:txBody>
-        </p:sp>
-        <p:cxnSp>
-          <p:nvCxnSpPr>
-            <p:cNvPr id="74" name="Straight Arrow Connector 73">
-              <a:extLst>
-                <a:ext uri="{FF2B5EF4-FFF2-40B4-BE49-F238E27FC236}">
-                  <a16:creationId xmlns:a16="http://schemas.microsoft.com/office/drawing/2014/main" id="{2A2BA43E-EB4E-407A-ADC6-7B87BC19EFFB}"/>
-                </a:ext>
-              </a:extLst>
-            </p:cNvPr>
-            <p:cNvCxnSpPr/>
-            <p:nvPr/>
-          </p:nvCxnSpPr>
-          <p:spPr>
-            <a:xfrm>
-              <a:off x="6858000" y="5410200"/>
-              <a:ext cx="966624" cy="0"/>
-            </a:xfrm>
-            <a:prstGeom prst="straightConnector1">
-              <a:avLst/>
-            </a:prstGeom>
-            <a:ln w="19050">
-              <a:solidFill>
-                <a:srgbClr val="0070C0"/>
-              </a:solidFill>
-              <a:prstDash val="sysDash"/>
-              <a:headEnd type="arrow" w="med" len="med"/>
-              <a:tailEnd type="none" w="med" len="med"/>
-            </a:ln>
-          </p:spPr>
-          <p:style>
-            <a:lnRef idx="1">
-              <a:schemeClr val="accent1"/>
-            </a:lnRef>
-            <a:fillRef idx="0">
-              <a:schemeClr val="accent1"/>
-            </a:fillRef>
-            <a:effectRef idx="0">
-              <a:schemeClr val="accent1"/>
-            </a:effectRef>
-            <a:fontRef idx="minor">
-              <a:schemeClr val="tx1"/>
-            </a:fontRef>
-          </p:style>
-        </p:cxnSp>
-        <p:sp>
-          <p:nvSpPr>
-            <p:cNvPr id="76" name="Rectangle 62">
-              <a:extLst>
-                <a:ext uri="{FF2B5EF4-FFF2-40B4-BE49-F238E27FC236}">
-                  <a16:creationId xmlns:a16="http://schemas.microsoft.com/office/drawing/2014/main" id="{B6E9F6B7-F512-434D-B9B7-71150FAE4DC0}"/>
-                </a:ext>
-              </a:extLst>
-            </p:cNvPr>
-            <p:cNvSpPr/>
-            <p:nvPr/>
-          </p:nvSpPr>
-          <p:spPr>
-            <a:xfrm>
-              <a:off x="4231981" y="2929839"/>
-              <a:ext cx="1778201" cy="432035"/>
-            </a:xfrm>
-            <a:prstGeom prst="rect">
-              <a:avLst/>
-            </a:prstGeom>
+          </a:ln>
+          <a:effectLst/>
+        </p:spPr>
+        <p:style>
+          <a:lnRef idx="1">
+            <a:schemeClr val="accent3"/>
+          </a:lnRef>
+          <a:fillRef idx="2">
+            <a:schemeClr val="accent3"/>
+          </a:fillRef>
+          <a:effectRef idx="1">
+            <a:schemeClr val="accent3"/>
+          </a:effectRef>
+          <a:fontRef idx="minor">
+            <a:schemeClr val="dk1"/>
+          </a:fontRef>
+        </p:style>
+        <p:txBody>
+          <a:bodyPr rtlCol="0" anchor="ctr"/>
+          <a:lstStyle/>
+          <a:p>
+            <a:pPr algn="ctr"/>
+            <a:endParaRPr lang="en-SG" sz="1400"/>
+          </a:p>
+        </p:txBody>
+      </p:sp>
+      <p:cxnSp>
+        <p:nvCxnSpPr>
+          <p:cNvPr id="74" name="Straight Arrow Connector 73">
+            <a:extLst>
+              <a:ext uri="{FF2B5EF4-FFF2-40B4-BE49-F238E27FC236}">
+                <a16:creationId xmlns:a16="http://schemas.microsoft.com/office/drawing/2014/main" id="{2A2BA43E-EB4E-407A-ADC6-7B87BC19EFFB}"/>
+              </a:ext>
+            </a:extLst>
+          </p:cNvPr>
+          <p:cNvCxnSpPr/>
+          <p:nvPr/>
+        </p:nvCxnSpPr>
+        <p:spPr>
+          <a:xfrm>
+            <a:off x="6858000" y="5410200"/>
+            <a:ext cx="966624" cy="0"/>
+          </a:xfrm>
+          <a:prstGeom prst="straightConnector1">
+            <a:avLst/>
+          </a:prstGeom>
+          <a:ln w="19050">
             <a:solidFill>
               <a:srgbClr val="0070C0"/>
             </a:solidFill>
-            <a:ln w="19050">
-              <a:solidFill>
-                <a:srgbClr val="0070C0"/>
-              </a:solidFill>
-            </a:ln>
-            <a:effectLst/>
-          </p:spPr>
-          <p:style>
-            <a:lnRef idx="1">
-              <a:schemeClr val="accent2"/>
-            </a:lnRef>
-            <a:fillRef idx="2">
-              <a:schemeClr val="accent2"/>
-            </a:fillRef>
-            <a:effectRef idx="1">
-              <a:schemeClr val="accent2"/>
-            </a:effectRef>
-            <a:fontRef idx="minor">
-              <a:schemeClr val="dk1"/>
-            </a:fontRef>
-          </p:style>
-          <p:txBody>
-            <a:bodyPr rtlCol="0" anchor="ctr"/>
-            <a:lstStyle/>
-            <a:p>
-              <a:pPr algn="ctr"/>
-              <a:r>
-                <a:rPr lang="en-US" sz="1600" dirty="0">
-                  <a:solidFill>
-                    <a:schemeClr val="bg1"/>
-                  </a:solidFill>
-                </a:rPr>
-                <a:t>:</a:t>
-              </a:r>
-              <a:r>
-                <a:rPr lang="en-US" sz="1600" dirty="0" err="1">
-                  <a:solidFill>
-                    <a:schemeClr val="bg1"/>
-                  </a:solidFill>
-                </a:rPr>
-                <a:t>FindCommand</a:t>
-              </a:r>
-              <a:endParaRPr lang="en-US" sz="1600" dirty="0">
+            <a:prstDash val="sysDash"/>
+            <a:headEnd type="arrow" w="med" len="med"/>
+            <a:tailEnd type="none" w="med" len="med"/>
+          </a:ln>
+        </p:spPr>
+        <p:style>
+          <a:lnRef idx="1">
+            <a:schemeClr val="accent1"/>
+          </a:lnRef>
+          <a:fillRef idx="0">
+            <a:schemeClr val="accent1"/>
+          </a:fillRef>
+          <a:effectRef idx="0">
+            <a:schemeClr val="accent1"/>
+          </a:effectRef>
+          <a:fontRef idx="minor">
+            <a:schemeClr val="tx1"/>
+          </a:fontRef>
+        </p:style>
+      </p:cxnSp>
+      <p:sp>
+        <p:nvSpPr>
+          <p:cNvPr id="76" name="Rectangle 62">
+            <a:extLst>
+              <a:ext uri="{FF2B5EF4-FFF2-40B4-BE49-F238E27FC236}">
+                <a16:creationId xmlns:a16="http://schemas.microsoft.com/office/drawing/2014/main" id="{B6E9F6B7-F512-434D-B9B7-71150FAE4DC0}"/>
+              </a:ext>
+            </a:extLst>
+          </p:cNvPr>
+          <p:cNvSpPr/>
+          <p:nvPr/>
+        </p:nvSpPr>
+        <p:spPr>
+          <a:xfrm>
+            <a:off x="4231981" y="2929839"/>
+            <a:ext cx="1778201" cy="432035"/>
+          </a:xfrm>
+          <a:prstGeom prst="rect">
+            <a:avLst/>
+          </a:prstGeom>
+          <a:solidFill>
+            <a:srgbClr val="0070C0"/>
+          </a:solidFill>
+          <a:ln w="19050">
+            <a:solidFill>
+              <a:srgbClr val="0070C0"/>
+            </a:solidFill>
+          </a:ln>
+          <a:effectLst/>
+        </p:spPr>
+        <p:style>
+          <a:lnRef idx="1">
+            <a:schemeClr val="accent2"/>
+          </a:lnRef>
+          <a:fillRef idx="2">
+            <a:schemeClr val="accent2"/>
+          </a:fillRef>
+          <a:effectRef idx="1">
+            <a:schemeClr val="accent2"/>
+          </a:effectRef>
+          <a:fontRef idx="minor">
+            <a:schemeClr val="dk1"/>
+          </a:fontRef>
+        </p:style>
+        <p:txBody>
+          <a:bodyPr rtlCol="0" anchor="ctr"/>
+          <a:lstStyle/>
+          <a:p>
+            <a:pPr algn="ctr"/>
+            <a:r>
+              <a:rPr lang="en-US" sz="1600" dirty="0">
                 <a:solidFill>
                   <a:schemeClr val="bg1"/>
                 </a:solidFill>
-              </a:endParaRPr>
-            </a:p>
-            <a:p>
-              <a:pPr algn="ctr"/>
-              <a:r>
-                <a:rPr lang="en-US" sz="1600" dirty="0">
-                  <a:solidFill>
-                    <a:schemeClr val="bg1"/>
-                  </a:solidFill>
-                </a:rPr>
-                <a:t>Parser</a:t>
-              </a:r>
-              <a:endParaRPr lang="en-SG" sz="1600" dirty="0">
+              </a:rPr>
+              <a:t>:</a:t>
+            </a:r>
+            <a:r>
+              <a:rPr lang="en-US" sz="1600" dirty="0" err="1">
                 <a:solidFill>
                   <a:schemeClr val="bg1"/>
                 </a:solidFill>
-              </a:endParaRPr>
-            </a:p>
-          </p:txBody>
-        </p:sp>
-        <p:cxnSp>
-          <p:nvCxnSpPr>
-            <p:cNvPr id="77" name="Straight Arrow Connector 76">
-              <a:extLst>
-                <a:ext uri="{FF2B5EF4-FFF2-40B4-BE49-F238E27FC236}">
-                  <a16:creationId xmlns:a16="http://schemas.microsoft.com/office/drawing/2014/main" id="{39D51FFC-4F4F-4481-BFD7-198E19D3DB2A}"/>
-                </a:ext>
-              </a:extLst>
-            </p:cNvPr>
-            <p:cNvCxnSpPr/>
-            <p:nvPr/>
-          </p:nvCxnSpPr>
-          <p:spPr>
-            <a:xfrm>
-              <a:off x="3462591" y="3657600"/>
-              <a:ext cx="1597356" cy="1"/>
-            </a:xfrm>
-            <a:prstGeom prst="straightConnector1">
-              <a:avLst/>
-            </a:prstGeom>
-            <a:ln w="19050">
-              <a:headEnd type="none" w="med" len="med"/>
-              <a:tailEnd type="arrow" w="med" len="med"/>
-            </a:ln>
-          </p:spPr>
-          <p:style>
-            <a:lnRef idx="1">
-              <a:schemeClr val="accent1"/>
-            </a:lnRef>
-            <a:fillRef idx="0">
-              <a:schemeClr val="accent1"/>
-            </a:fillRef>
-            <a:effectRef idx="0">
-              <a:schemeClr val="accent1"/>
-            </a:effectRef>
-            <a:fontRef idx="minor">
-              <a:schemeClr val="tx1"/>
-            </a:fontRef>
-          </p:style>
-        </p:cxnSp>
-        <p:sp>
-          <p:nvSpPr>
-            <p:cNvPr id="78" name="Rectangle 77">
-              <a:extLst>
-                <a:ext uri="{FF2B5EF4-FFF2-40B4-BE49-F238E27FC236}">
-                  <a16:creationId xmlns:a16="http://schemas.microsoft.com/office/drawing/2014/main" id="{41FE1336-F20C-41BF-999B-9BFED209A20E}"/>
-                </a:ext>
-              </a:extLst>
-            </p:cNvPr>
-            <p:cNvSpPr/>
-            <p:nvPr/>
-          </p:nvSpPr>
-          <p:spPr>
-            <a:xfrm>
-              <a:off x="5059947" y="3352800"/>
-              <a:ext cx="205843" cy="123165"/>
-            </a:xfrm>
-            <a:prstGeom prst="rect">
-              <a:avLst/>
-            </a:prstGeom>
+              </a:rPr>
+              <a:t>FindCommand</a:t>
+            </a:r>
+            <a:endParaRPr lang="en-US" sz="1600" dirty="0">
+              <a:solidFill>
+                <a:schemeClr val="bg1"/>
+              </a:solidFill>
+            </a:endParaRPr>
+          </a:p>
+          <a:p>
+            <a:pPr algn="ctr"/>
+            <a:r>
+              <a:rPr lang="en-US" sz="1600" dirty="0">
+                <a:solidFill>
+                  <a:schemeClr val="bg1"/>
+                </a:solidFill>
+              </a:rPr>
+              <a:t>Parser</a:t>
+            </a:r>
+            <a:endParaRPr lang="en-SG" sz="1600" dirty="0">
+              <a:solidFill>
+                <a:schemeClr val="bg1"/>
+              </a:solidFill>
+            </a:endParaRPr>
+          </a:p>
+        </p:txBody>
+      </p:sp>
+      <p:cxnSp>
+        <p:nvCxnSpPr>
+          <p:cNvPr id="77" name="Straight Arrow Connector 76">
+            <a:extLst>
+              <a:ext uri="{FF2B5EF4-FFF2-40B4-BE49-F238E27FC236}">
+                <a16:creationId xmlns:a16="http://schemas.microsoft.com/office/drawing/2014/main" id="{39D51FFC-4F4F-4481-BFD7-198E19D3DB2A}"/>
+              </a:ext>
+            </a:extLst>
+          </p:cNvPr>
+          <p:cNvCxnSpPr/>
+          <p:nvPr/>
+        </p:nvCxnSpPr>
+        <p:spPr>
+          <a:xfrm>
+            <a:off x="3462591" y="3657600"/>
+            <a:ext cx="1597356" cy="1"/>
+          </a:xfrm>
+          <a:prstGeom prst="straightConnector1">
+            <a:avLst/>
+          </a:prstGeom>
+          <a:ln w="19050">
+            <a:headEnd type="none" w="med" len="med"/>
+            <a:tailEnd type="arrow" w="med" len="med"/>
+          </a:ln>
+        </p:spPr>
+        <p:style>
+          <a:lnRef idx="1">
+            <a:schemeClr val="accent1"/>
+          </a:lnRef>
+          <a:fillRef idx="0">
+            <a:schemeClr val="accent1"/>
+          </a:fillRef>
+          <a:effectRef idx="0">
+            <a:schemeClr val="accent1"/>
+          </a:effectRef>
+          <a:fontRef idx="minor">
+            <a:schemeClr val="tx1"/>
+          </a:fontRef>
+        </p:style>
+      </p:cxnSp>
+      <p:sp>
+        <p:nvSpPr>
+          <p:cNvPr id="78" name="Rectangle 77">
+            <a:extLst>
+              <a:ext uri="{FF2B5EF4-FFF2-40B4-BE49-F238E27FC236}">
+                <a16:creationId xmlns:a16="http://schemas.microsoft.com/office/drawing/2014/main" id="{41FE1336-F20C-41BF-999B-9BFED209A20E}"/>
+              </a:ext>
+            </a:extLst>
+          </p:cNvPr>
+          <p:cNvSpPr/>
+          <p:nvPr/>
+        </p:nvSpPr>
+        <p:spPr>
+          <a:xfrm>
+            <a:off x="5059947" y="3352800"/>
+            <a:ext cx="205843" cy="123165"/>
+          </a:xfrm>
+          <a:prstGeom prst="rect">
+            <a:avLst/>
+          </a:prstGeom>
+          <a:solidFill>
+            <a:srgbClr val="0070C0"/>
+          </a:solidFill>
+          <a:ln>
             <a:solidFill>
               <a:srgbClr val="0070C0"/>
             </a:solidFill>
-            <a:ln>
-              <a:solidFill>
-                <a:srgbClr val="0070C0"/>
-              </a:solidFill>
-            </a:ln>
-            <a:effectLst/>
-          </p:spPr>
-          <p:style>
-            <a:lnRef idx="1">
-              <a:schemeClr val="accent3"/>
-            </a:lnRef>
-            <a:fillRef idx="2">
-              <a:schemeClr val="accent3"/>
-            </a:fillRef>
-            <a:effectRef idx="1">
-              <a:schemeClr val="accent3"/>
-            </a:effectRef>
-            <a:fontRef idx="minor">
-              <a:schemeClr val="dk1"/>
-            </a:fontRef>
-          </p:style>
-          <p:txBody>
-            <a:bodyPr rtlCol="0" anchor="ctr"/>
-            <a:lstStyle/>
-            <a:p>
-              <a:pPr algn="ctr"/>
-              <a:endParaRPr lang="en-SG" sz="1400"/>
-            </a:p>
-          </p:txBody>
-        </p:sp>
-        <p:cxnSp>
-          <p:nvCxnSpPr>
-            <p:cNvPr id="79" name="Straight Connector 78">
-              <a:extLst>
-                <a:ext uri="{FF2B5EF4-FFF2-40B4-BE49-F238E27FC236}">
-                  <a16:creationId xmlns:a16="http://schemas.microsoft.com/office/drawing/2014/main" id="{86CF5402-D583-4BC9-8CD9-67A9F84CADDD}"/>
-                </a:ext>
-              </a:extLst>
-            </p:cNvPr>
-            <p:cNvCxnSpPr>
-              <a:stCxn id="78" idx="0"/>
-            </p:cNvCxnSpPr>
-            <p:nvPr/>
-          </p:nvCxnSpPr>
-          <p:spPr>
-            <a:xfrm>
-              <a:off x="5162869" y="3352800"/>
-              <a:ext cx="0" cy="990600"/>
-            </a:xfrm>
-            <a:prstGeom prst="line">
-              <a:avLst/>
-            </a:prstGeom>
-            <a:ln w="19050">
-              <a:solidFill>
-                <a:srgbClr val="0070C0"/>
-              </a:solidFill>
-              <a:prstDash val="sysDash"/>
-            </a:ln>
-            <a:effectLst/>
-          </p:spPr>
-          <p:style>
-            <a:lnRef idx="1">
-              <a:schemeClr val="accent1"/>
-            </a:lnRef>
-            <a:fillRef idx="2">
-              <a:schemeClr val="accent1"/>
-            </a:fillRef>
-            <a:effectRef idx="1">
-              <a:schemeClr val="accent1"/>
-            </a:effectRef>
-            <a:fontRef idx="minor">
-              <a:schemeClr val="dk1"/>
-            </a:fontRef>
-          </p:style>
-        </p:cxnSp>
-        <p:sp>
-          <p:nvSpPr>
-            <p:cNvPr id="80" name="Rectangle 79">
-              <a:extLst>
-                <a:ext uri="{FF2B5EF4-FFF2-40B4-BE49-F238E27FC236}">
-                  <a16:creationId xmlns:a16="http://schemas.microsoft.com/office/drawing/2014/main" id="{BCDF4353-E76F-4E83-800D-E57E42203ADC}"/>
-                </a:ext>
-              </a:extLst>
-            </p:cNvPr>
-            <p:cNvSpPr/>
-            <p:nvPr/>
-          </p:nvSpPr>
-          <p:spPr>
-            <a:xfrm>
-              <a:off x="5059947" y="3657601"/>
-              <a:ext cx="205843" cy="533400"/>
-            </a:xfrm>
-            <a:prstGeom prst="rect">
-              <a:avLst/>
-            </a:prstGeom>
+          </a:ln>
+          <a:effectLst/>
+        </p:spPr>
+        <p:style>
+          <a:lnRef idx="1">
+            <a:schemeClr val="accent3"/>
+          </a:lnRef>
+          <a:fillRef idx="2">
+            <a:schemeClr val="accent3"/>
+          </a:fillRef>
+          <a:effectRef idx="1">
+            <a:schemeClr val="accent3"/>
+          </a:effectRef>
+          <a:fontRef idx="minor">
+            <a:schemeClr val="dk1"/>
+          </a:fontRef>
+        </p:style>
+        <p:txBody>
+          <a:bodyPr rtlCol="0" anchor="ctr"/>
+          <a:lstStyle/>
+          <a:p>
+            <a:pPr algn="ctr"/>
+            <a:endParaRPr lang="en-SG" sz="1400"/>
+          </a:p>
+        </p:txBody>
+      </p:sp>
+      <p:cxnSp>
+        <p:nvCxnSpPr>
+          <p:cNvPr id="79" name="Straight Connector 78">
+            <a:extLst>
+              <a:ext uri="{FF2B5EF4-FFF2-40B4-BE49-F238E27FC236}">
+                <a16:creationId xmlns:a16="http://schemas.microsoft.com/office/drawing/2014/main" id="{86CF5402-D583-4BC9-8CD9-67A9F84CADDD}"/>
+              </a:ext>
+            </a:extLst>
+          </p:cNvPr>
+          <p:cNvCxnSpPr>
+            <a:stCxn id="78" idx="0"/>
+          </p:cNvCxnSpPr>
+          <p:nvPr/>
+        </p:nvCxnSpPr>
+        <p:spPr>
+          <a:xfrm>
+            <a:off x="5162869" y="3352800"/>
+            <a:ext cx="0" cy="990600"/>
+          </a:xfrm>
+          <a:prstGeom prst="line">
+            <a:avLst/>
+          </a:prstGeom>
+          <a:ln w="19050">
             <a:solidFill>
               <a:srgbClr val="0070C0"/>
             </a:solidFill>
-            <a:ln>
-              <a:solidFill>
-                <a:srgbClr val="0070C0"/>
-              </a:solidFill>
-            </a:ln>
-            <a:effectLst/>
-          </p:spPr>
-          <p:style>
-            <a:lnRef idx="1">
-              <a:schemeClr val="accent3"/>
-            </a:lnRef>
-            <a:fillRef idx="2">
-              <a:schemeClr val="accent3"/>
-            </a:fillRef>
-            <a:effectRef idx="1">
-              <a:schemeClr val="accent3"/>
-            </a:effectRef>
-            <a:fontRef idx="minor">
-              <a:schemeClr val="dk1"/>
-            </a:fontRef>
-          </p:style>
-          <p:txBody>
-            <a:bodyPr rtlCol="0" anchor="ctr"/>
-            <a:lstStyle/>
-            <a:p>
-              <a:pPr algn="ctr"/>
-              <a:endParaRPr lang="en-SG" sz="1400"/>
-            </a:p>
-          </p:txBody>
-        </p:sp>
-        <p:cxnSp>
-          <p:nvCxnSpPr>
-            <p:cNvPr id="81" name="Straight Arrow Connector 80">
-              <a:extLst>
-                <a:ext uri="{FF2B5EF4-FFF2-40B4-BE49-F238E27FC236}">
-                  <a16:creationId xmlns:a16="http://schemas.microsoft.com/office/drawing/2014/main" id="{A37B2CD6-21E1-4F7F-98BB-8EA910B8F256}"/>
-                </a:ext>
-              </a:extLst>
-            </p:cNvPr>
-            <p:cNvCxnSpPr/>
-            <p:nvPr/>
-          </p:nvCxnSpPr>
-          <p:spPr>
-            <a:xfrm>
-              <a:off x="3499382" y="4185073"/>
-              <a:ext cx="1667219" cy="0"/>
-            </a:xfrm>
-            <a:prstGeom prst="straightConnector1">
-              <a:avLst/>
-            </a:prstGeom>
-            <a:ln w="19050">
-              <a:solidFill>
-                <a:srgbClr val="0070C0"/>
-              </a:solidFill>
-              <a:prstDash val="sysDash"/>
-              <a:headEnd type="arrow" w="med" len="med"/>
-              <a:tailEnd type="none" w="med" len="med"/>
-            </a:ln>
-          </p:spPr>
-          <p:style>
-            <a:lnRef idx="1">
-              <a:schemeClr val="accent1"/>
-            </a:lnRef>
-            <a:fillRef idx="0">
-              <a:schemeClr val="accent1"/>
-            </a:fillRef>
-            <a:effectRef idx="0">
-              <a:schemeClr val="accent1"/>
-            </a:effectRef>
-            <a:fontRef idx="minor">
-              <a:schemeClr val="tx1"/>
-            </a:fontRef>
-          </p:style>
-        </p:cxnSp>
-        <p:cxnSp>
-          <p:nvCxnSpPr>
-            <p:cNvPr id="82" name="Straight Arrow Connector 81">
-              <a:extLst>
-                <a:ext uri="{FF2B5EF4-FFF2-40B4-BE49-F238E27FC236}">
-                  <a16:creationId xmlns:a16="http://schemas.microsoft.com/office/drawing/2014/main" id="{2C6B856E-2FEE-498E-873A-E624C20F7944}"/>
-                </a:ext>
-              </a:extLst>
-            </p:cNvPr>
-            <p:cNvCxnSpPr/>
-            <p:nvPr/>
-          </p:nvCxnSpPr>
-          <p:spPr>
-            <a:xfrm>
-              <a:off x="6858000" y="5029200"/>
-              <a:ext cx="162246" cy="0"/>
-            </a:xfrm>
-            <a:prstGeom prst="straightConnector1">
-              <a:avLst/>
-            </a:prstGeom>
-            <a:ln w="19050">
-              <a:headEnd type="none" w="med" len="med"/>
-              <a:tailEnd type="arrow" w="med" len="med"/>
-            </a:ln>
-          </p:spPr>
-          <p:style>
-            <a:lnRef idx="1">
-              <a:schemeClr val="accent1"/>
-            </a:lnRef>
-            <a:fillRef idx="0">
-              <a:schemeClr val="accent1"/>
-            </a:fillRef>
-            <a:effectRef idx="0">
-              <a:schemeClr val="accent1"/>
-            </a:effectRef>
-            <a:fontRef idx="minor">
-              <a:schemeClr val="tx1"/>
-            </a:fontRef>
-          </p:style>
-        </p:cxnSp>
-        <p:cxnSp>
-          <p:nvCxnSpPr>
-            <p:cNvPr id="83" name="Straight Arrow Connector 82">
-              <a:extLst>
-                <a:ext uri="{FF2B5EF4-FFF2-40B4-BE49-F238E27FC236}">
-                  <a16:creationId xmlns:a16="http://schemas.microsoft.com/office/drawing/2014/main" id="{89797479-F24F-423A-A689-30AEA8533484}"/>
-                </a:ext>
-              </a:extLst>
-            </p:cNvPr>
-            <p:cNvCxnSpPr/>
-            <p:nvPr/>
-          </p:nvCxnSpPr>
-          <p:spPr>
-            <a:xfrm>
-              <a:off x="3412425" y="3173004"/>
-              <a:ext cx="819556" cy="1"/>
-            </a:xfrm>
-            <a:prstGeom prst="straightConnector1">
-              <a:avLst/>
-            </a:prstGeom>
-            <a:ln w="19050">
-              <a:solidFill>
-                <a:srgbClr val="0070C0"/>
-              </a:solidFill>
-              <a:tailEnd type="arrow"/>
-            </a:ln>
-          </p:spPr>
-          <p:style>
-            <a:lnRef idx="1">
-              <a:schemeClr val="accent1"/>
-            </a:lnRef>
-            <a:fillRef idx="0">
-              <a:schemeClr val="accent1"/>
-            </a:fillRef>
-            <a:effectRef idx="0">
-              <a:schemeClr val="accent1"/>
-            </a:effectRef>
-            <a:fontRef idx="minor">
-              <a:schemeClr val="tx1"/>
-            </a:fontRef>
-          </p:style>
-        </p:cxnSp>
-        <p:cxnSp>
-          <p:nvCxnSpPr>
-            <p:cNvPr id="84" name="Straight Arrow Connector 83">
-              <a:extLst>
-                <a:ext uri="{FF2B5EF4-FFF2-40B4-BE49-F238E27FC236}">
-                  <a16:creationId xmlns:a16="http://schemas.microsoft.com/office/drawing/2014/main" id="{2EB9E988-0478-4B87-AE81-7742F86B9EA6}"/>
-                </a:ext>
-              </a:extLst>
-            </p:cNvPr>
-            <p:cNvCxnSpPr/>
-            <p:nvPr/>
-          </p:nvCxnSpPr>
-          <p:spPr>
-            <a:xfrm>
-              <a:off x="3459519" y="3475965"/>
-              <a:ext cx="1600428" cy="0"/>
-            </a:xfrm>
-            <a:prstGeom prst="straightConnector1">
-              <a:avLst/>
-            </a:prstGeom>
-            <a:ln w="19050">
-              <a:solidFill>
-                <a:srgbClr val="0070C0"/>
-              </a:solidFill>
-              <a:prstDash val="sysDash"/>
-              <a:headEnd type="arrow" w="med" len="med"/>
-              <a:tailEnd type="none" w="med" len="med"/>
-            </a:ln>
-          </p:spPr>
-          <p:style>
-            <a:lnRef idx="1">
-              <a:schemeClr val="accent1"/>
-            </a:lnRef>
-            <a:fillRef idx="0">
-              <a:schemeClr val="accent1"/>
-            </a:fillRef>
-            <a:effectRef idx="0">
-              <a:schemeClr val="accent1"/>
-            </a:effectRef>
-            <a:fontRef idx="minor">
-              <a:schemeClr val="tx1"/>
-            </a:fontRef>
-          </p:style>
-        </p:cxnSp>
-        <p:sp>
-          <p:nvSpPr>
-            <p:cNvPr id="85" name="TextBox 84">
-              <a:extLst>
-                <a:ext uri="{FF2B5EF4-FFF2-40B4-BE49-F238E27FC236}">
-                  <a16:creationId xmlns:a16="http://schemas.microsoft.com/office/drawing/2014/main" id="{C636911B-7D54-4AB0-8BC1-912CC212815F}"/>
-                </a:ext>
-              </a:extLst>
-            </p:cNvPr>
-            <p:cNvSpPr txBox="1"/>
-            <p:nvPr/>
-          </p:nvSpPr>
-          <p:spPr>
-            <a:xfrm>
-              <a:off x="5033665" y="4199590"/>
-              <a:ext cx="258404" cy="261610"/>
-            </a:xfrm>
-            <a:prstGeom prst="rect">
-              <a:avLst/>
-            </a:prstGeom>
-            <a:noFill/>
-          </p:spPr>
-          <p:txBody>
-            <a:bodyPr wrap="none" rtlCol="0">
-              <a:spAutoFit/>
-            </a:bodyPr>
-            <a:lstStyle/>
-            <a:p>
-              <a:r>
-                <a:rPr lang="en-SG" sz="1100" dirty="0">
-                  <a:solidFill>
-                    <a:srgbClr val="002060"/>
-                  </a:solidFill>
-                </a:rPr>
-                <a:t>X</a:t>
-              </a:r>
-            </a:p>
-          </p:txBody>
-        </p:sp>
-      </p:grpSp>
+            <a:prstDash val="sysDash"/>
+          </a:ln>
+          <a:effectLst/>
+        </p:spPr>
+        <p:style>
+          <a:lnRef idx="1">
+            <a:schemeClr val="accent1"/>
+          </a:lnRef>
+          <a:fillRef idx="2">
+            <a:schemeClr val="accent1"/>
+          </a:fillRef>
+          <a:effectRef idx="1">
+            <a:schemeClr val="accent1"/>
+          </a:effectRef>
+          <a:fontRef idx="minor">
+            <a:schemeClr val="dk1"/>
+          </a:fontRef>
+        </p:style>
+      </p:cxnSp>
+      <p:sp>
+        <p:nvSpPr>
+          <p:cNvPr id="80" name="Rectangle 79">
+            <a:extLst>
+              <a:ext uri="{FF2B5EF4-FFF2-40B4-BE49-F238E27FC236}">
+                <a16:creationId xmlns:a16="http://schemas.microsoft.com/office/drawing/2014/main" id="{BCDF4353-E76F-4E83-800D-E57E42203ADC}"/>
+              </a:ext>
+            </a:extLst>
+          </p:cNvPr>
+          <p:cNvSpPr/>
+          <p:nvPr/>
+        </p:nvSpPr>
+        <p:spPr>
+          <a:xfrm>
+            <a:off x="5059947" y="3657601"/>
+            <a:ext cx="205843" cy="533400"/>
+          </a:xfrm>
+          <a:prstGeom prst="rect">
+            <a:avLst/>
+          </a:prstGeom>
+          <a:solidFill>
+            <a:srgbClr val="0070C0"/>
+          </a:solidFill>
+          <a:ln>
+            <a:solidFill>
+              <a:srgbClr val="0070C0"/>
+            </a:solidFill>
+          </a:ln>
+          <a:effectLst/>
+        </p:spPr>
+        <p:style>
+          <a:lnRef idx="1">
+            <a:schemeClr val="accent3"/>
+          </a:lnRef>
+          <a:fillRef idx="2">
+            <a:schemeClr val="accent3"/>
+          </a:fillRef>
+          <a:effectRef idx="1">
+            <a:schemeClr val="accent3"/>
+          </a:effectRef>
+          <a:fontRef idx="minor">
+            <a:schemeClr val="dk1"/>
+          </a:fontRef>
+        </p:style>
+        <p:txBody>
+          <a:bodyPr rtlCol="0" anchor="ctr"/>
+          <a:lstStyle/>
+          <a:p>
+            <a:pPr algn="ctr"/>
+            <a:endParaRPr lang="en-SG" sz="1400"/>
+          </a:p>
+        </p:txBody>
+      </p:sp>
+      <p:cxnSp>
+        <p:nvCxnSpPr>
+          <p:cNvPr id="81" name="Straight Arrow Connector 80">
+            <a:extLst>
+              <a:ext uri="{FF2B5EF4-FFF2-40B4-BE49-F238E27FC236}">
+                <a16:creationId xmlns:a16="http://schemas.microsoft.com/office/drawing/2014/main" id="{A37B2CD6-21E1-4F7F-98BB-8EA910B8F256}"/>
+              </a:ext>
+            </a:extLst>
+          </p:cNvPr>
+          <p:cNvCxnSpPr/>
+          <p:nvPr/>
+        </p:nvCxnSpPr>
+        <p:spPr>
+          <a:xfrm>
+            <a:off x="3499382" y="4185073"/>
+            <a:ext cx="1667219" cy="0"/>
+          </a:xfrm>
+          <a:prstGeom prst="straightConnector1">
+            <a:avLst/>
+          </a:prstGeom>
+          <a:ln w="19050">
+            <a:solidFill>
+              <a:srgbClr val="0070C0"/>
+            </a:solidFill>
+            <a:prstDash val="sysDash"/>
+            <a:headEnd type="arrow" w="med" len="med"/>
+            <a:tailEnd type="none" w="med" len="med"/>
+          </a:ln>
+        </p:spPr>
+        <p:style>
+          <a:lnRef idx="1">
+            <a:schemeClr val="accent1"/>
+          </a:lnRef>
+          <a:fillRef idx="0">
+            <a:schemeClr val="accent1"/>
+          </a:fillRef>
+          <a:effectRef idx="0">
+            <a:schemeClr val="accent1"/>
+          </a:effectRef>
+          <a:fontRef idx="minor">
+            <a:schemeClr val="tx1"/>
+          </a:fontRef>
+        </p:style>
+      </p:cxnSp>
+      <p:cxnSp>
+        <p:nvCxnSpPr>
+          <p:cNvPr id="82" name="Straight Arrow Connector 81">
+            <a:extLst>
+              <a:ext uri="{FF2B5EF4-FFF2-40B4-BE49-F238E27FC236}">
+                <a16:creationId xmlns:a16="http://schemas.microsoft.com/office/drawing/2014/main" id="{2C6B856E-2FEE-498E-873A-E624C20F7944}"/>
+              </a:ext>
+            </a:extLst>
+          </p:cNvPr>
+          <p:cNvCxnSpPr/>
+          <p:nvPr/>
+        </p:nvCxnSpPr>
+        <p:spPr>
+          <a:xfrm>
+            <a:off x="6858000" y="5029200"/>
+            <a:ext cx="162246" cy="0"/>
+          </a:xfrm>
+          <a:prstGeom prst="straightConnector1">
+            <a:avLst/>
+          </a:prstGeom>
+          <a:ln w="19050">
+            <a:headEnd type="none" w="med" len="med"/>
+            <a:tailEnd type="arrow" w="med" len="med"/>
+          </a:ln>
+        </p:spPr>
+        <p:style>
+          <a:lnRef idx="1">
+            <a:schemeClr val="accent1"/>
+          </a:lnRef>
+          <a:fillRef idx="0">
+            <a:schemeClr val="accent1"/>
+          </a:fillRef>
+          <a:effectRef idx="0">
+            <a:schemeClr val="accent1"/>
+          </a:effectRef>
+          <a:fontRef idx="minor">
+            <a:schemeClr val="tx1"/>
+          </a:fontRef>
+        </p:style>
+      </p:cxnSp>
+      <p:cxnSp>
+        <p:nvCxnSpPr>
+          <p:cNvPr id="83" name="Straight Arrow Connector 82">
+            <a:extLst>
+              <a:ext uri="{FF2B5EF4-FFF2-40B4-BE49-F238E27FC236}">
+                <a16:creationId xmlns:a16="http://schemas.microsoft.com/office/drawing/2014/main" id="{89797479-F24F-423A-A689-30AEA8533484}"/>
+              </a:ext>
+            </a:extLst>
+          </p:cNvPr>
+          <p:cNvCxnSpPr/>
+          <p:nvPr/>
+        </p:nvCxnSpPr>
+        <p:spPr>
+          <a:xfrm>
+            <a:off x="3412425" y="3173004"/>
+            <a:ext cx="819556" cy="1"/>
+          </a:xfrm>
+          <a:prstGeom prst="straightConnector1">
+            <a:avLst/>
+          </a:prstGeom>
+          <a:ln w="19050">
+            <a:solidFill>
+              <a:srgbClr val="0070C0"/>
+            </a:solidFill>
+            <a:tailEnd type="arrow"/>
+          </a:ln>
+        </p:spPr>
+        <p:style>
+          <a:lnRef idx="1">
+            <a:schemeClr val="accent1"/>
+          </a:lnRef>
+          <a:fillRef idx="0">
+            <a:schemeClr val="accent1"/>
+          </a:fillRef>
+          <a:effectRef idx="0">
+            <a:schemeClr val="accent1"/>
+          </a:effectRef>
+          <a:fontRef idx="minor">
+            <a:schemeClr val="tx1"/>
+          </a:fontRef>
+        </p:style>
+      </p:cxnSp>
+      <p:cxnSp>
+        <p:nvCxnSpPr>
+          <p:cNvPr id="84" name="Straight Arrow Connector 83">
+            <a:extLst>
+              <a:ext uri="{FF2B5EF4-FFF2-40B4-BE49-F238E27FC236}">
+                <a16:creationId xmlns:a16="http://schemas.microsoft.com/office/drawing/2014/main" id="{2EB9E988-0478-4B87-AE81-7742F86B9EA6}"/>
+              </a:ext>
+            </a:extLst>
+          </p:cNvPr>
+          <p:cNvCxnSpPr/>
+          <p:nvPr/>
+        </p:nvCxnSpPr>
+        <p:spPr>
+          <a:xfrm>
+            <a:off x="3459519" y="3475965"/>
+            <a:ext cx="1600428" cy="0"/>
+          </a:xfrm>
+          <a:prstGeom prst="straightConnector1">
+            <a:avLst/>
+          </a:prstGeom>
+          <a:ln w="19050">
+            <a:solidFill>
+              <a:srgbClr val="0070C0"/>
+            </a:solidFill>
+            <a:prstDash val="sysDash"/>
+            <a:headEnd type="arrow" w="med" len="med"/>
+            <a:tailEnd type="none" w="med" len="med"/>
+          </a:ln>
+        </p:spPr>
+        <p:style>
+          <a:lnRef idx="1">
+            <a:schemeClr val="accent1"/>
+          </a:lnRef>
+          <a:fillRef idx="0">
+            <a:schemeClr val="accent1"/>
+          </a:fillRef>
+          <a:effectRef idx="0">
+            <a:schemeClr val="accent1"/>
+          </a:effectRef>
+          <a:fontRef idx="minor">
+            <a:schemeClr val="tx1"/>
+          </a:fontRef>
+        </p:style>
+      </p:cxnSp>
+      <p:sp>
+        <p:nvSpPr>
+          <p:cNvPr id="85" name="TextBox 84">
+            <a:extLst>
+              <a:ext uri="{FF2B5EF4-FFF2-40B4-BE49-F238E27FC236}">
+                <a16:creationId xmlns:a16="http://schemas.microsoft.com/office/drawing/2014/main" id="{C636911B-7D54-4AB0-8BC1-912CC212815F}"/>
+              </a:ext>
+            </a:extLst>
+          </p:cNvPr>
+          <p:cNvSpPr txBox="1"/>
+          <p:nvPr/>
+        </p:nvSpPr>
+        <p:spPr>
+          <a:xfrm>
+            <a:off x="5033665" y="4199590"/>
+            <a:ext cx="258404" cy="261610"/>
+          </a:xfrm>
+          <a:prstGeom prst="rect">
+            <a:avLst/>
+          </a:prstGeom>
+          <a:noFill/>
+        </p:spPr>
+        <p:txBody>
+          <a:bodyPr wrap="none" rtlCol="0">
+            <a:spAutoFit/>
+          </a:bodyPr>
+          <a:lstStyle/>
+          <a:p>
+            <a:r>
+              <a:rPr lang="en-SG" sz="1100" dirty="0">
+                <a:solidFill>
+                  <a:srgbClr val="002060"/>
+                </a:solidFill>
+              </a:rPr>
+              <a:t>X</a:t>
+            </a:r>
+          </a:p>
+        </p:txBody>
+      </p:sp>
     </p:spTree>
     <p:extLst>
       <p:ext uri="{BB962C8B-B14F-4D97-AF65-F5344CB8AC3E}">
@@ -8258,6 +8322,2153 @@
     <p:extLst>
       <p:ext uri="{BB962C8B-B14F-4D97-AF65-F5344CB8AC3E}">
         <p14:creationId xmlns:p14="http://schemas.microsoft.com/office/powerpoint/2010/main" val="3031917990"/>
+      </p:ext>
+    </p:extLst>
+  </p:cSld>
+  <p:clrMapOvr>
+    <a:masterClrMapping/>
+  </p:clrMapOvr>
+</p:sld>
+</file>
+
+<file path=ppt/slides/slide4.xml><?xml version="1.0" encoding="utf-8"?>
+<p:sld xmlns:a="http://schemas.openxmlformats.org/drawingml/2006/main" xmlns:r="http://schemas.openxmlformats.org/officeDocument/2006/relationships" xmlns:p="http://schemas.openxmlformats.org/presentationml/2006/main">
+  <p:cSld>
+    <p:spTree>
+      <p:nvGrpSpPr>
+        <p:cNvPr id="1" name=""/>
+        <p:cNvGrpSpPr/>
+        <p:nvPr/>
+      </p:nvGrpSpPr>
+      <p:grpSpPr>
+        <a:xfrm>
+          <a:off x="0" y="0"/>
+          <a:ext cx="0" cy="0"/>
+          <a:chOff x="0" y="0"/>
+          <a:chExt cx="0" cy="0"/>
+        </a:xfrm>
+      </p:grpSpPr>
+      <p:sp>
+        <p:nvSpPr>
+          <p:cNvPr id="77" name="Rectangle 65">
+            <a:extLst>
+              <a:ext uri="{FF2B5EF4-FFF2-40B4-BE49-F238E27FC236}">
+                <a16:creationId xmlns:a16="http://schemas.microsoft.com/office/drawing/2014/main" id="{691173CC-8F9B-47E4-855D-C138E7CE7BCA}"/>
+              </a:ext>
+            </a:extLst>
+          </p:cNvPr>
+          <p:cNvSpPr/>
+          <p:nvPr/>
+        </p:nvSpPr>
+        <p:spPr>
+          <a:xfrm>
+            <a:off x="-1832652" y="3202569"/>
+            <a:ext cx="2073068" cy="2759974"/>
+          </a:xfrm>
+          <a:prstGeom prst="roundRect">
+            <a:avLst>
+              <a:gd name="adj" fmla="val 3484"/>
+            </a:avLst>
+          </a:prstGeom>
+          <a:solidFill>
+            <a:srgbClr val="F1F5E9"/>
+          </a:solidFill>
+          <a:ln w="19050">
+            <a:noFill/>
+          </a:ln>
+          <a:effectLst/>
+        </p:spPr>
+        <p:style>
+          <a:lnRef idx="1">
+            <a:schemeClr val="accent2"/>
+          </a:lnRef>
+          <a:fillRef idx="2">
+            <a:schemeClr val="accent2"/>
+          </a:fillRef>
+          <a:effectRef idx="1">
+            <a:schemeClr val="accent2"/>
+          </a:effectRef>
+          <a:fontRef idx="minor">
+            <a:schemeClr val="dk1"/>
+          </a:fontRef>
+        </p:style>
+        <p:txBody>
+          <a:bodyPr rtlCol="0" anchor="t"/>
+          <a:lstStyle/>
+          <a:p>
+            <a:r>
+              <a:rPr lang="en-US" sz="1200" b="1" dirty="0">
+                <a:solidFill>
+                  <a:schemeClr val="accent3">
+                    <a:lumMod val="75000"/>
+                  </a:schemeClr>
+                </a:solidFill>
+              </a:rPr>
+              <a:t>UI</a:t>
+            </a:r>
+            <a:endParaRPr lang="en-SG" sz="1200" b="1" dirty="0">
+              <a:solidFill>
+                <a:schemeClr val="accent3">
+                  <a:lumMod val="75000"/>
+                </a:schemeClr>
+              </a:solidFill>
+            </a:endParaRPr>
+          </a:p>
+        </p:txBody>
+      </p:sp>
+      <p:sp>
+        <p:nvSpPr>
+          <p:cNvPr id="44" name="Rectangle 65">
+            <a:extLst>
+              <a:ext uri="{FF2B5EF4-FFF2-40B4-BE49-F238E27FC236}">
+                <a16:creationId xmlns:a16="http://schemas.microsoft.com/office/drawing/2014/main" id="{8D133343-A7A4-47A2-A3A4-6B8336784243}"/>
+              </a:ext>
+            </a:extLst>
+          </p:cNvPr>
+          <p:cNvSpPr/>
+          <p:nvPr/>
+        </p:nvSpPr>
+        <p:spPr>
+          <a:xfrm>
+            <a:off x="6014410" y="1981200"/>
+            <a:ext cx="3000340" cy="3962400"/>
+          </a:xfrm>
+          <a:prstGeom prst="roundRect">
+            <a:avLst>
+              <a:gd name="adj" fmla="val 3484"/>
+            </a:avLst>
+          </a:prstGeom>
+          <a:solidFill>
+            <a:srgbClr val="F1F5E9"/>
+          </a:solidFill>
+          <a:ln w="19050">
+            <a:noFill/>
+          </a:ln>
+          <a:effectLst/>
+        </p:spPr>
+        <p:style>
+          <a:lnRef idx="1">
+            <a:schemeClr val="accent2"/>
+          </a:lnRef>
+          <a:fillRef idx="2">
+            <a:schemeClr val="accent2"/>
+          </a:fillRef>
+          <a:effectRef idx="1">
+            <a:schemeClr val="accent2"/>
+          </a:effectRef>
+          <a:fontRef idx="minor">
+            <a:schemeClr val="dk1"/>
+          </a:fontRef>
+        </p:style>
+        <p:txBody>
+          <a:bodyPr rtlCol="0" anchor="t"/>
+          <a:lstStyle/>
+          <a:p>
+            <a:r>
+              <a:rPr lang="en-US" sz="1200" b="1" dirty="0">
+                <a:solidFill>
+                  <a:schemeClr val="accent3">
+                    <a:lumMod val="75000"/>
+                  </a:schemeClr>
+                </a:solidFill>
+              </a:rPr>
+              <a:t>UI</a:t>
+            </a:r>
+            <a:endParaRPr lang="en-SG" sz="1200" b="1" dirty="0">
+              <a:solidFill>
+                <a:schemeClr val="accent3">
+                  <a:lumMod val="75000"/>
+                </a:schemeClr>
+              </a:solidFill>
+            </a:endParaRPr>
+          </a:p>
+        </p:txBody>
+      </p:sp>
+      <p:sp>
+        <p:nvSpPr>
+          <p:cNvPr id="3" name="Rectangle 65">
+            <a:extLst>
+              <a:ext uri="{FF2B5EF4-FFF2-40B4-BE49-F238E27FC236}">
+                <a16:creationId xmlns:a16="http://schemas.microsoft.com/office/drawing/2014/main" id="{2885EF37-EEAA-477D-B764-9F5119C08C8F}"/>
+              </a:ext>
+            </a:extLst>
+          </p:cNvPr>
+          <p:cNvSpPr/>
+          <p:nvPr/>
+        </p:nvSpPr>
+        <p:spPr>
+          <a:xfrm>
+            <a:off x="275323" y="1981200"/>
+            <a:ext cx="5649187" cy="4000286"/>
+          </a:xfrm>
+          <a:prstGeom prst="roundRect">
+            <a:avLst>
+              <a:gd name="adj" fmla="val 3484"/>
+            </a:avLst>
+          </a:prstGeom>
+          <a:solidFill>
+            <a:schemeClr val="accent1">
+              <a:lumMod val="20000"/>
+              <a:lumOff val="80000"/>
+            </a:schemeClr>
+          </a:solidFill>
+          <a:ln w="19050">
+            <a:noFill/>
+          </a:ln>
+          <a:effectLst/>
+        </p:spPr>
+        <p:style>
+          <a:lnRef idx="1">
+            <a:schemeClr val="accent2"/>
+          </a:lnRef>
+          <a:fillRef idx="2">
+            <a:schemeClr val="accent2"/>
+          </a:fillRef>
+          <a:effectRef idx="1">
+            <a:schemeClr val="accent2"/>
+          </a:effectRef>
+          <a:fontRef idx="minor">
+            <a:schemeClr val="dk1"/>
+          </a:fontRef>
+        </p:style>
+        <p:txBody>
+          <a:bodyPr rtlCol="0" anchor="t"/>
+          <a:lstStyle/>
+          <a:p>
+            <a:r>
+              <a:rPr lang="en-US" sz="1200" b="1" dirty="0">
+                <a:solidFill>
+                  <a:srgbClr val="0070C0"/>
+                </a:solidFill>
+              </a:rPr>
+              <a:t>Logic</a:t>
+            </a:r>
+            <a:endParaRPr lang="en-SG" sz="1200" b="1" dirty="0">
+              <a:solidFill>
+                <a:srgbClr val="0070C0"/>
+              </a:solidFill>
+            </a:endParaRPr>
+          </a:p>
+        </p:txBody>
+      </p:sp>
+      <p:sp>
+        <p:nvSpPr>
+          <p:cNvPr id="4" name="Rectangle 62">
+            <a:extLst>
+              <a:ext uri="{FF2B5EF4-FFF2-40B4-BE49-F238E27FC236}">
+                <a16:creationId xmlns:a16="http://schemas.microsoft.com/office/drawing/2014/main" id="{D145F12A-FCC4-4B46-90A4-92F5470AC40F}"/>
+              </a:ext>
+            </a:extLst>
+          </p:cNvPr>
+          <p:cNvSpPr/>
+          <p:nvPr/>
+        </p:nvSpPr>
+        <p:spPr>
+          <a:xfrm>
+            <a:off x="434568" y="2296546"/>
+            <a:ext cx="1455629" cy="346760"/>
+          </a:xfrm>
+          <a:prstGeom prst="rect">
+            <a:avLst/>
+          </a:prstGeom>
+          <a:solidFill>
+            <a:srgbClr val="0070C0"/>
+          </a:solidFill>
+          <a:ln w="19050">
+            <a:solidFill>
+              <a:srgbClr val="0070C0"/>
+            </a:solidFill>
+          </a:ln>
+          <a:effectLst/>
+        </p:spPr>
+        <p:style>
+          <a:lnRef idx="1">
+            <a:schemeClr val="accent2"/>
+          </a:lnRef>
+          <a:fillRef idx="2">
+            <a:schemeClr val="accent2"/>
+          </a:fillRef>
+          <a:effectRef idx="1">
+            <a:schemeClr val="accent2"/>
+          </a:effectRef>
+          <a:fontRef idx="minor">
+            <a:schemeClr val="dk1"/>
+          </a:fontRef>
+        </p:style>
+        <p:txBody>
+          <a:bodyPr rtlCol="0" anchor="ctr"/>
+          <a:lstStyle/>
+          <a:p>
+            <a:pPr algn="ctr"/>
+            <a:r>
+              <a:rPr lang="en-US" sz="1600" dirty="0">
+                <a:solidFill>
+                  <a:schemeClr val="bg1"/>
+                </a:solidFill>
+              </a:rPr>
+              <a:t>:</a:t>
+            </a:r>
+            <a:r>
+              <a:rPr lang="en-US" sz="1600" dirty="0" err="1">
+                <a:solidFill>
+                  <a:schemeClr val="bg1"/>
+                </a:solidFill>
+              </a:rPr>
+              <a:t>LogicManager</a:t>
+            </a:r>
+            <a:endParaRPr lang="en-SG" sz="1600" dirty="0">
+              <a:solidFill>
+                <a:schemeClr val="bg1"/>
+              </a:solidFill>
+            </a:endParaRPr>
+          </a:p>
+        </p:txBody>
+      </p:sp>
+      <p:sp>
+        <p:nvSpPr>
+          <p:cNvPr id="6" name="Rectangle 5">
+            <a:extLst>
+              <a:ext uri="{FF2B5EF4-FFF2-40B4-BE49-F238E27FC236}">
+                <a16:creationId xmlns:a16="http://schemas.microsoft.com/office/drawing/2014/main" id="{F40C1408-6162-4883-B9AD-80ACD064D3DD}"/>
+              </a:ext>
+            </a:extLst>
+          </p:cNvPr>
+          <p:cNvSpPr/>
+          <p:nvPr/>
+        </p:nvSpPr>
+        <p:spPr>
+          <a:xfrm>
+            <a:off x="1090373" y="3010912"/>
+            <a:ext cx="167399" cy="1484406"/>
+          </a:xfrm>
+          <a:prstGeom prst="rect">
+            <a:avLst/>
+          </a:prstGeom>
+          <a:solidFill>
+            <a:srgbClr val="0070C0"/>
+          </a:solidFill>
+          <a:ln>
+            <a:solidFill>
+              <a:srgbClr val="0070C0"/>
+            </a:solidFill>
+          </a:ln>
+          <a:effectLst/>
+        </p:spPr>
+        <p:style>
+          <a:lnRef idx="1">
+            <a:schemeClr val="accent3"/>
+          </a:lnRef>
+          <a:fillRef idx="2">
+            <a:schemeClr val="accent3"/>
+          </a:fillRef>
+          <a:effectRef idx="1">
+            <a:schemeClr val="accent3"/>
+          </a:effectRef>
+          <a:fontRef idx="minor">
+            <a:schemeClr val="dk1"/>
+          </a:fontRef>
+        </p:style>
+        <p:txBody>
+          <a:bodyPr rtlCol="0" anchor="ctr"/>
+          <a:lstStyle/>
+          <a:p>
+            <a:pPr algn="ctr"/>
+            <a:endParaRPr lang="en-SG" sz="1400"/>
+          </a:p>
+        </p:txBody>
+      </p:sp>
+      <p:sp>
+        <p:nvSpPr>
+          <p:cNvPr id="7" name="Rectangle 62">
+            <a:extLst>
+              <a:ext uri="{FF2B5EF4-FFF2-40B4-BE49-F238E27FC236}">
+                <a16:creationId xmlns:a16="http://schemas.microsoft.com/office/drawing/2014/main" id="{F4B2F39D-23CA-4960-9076-3A1B1070A4B9}"/>
+              </a:ext>
+            </a:extLst>
+          </p:cNvPr>
+          <p:cNvSpPr/>
+          <p:nvPr/>
+        </p:nvSpPr>
+        <p:spPr>
+          <a:xfrm>
+            <a:off x="2332723" y="2179309"/>
+            <a:ext cx="1219200" cy="467684"/>
+          </a:xfrm>
+          <a:prstGeom prst="rect">
+            <a:avLst/>
+          </a:prstGeom>
+          <a:solidFill>
+            <a:srgbClr val="0070C0"/>
+          </a:solidFill>
+          <a:ln w="19050">
+            <a:solidFill>
+              <a:srgbClr val="0070C0"/>
+            </a:solidFill>
+          </a:ln>
+          <a:effectLst/>
+        </p:spPr>
+        <p:style>
+          <a:lnRef idx="1">
+            <a:schemeClr val="accent2"/>
+          </a:lnRef>
+          <a:fillRef idx="2">
+            <a:schemeClr val="accent2"/>
+          </a:fillRef>
+          <a:effectRef idx="1">
+            <a:schemeClr val="accent2"/>
+          </a:effectRef>
+          <a:fontRef idx="minor">
+            <a:schemeClr val="dk1"/>
+          </a:fontRef>
+        </p:style>
+        <p:txBody>
+          <a:bodyPr rtlCol="0" anchor="ctr"/>
+          <a:lstStyle/>
+          <a:p>
+            <a:pPr algn="ctr"/>
+            <a:r>
+              <a:rPr lang="en-US" sz="1600" dirty="0">
+                <a:solidFill>
+                  <a:schemeClr val="bg1"/>
+                </a:solidFill>
+              </a:rPr>
+              <a:t>:Address</a:t>
+            </a:r>
+          </a:p>
+          <a:p>
+            <a:pPr algn="ctr"/>
+            <a:r>
+              <a:rPr lang="en-US" sz="1600" dirty="0" err="1">
+                <a:solidFill>
+                  <a:schemeClr val="bg1"/>
+                </a:solidFill>
+              </a:rPr>
+              <a:t>BookParser</a:t>
+            </a:r>
+            <a:endParaRPr lang="en-SG" sz="1600" dirty="0">
+              <a:solidFill>
+                <a:schemeClr val="bg1"/>
+              </a:solidFill>
+            </a:endParaRPr>
+          </a:p>
+        </p:txBody>
+      </p:sp>
+      <p:cxnSp>
+        <p:nvCxnSpPr>
+          <p:cNvPr id="8" name="Straight Connector 7">
+            <a:extLst>
+              <a:ext uri="{FF2B5EF4-FFF2-40B4-BE49-F238E27FC236}">
+                <a16:creationId xmlns:a16="http://schemas.microsoft.com/office/drawing/2014/main" id="{C6581552-29A5-4628-8321-6C0714060379}"/>
+              </a:ext>
+            </a:extLst>
+          </p:cNvPr>
+          <p:cNvCxnSpPr>
+            <a:cxnSpLocks/>
+            <a:endCxn id="9" idx="2"/>
+          </p:cNvCxnSpPr>
+          <p:nvPr/>
+        </p:nvCxnSpPr>
+        <p:spPr>
+          <a:xfrm>
+            <a:off x="2946122" y="2663904"/>
+            <a:ext cx="15456" cy="1587651"/>
+          </a:xfrm>
+          <a:prstGeom prst="line">
+            <a:avLst/>
+          </a:prstGeom>
+          <a:ln w="19050">
+            <a:solidFill>
+              <a:srgbClr val="0070C0"/>
+            </a:solidFill>
+            <a:prstDash val="sysDash"/>
+          </a:ln>
+          <a:effectLst/>
+        </p:spPr>
+        <p:style>
+          <a:lnRef idx="1">
+            <a:schemeClr val="accent1"/>
+          </a:lnRef>
+          <a:fillRef idx="2">
+            <a:schemeClr val="accent1"/>
+          </a:fillRef>
+          <a:effectRef idx="1">
+            <a:schemeClr val="accent1"/>
+          </a:effectRef>
+          <a:fontRef idx="minor">
+            <a:schemeClr val="dk1"/>
+          </a:fontRef>
+        </p:style>
+      </p:cxnSp>
+      <p:sp>
+        <p:nvSpPr>
+          <p:cNvPr id="9" name="Rectangle 8">
+            <a:extLst>
+              <a:ext uri="{FF2B5EF4-FFF2-40B4-BE49-F238E27FC236}">
+                <a16:creationId xmlns:a16="http://schemas.microsoft.com/office/drawing/2014/main" id="{FBDC6F6B-BDF7-4AD3-B955-43E67CCD76BC}"/>
+              </a:ext>
+            </a:extLst>
+          </p:cNvPr>
+          <p:cNvSpPr/>
+          <p:nvPr/>
+        </p:nvSpPr>
+        <p:spPr>
+          <a:xfrm>
+            <a:off x="2874113" y="3122096"/>
+            <a:ext cx="174929" cy="1129459"/>
+          </a:xfrm>
+          <a:prstGeom prst="rect">
+            <a:avLst/>
+          </a:prstGeom>
+          <a:solidFill>
+            <a:srgbClr val="0070C0"/>
+          </a:solidFill>
+          <a:ln>
+            <a:solidFill>
+              <a:srgbClr val="0070C0"/>
+            </a:solidFill>
+          </a:ln>
+          <a:effectLst/>
+        </p:spPr>
+        <p:style>
+          <a:lnRef idx="1">
+            <a:schemeClr val="accent3"/>
+          </a:lnRef>
+          <a:fillRef idx="2">
+            <a:schemeClr val="accent3"/>
+          </a:fillRef>
+          <a:effectRef idx="1">
+            <a:schemeClr val="accent3"/>
+          </a:effectRef>
+          <a:fontRef idx="minor">
+            <a:schemeClr val="dk1"/>
+          </a:fontRef>
+        </p:style>
+        <p:txBody>
+          <a:bodyPr rtlCol="0" anchor="ctr"/>
+          <a:lstStyle/>
+          <a:p>
+            <a:pPr algn="ctr"/>
+            <a:endParaRPr lang="en-SG" sz="1400">
+              <a:solidFill>
+                <a:schemeClr val="dk1"/>
+              </a:solidFill>
+            </a:endParaRPr>
+          </a:p>
+        </p:txBody>
+      </p:sp>
+      <p:sp>
+        <p:nvSpPr>
+          <p:cNvPr id="10" name="Rectangle 62">
+            <a:extLst>
+              <a:ext uri="{FF2B5EF4-FFF2-40B4-BE49-F238E27FC236}">
+                <a16:creationId xmlns:a16="http://schemas.microsoft.com/office/drawing/2014/main" id="{6A30A0F0-0303-4C65-A4EE-03FDF0AF3EB8}"/>
+              </a:ext>
+            </a:extLst>
+          </p:cNvPr>
+          <p:cNvSpPr/>
+          <p:nvPr/>
+        </p:nvSpPr>
+        <p:spPr>
+          <a:xfrm>
+            <a:off x="4127626" y="2971800"/>
+            <a:ext cx="1682840" cy="461538"/>
+          </a:xfrm>
+          <a:prstGeom prst="rect">
+            <a:avLst/>
+          </a:prstGeom>
+          <a:solidFill>
+            <a:srgbClr val="0070C0"/>
+          </a:solidFill>
+          <a:ln w="19050">
+            <a:solidFill>
+              <a:srgbClr val="0070C0"/>
+            </a:solidFill>
+          </a:ln>
+          <a:effectLst/>
+        </p:spPr>
+        <p:style>
+          <a:lnRef idx="1">
+            <a:schemeClr val="accent2"/>
+          </a:lnRef>
+          <a:fillRef idx="2">
+            <a:schemeClr val="accent2"/>
+          </a:fillRef>
+          <a:effectRef idx="1">
+            <a:schemeClr val="accent2"/>
+          </a:effectRef>
+          <a:fontRef idx="minor">
+            <a:schemeClr val="dk1"/>
+          </a:fontRef>
+        </p:style>
+        <p:txBody>
+          <a:bodyPr rtlCol="0" anchor="ctr"/>
+          <a:lstStyle/>
+          <a:p>
+            <a:pPr algn="ctr"/>
+            <a:r>
+              <a:rPr lang="en-US" sz="1600" dirty="0">
+                <a:solidFill>
+                  <a:schemeClr val="bg1"/>
+                </a:solidFill>
+              </a:rPr>
+              <a:t>:</a:t>
+            </a:r>
+            <a:r>
+              <a:rPr lang="en-US" sz="1600" dirty="0" err="1">
+                <a:solidFill>
+                  <a:schemeClr val="bg1"/>
+                </a:solidFill>
+              </a:rPr>
+              <a:t>BirthdayStatisticsCommand</a:t>
+            </a:r>
+            <a:endParaRPr lang="en-SG" sz="1600" dirty="0">
+              <a:solidFill>
+                <a:schemeClr val="bg1"/>
+              </a:solidFill>
+            </a:endParaRPr>
+          </a:p>
+        </p:txBody>
+      </p:sp>
+      <p:sp>
+        <p:nvSpPr>
+          <p:cNvPr id="12" name="Rectangle 11">
+            <a:extLst>
+              <a:ext uri="{FF2B5EF4-FFF2-40B4-BE49-F238E27FC236}">
+                <a16:creationId xmlns:a16="http://schemas.microsoft.com/office/drawing/2014/main" id="{95FA9306-CFD0-4091-9C67-686D8DD93C9F}"/>
+              </a:ext>
+            </a:extLst>
+          </p:cNvPr>
+          <p:cNvSpPr/>
+          <p:nvPr/>
+        </p:nvSpPr>
+        <p:spPr>
+          <a:xfrm>
+            <a:off x="4847323" y="3429000"/>
+            <a:ext cx="152400" cy="276003"/>
+          </a:xfrm>
+          <a:prstGeom prst="rect">
+            <a:avLst/>
+          </a:prstGeom>
+          <a:solidFill>
+            <a:srgbClr val="0070C0"/>
+          </a:solidFill>
+          <a:ln>
+            <a:solidFill>
+              <a:srgbClr val="0070C0"/>
+            </a:solidFill>
+          </a:ln>
+          <a:effectLst/>
+        </p:spPr>
+        <p:style>
+          <a:lnRef idx="1">
+            <a:schemeClr val="accent3"/>
+          </a:lnRef>
+          <a:fillRef idx="2">
+            <a:schemeClr val="accent3"/>
+          </a:fillRef>
+          <a:effectRef idx="1">
+            <a:schemeClr val="accent3"/>
+          </a:effectRef>
+          <a:fontRef idx="minor">
+            <a:schemeClr val="dk1"/>
+          </a:fontRef>
+        </p:style>
+        <p:txBody>
+          <a:bodyPr rtlCol="0" anchor="ctr"/>
+          <a:lstStyle/>
+          <a:p>
+            <a:pPr algn="ctr"/>
+            <a:endParaRPr lang="en-SG" sz="1400"/>
+          </a:p>
+        </p:txBody>
+      </p:sp>
+      <p:cxnSp>
+        <p:nvCxnSpPr>
+          <p:cNvPr id="13" name="Straight Arrow Connector 12">
+            <a:extLst>
+              <a:ext uri="{FF2B5EF4-FFF2-40B4-BE49-F238E27FC236}">
+                <a16:creationId xmlns:a16="http://schemas.microsoft.com/office/drawing/2014/main" id="{A0F8FAB8-D06D-4EB0-BDDF-F03132757C2D}"/>
+              </a:ext>
+            </a:extLst>
+          </p:cNvPr>
+          <p:cNvCxnSpPr/>
+          <p:nvPr/>
+        </p:nvCxnSpPr>
+        <p:spPr>
+          <a:xfrm>
+            <a:off x="-29477" y="3014599"/>
+            <a:ext cx="1119851" cy="0"/>
+          </a:xfrm>
+          <a:prstGeom prst="straightConnector1">
+            <a:avLst/>
+          </a:prstGeom>
+          <a:ln w="19050">
+            <a:solidFill>
+              <a:srgbClr val="00B050"/>
+            </a:solidFill>
+            <a:tailEnd type="arrow"/>
+          </a:ln>
+        </p:spPr>
+        <p:style>
+          <a:lnRef idx="1">
+            <a:schemeClr val="accent1"/>
+          </a:lnRef>
+          <a:fillRef idx="0">
+            <a:schemeClr val="accent1"/>
+          </a:fillRef>
+          <a:effectRef idx="0">
+            <a:schemeClr val="accent1"/>
+          </a:effectRef>
+          <a:fontRef idx="minor">
+            <a:schemeClr val="tx1"/>
+          </a:fontRef>
+        </p:style>
+      </p:cxnSp>
+      <p:cxnSp>
+        <p:nvCxnSpPr>
+          <p:cNvPr id="14" name="Straight Arrow Connector 13">
+            <a:extLst>
+              <a:ext uri="{FF2B5EF4-FFF2-40B4-BE49-F238E27FC236}">
+                <a16:creationId xmlns:a16="http://schemas.microsoft.com/office/drawing/2014/main" id="{D83FED89-2576-4499-A037-4B44A8462ED5}"/>
+              </a:ext>
+            </a:extLst>
+          </p:cNvPr>
+          <p:cNvCxnSpPr/>
+          <p:nvPr/>
+        </p:nvCxnSpPr>
+        <p:spPr>
+          <a:xfrm flipV="1">
+            <a:off x="1242774" y="3122097"/>
+            <a:ext cx="1596514" cy="1"/>
+          </a:xfrm>
+          <a:prstGeom prst="straightConnector1">
+            <a:avLst/>
+          </a:prstGeom>
+          <a:ln w="19050">
+            <a:solidFill>
+              <a:srgbClr val="0070C0"/>
+            </a:solidFill>
+            <a:tailEnd type="arrow"/>
+          </a:ln>
+        </p:spPr>
+        <p:style>
+          <a:lnRef idx="1">
+            <a:schemeClr val="accent1"/>
+          </a:lnRef>
+          <a:fillRef idx="0">
+            <a:schemeClr val="accent1"/>
+          </a:fillRef>
+          <a:effectRef idx="0">
+            <a:schemeClr val="accent1"/>
+          </a:effectRef>
+          <a:fontRef idx="minor">
+            <a:schemeClr val="tx1"/>
+          </a:fontRef>
+        </p:style>
+      </p:cxnSp>
+      <p:sp>
+        <p:nvSpPr>
+          <p:cNvPr id="15" name="TextBox 14">
+            <a:extLst>
+              <a:ext uri="{FF2B5EF4-FFF2-40B4-BE49-F238E27FC236}">
+                <a16:creationId xmlns:a16="http://schemas.microsoft.com/office/drawing/2014/main" id="{DC685620-C59F-4300-8020-CC837EC14A82}"/>
+              </a:ext>
+            </a:extLst>
+          </p:cNvPr>
+          <p:cNvSpPr txBox="1"/>
+          <p:nvPr/>
+        </p:nvSpPr>
+        <p:spPr>
+          <a:xfrm>
+            <a:off x="-685800" y="2743200"/>
+            <a:ext cx="1700169" cy="215444"/>
+          </a:xfrm>
+          <a:prstGeom prst="rect">
+            <a:avLst/>
+          </a:prstGeom>
+          <a:noFill/>
+        </p:spPr>
+        <p:txBody>
+          <a:bodyPr wrap="square" lIns="0" tIns="0" rIns="0" bIns="0" rtlCol="0">
+            <a:spAutoFit/>
+          </a:bodyPr>
+          <a:lstStyle/>
+          <a:p>
+            <a:pPr algn="r"/>
+            <a:r>
+              <a:rPr lang="en-US" sz="1400" dirty="0">
+                <a:solidFill>
+                  <a:srgbClr val="0070C0"/>
+                </a:solidFill>
+              </a:rPr>
+              <a:t>execute(“statistics”)</a:t>
+            </a:r>
+          </a:p>
+        </p:txBody>
+      </p:sp>
+      <p:cxnSp>
+        <p:nvCxnSpPr>
+          <p:cNvPr id="19" name="Straight Arrow Connector 18">
+            <a:extLst>
+              <a:ext uri="{FF2B5EF4-FFF2-40B4-BE49-F238E27FC236}">
+                <a16:creationId xmlns:a16="http://schemas.microsoft.com/office/drawing/2014/main" id="{E33A9BE4-A883-4593-951B-E694AE4184B7}"/>
+              </a:ext>
+            </a:extLst>
+          </p:cNvPr>
+          <p:cNvCxnSpPr/>
+          <p:nvPr/>
+        </p:nvCxnSpPr>
+        <p:spPr>
+          <a:xfrm flipV="1">
+            <a:off x="1259709" y="4243231"/>
+            <a:ext cx="1596514" cy="5378"/>
+          </a:xfrm>
+          <a:prstGeom prst="straightConnector1">
+            <a:avLst/>
+          </a:prstGeom>
+          <a:ln w="19050">
+            <a:solidFill>
+              <a:srgbClr val="0070C0"/>
+            </a:solidFill>
+            <a:prstDash val="sysDash"/>
+            <a:headEnd type="arrow" w="med" len="med"/>
+            <a:tailEnd type="none" w="med" len="med"/>
+          </a:ln>
+        </p:spPr>
+        <p:style>
+          <a:lnRef idx="1">
+            <a:schemeClr val="accent1"/>
+          </a:lnRef>
+          <a:fillRef idx="0">
+            <a:schemeClr val="accent1"/>
+          </a:fillRef>
+          <a:effectRef idx="0">
+            <a:schemeClr val="accent1"/>
+          </a:effectRef>
+          <a:fontRef idx="minor">
+            <a:schemeClr val="tx1"/>
+          </a:fontRef>
+        </p:style>
+      </p:cxnSp>
+      <p:cxnSp>
+        <p:nvCxnSpPr>
+          <p:cNvPr id="23" name="Straight Arrow Connector 22">
+            <a:extLst>
+              <a:ext uri="{FF2B5EF4-FFF2-40B4-BE49-F238E27FC236}">
+                <a16:creationId xmlns:a16="http://schemas.microsoft.com/office/drawing/2014/main" id="{9CE88179-5628-45CC-81DB-97993EAD243B}"/>
+              </a:ext>
+            </a:extLst>
+          </p:cNvPr>
+          <p:cNvCxnSpPr>
+            <a:cxnSpLocks/>
+          </p:cNvCxnSpPr>
+          <p:nvPr/>
+        </p:nvCxnSpPr>
+        <p:spPr>
+          <a:xfrm>
+            <a:off x="-834741" y="5638800"/>
+            <a:ext cx="7792090" cy="0"/>
+          </a:xfrm>
+          <a:prstGeom prst="straightConnector1">
+            <a:avLst/>
+          </a:prstGeom>
+          <a:ln w="19050">
+            <a:solidFill>
+              <a:schemeClr val="accent3">
+                <a:lumMod val="60000"/>
+                <a:lumOff val="40000"/>
+              </a:schemeClr>
+            </a:solidFill>
+            <a:prstDash val="sysDash"/>
+            <a:headEnd type="arrow" w="med" len="med"/>
+            <a:tailEnd type="none" w="med" len="med"/>
+          </a:ln>
+        </p:spPr>
+        <p:style>
+          <a:lnRef idx="1">
+            <a:schemeClr val="accent1"/>
+          </a:lnRef>
+          <a:fillRef idx="0">
+            <a:schemeClr val="accent1"/>
+          </a:fillRef>
+          <a:effectRef idx="0">
+            <a:schemeClr val="accent1"/>
+          </a:effectRef>
+          <a:fontRef idx="minor">
+            <a:schemeClr val="tx1"/>
+          </a:fontRef>
+        </p:style>
+      </p:cxnSp>
+      <p:sp>
+        <p:nvSpPr>
+          <p:cNvPr id="25" name="TextBox 24">
+            <a:extLst>
+              <a:ext uri="{FF2B5EF4-FFF2-40B4-BE49-F238E27FC236}">
+                <a16:creationId xmlns:a16="http://schemas.microsoft.com/office/drawing/2014/main" id="{EB867DE0-B956-455F-A733-B0B6A16B17BC}"/>
+              </a:ext>
+            </a:extLst>
+          </p:cNvPr>
+          <p:cNvSpPr txBox="1"/>
+          <p:nvPr/>
+        </p:nvSpPr>
+        <p:spPr>
+          <a:xfrm>
+            <a:off x="1086378" y="2850922"/>
+            <a:ext cx="1670973" cy="215444"/>
+          </a:xfrm>
+          <a:prstGeom prst="rect">
+            <a:avLst/>
+          </a:prstGeom>
+          <a:noFill/>
+        </p:spPr>
+        <p:txBody>
+          <a:bodyPr wrap="square" lIns="0" tIns="0" rIns="0" bIns="0" rtlCol="0">
+            <a:spAutoFit/>
+          </a:bodyPr>
+          <a:lstStyle>
+            <a:defPPr>
+              <a:defRPr lang="en-US"/>
+            </a:defPPr>
+            <a:lvl1pPr algn="r">
+              <a:defRPr sz="1400">
+                <a:solidFill>
+                  <a:srgbClr val="0070C0"/>
+                </a:solidFill>
+              </a:defRPr>
+            </a:lvl1pPr>
+          </a:lstStyle>
+          <a:p>
+            <a:r>
+              <a:rPr lang="en-US" dirty="0"/>
+              <a:t>parse(“statistics”)</a:t>
+            </a:r>
+          </a:p>
+        </p:txBody>
+      </p:sp>
+      <p:sp>
+        <p:nvSpPr>
+          <p:cNvPr id="26" name="TextBox 25">
+            <a:extLst>
+              <a:ext uri="{FF2B5EF4-FFF2-40B4-BE49-F238E27FC236}">
+                <a16:creationId xmlns:a16="http://schemas.microsoft.com/office/drawing/2014/main" id="{F6D92FC8-B8A8-4318-BDDD-C3D54D719B32}"/>
+              </a:ext>
+            </a:extLst>
+          </p:cNvPr>
+          <p:cNvSpPr txBox="1"/>
+          <p:nvPr/>
+        </p:nvSpPr>
+        <p:spPr>
+          <a:xfrm>
+            <a:off x="1676400" y="5343796"/>
+            <a:ext cx="3101258" cy="215444"/>
+          </a:xfrm>
+          <a:prstGeom prst="rect">
+            <a:avLst/>
+          </a:prstGeom>
+          <a:noFill/>
+        </p:spPr>
+        <p:txBody>
+          <a:bodyPr wrap="square" lIns="0" tIns="0" rIns="0" bIns="0" rtlCol="0">
+            <a:spAutoFit/>
+          </a:bodyPr>
+          <a:lstStyle>
+            <a:defPPr>
+              <a:defRPr lang="en-US"/>
+            </a:defPPr>
+            <a:lvl1pPr algn="r">
+              <a:defRPr sz="1400">
+                <a:solidFill>
+                  <a:srgbClr val="0070C0"/>
+                </a:solidFill>
+              </a:defRPr>
+            </a:lvl1pPr>
+          </a:lstStyle>
+          <a:p>
+            <a:r>
+              <a:rPr lang="en-US" dirty="0" err="1">
+                <a:solidFill>
+                  <a:schemeClr val="accent3">
+                    <a:lumMod val="75000"/>
+                  </a:schemeClr>
+                </a:solidFill>
+              </a:rPr>
+              <a:t>ChangeInformationPanelRequestEvent</a:t>
+            </a:r>
+            <a:r>
+              <a:rPr lang="en-US" dirty="0">
+                <a:solidFill>
+                  <a:schemeClr val="accent3">
+                    <a:lumMod val="75000"/>
+                  </a:schemeClr>
+                </a:solidFill>
+              </a:rPr>
+              <a:t>()</a:t>
+            </a:r>
+          </a:p>
+        </p:txBody>
+      </p:sp>
+      <p:cxnSp>
+        <p:nvCxnSpPr>
+          <p:cNvPr id="37" name="Straight Arrow Connector 36">
+            <a:extLst>
+              <a:ext uri="{FF2B5EF4-FFF2-40B4-BE49-F238E27FC236}">
+                <a16:creationId xmlns:a16="http://schemas.microsoft.com/office/drawing/2014/main" id="{0A744CC7-67A1-402F-8102-CC5435D25A88}"/>
+              </a:ext>
+            </a:extLst>
+          </p:cNvPr>
+          <p:cNvCxnSpPr>
+            <a:cxnSpLocks/>
+          </p:cNvCxnSpPr>
+          <p:nvPr/>
+        </p:nvCxnSpPr>
+        <p:spPr>
+          <a:xfrm>
+            <a:off x="4999723" y="3686825"/>
+            <a:ext cx="1438574" cy="0"/>
+          </a:xfrm>
+          <a:prstGeom prst="straightConnector1">
+            <a:avLst/>
+          </a:prstGeom>
+          <a:ln w="19050">
+            <a:headEnd type="none" w="med" len="med"/>
+            <a:tailEnd type="arrow" w="med" len="med"/>
+          </a:ln>
+        </p:spPr>
+        <p:style>
+          <a:lnRef idx="1">
+            <a:schemeClr val="accent1"/>
+          </a:lnRef>
+          <a:fillRef idx="0">
+            <a:schemeClr val="accent1"/>
+          </a:fillRef>
+          <a:effectRef idx="0">
+            <a:schemeClr val="accent1"/>
+          </a:effectRef>
+          <a:fontRef idx="minor">
+            <a:schemeClr val="tx1"/>
+          </a:fontRef>
+        </p:style>
+      </p:cxnSp>
+      <p:cxnSp>
+        <p:nvCxnSpPr>
+          <p:cNvPr id="38" name="Straight Arrow Connector 37">
+            <a:extLst>
+              <a:ext uri="{FF2B5EF4-FFF2-40B4-BE49-F238E27FC236}">
+                <a16:creationId xmlns:a16="http://schemas.microsoft.com/office/drawing/2014/main" id="{112475BB-26B3-43C8-A64D-B368A0F8C5EC}"/>
+              </a:ext>
+            </a:extLst>
+          </p:cNvPr>
+          <p:cNvCxnSpPr>
+            <a:cxnSpLocks/>
+            <a:endCxn id="10" idx="1"/>
+          </p:cNvCxnSpPr>
+          <p:nvPr/>
+        </p:nvCxnSpPr>
+        <p:spPr>
+          <a:xfrm>
+            <a:off x="3088905" y="3202569"/>
+            <a:ext cx="1038721" cy="0"/>
+          </a:xfrm>
+          <a:prstGeom prst="straightConnector1">
+            <a:avLst/>
+          </a:prstGeom>
+          <a:ln w="19050">
+            <a:solidFill>
+              <a:srgbClr val="0070C0"/>
+            </a:solidFill>
+            <a:tailEnd type="arrow"/>
+          </a:ln>
+        </p:spPr>
+        <p:style>
+          <a:lnRef idx="1">
+            <a:schemeClr val="accent1"/>
+          </a:lnRef>
+          <a:fillRef idx="0">
+            <a:schemeClr val="accent1"/>
+          </a:fillRef>
+          <a:effectRef idx="0">
+            <a:schemeClr val="accent1"/>
+          </a:effectRef>
+          <a:fontRef idx="minor">
+            <a:schemeClr val="tx1"/>
+          </a:fontRef>
+        </p:style>
+      </p:cxnSp>
+      <p:cxnSp>
+        <p:nvCxnSpPr>
+          <p:cNvPr id="39" name="Straight Arrow Connector 38">
+            <a:extLst>
+              <a:ext uri="{FF2B5EF4-FFF2-40B4-BE49-F238E27FC236}">
+                <a16:creationId xmlns:a16="http://schemas.microsoft.com/office/drawing/2014/main" id="{541176D1-B34E-4210-B0F6-B56C12828C07}"/>
+              </a:ext>
+            </a:extLst>
+          </p:cNvPr>
+          <p:cNvCxnSpPr>
+            <a:cxnSpLocks/>
+          </p:cNvCxnSpPr>
+          <p:nvPr/>
+        </p:nvCxnSpPr>
+        <p:spPr>
+          <a:xfrm>
+            <a:off x="3088905" y="3686825"/>
+            <a:ext cx="1758418" cy="0"/>
+          </a:xfrm>
+          <a:prstGeom prst="straightConnector1">
+            <a:avLst/>
+          </a:prstGeom>
+          <a:ln w="19050">
+            <a:solidFill>
+              <a:srgbClr val="0070C0"/>
+            </a:solidFill>
+            <a:prstDash val="sysDash"/>
+            <a:headEnd type="arrow" w="med" len="med"/>
+            <a:tailEnd type="none" w="med" len="med"/>
+          </a:ln>
+        </p:spPr>
+        <p:style>
+          <a:lnRef idx="1">
+            <a:schemeClr val="accent1"/>
+          </a:lnRef>
+          <a:fillRef idx="0">
+            <a:schemeClr val="accent1"/>
+          </a:fillRef>
+          <a:effectRef idx="0">
+            <a:schemeClr val="accent1"/>
+          </a:effectRef>
+          <a:fontRef idx="minor">
+            <a:schemeClr val="tx1"/>
+          </a:fontRef>
+        </p:style>
+      </p:cxnSp>
+      <p:sp>
+        <p:nvSpPr>
+          <p:cNvPr id="47" name="Rectangle 46">
+            <a:extLst>
+              <a:ext uri="{FF2B5EF4-FFF2-40B4-BE49-F238E27FC236}">
+                <a16:creationId xmlns:a16="http://schemas.microsoft.com/office/drawing/2014/main" id="{5BCD7BD2-C3B3-419B-9F07-39E41B4684A1}"/>
+              </a:ext>
+            </a:extLst>
+          </p:cNvPr>
+          <p:cNvSpPr/>
+          <p:nvPr/>
+        </p:nvSpPr>
+        <p:spPr>
+          <a:xfrm>
+            <a:off x="6960742" y="3868142"/>
+            <a:ext cx="226137" cy="1846858"/>
+          </a:xfrm>
+          <a:prstGeom prst="rect">
+            <a:avLst/>
+          </a:prstGeom>
+          <a:solidFill>
+            <a:schemeClr val="accent3">
+              <a:lumMod val="60000"/>
+              <a:lumOff val="40000"/>
+            </a:schemeClr>
+          </a:solidFill>
+          <a:ln>
+            <a:solidFill>
+              <a:schemeClr val="accent3">
+                <a:lumMod val="60000"/>
+                <a:lumOff val="40000"/>
+              </a:schemeClr>
+            </a:solidFill>
+          </a:ln>
+          <a:effectLst/>
+        </p:spPr>
+        <p:style>
+          <a:lnRef idx="1">
+            <a:schemeClr val="accent3"/>
+          </a:lnRef>
+          <a:fillRef idx="2">
+            <a:schemeClr val="accent3"/>
+          </a:fillRef>
+          <a:effectRef idx="1">
+            <a:schemeClr val="accent3"/>
+          </a:effectRef>
+          <a:fontRef idx="minor">
+            <a:schemeClr val="dk1"/>
+          </a:fontRef>
+        </p:style>
+        <p:txBody>
+          <a:bodyPr rtlCol="0" anchor="ctr"/>
+          <a:lstStyle/>
+          <a:p>
+            <a:pPr algn="ctr"/>
+            <a:endParaRPr lang="en-SG" sz="1400">
+              <a:solidFill>
+                <a:schemeClr val="dk1"/>
+              </a:solidFill>
+            </a:endParaRPr>
+          </a:p>
+        </p:txBody>
+      </p:sp>
+      <p:sp>
+        <p:nvSpPr>
+          <p:cNvPr id="48" name="Rectangle 47">
+            <a:extLst>
+              <a:ext uri="{FF2B5EF4-FFF2-40B4-BE49-F238E27FC236}">
+                <a16:creationId xmlns:a16="http://schemas.microsoft.com/office/drawing/2014/main" id="{7252ED2C-1A12-4CEE-A4EE-8E18F000B1D0}"/>
+              </a:ext>
+            </a:extLst>
+          </p:cNvPr>
+          <p:cNvSpPr/>
+          <p:nvPr/>
+        </p:nvSpPr>
+        <p:spPr>
+          <a:xfrm>
+            <a:off x="7162800" y="4114800"/>
+            <a:ext cx="247312" cy="280831"/>
+          </a:xfrm>
+          <a:prstGeom prst="rect">
+            <a:avLst/>
+          </a:prstGeom>
+          <a:solidFill>
+            <a:schemeClr val="accent3">
+              <a:lumMod val="60000"/>
+              <a:lumOff val="40000"/>
+            </a:schemeClr>
+          </a:solidFill>
+          <a:ln>
+            <a:solidFill>
+              <a:schemeClr val="accent3">
+                <a:lumMod val="60000"/>
+                <a:lumOff val="40000"/>
+              </a:schemeClr>
+            </a:solidFill>
+          </a:ln>
+          <a:effectLst/>
+        </p:spPr>
+        <p:style>
+          <a:lnRef idx="1">
+            <a:schemeClr val="accent3"/>
+          </a:lnRef>
+          <a:fillRef idx="2">
+            <a:schemeClr val="accent3"/>
+          </a:fillRef>
+          <a:effectRef idx="1">
+            <a:schemeClr val="accent3"/>
+          </a:effectRef>
+          <a:fontRef idx="minor">
+            <a:schemeClr val="dk1"/>
+          </a:fontRef>
+        </p:style>
+        <p:txBody>
+          <a:bodyPr rtlCol="0" anchor="ctr"/>
+          <a:lstStyle/>
+          <a:p>
+            <a:pPr algn="ctr"/>
+            <a:endParaRPr lang="en-SG" sz="1400">
+              <a:solidFill>
+                <a:schemeClr val="dk1"/>
+              </a:solidFill>
+            </a:endParaRPr>
+          </a:p>
+        </p:txBody>
+      </p:sp>
+      <p:sp>
+        <p:nvSpPr>
+          <p:cNvPr id="45" name="Rectangle 8">
+            <a:extLst>
+              <a:ext uri="{FF2B5EF4-FFF2-40B4-BE49-F238E27FC236}">
+                <a16:creationId xmlns:a16="http://schemas.microsoft.com/office/drawing/2014/main" id="{544D6793-C0C7-4069-B9C3-373B35D116B9}"/>
+              </a:ext>
+            </a:extLst>
+          </p:cNvPr>
+          <p:cNvSpPr/>
+          <p:nvPr/>
+        </p:nvSpPr>
+        <p:spPr>
+          <a:xfrm>
+            <a:off x="6447523" y="3505508"/>
+            <a:ext cx="1193446" cy="362634"/>
+          </a:xfrm>
+          <a:prstGeom prst="rect">
+            <a:avLst/>
+          </a:prstGeom>
+          <a:ln w="19050">
+            <a:solidFill>
+              <a:schemeClr val="accent3"/>
+            </a:solidFill>
+          </a:ln>
+          <a:effectLst/>
+        </p:spPr>
+        <p:style>
+          <a:lnRef idx="1">
+            <a:schemeClr val="accent3"/>
+          </a:lnRef>
+          <a:fillRef idx="2">
+            <a:schemeClr val="accent3"/>
+          </a:fillRef>
+          <a:effectRef idx="1">
+            <a:schemeClr val="accent3"/>
+          </a:effectRef>
+          <a:fontRef idx="minor">
+            <a:schemeClr val="dk1"/>
+          </a:fontRef>
+        </p:style>
+        <p:txBody>
+          <a:bodyPr rtlCol="0" anchor="ctr"/>
+          <a:lstStyle/>
+          <a:p>
+            <a:pPr algn="ctr"/>
+            <a:r>
+              <a:rPr lang="en-US" sz="1050" b="1" dirty="0" err="1">
+                <a:solidFill>
+                  <a:schemeClr val="accent3">
+                    <a:lumMod val="75000"/>
+                  </a:schemeClr>
+                </a:solidFill>
+              </a:rPr>
+              <a:t>BirthdayStatisticsPanel</a:t>
+            </a:r>
+            <a:endParaRPr lang="en-SG" sz="1050" b="1" dirty="0">
+              <a:solidFill>
+                <a:schemeClr val="accent3">
+                  <a:lumMod val="75000"/>
+                </a:schemeClr>
+              </a:solidFill>
+            </a:endParaRPr>
+          </a:p>
+        </p:txBody>
+      </p:sp>
+      <p:cxnSp>
+        <p:nvCxnSpPr>
+          <p:cNvPr id="54" name="Straight Arrow Connector 53">
+            <a:extLst>
+              <a:ext uri="{FF2B5EF4-FFF2-40B4-BE49-F238E27FC236}">
+                <a16:creationId xmlns:a16="http://schemas.microsoft.com/office/drawing/2014/main" id="{57011CA8-1DF8-4876-8D17-8B4BB305A930}"/>
+              </a:ext>
+            </a:extLst>
+          </p:cNvPr>
+          <p:cNvCxnSpPr>
+            <a:cxnSpLocks/>
+          </p:cNvCxnSpPr>
+          <p:nvPr/>
+        </p:nvCxnSpPr>
+        <p:spPr>
+          <a:xfrm>
+            <a:off x="7162800" y="3950724"/>
+            <a:ext cx="201215" cy="164076"/>
+          </a:xfrm>
+          <a:prstGeom prst="straightConnector1">
+            <a:avLst/>
+          </a:prstGeom>
+          <a:ln w="19050">
+            <a:solidFill>
+              <a:schemeClr val="accent3">
+                <a:lumMod val="60000"/>
+                <a:lumOff val="40000"/>
+              </a:schemeClr>
+            </a:solidFill>
+            <a:headEnd type="none" w="med" len="med"/>
+            <a:tailEnd type="arrow" w="med" len="med"/>
+          </a:ln>
+        </p:spPr>
+        <p:style>
+          <a:lnRef idx="1">
+            <a:schemeClr val="accent1"/>
+          </a:lnRef>
+          <a:fillRef idx="0">
+            <a:schemeClr val="accent1"/>
+          </a:fillRef>
+          <a:effectRef idx="0">
+            <a:schemeClr val="accent1"/>
+          </a:effectRef>
+          <a:fontRef idx="minor">
+            <a:schemeClr val="tx1"/>
+          </a:fontRef>
+        </p:style>
+      </p:cxnSp>
+      <p:sp>
+        <p:nvSpPr>
+          <p:cNvPr id="57" name="TextBox 56">
+            <a:extLst>
+              <a:ext uri="{FF2B5EF4-FFF2-40B4-BE49-F238E27FC236}">
+                <a16:creationId xmlns:a16="http://schemas.microsoft.com/office/drawing/2014/main" id="{0592BEDF-CFB6-4ACD-985D-999630EAFD72}"/>
+              </a:ext>
+            </a:extLst>
+          </p:cNvPr>
+          <p:cNvSpPr txBox="1"/>
+          <p:nvPr/>
+        </p:nvSpPr>
+        <p:spPr>
+          <a:xfrm>
+            <a:off x="6939627" y="4135509"/>
+            <a:ext cx="1670973" cy="215444"/>
+          </a:xfrm>
+          <a:prstGeom prst="rect">
+            <a:avLst/>
+          </a:prstGeom>
+          <a:noFill/>
+        </p:spPr>
+        <p:txBody>
+          <a:bodyPr wrap="square" lIns="0" tIns="0" rIns="0" bIns="0" rtlCol="0">
+            <a:spAutoFit/>
+          </a:bodyPr>
+          <a:lstStyle>
+            <a:defPPr>
+              <a:defRPr lang="en-US"/>
+            </a:defPPr>
+            <a:lvl1pPr algn="r">
+              <a:defRPr sz="1400">
+                <a:solidFill>
+                  <a:srgbClr val="0070C0"/>
+                </a:solidFill>
+              </a:defRPr>
+            </a:lvl1pPr>
+          </a:lstStyle>
+          <a:p>
+            <a:r>
+              <a:rPr lang="en-US" dirty="0" err="1">
+                <a:solidFill>
+                  <a:schemeClr val="accent3">
+                    <a:lumMod val="75000"/>
+                  </a:schemeClr>
+                </a:solidFill>
+              </a:rPr>
+              <a:t>setPersonData</a:t>
+            </a:r>
+            <a:r>
+              <a:rPr lang="en-US" dirty="0">
+                <a:solidFill>
+                  <a:schemeClr val="accent3">
+                    <a:lumMod val="75000"/>
+                  </a:schemeClr>
+                </a:solidFill>
+              </a:rPr>
+              <a:t>()</a:t>
+            </a:r>
+          </a:p>
+        </p:txBody>
+      </p:sp>
+      <p:cxnSp>
+        <p:nvCxnSpPr>
+          <p:cNvPr id="58" name="Straight Arrow Connector 57">
+            <a:extLst>
+              <a:ext uri="{FF2B5EF4-FFF2-40B4-BE49-F238E27FC236}">
+                <a16:creationId xmlns:a16="http://schemas.microsoft.com/office/drawing/2014/main" id="{B5231F9F-5CA7-4368-826D-BFB3104CC25C}"/>
+              </a:ext>
+            </a:extLst>
+          </p:cNvPr>
+          <p:cNvCxnSpPr>
+            <a:cxnSpLocks/>
+          </p:cNvCxnSpPr>
+          <p:nvPr/>
+        </p:nvCxnSpPr>
+        <p:spPr>
+          <a:xfrm flipH="1">
+            <a:off x="7186880" y="4395631"/>
+            <a:ext cx="202056" cy="404969"/>
+          </a:xfrm>
+          <a:prstGeom prst="straightConnector1">
+            <a:avLst/>
+          </a:prstGeom>
+          <a:ln w="19050">
+            <a:solidFill>
+              <a:schemeClr val="accent3">
+                <a:lumMod val="60000"/>
+                <a:lumOff val="40000"/>
+              </a:schemeClr>
+            </a:solidFill>
+            <a:prstDash val="sysDash"/>
+            <a:headEnd type="none" w="med" len="med"/>
+            <a:tailEnd type="arrow" w="med" len="med"/>
+          </a:ln>
+        </p:spPr>
+        <p:style>
+          <a:lnRef idx="1">
+            <a:schemeClr val="accent1"/>
+          </a:lnRef>
+          <a:fillRef idx="0">
+            <a:schemeClr val="accent1"/>
+          </a:fillRef>
+          <a:effectRef idx="0">
+            <a:schemeClr val="accent1"/>
+          </a:effectRef>
+          <a:fontRef idx="minor">
+            <a:schemeClr val="tx1"/>
+          </a:fontRef>
+        </p:style>
+      </p:cxnSp>
+      <p:sp>
+        <p:nvSpPr>
+          <p:cNvPr id="63" name="Rectangle 62">
+            <a:extLst>
+              <a:ext uri="{FF2B5EF4-FFF2-40B4-BE49-F238E27FC236}">
+                <a16:creationId xmlns:a16="http://schemas.microsoft.com/office/drawing/2014/main" id="{26397DB7-1EE3-4800-A2FA-6D090B0E2C2D}"/>
+              </a:ext>
+            </a:extLst>
+          </p:cNvPr>
+          <p:cNvSpPr/>
+          <p:nvPr/>
+        </p:nvSpPr>
+        <p:spPr>
+          <a:xfrm>
+            <a:off x="7162800" y="4888476"/>
+            <a:ext cx="247312" cy="280831"/>
+          </a:xfrm>
+          <a:prstGeom prst="rect">
+            <a:avLst/>
+          </a:prstGeom>
+          <a:solidFill>
+            <a:schemeClr val="accent3">
+              <a:lumMod val="60000"/>
+              <a:lumOff val="40000"/>
+            </a:schemeClr>
+          </a:solidFill>
+          <a:ln>
+            <a:solidFill>
+              <a:schemeClr val="accent3">
+                <a:lumMod val="60000"/>
+                <a:lumOff val="40000"/>
+              </a:schemeClr>
+            </a:solidFill>
+          </a:ln>
+          <a:effectLst/>
+        </p:spPr>
+        <p:style>
+          <a:lnRef idx="1">
+            <a:schemeClr val="accent3"/>
+          </a:lnRef>
+          <a:fillRef idx="2">
+            <a:schemeClr val="accent3"/>
+          </a:fillRef>
+          <a:effectRef idx="1">
+            <a:schemeClr val="accent3"/>
+          </a:effectRef>
+          <a:fontRef idx="minor">
+            <a:schemeClr val="dk1"/>
+          </a:fontRef>
+        </p:style>
+        <p:txBody>
+          <a:bodyPr rtlCol="0" anchor="ctr"/>
+          <a:lstStyle/>
+          <a:p>
+            <a:pPr algn="ctr"/>
+            <a:endParaRPr lang="en-SG" sz="1400">
+              <a:solidFill>
+                <a:schemeClr val="dk1"/>
+              </a:solidFill>
+            </a:endParaRPr>
+          </a:p>
+        </p:txBody>
+      </p:sp>
+      <p:cxnSp>
+        <p:nvCxnSpPr>
+          <p:cNvPr id="64" name="Straight Arrow Connector 63">
+            <a:extLst>
+              <a:ext uri="{FF2B5EF4-FFF2-40B4-BE49-F238E27FC236}">
+                <a16:creationId xmlns:a16="http://schemas.microsoft.com/office/drawing/2014/main" id="{5541FA82-50A1-46AA-BEAC-263635E4205B}"/>
+              </a:ext>
+            </a:extLst>
+          </p:cNvPr>
+          <p:cNvCxnSpPr>
+            <a:cxnSpLocks/>
+          </p:cNvCxnSpPr>
+          <p:nvPr/>
+        </p:nvCxnSpPr>
+        <p:spPr>
+          <a:xfrm>
+            <a:off x="7162800" y="4724400"/>
+            <a:ext cx="201215" cy="164076"/>
+          </a:xfrm>
+          <a:prstGeom prst="straightConnector1">
+            <a:avLst/>
+          </a:prstGeom>
+          <a:ln w="19050">
+            <a:solidFill>
+              <a:schemeClr val="accent3">
+                <a:lumMod val="60000"/>
+                <a:lumOff val="40000"/>
+              </a:schemeClr>
+            </a:solidFill>
+            <a:headEnd type="none" w="med" len="med"/>
+            <a:tailEnd type="arrow" w="med" len="med"/>
+          </a:ln>
+        </p:spPr>
+        <p:style>
+          <a:lnRef idx="1">
+            <a:schemeClr val="accent1"/>
+          </a:lnRef>
+          <a:fillRef idx="0">
+            <a:schemeClr val="accent1"/>
+          </a:fillRef>
+          <a:effectRef idx="0">
+            <a:schemeClr val="accent1"/>
+          </a:effectRef>
+          <a:fontRef idx="minor">
+            <a:schemeClr val="tx1"/>
+          </a:fontRef>
+        </p:style>
+      </p:cxnSp>
+      <p:cxnSp>
+        <p:nvCxnSpPr>
+          <p:cNvPr id="65" name="Straight Arrow Connector 64">
+            <a:extLst>
+              <a:ext uri="{FF2B5EF4-FFF2-40B4-BE49-F238E27FC236}">
+                <a16:creationId xmlns:a16="http://schemas.microsoft.com/office/drawing/2014/main" id="{EC94F53E-2F33-4725-9143-FE7EE037E50D}"/>
+              </a:ext>
+            </a:extLst>
+          </p:cNvPr>
+          <p:cNvCxnSpPr>
+            <a:cxnSpLocks/>
+          </p:cNvCxnSpPr>
+          <p:nvPr/>
+        </p:nvCxnSpPr>
+        <p:spPr>
+          <a:xfrm flipH="1">
+            <a:off x="7186880" y="5169307"/>
+            <a:ext cx="202056" cy="404969"/>
+          </a:xfrm>
+          <a:prstGeom prst="straightConnector1">
+            <a:avLst/>
+          </a:prstGeom>
+          <a:ln w="19050">
+            <a:solidFill>
+              <a:schemeClr val="accent3">
+                <a:lumMod val="60000"/>
+                <a:lumOff val="40000"/>
+              </a:schemeClr>
+            </a:solidFill>
+            <a:prstDash val="sysDash"/>
+            <a:headEnd type="none" w="med" len="med"/>
+            <a:tailEnd type="arrow" w="med" len="med"/>
+          </a:ln>
+        </p:spPr>
+        <p:style>
+          <a:lnRef idx="1">
+            <a:schemeClr val="accent1"/>
+          </a:lnRef>
+          <a:fillRef idx="0">
+            <a:schemeClr val="accent1"/>
+          </a:fillRef>
+          <a:effectRef idx="0">
+            <a:schemeClr val="accent1"/>
+          </a:effectRef>
+          <a:fontRef idx="minor">
+            <a:schemeClr val="tx1"/>
+          </a:fontRef>
+        </p:style>
+      </p:cxnSp>
+      <p:sp>
+        <p:nvSpPr>
+          <p:cNvPr id="66" name="TextBox 65">
+            <a:extLst>
+              <a:ext uri="{FF2B5EF4-FFF2-40B4-BE49-F238E27FC236}">
+                <a16:creationId xmlns:a16="http://schemas.microsoft.com/office/drawing/2014/main" id="{1B84F9F8-4086-488D-B9EE-7E6B57AFA161}"/>
+              </a:ext>
+            </a:extLst>
+          </p:cNvPr>
+          <p:cNvSpPr txBox="1"/>
+          <p:nvPr/>
+        </p:nvSpPr>
+        <p:spPr>
+          <a:xfrm>
+            <a:off x="7453914" y="4824436"/>
+            <a:ext cx="1518573" cy="430887"/>
+          </a:xfrm>
+          <a:prstGeom prst="rect">
+            <a:avLst/>
+          </a:prstGeom>
+          <a:noFill/>
+        </p:spPr>
+        <p:txBody>
+          <a:bodyPr wrap="square" lIns="0" tIns="0" rIns="0" bIns="0" rtlCol="0">
+            <a:spAutoFit/>
+          </a:bodyPr>
+          <a:lstStyle>
+            <a:defPPr>
+              <a:defRPr lang="en-US"/>
+            </a:defPPr>
+            <a:lvl1pPr algn="r">
+              <a:defRPr sz="1400">
+                <a:solidFill>
+                  <a:srgbClr val="0070C0"/>
+                </a:solidFill>
+              </a:defRPr>
+            </a:lvl1pPr>
+          </a:lstStyle>
+          <a:p>
+            <a:pPr algn="ctr"/>
+            <a:r>
+              <a:rPr lang="en-US" dirty="0" err="1">
+                <a:solidFill>
+                  <a:schemeClr val="accent3">
+                    <a:lumMod val="75000"/>
+                  </a:schemeClr>
+                </a:solidFill>
+              </a:rPr>
+              <a:t>handleAddressBook</a:t>
+            </a:r>
+            <a:endParaRPr lang="en-US" dirty="0">
+              <a:solidFill>
+                <a:schemeClr val="accent3">
+                  <a:lumMod val="75000"/>
+                </a:schemeClr>
+              </a:solidFill>
+            </a:endParaRPr>
+          </a:p>
+          <a:p>
+            <a:pPr algn="ctr"/>
+            <a:r>
+              <a:rPr lang="en-US" dirty="0" err="1">
+                <a:solidFill>
+                  <a:schemeClr val="accent3">
+                    <a:lumMod val="75000"/>
+                  </a:schemeClr>
+                </a:solidFill>
+              </a:rPr>
+              <a:t>ChangedEvent</a:t>
+            </a:r>
+            <a:r>
+              <a:rPr lang="en-US" dirty="0">
+                <a:solidFill>
+                  <a:schemeClr val="accent3">
+                    <a:lumMod val="75000"/>
+                  </a:schemeClr>
+                </a:solidFill>
+              </a:rPr>
+              <a:t>()</a:t>
+            </a:r>
+          </a:p>
+        </p:txBody>
+      </p:sp>
+      <p:sp>
+        <p:nvSpPr>
+          <p:cNvPr id="67" name="Rectangle 8">
+            <a:extLst>
+              <a:ext uri="{FF2B5EF4-FFF2-40B4-BE49-F238E27FC236}">
+                <a16:creationId xmlns:a16="http://schemas.microsoft.com/office/drawing/2014/main" id="{83DF3EF5-7E4B-4FDB-ABC1-9385D73326AC}"/>
+              </a:ext>
+            </a:extLst>
+          </p:cNvPr>
+          <p:cNvSpPr/>
+          <p:nvPr/>
+        </p:nvSpPr>
+        <p:spPr>
+          <a:xfrm>
+            <a:off x="-1600200" y="3487450"/>
+            <a:ext cx="1193446" cy="362634"/>
+          </a:xfrm>
+          <a:prstGeom prst="rect">
+            <a:avLst/>
+          </a:prstGeom>
+          <a:ln w="19050">
+            <a:solidFill>
+              <a:schemeClr val="accent3"/>
+            </a:solidFill>
+          </a:ln>
+          <a:effectLst/>
+        </p:spPr>
+        <p:style>
+          <a:lnRef idx="1">
+            <a:schemeClr val="accent3"/>
+          </a:lnRef>
+          <a:fillRef idx="2">
+            <a:schemeClr val="accent3"/>
+          </a:fillRef>
+          <a:effectRef idx="1">
+            <a:schemeClr val="accent3"/>
+          </a:effectRef>
+          <a:fontRef idx="minor">
+            <a:schemeClr val="dk1"/>
+          </a:fontRef>
+        </p:style>
+        <p:txBody>
+          <a:bodyPr rtlCol="0" anchor="ctr"/>
+          <a:lstStyle/>
+          <a:p>
+            <a:pPr algn="ctr"/>
+            <a:r>
+              <a:rPr lang="en-US" sz="1050" b="1" dirty="0" err="1">
+                <a:solidFill>
+                  <a:schemeClr val="accent3">
+                    <a:lumMod val="75000"/>
+                  </a:schemeClr>
+                </a:solidFill>
+              </a:rPr>
+              <a:t>MainWindow</a:t>
+            </a:r>
+            <a:endParaRPr lang="en-SG" sz="1050" b="1" dirty="0">
+              <a:solidFill>
+                <a:schemeClr val="accent3">
+                  <a:lumMod val="75000"/>
+                </a:schemeClr>
+              </a:solidFill>
+            </a:endParaRPr>
+          </a:p>
+        </p:txBody>
+      </p:sp>
+      <p:cxnSp>
+        <p:nvCxnSpPr>
+          <p:cNvPr id="68" name="Straight Arrow Connector 67">
+            <a:extLst>
+              <a:ext uri="{FF2B5EF4-FFF2-40B4-BE49-F238E27FC236}">
+                <a16:creationId xmlns:a16="http://schemas.microsoft.com/office/drawing/2014/main" id="{260F8F64-DF76-4DF0-A10F-865E1317288A}"/>
+              </a:ext>
+            </a:extLst>
+          </p:cNvPr>
+          <p:cNvCxnSpPr>
+            <a:cxnSpLocks/>
+          </p:cNvCxnSpPr>
+          <p:nvPr/>
+        </p:nvCxnSpPr>
+        <p:spPr>
+          <a:xfrm flipV="1">
+            <a:off x="-834741" y="4239545"/>
+            <a:ext cx="1925114" cy="25193"/>
+          </a:xfrm>
+          <a:prstGeom prst="straightConnector1">
+            <a:avLst/>
+          </a:prstGeom>
+          <a:ln w="19050">
+            <a:solidFill>
+              <a:srgbClr val="0070C0"/>
+            </a:solidFill>
+            <a:prstDash val="sysDash"/>
+            <a:headEnd type="arrow" w="med" len="med"/>
+            <a:tailEnd type="none" w="med" len="med"/>
+          </a:ln>
+        </p:spPr>
+        <p:style>
+          <a:lnRef idx="1">
+            <a:schemeClr val="accent1"/>
+          </a:lnRef>
+          <a:fillRef idx="0">
+            <a:schemeClr val="accent1"/>
+          </a:fillRef>
+          <a:effectRef idx="0">
+            <a:schemeClr val="accent1"/>
+          </a:effectRef>
+          <a:fontRef idx="minor">
+            <a:schemeClr val="tx1"/>
+          </a:fontRef>
+        </p:style>
+      </p:cxnSp>
+      <p:sp>
+        <p:nvSpPr>
+          <p:cNvPr id="70" name="Rectangle 69">
+            <a:extLst>
+              <a:ext uri="{FF2B5EF4-FFF2-40B4-BE49-F238E27FC236}">
+                <a16:creationId xmlns:a16="http://schemas.microsoft.com/office/drawing/2014/main" id="{B9ADF2C2-B3B6-4C77-B83A-D00014731FAA}"/>
+              </a:ext>
+            </a:extLst>
+          </p:cNvPr>
+          <p:cNvSpPr/>
+          <p:nvPr/>
+        </p:nvSpPr>
+        <p:spPr>
+          <a:xfrm>
+            <a:off x="-1143000" y="4135508"/>
+            <a:ext cx="290369" cy="1579492"/>
+          </a:xfrm>
+          <a:prstGeom prst="rect">
+            <a:avLst/>
+          </a:prstGeom>
+          <a:solidFill>
+            <a:schemeClr val="accent3">
+              <a:lumMod val="60000"/>
+              <a:lumOff val="40000"/>
+            </a:schemeClr>
+          </a:solidFill>
+          <a:ln>
+            <a:solidFill>
+              <a:schemeClr val="accent3">
+                <a:lumMod val="60000"/>
+                <a:lumOff val="40000"/>
+              </a:schemeClr>
+            </a:solidFill>
+          </a:ln>
+          <a:effectLst/>
+        </p:spPr>
+        <p:style>
+          <a:lnRef idx="1">
+            <a:schemeClr val="accent3"/>
+          </a:lnRef>
+          <a:fillRef idx="2">
+            <a:schemeClr val="accent3"/>
+          </a:fillRef>
+          <a:effectRef idx="1">
+            <a:schemeClr val="accent3"/>
+          </a:effectRef>
+          <a:fontRef idx="minor">
+            <a:schemeClr val="dk1"/>
+          </a:fontRef>
+        </p:style>
+        <p:txBody>
+          <a:bodyPr rtlCol="0" anchor="ctr"/>
+          <a:lstStyle/>
+          <a:p>
+            <a:pPr algn="ctr"/>
+            <a:endParaRPr lang="en-SG" sz="1400">
+              <a:solidFill>
+                <a:schemeClr val="dk1"/>
+              </a:solidFill>
+            </a:endParaRPr>
+          </a:p>
+        </p:txBody>
+      </p:sp>
+      <p:sp>
+        <p:nvSpPr>
+          <p:cNvPr id="73" name="TextBox 72">
+            <a:extLst>
+              <a:ext uri="{FF2B5EF4-FFF2-40B4-BE49-F238E27FC236}">
+                <a16:creationId xmlns:a16="http://schemas.microsoft.com/office/drawing/2014/main" id="{80B1BFEE-0B3D-45D9-ABFE-49DBACF26BF9}"/>
+              </a:ext>
+            </a:extLst>
+          </p:cNvPr>
+          <p:cNvSpPr txBox="1"/>
+          <p:nvPr/>
+        </p:nvSpPr>
+        <p:spPr>
+          <a:xfrm>
+            <a:off x="-2021442" y="3981891"/>
+            <a:ext cx="3101258" cy="215444"/>
+          </a:xfrm>
+          <a:prstGeom prst="rect">
+            <a:avLst/>
+          </a:prstGeom>
+          <a:noFill/>
+        </p:spPr>
+        <p:txBody>
+          <a:bodyPr wrap="square" lIns="0" tIns="0" rIns="0" bIns="0" rtlCol="0">
+            <a:spAutoFit/>
+          </a:bodyPr>
+          <a:lstStyle>
+            <a:defPPr>
+              <a:defRPr lang="en-US"/>
+            </a:defPPr>
+            <a:lvl1pPr algn="r">
+              <a:defRPr sz="1400">
+                <a:solidFill>
+                  <a:srgbClr val="0070C0"/>
+                </a:solidFill>
+              </a:defRPr>
+            </a:lvl1pPr>
+          </a:lstStyle>
+          <a:p>
+            <a:r>
+              <a:rPr lang="en-US" dirty="0" err="1">
+                <a:solidFill>
+                  <a:schemeClr val="accent3">
+                    <a:lumMod val="75000"/>
+                  </a:schemeClr>
+                </a:solidFill>
+              </a:rPr>
+              <a:t>HandleBirthdayStatistics</a:t>
+            </a:r>
+            <a:r>
+              <a:rPr lang="en-US" dirty="0">
+                <a:solidFill>
+                  <a:schemeClr val="accent3">
+                    <a:lumMod val="75000"/>
+                  </a:schemeClr>
+                </a:solidFill>
+              </a:rPr>
+              <a:t>()</a:t>
+            </a:r>
+          </a:p>
+        </p:txBody>
+      </p:sp>
+      <p:cxnSp>
+        <p:nvCxnSpPr>
+          <p:cNvPr id="74" name="Straight Connector 73">
+            <a:extLst>
+              <a:ext uri="{FF2B5EF4-FFF2-40B4-BE49-F238E27FC236}">
+                <a16:creationId xmlns:a16="http://schemas.microsoft.com/office/drawing/2014/main" id="{236809C1-1B76-4E1D-84C5-0401541838B2}"/>
+              </a:ext>
+            </a:extLst>
+          </p:cNvPr>
+          <p:cNvCxnSpPr>
+            <a:cxnSpLocks/>
+          </p:cNvCxnSpPr>
+          <p:nvPr/>
+        </p:nvCxnSpPr>
+        <p:spPr>
+          <a:xfrm>
+            <a:off x="1203744" y="2590800"/>
+            <a:ext cx="15456" cy="1587651"/>
+          </a:xfrm>
+          <a:prstGeom prst="line">
+            <a:avLst/>
+          </a:prstGeom>
+          <a:ln w="19050">
+            <a:solidFill>
+              <a:srgbClr val="0070C0"/>
+            </a:solidFill>
+            <a:prstDash val="sysDash"/>
+          </a:ln>
+          <a:effectLst/>
+        </p:spPr>
+        <p:style>
+          <a:lnRef idx="1">
+            <a:schemeClr val="accent1"/>
+          </a:lnRef>
+          <a:fillRef idx="2">
+            <a:schemeClr val="accent1"/>
+          </a:fillRef>
+          <a:effectRef idx="1">
+            <a:schemeClr val="accent1"/>
+          </a:effectRef>
+          <a:fontRef idx="minor">
+            <a:schemeClr val="dk1"/>
+          </a:fontRef>
+        </p:style>
+      </p:cxnSp>
+      <p:cxnSp>
+        <p:nvCxnSpPr>
+          <p:cNvPr id="78" name="Straight Connector 77">
+            <a:extLst>
+              <a:ext uri="{FF2B5EF4-FFF2-40B4-BE49-F238E27FC236}">
+                <a16:creationId xmlns:a16="http://schemas.microsoft.com/office/drawing/2014/main" id="{4CB65F05-2CCC-4524-BF5F-5461B5170B0D}"/>
+              </a:ext>
+            </a:extLst>
+          </p:cNvPr>
+          <p:cNvCxnSpPr>
+            <a:cxnSpLocks/>
+          </p:cNvCxnSpPr>
+          <p:nvPr/>
+        </p:nvCxnSpPr>
+        <p:spPr>
+          <a:xfrm>
+            <a:off x="-990600" y="3822549"/>
+            <a:ext cx="15456" cy="1587651"/>
+          </a:xfrm>
+          <a:prstGeom prst="line">
+            <a:avLst/>
+          </a:prstGeom>
+          <a:ln w="19050">
+            <a:solidFill>
+              <a:schemeClr val="accent3">
+                <a:lumMod val="60000"/>
+                <a:lumOff val="40000"/>
+              </a:schemeClr>
+            </a:solidFill>
+            <a:prstDash val="sysDash"/>
+          </a:ln>
+          <a:effectLst/>
+        </p:spPr>
+        <p:style>
+          <a:lnRef idx="1">
+            <a:schemeClr val="accent1"/>
+          </a:lnRef>
+          <a:fillRef idx="2">
+            <a:schemeClr val="accent1"/>
+          </a:fillRef>
+          <a:effectRef idx="1">
+            <a:schemeClr val="accent1"/>
+          </a:effectRef>
+          <a:fontRef idx="minor">
+            <a:schemeClr val="dk1"/>
+          </a:fontRef>
+        </p:style>
+      </p:cxnSp>
+      <p:cxnSp>
+        <p:nvCxnSpPr>
+          <p:cNvPr id="79" name="Straight Arrow Connector 78">
+            <a:extLst>
+              <a:ext uri="{FF2B5EF4-FFF2-40B4-BE49-F238E27FC236}">
+                <a16:creationId xmlns:a16="http://schemas.microsoft.com/office/drawing/2014/main" id="{2EAFA820-68D4-4583-AAAB-3C20A1DD38E4}"/>
+              </a:ext>
+            </a:extLst>
+          </p:cNvPr>
+          <p:cNvCxnSpPr>
+            <a:cxnSpLocks/>
+          </p:cNvCxnSpPr>
+          <p:nvPr/>
+        </p:nvCxnSpPr>
+        <p:spPr>
+          <a:xfrm>
+            <a:off x="-1752600" y="5625548"/>
+            <a:ext cx="609600" cy="0"/>
+          </a:xfrm>
+          <a:prstGeom prst="straightConnector1">
+            <a:avLst/>
+          </a:prstGeom>
+          <a:ln w="19050">
+            <a:solidFill>
+              <a:schemeClr val="accent3">
+                <a:lumMod val="60000"/>
+                <a:lumOff val="40000"/>
+              </a:schemeClr>
+            </a:solidFill>
+            <a:prstDash val="sysDash"/>
+            <a:headEnd type="arrow" w="med" len="med"/>
+            <a:tailEnd type="none" w="med" len="med"/>
+          </a:ln>
+        </p:spPr>
+        <p:style>
+          <a:lnRef idx="1">
+            <a:schemeClr val="accent1"/>
+          </a:lnRef>
+          <a:fillRef idx="0">
+            <a:schemeClr val="accent1"/>
+          </a:fillRef>
+          <a:effectRef idx="0">
+            <a:schemeClr val="accent1"/>
+          </a:effectRef>
+          <a:fontRef idx="minor">
+            <a:schemeClr val="tx1"/>
+          </a:fontRef>
+        </p:style>
+      </p:cxnSp>
+      <p:sp>
+        <p:nvSpPr>
+          <p:cNvPr id="82" name="TextBox 81">
+            <a:extLst>
+              <a:ext uri="{FF2B5EF4-FFF2-40B4-BE49-F238E27FC236}">
+                <a16:creationId xmlns:a16="http://schemas.microsoft.com/office/drawing/2014/main" id="{0FEED9B2-C4CA-4AE5-AF13-D60D4FC59032}"/>
+              </a:ext>
+            </a:extLst>
+          </p:cNvPr>
+          <p:cNvSpPr txBox="1"/>
+          <p:nvPr/>
+        </p:nvSpPr>
+        <p:spPr>
+          <a:xfrm>
+            <a:off x="-1742387" y="5371791"/>
+            <a:ext cx="541462" cy="218804"/>
+          </a:xfrm>
+          <a:prstGeom prst="rect">
+            <a:avLst/>
+          </a:prstGeom>
+          <a:noFill/>
+        </p:spPr>
+        <p:txBody>
+          <a:bodyPr wrap="square" lIns="0" tIns="0" rIns="0" bIns="0" rtlCol="0">
+            <a:spAutoFit/>
+          </a:bodyPr>
+          <a:lstStyle>
+            <a:defPPr>
+              <a:defRPr lang="en-US"/>
+            </a:defPPr>
+            <a:lvl1pPr algn="r">
+              <a:defRPr sz="1400">
+                <a:solidFill>
+                  <a:srgbClr val="0070C0"/>
+                </a:solidFill>
+              </a:defRPr>
+            </a:lvl1pPr>
+          </a:lstStyle>
+          <a:p>
+            <a:r>
+              <a:rPr lang="en-US" dirty="0">
+                <a:solidFill>
+                  <a:schemeClr val="accent3">
+                    <a:lumMod val="75000"/>
+                  </a:schemeClr>
+                </a:solidFill>
+              </a:rPr>
+              <a:t>Result</a:t>
+            </a:r>
+          </a:p>
+        </p:txBody>
+      </p:sp>
+    </p:spTree>
+    <p:extLst>
+      <p:ext uri="{BB962C8B-B14F-4D97-AF65-F5344CB8AC3E}">
+        <p14:creationId xmlns:p14="http://schemas.microsoft.com/office/powerpoint/2010/main" val="2376233762"/>
       </p:ext>
     </p:extLst>
   </p:cSld>

--- a/docs/diagrams/LogicComponentSequenceDiagram.pptx
+++ b/docs/diagrams/LogicComponentSequenceDiagram.pptx
@@ -5,12 +5,13 @@
     <p:sldMasterId id="2147483648" r:id="rId1"/>
   </p:sldMasterIdLst>
   <p:notesMasterIdLst>
-    <p:notesMasterId r:id="rId5"/>
+    <p:notesMasterId r:id="rId6"/>
   </p:notesMasterIdLst>
   <p:sldIdLst>
     <p:sldId id="267" r:id="rId2"/>
-    <p:sldId id="268" r:id="rId3"/>
-    <p:sldId id="269" r:id="rId4"/>
+    <p:sldId id="270" r:id="rId3"/>
+    <p:sldId id="268" r:id="rId4"/>
+    <p:sldId id="269" r:id="rId5"/>
   </p:sldIdLst>
   <p:sldSz cx="9144000" cy="6858000" type="screen4x3"/>
   <p:notesSz cx="6858000" cy="9144000"/>
@@ -5481,6 +5482,2055 @@
 </file>
 
 <file path=ppt/slides/slide2.xml><?xml version="1.0" encoding="utf-8"?>
+<p:sld xmlns:a="http://schemas.openxmlformats.org/drawingml/2006/main" xmlns:r="http://schemas.openxmlformats.org/officeDocument/2006/relationships" xmlns:p="http://schemas.openxmlformats.org/presentationml/2006/main">
+  <p:cSld>
+    <p:spTree>
+      <p:nvGrpSpPr>
+        <p:cNvPr id="1" name=""/>
+        <p:cNvGrpSpPr/>
+        <p:nvPr/>
+      </p:nvGrpSpPr>
+      <p:grpSpPr>
+        <a:xfrm>
+          <a:off x="0" y="0"/>
+          <a:ext cx="0" cy="0"/>
+          <a:chOff x="0" y="0"/>
+          <a:chExt cx="0" cy="0"/>
+        </a:xfrm>
+      </p:grpSpPr>
+      <p:sp>
+        <p:nvSpPr>
+          <p:cNvPr id="81" name="Rectangle 65"/>
+          <p:cNvSpPr/>
+          <p:nvPr/>
+        </p:nvSpPr>
+        <p:spPr>
+          <a:xfrm>
+            <a:off x="685800" y="1981200"/>
+            <a:ext cx="7252956" cy="4000286"/>
+          </a:xfrm>
+          <a:prstGeom prst="roundRect">
+            <a:avLst>
+              <a:gd name="adj" fmla="val 3484"/>
+            </a:avLst>
+          </a:prstGeom>
+          <a:solidFill>
+            <a:schemeClr val="accent1">
+              <a:lumMod val="20000"/>
+              <a:lumOff val="80000"/>
+            </a:schemeClr>
+          </a:solidFill>
+          <a:ln w="19050">
+            <a:noFill/>
+          </a:ln>
+          <a:effectLst/>
+        </p:spPr>
+        <p:style>
+          <a:lnRef idx="1">
+            <a:schemeClr val="accent2"/>
+          </a:lnRef>
+          <a:fillRef idx="2">
+            <a:schemeClr val="accent2"/>
+          </a:fillRef>
+          <a:effectRef idx="1">
+            <a:schemeClr val="accent2"/>
+          </a:effectRef>
+          <a:fontRef idx="minor">
+            <a:schemeClr val="dk1"/>
+          </a:fontRef>
+        </p:style>
+        <p:txBody>
+          <a:bodyPr rtlCol="0" anchor="t"/>
+          <a:lstStyle/>
+          <a:p>
+            <a:r>
+              <a:rPr lang="en-US" sz="1200" b="1" dirty="0">
+                <a:solidFill>
+                  <a:srgbClr val="0070C0"/>
+                </a:solidFill>
+              </a:rPr>
+              <a:t>Logic</a:t>
+            </a:r>
+            <a:endParaRPr lang="en-SG" sz="1200" b="1" dirty="0">
+              <a:solidFill>
+                <a:srgbClr val="0070C0"/>
+              </a:solidFill>
+            </a:endParaRPr>
+          </a:p>
+        </p:txBody>
+      </p:sp>
+      <p:sp>
+        <p:nvSpPr>
+          <p:cNvPr id="2" name="Rectangle 62"/>
+          <p:cNvSpPr/>
+          <p:nvPr/>
+        </p:nvSpPr>
+        <p:spPr>
+          <a:xfrm>
+            <a:off x="845045" y="2296546"/>
+            <a:ext cx="1455629" cy="346760"/>
+          </a:xfrm>
+          <a:prstGeom prst="rect">
+            <a:avLst/>
+          </a:prstGeom>
+          <a:solidFill>
+            <a:srgbClr val="0070C0"/>
+          </a:solidFill>
+          <a:ln w="19050">
+            <a:solidFill>
+              <a:srgbClr val="0070C0"/>
+            </a:solidFill>
+          </a:ln>
+          <a:effectLst/>
+        </p:spPr>
+        <p:style>
+          <a:lnRef idx="1">
+            <a:schemeClr val="accent2"/>
+          </a:lnRef>
+          <a:fillRef idx="2">
+            <a:schemeClr val="accent2"/>
+          </a:fillRef>
+          <a:effectRef idx="1">
+            <a:schemeClr val="accent2"/>
+          </a:effectRef>
+          <a:fontRef idx="minor">
+            <a:schemeClr val="dk1"/>
+          </a:fontRef>
+        </p:style>
+        <p:txBody>
+          <a:bodyPr rtlCol="0" anchor="ctr"/>
+          <a:lstStyle/>
+          <a:p>
+            <a:pPr algn="ctr"/>
+            <a:r>
+              <a:rPr lang="en-US" sz="1600" dirty="0">
+                <a:solidFill>
+                  <a:schemeClr val="bg1"/>
+                </a:solidFill>
+              </a:rPr>
+              <a:t>:</a:t>
+            </a:r>
+            <a:r>
+              <a:rPr lang="en-US" sz="1600" dirty="0" err="1">
+                <a:solidFill>
+                  <a:schemeClr val="bg1"/>
+                </a:solidFill>
+              </a:rPr>
+              <a:t>LogicManager</a:t>
+            </a:r>
+            <a:endParaRPr lang="en-SG" sz="1600" dirty="0">
+              <a:solidFill>
+                <a:schemeClr val="bg1"/>
+              </a:solidFill>
+            </a:endParaRPr>
+          </a:p>
+        </p:txBody>
+      </p:sp>
+      <p:cxnSp>
+        <p:nvCxnSpPr>
+          <p:cNvPr id="5" name="Straight Connector 4"/>
+          <p:cNvCxnSpPr/>
+          <p:nvPr/>
+        </p:nvCxnSpPr>
+        <p:spPr>
+          <a:xfrm>
+            <a:off x="1572859" y="2660217"/>
+            <a:ext cx="0" cy="2597583"/>
+          </a:xfrm>
+          <a:prstGeom prst="line">
+            <a:avLst/>
+          </a:prstGeom>
+          <a:ln w="19050">
+            <a:solidFill>
+              <a:srgbClr val="0070C0"/>
+            </a:solidFill>
+            <a:prstDash val="sysDash"/>
+          </a:ln>
+          <a:effectLst/>
+        </p:spPr>
+        <p:style>
+          <a:lnRef idx="1">
+            <a:schemeClr val="accent1"/>
+          </a:lnRef>
+          <a:fillRef idx="2">
+            <a:schemeClr val="accent1"/>
+          </a:fillRef>
+          <a:effectRef idx="1">
+            <a:schemeClr val="accent1"/>
+          </a:effectRef>
+          <a:fontRef idx="minor">
+            <a:schemeClr val="dk1"/>
+          </a:fontRef>
+        </p:style>
+      </p:cxnSp>
+      <p:sp>
+        <p:nvSpPr>
+          <p:cNvPr id="6" name="Rectangle 5"/>
+          <p:cNvSpPr/>
+          <p:nvPr/>
+        </p:nvSpPr>
+        <p:spPr>
+          <a:xfrm>
+            <a:off x="1500851" y="3010911"/>
+            <a:ext cx="152400" cy="2780287"/>
+          </a:xfrm>
+          <a:prstGeom prst="rect">
+            <a:avLst/>
+          </a:prstGeom>
+          <a:solidFill>
+            <a:srgbClr val="0070C0"/>
+          </a:solidFill>
+          <a:ln>
+            <a:solidFill>
+              <a:srgbClr val="0070C0"/>
+            </a:solidFill>
+          </a:ln>
+          <a:effectLst/>
+        </p:spPr>
+        <p:style>
+          <a:lnRef idx="1">
+            <a:schemeClr val="accent3"/>
+          </a:lnRef>
+          <a:fillRef idx="2">
+            <a:schemeClr val="accent3"/>
+          </a:fillRef>
+          <a:effectRef idx="1">
+            <a:schemeClr val="accent3"/>
+          </a:effectRef>
+          <a:fontRef idx="minor">
+            <a:schemeClr val="dk1"/>
+          </a:fontRef>
+        </p:style>
+        <p:txBody>
+          <a:bodyPr rtlCol="0" anchor="ctr"/>
+          <a:lstStyle/>
+          <a:p>
+            <a:pPr algn="ctr"/>
+            <a:endParaRPr lang="en-SG" sz="1400"/>
+          </a:p>
+        </p:txBody>
+      </p:sp>
+      <p:sp>
+        <p:nvSpPr>
+          <p:cNvPr id="16" name="Rectangle 62"/>
+          <p:cNvSpPr/>
+          <p:nvPr/>
+        </p:nvSpPr>
+        <p:spPr>
+          <a:xfrm>
+            <a:off x="2743200" y="2179309"/>
+            <a:ext cx="1219200" cy="467684"/>
+          </a:xfrm>
+          <a:prstGeom prst="rect">
+            <a:avLst/>
+          </a:prstGeom>
+          <a:solidFill>
+            <a:srgbClr val="0070C0"/>
+          </a:solidFill>
+          <a:ln w="19050">
+            <a:solidFill>
+              <a:srgbClr val="0070C0"/>
+            </a:solidFill>
+          </a:ln>
+          <a:effectLst/>
+        </p:spPr>
+        <p:style>
+          <a:lnRef idx="1">
+            <a:schemeClr val="accent2"/>
+          </a:lnRef>
+          <a:fillRef idx="2">
+            <a:schemeClr val="accent2"/>
+          </a:fillRef>
+          <a:effectRef idx="1">
+            <a:schemeClr val="accent2"/>
+          </a:effectRef>
+          <a:fontRef idx="minor">
+            <a:schemeClr val="dk1"/>
+          </a:fontRef>
+        </p:style>
+        <p:txBody>
+          <a:bodyPr rtlCol="0" anchor="ctr"/>
+          <a:lstStyle/>
+          <a:p>
+            <a:pPr algn="ctr"/>
+            <a:r>
+              <a:rPr lang="en-US" sz="1600" dirty="0">
+                <a:solidFill>
+                  <a:schemeClr val="bg1"/>
+                </a:solidFill>
+              </a:rPr>
+              <a:t>:Address</a:t>
+            </a:r>
+          </a:p>
+          <a:p>
+            <a:pPr algn="ctr"/>
+            <a:r>
+              <a:rPr lang="en-US" sz="1600" dirty="0" err="1">
+                <a:solidFill>
+                  <a:schemeClr val="bg1"/>
+                </a:solidFill>
+              </a:rPr>
+              <a:t>BookParser</a:t>
+            </a:r>
+            <a:endParaRPr lang="en-SG" sz="1600" dirty="0">
+              <a:solidFill>
+                <a:schemeClr val="bg1"/>
+              </a:solidFill>
+            </a:endParaRPr>
+          </a:p>
+        </p:txBody>
+      </p:sp>
+      <p:cxnSp>
+        <p:nvCxnSpPr>
+          <p:cNvPr id="17" name="Straight Connector 16"/>
+          <p:cNvCxnSpPr/>
+          <p:nvPr/>
+        </p:nvCxnSpPr>
+        <p:spPr>
+          <a:xfrm>
+            <a:off x="3356599" y="2663904"/>
+            <a:ext cx="0" cy="1695374"/>
+          </a:xfrm>
+          <a:prstGeom prst="line">
+            <a:avLst/>
+          </a:prstGeom>
+          <a:ln w="19050">
+            <a:solidFill>
+              <a:srgbClr val="0070C0"/>
+            </a:solidFill>
+            <a:prstDash val="sysDash"/>
+          </a:ln>
+          <a:effectLst/>
+        </p:spPr>
+        <p:style>
+          <a:lnRef idx="1">
+            <a:schemeClr val="accent1"/>
+          </a:lnRef>
+          <a:fillRef idx="2">
+            <a:schemeClr val="accent1"/>
+          </a:fillRef>
+          <a:effectRef idx="1">
+            <a:schemeClr val="accent1"/>
+          </a:effectRef>
+          <a:fontRef idx="minor">
+            <a:schemeClr val="dk1"/>
+          </a:fontRef>
+        </p:style>
+      </p:cxnSp>
+      <p:sp>
+        <p:nvSpPr>
+          <p:cNvPr id="18" name="Rectangle 17"/>
+          <p:cNvSpPr/>
+          <p:nvPr/>
+        </p:nvSpPr>
+        <p:spPr>
+          <a:xfrm>
+            <a:off x="3284590" y="3122096"/>
+            <a:ext cx="174929" cy="1129459"/>
+          </a:xfrm>
+          <a:prstGeom prst="rect">
+            <a:avLst/>
+          </a:prstGeom>
+          <a:solidFill>
+            <a:srgbClr val="0070C0"/>
+          </a:solidFill>
+          <a:ln>
+            <a:solidFill>
+              <a:srgbClr val="0070C0"/>
+            </a:solidFill>
+          </a:ln>
+          <a:effectLst/>
+        </p:spPr>
+        <p:style>
+          <a:lnRef idx="1">
+            <a:schemeClr val="accent3"/>
+          </a:lnRef>
+          <a:fillRef idx="2">
+            <a:schemeClr val="accent3"/>
+          </a:fillRef>
+          <a:effectRef idx="1">
+            <a:schemeClr val="accent3"/>
+          </a:effectRef>
+          <a:fontRef idx="minor">
+            <a:schemeClr val="dk1"/>
+          </a:fontRef>
+        </p:style>
+        <p:txBody>
+          <a:bodyPr rtlCol="0" anchor="ctr"/>
+          <a:lstStyle/>
+          <a:p>
+            <a:pPr algn="ctr"/>
+            <a:endParaRPr lang="en-SG" sz="1400">
+              <a:solidFill>
+                <a:schemeClr val="dk1"/>
+              </a:solidFill>
+            </a:endParaRPr>
+          </a:p>
+        </p:txBody>
+      </p:sp>
+      <p:sp>
+        <p:nvSpPr>
+          <p:cNvPr id="19" name="Rectangle 62"/>
+          <p:cNvSpPr/>
+          <p:nvPr/>
+        </p:nvSpPr>
+        <p:spPr>
+          <a:xfrm>
+            <a:off x="6221565" y="3312740"/>
+            <a:ext cx="1093635" cy="461538"/>
+          </a:xfrm>
+          <a:prstGeom prst="rect">
+            <a:avLst/>
+          </a:prstGeom>
+          <a:solidFill>
+            <a:srgbClr val="0070C0"/>
+          </a:solidFill>
+          <a:ln w="19050">
+            <a:solidFill>
+              <a:srgbClr val="0070C0"/>
+            </a:solidFill>
+          </a:ln>
+          <a:effectLst/>
+        </p:spPr>
+        <p:style>
+          <a:lnRef idx="1">
+            <a:schemeClr val="accent2"/>
+          </a:lnRef>
+          <a:fillRef idx="2">
+            <a:schemeClr val="accent2"/>
+          </a:fillRef>
+          <a:effectRef idx="1">
+            <a:schemeClr val="accent2"/>
+          </a:effectRef>
+          <a:fontRef idx="minor">
+            <a:schemeClr val="dk1"/>
+          </a:fontRef>
+        </p:style>
+        <p:txBody>
+          <a:bodyPr rtlCol="0" anchor="ctr"/>
+          <a:lstStyle/>
+          <a:p>
+            <a:pPr algn="ctr"/>
+            <a:r>
+              <a:rPr lang="en-US" sz="1600" dirty="0">
+                <a:solidFill>
+                  <a:schemeClr val="bg1"/>
+                </a:solidFill>
+              </a:rPr>
+              <a:t>d:Delete</a:t>
+            </a:r>
+            <a:br>
+              <a:rPr lang="en-US" sz="1600" dirty="0">
+                <a:solidFill>
+                  <a:schemeClr val="bg1"/>
+                </a:solidFill>
+              </a:rPr>
+            </a:br>
+            <a:r>
+              <a:rPr lang="en-US" sz="1600" dirty="0">
+                <a:solidFill>
+                  <a:schemeClr val="bg1"/>
+                </a:solidFill>
+              </a:rPr>
+              <a:t>Command</a:t>
+            </a:r>
+            <a:endParaRPr lang="en-SG" sz="1600" dirty="0">
+              <a:solidFill>
+                <a:schemeClr val="bg1"/>
+              </a:solidFill>
+            </a:endParaRPr>
+          </a:p>
+        </p:txBody>
+      </p:sp>
+      <p:cxnSp>
+        <p:nvCxnSpPr>
+          <p:cNvPr id="20" name="Straight Connector 19"/>
+          <p:cNvCxnSpPr>
+            <a:stCxn id="21" idx="0"/>
+          </p:cNvCxnSpPr>
+          <p:nvPr/>
+        </p:nvCxnSpPr>
+        <p:spPr>
+          <a:xfrm>
+            <a:off x="6772574" y="3774278"/>
+            <a:ext cx="0" cy="1940722"/>
+          </a:xfrm>
+          <a:prstGeom prst="line">
+            <a:avLst/>
+          </a:prstGeom>
+          <a:ln w="19050">
+            <a:solidFill>
+              <a:srgbClr val="0070C0"/>
+            </a:solidFill>
+            <a:prstDash val="sysDash"/>
+          </a:ln>
+          <a:effectLst/>
+        </p:spPr>
+        <p:style>
+          <a:lnRef idx="1">
+            <a:schemeClr val="accent1"/>
+          </a:lnRef>
+          <a:fillRef idx="2">
+            <a:schemeClr val="accent1"/>
+          </a:fillRef>
+          <a:effectRef idx="1">
+            <a:schemeClr val="accent1"/>
+          </a:effectRef>
+          <a:fontRef idx="minor">
+            <a:schemeClr val="dk1"/>
+          </a:fontRef>
+        </p:style>
+      </p:cxnSp>
+      <p:sp>
+        <p:nvSpPr>
+          <p:cNvPr id="21" name="Rectangle 20"/>
+          <p:cNvSpPr/>
+          <p:nvPr/>
+        </p:nvSpPr>
+        <p:spPr>
+          <a:xfrm>
+            <a:off x="6696374" y="3774278"/>
+            <a:ext cx="152400" cy="276003"/>
+          </a:xfrm>
+          <a:prstGeom prst="rect">
+            <a:avLst/>
+          </a:prstGeom>
+          <a:solidFill>
+            <a:srgbClr val="0070C0"/>
+          </a:solidFill>
+          <a:ln>
+            <a:solidFill>
+              <a:srgbClr val="0070C0"/>
+            </a:solidFill>
+          </a:ln>
+          <a:effectLst/>
+        </p:spPr>
+        <p:style>
+          <a:lnRef idx="1">
+            <a:schemeClr val="accent3"/>
+          </a:lnRef>
+          <a:fillRef idx="2">
+            <a:schemeClr val="accent3"/>
+          </a:fillRef>
+          <a:effectRef idx="1">
+            <a:schemeClr val="accent3"/>
+          </a:effectRef>
+          <a:fontRef idx="minor">
+            <a:schemeClr val="dk1"/>
+          </a:fontRef>
+        </p:style>
+        <p:txBody>
+          <a:bodyPr rtlCol="0" anchor="ctr"/>
+          <a:lstStyle/>
+          <a:p>
+            <a:pPr algn="ctr"/>
+            <a:endParaRPr lang="en-SG" sz="1400"/>
+          </a:p>
+        </p:txBody>
+      </p:sp>
+      <p:cxnSp>
+        <p:nvCxnSpPr>
+          <p:cNvPr id="23" name="Straight Arrow Connector 22"/>
+          <p:cNvCxnSpPr/>
+          <p:nvPr/>
+        </p:nvCxnSpPr>
+        <p:spPr>
+          <a:xfrm>
+            <a:off x="381000" y="3014599"/>
+            <a:ext cx="1119851" cy="0"/>
+          </a:xfrm>
+          <a:prstGeom prst="straightConnector1">
+            <a:avLst/>
+          </a:prstGeom>
+          <a:ln w="19050">
+            <a:solidFill>
+              <a:srgbClr val="00B050"/>
+            </a:solidFill>
+            <a:tailEnd type="arrow"/>
+          </a:ln>
+        </p:spPr>
+        <p:style>
+          <a:lnRef idx="1">
+            <a:schemeClr val="accent1"/>
+          </a:lnRef>
+          <a:fillRef idx="0">
+            <a:schemeClr val="accent1"/>
+          </a:fillRef>
+          <a:effectRef idx="0">
+            <a:schemeClr val="accent1"/>
+          </a:effectRef>
+          <a:fontRef idx="minor">
+            <a:schemeClr val="tx1"/>
+          </a:fontRef>
+        </p:style>
+      </p:cxnSp>
+      <p:cxnSp>
+        <p:nvCxnSpPr>
+          <p:cNvPr id="25" name="Straight Arrow Connector 24"/>
+          <p:cNvCxnSpPr/>
+          <p:nvPr/>
+        </p:nvCxnSpPr>
+        <p:spPr>
+          <a:xfrm flipV="1">
+            <a:off x="1653251" y="3122097"/>
+            <a:ext cx="1596514" cy="1"/>
+          </a:xfrm>
+          <a:prstGeom prst="straightConnector1">
+            <a:avLst/>
+          </a:prstGeom>
+          <a:ln w="19050">
+            <a:solidFill>
+              <a:srgbClr val="0070C0"/>
+            </a:solidFill>
+            <a:tailEnd type="arrow"/>
+          </a:ln>
+        </p:spPr>
+        <p:style>
+          <a:lnRef idx="1">
+            <a:schemeClr val="accent1"/>
+          </a:lnRef>
+          <a:fillRef idx="0">
+            <a:schemeClr val="accent1"/>
+          </a:fillRef>
+          <a:effectRef idx="0">
+            <a:schemeClr val="accent1"/>
+          </a:effectRef>
+          <a:fontRef idx="minor">
+            <a:schemeClr val="tx1"/>
+          </a:fontRef>
+        </p:style>
+      </p:cxnSp>
+      <p:sp>
+        <p:nvSpPr>
+          <p:cNvPr id="26" name="TextBox 25"/>
+          <p:cNvSpPr txBox="1"/>
+          <p:nvPr/>
+        </p:nvSpPr>
+        <p:spPr>
+          <a:xfrm>
+            <a:off x="-16654" y="2743200"/>
+            <a:ext cx="1581240" cy="215444"/>
+          </a:xfrm>
+          <a:prstGeom prst="rect">
+            <a:avLst/>
+          </a:prstGeom>
+          <a:noFill/>
+        </p:spPr>
+        <p:txBody>
+          <a:bodyPr wrap="square" lIns="0" tIns="0" rIns="0" bIns="0" rtlCol="0">
+            <a:spAutoFit/>
+          </a:bodyPr>
+          <a:lstStyle/>
+          <a:p>
+            <a:pPr algn="r"/>
+            <a:r>
+              <a:rPr lang="en-US" sz="1400" dirty="0">
+                <a:solidFill>
+                  <a:srgbClr val="0070C0"/>
+                </a:solidFill>
+              </a:rPr>
+              <a:t>execute(“delete 1-3”)</a:t>
+            </a:r>
+          </a:p>
+        </p:txBody>
+      </p:sp>
+      <p:cxnSp>
+        <p:nvCxnSpPr>
+          <p:cNvPr id="28" name="Straight Arrow Connector 27"/>
+          <p:cNvCxnSpPr/>
+          <p:nvPr/>
+        </p:nvCxnSpPr>
+        <p:spPr>
+          <a:xfrm flipV="1">
+            <a:off x="5257218" y="3703214"/>
+            <a:ext cx="922392" cy="1"/>
+          </a:xfrm>
+          <a:prstGeom prst="straightConnector1">
+            <a:avLst/>
+          </a:prstGeom>
+          <a:ln w="19050">
+            <a:solidFill>
+              <a:srgbClr val="0070C0"/>
+            </a:solidFill>
+            <a:tailEnd type="arrow"/>
+          </a:ln>
+        </p:spPr>
+        <p:style>
+          <a:lnRef idx="1">
+            <a:schemeClr val="accent1"/>
+          </a:lnRef>
+          <a:fillRef idx="0">
+            <a:schemeClr val="accent1"/>
+          </a:fillRef>
+          <a:effectRef idx="0">
+            <a:schemeClr val="accent1"/>
+          </a:effectRef>
+          <a:fontRef idx="minor">
+            <a:schemeClr val="tx1"/>
+          </a:fontRef>
+        </p:style>
+      </p:cxnSp>
+      <p:sp>
+        <p:nvSpPr>
+          <p:cNvPr id="29" name="TextBox 28"/>
+          <p:cNvSpPr txBox="1"/>
+          <p:nvPr/>
+        </p:nvSpPr>
+        <p:spPr>
+          <a:xfrm>
+            <a:off x="4257582" y="4251556"/>
+            <a:ext cx="855809" cy="215444"/>
+          </a:xfrm>
+          <a:prstGeom prst="rect">
+            <a:avLst/>
+          </a:prstGeom>
+          <a:noFill/>
+        </p:spPr>
+        <p:txBody>
+          <a:bodyPr wrap="square" lIns="0" tIns="0" rIns="0" bIns="0" rtlCol="0">
+            <a:spAutoFit/>
+          </a:bodyPr>
+          <a:lstStyle>
+            <a:defPPr>
+              <a:defRPr lang="en-US"/>
+            </a:defPPr>
+            <a:lvl1pPr algn="r">
+              <a:defRPr sz="1400">
+                <a:solidFill>
+                  <a:srgbClr val="0070C0"/>
+                </a:solidFill>
+              </a:defRPr>
+            </a:lvl1pPr>
+          </a:lstStyle>
+          <a:p>
+            <a:r>
+              <a:rPr lang="en-US" dirty="0"/>
+              <a:t>execute()</a:t>
+            </a:r>
+          </a:p>
+        </p:txBody>
+      </p:sp>
+      <p:cxnSp>
+        <p:nvCxnSpPr>
+          <p:cNvPr id="34" name="Straight Arrow Connector 33"/>
+          <p:cNvCxnSpPr/>
+          <p:nvPr/>
+        </p:nvCxnSpPr>
+        <p:spPr>
+          <a:xfrm>
+            <a:off x="5257800" y="4050281"/>
+            <a:ext cx="1492974" cy="0"/>
+          </a:xfrm>
+          <a:prstGeom prst="straightConnector1">
+            <a:avLst/>
+          </a:prstGeom>
+          <a:ln w="19050">
+            <a:solidFill>
+              <a:srgbClr val="0070C0"/>
+            </a:solidFill>
+            <a:prstDash val="sysDash"/>
+            <a:headEnd type="arrow" w="med" len="med"/>
+            <a:tailEnd type="none" w="med" len="med"/>
+          </a:ln>
+        </p:spPr>
+        <p:style>
+          <a:lnRef idx="1">
+            <a:schemeClr val="accent1"/>
+          </a:lnRef>
+          <a:fillRef idx="0">
+            <a:schemeClr val="accent1"/>
+          </a:fillRef>
+          <a:effectRef idx="0">
+            <a:schemeClr val="accent1"/>
+          </a:effectRef>
+          <a:fontRef idx="minor">
+            <a:schemeClr val="tx1"/>
+          </a:fontRef>
+        </p:style>
+      </p:cxnSp>
+      <p:cxnSp>
+        <p:nvCxnSpPr>
+          <p:cNvPr id="35" name="Straight Arrow Connector 34"/>
+          <p:cNvCxnSpPr/>
+          <p:nvPr/>
+        </p:nvCxnSpPr>
+        <p:spPr>
+          <a:xfrm flipV="1">
+            <a:off x="1670186" y="4243231"/>
+            <a:ext cx="1596514" cy="5378"/>
+          </a:xfrm>
+          <a:prstGeom prst="straightConnector1">
+            <a:avLst/>
+          </a:prstGeom>
+          <a:ln w="19050">
+            <a:solidFill>
+              <a:srgbClr val="0070C0"/>
+            </a:solidFill>
+            <a:prstDash val="sysDash"/>
+            <a:headEnd type="arrow" w="med" len="med"/>
+            <a:tailEnd type="none" w="med" len="med"/>
+          </a:ln>
+        </p:spPr>
+        <p:style>
+          <a:lnRef idx="1">
+            <a:schemeClr val="accent1"/>
+          </a:lnRef>
+          <a:fillRef idx="0">
+            <a:schemeClr val="accent1"/>
+          </a:fillRef>
+          <a:effectRef idx="0">
+            <a:schemeClr val="accent1"/>
+          </a:effectRef>
+          <a:fontRef idx="minor">
+            <a:schemeClr val="tx1"/>
+          </a:fontRef>
+        </p:style>
+      </p:cxnSp>
+      <p:cxnSp>
+        <p:nvCxnSpPr>
+          <p:cNvPr id="37" name="Straight Arrow Connector 36"/>
+          <p:cNvCxnSpPr/>
+          <p:nvPr/>
+        </p:nvCxnSpPr>
+        <p:spPr>
+          <a:xfrm>
+            <a:off x="304800" y="5791200"/>
+            <a:ext cx="1196051" cy="0"/>
+          </a:xfrm>
+          <a:prstGeom prst="straightConnector1">
+            <a:avLst/>
+          </a:prstGeom>
+          <a:ln w="19050">
+            <a:solidFill>
+              <a:schemeClr val="accent1"/>
+            </a:solidFill>
+            <a:prstDash val="sysDash"/>
+            <a:headEnd type="arrow" w="med" len="med"/>
+            <a:tailEnd type="none" w="med" len="med"/>
+          </a:ln>
+        </p:spPr>
+        <p:style>
+          <a:lnRef idx="1">
+            <a:schemeClr val="accent1"/>
+          </a:lnRef>
+          <a:fillRef idx="0">
+            <a:schemeClr val="accent1"/>
+          </a:fillRef>
+          <a:effectRef idx="0">
+            <a:schemeClr val="accent1"/>
+          </a:effectRef>
+          <a:fontRef idx="minor">
+            <a:schemeClr val="tx1"/>
+          </a:fontRef>
+        </p:style>
+      </p:cxnSp>
+      <p:sp>
+        <p:nvSpPr>
+          <p:cNvPr id="39" name="Rectangle 62"/>
+          <p:cNvSpPr/>
+          <p:nvPr/>
+        </p:nvSpPr>
+        <p:spPr>
+          <a:xfrm>
+            <a:off x="8265896" y="2362200"/>
+            <a:ext cx="1030504" cy="346760"/>
+          </a:xfrm>
+          <a:prstGeom prst="rect">
+            <a:avLst/>
+          </a:prstGeom>
+          <a:solidFill>
+            <a:schemeClr val="accent4">
+              <a:lumMod val="60000"/>
+              <a:lumOff val="40000"/>
+            </a:schemeClr>
+          </a:solidFill>
+          <a:ln w="19050">
+            <a:solidFill>
+              <a:schemeClr val="accent4">
+                <a:lumMod val="60000"/>
+                <a:lumOff val="40000"/>
+              </a:schemeClr>
+            </a:solidFill>
+          </a:ln>
+          <a:effectLst/>
+        </p:spPr>
+        <p:style>
+          <a:lnRef idx="1">
+            <a:schemeClr val="accent2"/>
+          </a:lnRef>
+          <a:fillRef idx="2">
+            <a:schemeClr val="accent2"/>
+          </a:fillRef>
+          <a:effectRef idx="1">
+            <a:schemeClr val="accent2"/>
+          </a:effectRef>
+          <a:fontRef idx="minor">
+            <a:schemeClr val="dk1"/>
+          </a:fontRef>
+        </p:style>
+        <p:txBody>
+          <a:bodyPr rtlCol="0" anchor="ctr"/>
+          <a:lstStyle/>
+          <a:p>
+            <a:pPr algn="ctr"/>
+            <a:r>
+              <a:rPr lang="en-US" sz="1600" dirty="0">
+                <a:solidFill>
+                  <a:schemeClr val="bg1"/>
+                </a:solidFill>
+              </a:rPr>
+              <a:t>:Model</a:t>
+            </a:r>
+            <a:endParaRPr lang="en-SG" sz="1600" dirty="0">
+              <a:solidFill>
+                <a:schemeClr val="bg1"/>
+              </a:solidFill>
+            </a:endParaRPr>
+          </a:p>
+        </p:txBody>
+      </p:sp>
+      <p:cxnSp>
+        <p:nvCxnSpPr>
+          <p:cNvPr id="64" name="Straight Arrow Connector 63"/>
+          <p:cNvCxnSpPr/>
+          <p:nvPr/>
+        </p:nvCxnSpPr>
+        <p:spPr>
+          <a:xfrm>
+            <a:off x="1653251" y="4495317"/>
+            <a:ext cx="5043123" cy="0"/>
+          </a:xfrm>
+          <a:prstGeom prst="straightConnector1">
+            <a:avLst/>
+          </a:prstGeom>
+          <a:ln w="19050">
+            <a:solidFill>
+              <a:srgbClr val="0070C0"/>
+            </a:solidFill>
+            <a:tailEnd type="arrow"/>
+          </a:ln>
+        </p:spPr>
+        <p:style>
+          <a:lnRef idx="1">
+            <a:schemeClr val="accent1"/>
+          </a:lnRef>
+          <a:fillRef idx="0">
+            <a:schemeClr val="accent1"/>
+          </a:fillRef>
+          <a:effectRef idx="0">
+            <a:schemeClr val="accent1"/>
+          </a:effectRef>
+          <a:fontRef idx="minor">
+            <a:schemeClr val="tx1"/>
+          </a:fontRef>
+        </p:style>
+      </p:cxnSp>
+      <p:sp>
+        <p:nvSpPr>
+          <p:cNvPr id="65" name="Rectangle 64"/>
+          <p:cNvSpPr/>
+          <p:nvPr/>
+        </p:nvSpPr>
+        <p:spPr>
+          <a:xfrm>
+            <a:off x="6687452" y="4467000"/>
+            <a:ext cx="161322" cy="1019400"/>
+          </a:xfrm>
+          <a:prstGeom prst="rect">
+            <a:avLst/>
+          </a:prstGeom>
+          <a:solidFill>
+            <a:srgbClr val="0070C0"/>
+          </a:solidFill>
+          <a:ln>
+            <a:solidFill>
+              <a:srgbClr val="0070C0"/>
+            </a:solidFill>
+          </a:ln>
+          <a:effectLst/>
+        </p:spPr>
+        <p:style>
+          <a:lnRef idx="1">
+            <a:schemeClr val="accent3"/>
+          </a:lnRef>
+          <a:fillRef idx="2">
+            <a:schemeClr val="accent3"/>
+          </a:fillRef>
+          <a:effectRef idx="1">
+            <a:schemeClr val="accent3"/>
+          </a:effectRef>
+          <a:fontRef idx="minor">
+            <a:schemeClr val="dk1"/>
+          </a:fontRef>
+        </p:style>
+        <p:txBody>
+          <a:bodyPr rtlCol="0" anchor="ctr"/>
+          <a:lstStyle/>
+          <a:p>
+            <a:pPr algn="ctr"/>
+            <a:endParaRPr lang="en-SG" sz="1400"/>
+          </a:p>
+        </p:txBody>
+      </p:sp>
+      <p:cxnSp>
+        <p:nvCxnSpPr>
+          <p:cNvPr id="71" name="Straight Connector 70"/>
+          <p:cNvCxnSpPr/>
+          <p:nvPr/>
+        </p:nvCxnSpPr>
+        <p:spPr>
+          <a:xfrm>
+            <a:off x="8781148" y="2700858"/>
+            <a:ext cx="0" cy="2830598"/>
+          </a:xfrm>
+          <a:prstGeom prst="line">
+            <a:avLst/>
+          </a:prstGeom>
+          <a:ln w="19050">
+            <a:solidFill>
+              <a:schemeClr val="accent4">
+                <a:lumMod val="60000"/>
+                <a:lumOff val="40000"/>
+              </a:schemeClr>
+            </a:solidFill>
+            <a:prstDash val="sysDash"/>
+          </a:ln>
+          <a:effectLst/>
+        </p:spPr>
+        <p:style>
+          <a:lnRef idx="1">
+            <a:schemeClr val="accent1"/>
+          </a:lnRef>
+          <a:fillRef idx="2">
+            <a:schemeClr val="accent1"/>
+          </a:fillRef>
+          <a:effectRef idx="1">
+            <a:schemeClr val="accent1"/>
+          </a:effectRef>
+          <a:fontRef idx="minor">
+            <a:schemeClr val="dk1"/>
+          </a:fontRef>
+        </p:style>
+      </p:cxnSp>
+      <p:sp>
+        <p:nvSpPr>
+          <p:cNvPr id="73" name="Rectangle 72"/>
+          <p:cNvSpPr/>
+          <p:nvPr/>
+        </p:nvSpPr>
+        <p:spPr>
+          <a:xfrm>
+            <a:off x="8686800" y="4524597"/>
+            <a:ext cx="152400" cy="199803"/>
+          </a:xfrm>
+          <a:prstGeom prst="rect">
+            <a:avLst/>
+          </a:prstGeom>
+          <a:solidFill>
+            <a:schemeClr val="accent4">
+              <a:lumMod val="60000"/>
+              <a:lumOff val="40000"/>
+            </a:schemeClr>
+          </a:solidFill>
+          <a:ln>
+            <a:solidFill>
+              <a:schemeClr val="accent4">
+                <a:lumMod val="60000"/>
+                <a:lumOff val="40000"/>
+              </a:schemeClr>
+            </a:solidFill>
+          </a:ln>
+          <a:effectLst/>
+        </p:spPr>
+        <p:style>
+          <a:lnRef idx="1">
+            <a:schemeClr val="accent3"/>
+          </a:lnRef>
+          <a:fillRef idx="2">
+            <a:schemeClr val="accent3"/>
+          </a:fillRef>
+          <a:effectRef idx="1">
+            <a:schemeClr val="accent3"/>
+          </a:effectRef>
+          <a:fontRef idx="minor">
+            <a:schemeClr val="dk1"/>
+          </a:fontRef>
+        </p:style>
+        <p:txBody>
+          <a:bodyPr rtlCol="0" anchor="ctr"/>
+          <a:lstStyle/>
+          <a:p>
+            <a:pPr algn="ctr"/>
+            <a:endParaRPr lang="en-SG" sz="1400">
+              <a:solidFill>
+                <a:schemeClr val="dk1"/>
+              </a:solidFill>
+            </a:endParaRPr>
+          </a:p>
+        </p:txBody>
+      </p:sp>
+      <p:cxnSp>
+        <p:nvCxnSpPr>
+          <p:cNvPr id="75" name="Straight Arrow Connector 74"/>
+          <p:cNvCxnSpPr/>
+          <p:nvPr/>
+        </p:nvCxnSpPr>
+        <p:spPr>
+          <a:xfrm>
+            <a:off x="6850663" y="4524597"/>
+            <a:ext cx="1836137" cy="0"/>
+          </a:xfrm>
+          <a:prstGeom prst="straightConnector1">
+            <a:avLst/>
+          </a:prstGeom>
+          <a:ln w="19050">
+            <a:solidFill>
+              <a:srgbClr val="0070C0"/>
+            </a:solidFill>
+            <a:tailEnd type="arrow"/>
+          </a:ln>
+        </p:spPr>
+        <p:style>
+          <a:lnRef idx="1">
+            <a:schemeClr val="accent1"/>
+          </a:lnRef>
+          <a:fillRef idx="0">
+            <a:schemeClr val="accent1"/>
+          </a:fillRef>
+          <a:effectRef idx="0">
+            <a:schemeClr val="accent1"/>
+          </a:effectRef>
+          <a:fontRef idx="minor">
+            <a:schemeClr val="tx1"/>
+          </a:fontRef>
+        </p:style>
+      </p:cxnSp>
+      <p:cxnSp>
+        <p:nvCxnSpPr>
+          <p:cNvPr id="76" name="Straight Arrow Connector 75"/>
+          <p:cNvCxnSpPr/>
+          <p:nvPr/>
+        </p:nvCxnSpPr>
+        <p:spPr>
+          <a:xfrm flipV="1">
+            <a:off x="6848774" y="4714650"/>
+            <a:ext cx="1838026" cy="9750"/>
+          </a:xfrm>
+          <a:prstGeom prst="straightConnector1">
+            <a:avLst/>
+          </a:prstGeom>
+          <a:ln w="19050">
+            <a:solidFill>
+              <a:schemeClr val="accent4">
+                <a:lumMod val="60000"/>
+                <a:lumOff val="40000"/>
+              </a:schemeClr>
+            </a:solidFill>
+            <a:prstDash val="sysDash"/>
+            <a:headEnd type="arrow" w="med" len="med"/>
+            <a:tailEnd type="none" w="med" len="med"/>
+          </a:ln>
+        </p:spPr>
+        <p:style>
+          <a:lnRef idx="1">
+            <a:schemeClr val="accent1"/>
+          </a:lnRef>
+          <a:fillRef idx="0">
+            <a:schemeClr val="accent1"/>
+          </a:fillRef>
+          <a:effectRef idx="0">
+            <a:schemeClr val="accent1"/>
+          </a:effectRef>
+          <a:fontRef idx="minor">
+            <a:schemeClr val="tx1"/>
+          </a:fontRef>
+        </p:style>
+      </p:cxnSp>
+      <p:cxnSp>
+        <p:nvCxnSpPr>
+          <p:cNvPr id="77" name="Straight Arrow Connector 76"/>
+          <p:cNvCxnSpPr/>
+          <p:nvPr/>
+        </p:nvCxnSpPr>
+        <p:spPr>
+          <a:xfrm>
+            <a:off x="1653251" y="5486400"/>
+            <a:ext cx="5052349" cy="0"/>
+          </a:xfrm>
+          <a:prstGeom prst="straightConnector1">
+            <a:avLst/>
+          </a:prstGeom>
+          <a:ln w="19050">
+            <a:solidFill>
+              <a:srgbClr val="0070C0"/>
+            </a:solidFill>
+            <a:prstDash val="sysDash"/>
+            <a:headEnd type="arrow" w="med" len="med"/>
+            <a:tailEnd type="none" w="med" len="med"/>
+          </a:ln>
+        </p:spPr>
+        <p:style>
+          <a:lnRef idx="1">
+            <a:schemeClr val="accent1"/>
+          </a:lnRef>
+          <a:fillRef idx="0">
+            <a:schemeClr val="accent1"/>
+          </a:fillRef>
+          <a:effectRef idx="0">
+            <a:schemeClr val="accent1"/>
+          </a:effectRef>
+          <a:fontRef idx="minor">
+            <a:schemeClr val="tx1"/>
+          </a:fontRef>
+        </p:style>
+      </p:cxnSp>
+      <p:sp>
+        <p:nvSpPr>
+          <p:cNvPr id="78" name="TextBox 77"/>
+          <p:cNvSpPr txBox="1"/>
+          <p:nvPr/>
+        </p:nvSpPr>
+        <p:spPr>
+          <a:xfrm>
+            <a:off x="6984957" y="4267200"/>
+            <a:ext cx="1424846" cy="215444"/>
+          </a:xfrm>
+          <a:prstGeom prst="rect">
+            <a:avLst/>
+          </a:prstGeom>
+          <a:noFill/>
+        </p:spPr>
+        <p:txBody>
+          <a:bodyPr wrap="square" lIns="0" tIns="0" rIns="0" bIns="0" rtlCol="0">
+            <a:spAutoFit/>
+          </a:bodyPr>
+          <a:lstStyle>
+            <a:defPPr>
+              <a:defRPr lang="en-US"/>
+            </a:defPPr>
+            <a:lvl1pPr algn="r">
+              <a:defRPr sz="1400">
+                <a:solidFill>
+                  <a:srgbClr val="0070C0"/>
+                </a:solidFill>
+              </a:defRPr>
+            </a:lvl1pPr>
+          </a:lstStyle>
+          <a:p>
+            <a:r>
+              <a:rPr lang="en-US" dirty="0" err="1">
+                <a:solidFill>
+                  <a:srgbClr val="7030A0"/>
+                </a:solidFill>
+              </a:rPr>
+              <a:t>deletePersons</a:t>
+            </a:r>
+            <a:r>
+              <a:rPr lang="en-US" dirty="0">
+                <a:solidFill>
+                  <a:srgbClr val="7030A0"/>
+                </a:solidFill>
+              </a:rPr>
+              <a:t>(p)</a:t>
+            </a:r>
+          </a:p>
+        </p:txBody>
+      </p:sp>
+      <p:sp>
+        <p:nvSpPr>
+          <p:cNvPr id="79" name="TextBox 78"/>
+          <p:cNvSpPr txBox="1"/>
+          <p:nvPr/>
+        </p:nvSpPr>
+        <p:spPr>
+          <a:xfrm>
+            <a:off x="3847551" y="3657600"/>
+            <a:ext cx="767033" cy="184666"/>
+          </a:xfrm>
+          <a:prstGeom prst="rect">
+            <a:avLst/>
+          </a:prstGeom>
+          <a:noFill/>
+        </p:spPr>
+        <p:txBody>
+          <a:bodyPr wrap="square" lIns="0" tIns="0" rIns="0" bIns="0" rtlCol="0">
+            <a:spAutoFit/>
+          </a:bodyPr>
+          <a:lstStyle>
+            <a:defPPr>
+              <a:defRPr lang="en-US"/>
+            </a:defPPr>
+            <a:lvl1pPr algn="r">
+              <a:defRPr sz="1400">
+                <a:solidFill>
+                  <a:srgbClr val="0070C0"/>
+                </a:solidFill>
+              </a:defRPr>
+            </a:lvl1pPr>
+          </a:lstStyle>
+          <a:p>
+            <a:r>
+              <a:rPr lang="en-US" sz="1200" dirty="0"/>
+              <a:t>parse(“1-3”)</a:t>
+            </a:r>
+          </a:p>
+        </p:txBody>
+      </p:sp>
+      <p:sp>
+        <p:nvSpPr>
+          <p:cNvPr id="80" name="TextBox 79"/>
+          <p:cNvSpPr txBox="1"/>
+          <p:nvPr/>
+        </p:nvSpPr>
+        <p:spPr>
+          <a:xfrm>
+            <a:off x="1742982" y="2850922"/>
+            <a:ext cx="1424846" cy="215444"/>
+          </a:xfrm>
+          <a:prstGeom prst="rect">
+            <a:avLst/>
+          </a:prstGeom>
+          <a:noFill/>
+        </p:spPr>
+        <p:txBody>
+          <a:bodyPr wrap="square" lIns="0" tIns="0" rIns="0" bIns="0" rtlCol="0">
+            <a:spAutoFit/>
+          </a:bodyPr>
+          <a:lstStyle>
+            <a:defPPr>
+              <a:defRPr lang="en-US"/>
+            </a:defPPr>
+            <a:lvl1pPr algn="r">
+              <a:defRPr sz="1400">
+                <a:solidFill>
+                  <a:srgbClr val="0070C0"/>
+                </a:solidFill>
+              </a:defRPr>
+            </a:lvl1pPr>
+          </a:lstStyle>
+          <a:p>
+            <a:r>
+              <a:rPr lang="en-US" dirty="0"/>
+              <a:t>parse(“delete 1-3”)</a:t>
+            </a:r>
+          </a:p>
+        </p:txBody>
+      </p:sp>
+      <p:sp>
+        <p:nvSpPr>
+          <p:cNvPr id="82" name="TextBox 81"/>
+          <p:cNvSpPr txBox="1"/>
+          <p:nvPr/>
+        </p:nvSpPr>
+        <p:spPr>
+          <a:xfrm>
+            <a:off x="4340137" y="5255323"/>
+            <a:ext cx="621216" cy="215444"/>
+          </a:xfrm>
+          <a:prstGeom prst="rect">
+            <a:avLst/>
+          </a:prstGeom>
+          <a:noFill/>
+        </p:spPr>
+        <p:txBody>
+          <a:bodyPr wrap="square" lIns="0" tIns="0" rIns="0" bIns="0" rtlCol="0">
+            <a:spAutoFit/>
+          </a:bodyPr>
+          <a:lstStyle>
+            <a:defPPr>
+              <a:defRPr lang="en-US"/>
+            </a:defPPr>
+            <a:lvl1pPr algn="r">
+              <a:defRPr sz="1400">
+                <a:solidFill>
+                  <a:srgbClr val="0070C0"/>
+                </a:solidFill>
+              </a:defRPr>
+            </a:lvl1pPr>
+          </a:lstStyle>
+          <a:p>
+            <a:r>
+              <a:rPr lang="en-US" dirty="0"/>
+              <a:t>result</a:t>
+            </a:r>
+          </a:p>
+        </p:txBody>
+      </p:sp>
+      <p:sp>
+        <p:nvSpPr>
+          <p:cNvPr id="83" name="TextBox 82"/>
+          <p:cNvSpPr txBox="1"/>
+          <p:nvPr/>
+        </p:nvSpPr>
+        <p:spPr>
+          <a:xfrm>
+            <a:off x="599983" y="5538488"/>
+            <a:ext cx="762000" cy="215444"/>
+          </a:xfrm>
+          <a:prstGeom prst="rect">
+            <a:avLst/>
+          </a:prstGeom>
+          <a:noFill/>
+        </p:spPr>
+        <p:txBody>
+          <a:bodyPr wrap="square" lIns="0" tIns="0" rIns="0" bIns="0" rtlCol="0">
+            <a:spAutoFit/>
+          </a:bodyPr>
+          <a:lstStyle>
+            <a:defPPr>
+              <a:defRPr lang="en-US"/>
+            </a:defPPr>
+            <a:lvl1pPr algn="r">
+              <a:defRPr sz="1400">
+                <a:solidFill>
+                  <a:srgbClr val="0070C0"/>
+                </a:solidFill>
+              </a:defRPr>
+            </a:lvl1pPr>
+          </a:lstStyle>
+          <a:p>
+            <a:r>
+              <a:rPr lang="en-US" dirty="0"/>
+              <a:t>result</a:t>
+            </a:r>
+          </a:p>
+        </p:txBody>
+      </p:sp>
+      <p:sp>
+        <p:nvSpPr>
+          <p:cNvPr id="84" name="Rectangle 62"/>
+          <p:cNvSpPr/>
+          <p:nvPr/>
+        </p:nvSpPr>
+        <p:spPr>
+          <a:xfrm>
+            <a:off x="7020246" y="4777286"/>
+            <a:ext cx="1590354" cy="461538"/>
+          </a:xfrm>
+          <a:prstGeom prst="rect">
+            <a:avLst/>
+          </a:prstGeom>
+          <a:solidFill>
+            <a:srgbClr val="0070C0"/>
+          </a:solidFill>
+          <a:ln w="19050">
+            <a:solidFill>
+              <a:srgbClr val="0070C0"/>
+            </a:solidFill>
+          </a:ln>
+          <a:effectLst/>
+        </p:spPr>
+        <p:style>
+          <a:lnRef idx="1">
+            <a:schemeClr val="accent2"/>
+          </a:lnRef>
+          <a:fillRef idx="2">
+            <a:schemeClr val="accent2"/>
+          </a:fillRef>
+          <a:effectRef idx="1">
+            <a:schemeClr val="accent2"/>
+          </a:effectRef>
+          <a:fontRef idx="minor">
+            <a:schemeClr val="dk1"/>
+          </a:fontRef>
+        </p:style>
+        <p:txBody>
+          <a:bodyPr rtlCol="0" anchor="ctr"/>
+          <a:lstStyle/>
+          <a:p>
+            <a:pPr algn="ctr"/>
+            <a:r>
+              <a:rPr lang="en-US" sz="1600" dirty="0" err="1">
+                <a:solidFill>
+                  <a:schemeClr val="bg1"/>
+                </a:solidFill>
+              </a:rPr>
+              <a:t>result:Command</a:t>
+            </a:r>
+            <a:r>
+              <a:rPr lang="en-US" sz="1600" dirty="0">
+                <a:solidFill>
+                  <a:schemeClr val="bg1"/>
+                </a:solidFill>
+              </a:rPr>
+              <a:t> Result</a:t>
+            </a:r>
+            <a:endParaRPr lang="en-SG" sz="1600" dirty="0">
+              <a:solidFill>
+                <a:schemeClr val="bg1"/>
+              </a:solidFill>
+            </a:endParaRPr>
+          </a:p>
+        </p:txBody>
+      </p:sp>
+      <p:sp>
+        <p:nvSpPr>
+          <p:cNvPr id="86" name="Rectangle 85"/>
+          <p:cNvSpPr/>
+          <p:nvPr/>
+        </p:nvSpPr>
+        <p:spPr>
+          <a:xfrm>
+            <a:off x="7777323" y="5238824"/>
+            <a:ext cx="152400" cy="171376"/>
+          </a:xfrm>
+          <a:prstGeom prst="rect">
+            <a:avLst/>
+          </a:prstGeom>
+          <a:solidFill>
+            <a:srgbClr val="0070C0"/>
+          </a:solidFill>
+          <a:ln>
+            <a:solidFill>
+              <a:srgbClr val="0070C0"/>
+            </a:solidFill>
+          </a:ln>
+          <a:effectLst/>
+        </p:spPr>
+        <p:style>
+          <a:lnRef idx="1">
+            <a:schemeClr val="accent3"/>
+          </a:lnRef>
+          <a:fillRef idx="2">
+            <a:schemeClr val="accent3"/>
+          </a:fillRef>
+          <a:effectRef idx="1">
+            <a:schemeClr val="accent3"/>
+          </a:effectRef>
+          <a:fontRef idx="minor">
+            <a:schemeClr val="dk1"/>
+          </a:fontRef>
+        </p:style>
+        <p:txBody>
+          <a:bodyPr rtlCol="0" anchor="ctr"/>
+          <a:lstStyle/>
+          <a:p>
+            <a:pPr algn="ctr"/>
+            <a:endParaRPr lang="en-SG" sz="1400"/>
+          </a:p>
+        </p:txBody>
+      </p:sp>
+      <p:cxnSp>
+        <p:nvCxnSpPr>
+          <p:cNvPr id="90" name="Straight Arrow Connector 89"/>
+          <p:cNvCxnSpPr/>
+          <p:nvPr/>
+        </p:nvCxnSpPr>
+        <p:spPr>
+          <a:xfrm>
+            <a:off x="6858000" y="5410200"/>
+            <a:ext cx="966624" cy="0"/>
+          </a:xfrm>
+          <a:prstGeom prst="straightConnector1">
+            <a:avLst/>
+          </a:prstGeom>
+          <a:ln w="19050">
+            <a:solidFill>
+              <a:srgbClr val="0070C0"/>
+            </a:solidFill>
+            <a:prstDash val="sysDash"/>
+            <a:headEnd type="arrow" w="med" len="med"/>
+            <a:tailEnd type="none" w="med" len="med"/>
+          </a:ln>
+        </p:spPr>
+        <p:style>
+          <a:lnRef idx="1">
+            <a:schemeClr val="accent1"/>
+          </a:lnRef>
+          <a:fillRef idx="0">
+            <a:schemeClr val="accent1"/>
+          </a:fillRef>
+          <a:effectRef idx="0">
+            <a:schemeClr val="accent1"/>
+          </a:effectRef>
+          <a:fontRef idx="minor">
+            <a:schemeClr val="tx1"/>
+          </a:fontRef>
+        </p:style>
+      </p:cxnSp>
+      <p:sp>
+        <p:nvSpPr>
+          <p:cNvPr id="93" name="TextBox 92"/>
+          <p:cNvSpPr txBox="1"/>
+          <p:nvPr/>
+        </p:nvSpPr>
+        <p:spPr>
+          <a:xfrm>
+            <a:off x="2673845" y="4027787"/>
+            <a:ext cx="220343" cy="215444"/>
+          </a:xfrm>
+          <a:prstGeom prst="rect">
+            <a:avLst/>
+          </a:prstGeom>
+          <a:noFill/>
+        </p:spPr>
+        <p:txBody>
+          <a:bodyPr wrap="square" lIns="0" tIns="0" rIns="0" bIns="0" rtlCol="0">
+            <a:spAutoFit/>
+          </a:bodyPr>
+          <a:lstStyle>
+            <a:defPPr>
+              <a:defRPr lang="en-US"/>
+            </a:defPPr>
+            <a:lvl1pPr algn="r">
+              <a:defRPr sz="1400">
+                <a:solidFill>
+                  <a:srgbClr val="0070C0"/>
+                </a:solidFill>
+              </a:defRPr>
+            </a:lvl1pPr>
+          </a:lstStyle>
+          <a:p>
+            <a:r>
+              <a:rPr lang="en-US" dirty="0"/>
+              <a:t>d</a:t>
+            </a:r>
+          </a:p>
+        </p:txBody>
+      </p:sp>
+      <p:sp>
+        <p:nvSpPr>
+          <p:cNvPr id="40" name="Rectangle 62"/>
+          <p:cNvSpPr/>
+          <p:nvPr/>
+        </p:nvSpPr>
+        <p:spPr>
+          <a:xfrm>
+            <a:off x="4231981" y="2929839"/>
+            <a:ext cx="1778201" cy="432035"/>
+          </a:xfrm>
+          <a:prstGeom prst="rect">
+            <a:avLst/>
+          </a:prstGeom>
+          <a:solidFill>
+            <a:srgbClr val="0070C0"/>
+          </a:solidFill>
+          <a:ln w="19050">
+            <a:solidFill>
+              <a:srgbClr val="0070C0"/>
+            </a:solidFill>
+          </a:ln>
+          <a:effectLst/>
+        </p:spPr>
+        <p:style>
+          <a:lnRef idx="1">
+            <a:schemeClr val="accent2"/>
+          </a:lnRef>
+          <a:fillRef idx="2">
+            <a:schemeClr val="accent2"/>
+          </a:fillRef>
+          <a:effectRef idx="1">
+            <a:schemeClr val="accent2"/>
+          </a:effectRef>
+          <a:fontRef idx="minor">
+            <a:schemeClr val="dk1"/>
+          </a:fontRef>
+        </p:style>
+        <p:txBody>
+          <a:bodyPr rtlCol="0" anchor="ctr"/>
+          <a:lstStyle/>
+          <a:p>
+            <a:pPr algn="ctr"/>
+            <a:r>
+              <a:rPr lang="en-US" sz="1600" dirty="0">
+                <a:solidFill>
+                  <a:schemeClr val="bg1"/>
+                </a:solidFill>
+              </a:rPr>
+              <a:t>:</a:t>
+            </a:r>
+            <a:r>
+              <a:rPr lang="en-US" sz="1600" dirty="0" err="1">
+                <a:solidFill>
+                  <a:schemeClr val="bg1"/>
+                </a:solidFill>
+              </a:rPr>
+              <a:t>DeleteCommand</a:t>
+            </a:r>
+            <a:endParaRPr lang="en-US" sz="1600" dirty="0">
+              <a:solidFill>
+                <a:schemeClr val="bg1"/>
+              </a:solidFill>
+            </a:endParaRPr>
+          </a:p>
+          <a:p>
+            <a:pPr algn="ctr"/>
+            <a:r>
+              <a:rPr lang="en-US" sz="1600" dirty="0">
+                <a:solidFill>
+                  <a:schemeClr val="bg1"/>
+                </a:solidFill>
+              </a:rPr>
+              <a:t>Parser</a:t>
+            </a:r>
+            <a:endParaRPr lang="en-SG" sz="1600" dirty="0">
+              <a:solidFill>
+                <a:schemeClr val="bg1"/>
+              </a:solidFill>
+            </a:endParaRPr>
+          </a:p>
+        </p:txBody>
+      </p:sp>
+      <p:cxnSp>
+        <p:nvCxnSpPr>
+          <p:cNvPr id="8" name="Straight Arrow Connector 7"/>
+          <p:cNvCxnSpPr/>
+          <p:nvPr/>
+        </p:nvCxnSpPr>
+        <p:spPr>
+          <a:xfrm>
+            <a:off x="3462591" y="3657600"/>
+            <a:ext cx="1597356" cy="1"/>
+          </a:xfrm>
+          <a:prstGeom prst="straightConnector1">
+            <a:avLst/>
+          </a:prstGeom>
+          <a:ln w="19050">
+            <a:headEnd type="none" w="med" len="med"/>
+            <a:tailEnd type="arrow" w="med" len="med"/>
+          </a:ln>
+        </p:spPr>
+        <p:style>
+          <a:lnRef idx="1">
+            <a:schemeClr val="accent1"/>
+          </a:lnRef>
+          <a:fillRef idx="0">
+            <a:schemeClr val="accent1"/>
+          </a:fillRef>
+          <a:effectRef idx="0">
+            <a:schemeClr val="accent1"/>
+          </a:effectRef>
+          <a:fontRef idx="minor">
+            <a:schemeClr val="tx1"/>
+          </a:fontRef>
+        </p:style>
+      </p:cxnSp>
+      <p:sp>
+        <p:nvSpPr>
+          <p:cNvPr id="45" name="Rectangle 44"/>
+          <p:cNvSpPr/>
+          <p:nvPr/>
+        </p:nvSpPr>
+        <p:spPr>
+          <a:xfrm>
+            <a:off x="5059947" y="3352800"/>
+            <a:ext cx="205843" cy="123165"/>
+          </a:xfrm>
+          <a:prstGeom prst="rect">
+            <a:avLst/>
+          </a:prstGeom>
+          <a:solidFill>
+            <a:srgbClr val="0070C0"/>
+          </a:solidFill>
+          <a:ln>
+            <a:solidFill>
+              <a:srgbClr val="0070C0"/>
+            </a:solidFill>
+          </a:ln>
+          <a:effectLst/>
+        </p:spPr>
+        <p:style>
+          <a:lnRef idx="1">
+            <a:schemeClr val="accent3"/>
+          </a:lnRef>
+          <a:fillRef idx="2">
+            <a:schemeClr val="accent3"/>
+          </a:fillRef>
+          <a:effectRef idx="1">
+            <a:schemeClr val="accent3"/>
+          </a:effectRef>
+          <a:fontRef idx="minor">
+            <a:schemeClr val="dk1"/>
+          </a:fontRef>
+        </p:style>
+        <p:txBody>
+          <a:bodyPr rtlCol="0" anchor="ctr"/>
+          <a:lstStyle/>
+          <a:p>
+            <a:pPr algn="ctr"/>
+            <a:endParaRPr lang="en-SG" sz="1400"/>
+          </a:p>
+        </p:txBody>
+      </p:sp>
+      <p:cxnSp>
+        <p:nvCxnSpPr>
+          <p:cNvPr id="46" name="Straight Connector 45"/>
+          <p:cNvCxnSpPr>
+            <a:stCxn id="45" idx="0"/>
+          </p:cNvCxnSpPr>
+          <p:nvPr/>
+        </p:nvCxnSpPr>
+        <p:spPr>
+          <a:xfrm>
+            <a:off x="5162869" y="3352800"/>
+            <a:ext cx="0" cy="990600"/>
+          </a:xfrm>
+          <a:prstGeom prst="line">
+            <a:avLst/>
+          </a:prstGeom>
+          <a:ln w="19050">
+            <a:solidFill>
+              <a:srgbClr val="0070C0"/>
+            </a:solidFill>
+            <a:prstDash val="sysDash"/>
+          </a:ln>
+          <a:effectLst/>
+        </p:spPr>
+        <p:style>
+          <a:lnRef idx="1">
+            <a:schemeClr val="accent1"/>
+          </a:lnRef>
+          <a:fillRef idx="2">
+            <a:schemeClr val="accent1"/>
+          </a:fillRef>
+          <a:effectRef idx="1">
+            <a:schemeClr val="accent1"/>
+          </a:effectRef>
+          <a:fontRef idx="minor">
+            <a:schemeClr val="dk1"/>
+          </a:fontRef>
+        </p:style>
+      </p:cxnSp>
+      <p:sp>
+        <p:nvSpPr>
+          <p:cNvPr id="49" name="Rectangle 48"/>
+          <p:cNvSpPr/>
+          <p:nvPr/>
+        </p:nvSpPr>
+        <p:spPr>
+          <a:xfrm>
+            <a:off x="5059947" y="3657601"/>
+            <a:ext cx="205843" cy="533400"/>
+          </a:xfrm>
+          <a:prstGeom prst="rect">
+            <a:avLst/>
+          </a:prstGeom>
+          <a:solidFill>
+            <a:srgbClr val="0070C0"/>
+          </a:solidFill>
+          <a:ln>
+            <a:solidFill>
+              <a:srgbClr val="0070C0"/>
+            </a:solidFill>
+          </a:ln>
+          <a:effectLst/>
+        </p:spPr>
+        <p:style>
+          <a:lnRef idx="1">
+            <a:schemeClr val="accent3"/>
+          </a:lnRef>
+          <a:fillRef idx="2">
+            <a:schemeClr val="accent3"/>
+          </a:fillRef>
+          <a:effectRef idx="1">
+            <a:schemeClr val="accent3"/>
+          </a:effectRef>
+          <a:fontRef idx="minor">
+            <a:schemeClr val="dk1"/>
+          </a:fontRef>
+        </p:style>
+        <p:txBody>
+          <a:bodyPr rtlCol="0" anchor="ctr"/>
+          <a:lstStyle/>
+          <a:p>
+            <a:pPr algn="ctr"/>
+            <a:endParaRPr lang="en-SG" sz="1400"/>
+          </a:p>
+        </p:txBody>
+      </p:sp>
+      <p:cxnSp>
+        <p:nvCxnSpPr>
+          <p:cNvPr id="51" name="Straight Arrow Connector 50"/>
+          <p:cNvCxnSpPr/>
+          <p:nvPr/>
+        </p:nvCxnSpPr>
+        <p:spPr>
+          <a:xfrm>
+            <a:off x="3499382" y="4185073"/>
+            <a:ext cx="1667219" cy="0"/>
+          </a:xfrm>
+          <a:prstGeom prst="straightConnector1">
+            <a:avLst/>
+          </a:prstGeom>
+          <a:ln w="19050">
+            <a:solidFill>
+              <a:srgbClr val="0070C0"/>
+            </a:solidFill>
+            <a:prstDash val="sysDash"/>
+            <a:headEnd type="arrow" w="med" len="med"/>
+            <a:tailEnd type="none" w="med" len="med"/>
+          </a:ln>
+        </p:spPr>
+        <p:style>
+          <a:lnRef idx="1">
+            <a:schemeClr val="accent1"/>
+          </a:lnRef>
+          <a:fillRef idx="0">
+            <a:schemeClr val="accent1"/>
+          </a:fillRef>
+          <a:effectRef idx="0">
+            <a:schemeClr val="accent1"/>
+          </a:effectRef>
+          <a:fontRef idx="minor">
+            <a:schemeClr val="tx1"/>
+          </a:fontRef>
+        </p:style>
+      </p:cxnSp>
+      <p:cxnSp>
+        <p:nvCxnSpPr>
+          <p:cNvPr id="13" name="Straight Arrow Connector 12"/>
+          <p:cNvCxnSpPr/>
+          <p:nvPr/>
+        </p:nvCxnSpPr>
+        <p:spPr>
+          <a:xfrm>
+            <a:off x="6858000" y="5029200"/>
+            <a:ext cx="162246" cy="0"/>
+          </a:xfrm>
+          <a:prstGeom prst="straightConnector1">
+            <a:avLst/>
+          </a:prstGeom>
+          <a:ln w="19050">
+            <a:headEnd type="none" w="med" len="med"/>
+            <a:tailEnd type="arrow" w="med" len="med"/>
+          </a:ln>
+        </p:spPr>
+        <p:style>
+          <a:lnRef idx="1">
+            <a:schemeClr val="accent1"/>
+          </a:lnRef>
+          <a:fillRef idx="0">
+            <a:schemeClr val="accent1"/>
+          </a:fillRef>
+          <a:effectRef idx="0">
+            <a:schemeClr val="accent1"/>
+          </a:effectRef>
+          <a:fontRef idx="minor">
+            <a:schemeClr val="tx1"/>
+          </a:fontRef>
+        </p:style>
+      </p:cxnSp>
+      <p:cxnSp>
+        <p:nvCxnSpPr>
+          <p:cNvPr id="50" name="Straight Arrow Connector 49"/>
+          <p:cNvCxnSpPr/>
+          <p:nvPr/>
+        </p:nvCxnSpPr>
+        <p:spPr>
+          <a:xfrm>
+            <a:off x="3412425" y="3173004"/>
+            <a:ext cx="819556" cy="1"/>
+          </a:xfrm>
+          <a:prstGeom prst="straightConnector1">
+            <a:avLst/>
+          </a:prstGeom>
+          <a:ln w="19050">
+            <a:solidFill>
+              <a:srgbClr val="0070C0"/>
+            </a:solidFill>
+            <a:tailEnd type="arrow"/>
+          </a:ln>
+        </p:spPr>
+        <p:style>
+          <a:lnRef idx="1">
+            <a:schemeClr val="accent1"/>
+          </a:lnRef>
+          <a:fillRef idx="0">
+            <a:schemeClr val="accent1"/>
+          </a:fillRef>
+          <a:effectRef idx="0">
+            <a:schemeClr val="accent1"/>
+          </a:effectRef>
+          <a:fontRef idx="minor">
+            <a:schemeClr val="tx1"/>
+          </a:fontRef>
+        </p:style>
+      </p:cxnSp>
+      <p:cxnSp>
+        <p:nvCxnSpPr>
+          <p:cNvPr id="52" name="Straight Arrow Connector 51"/>
+          <p:cNvCxnSpPr/>
+          <p:nvPr/>
+        </p:nvCxnSpPr>
+        <p:spPr>
+          <a:xfrm>
+            <a:off x="3459519" y="3475965"/>
+            <a:ext cx="1600428" cy="0"/>
+          </a:xfrm>
+          <a:prstGeom prst="straightConnector1">
+            <a:avLst/>
+          </a:prstGeom>
+          <a:ln w="19050">
+            <a:solidFill>
+              <a:srgbClr val="0070C0"/>
+            </a:solidFill>
+            <a:prstDash val="sysDash"/>
+            <a:headEnd type="arrow" w="med" len="med"/>
+            <a:tailEnd type="none" w="med" len="med"/>
+          </a:ln>
+        </p:spPr>
+        <p:style>
+          <a:lnRef idx="1">
+            <a:schemeClr val="accent1"/>
+          </a:lnRef>
+          <a:fillRef idx="0">
+            <a:schemeClr val="accent1"/>
+          </a:fillRef>
+          <a:effectRef idx="0">
+            <a:schemeClr val="accent1"/>
+          </a:effectRef>
+          <a:fontRef idx="minor">
+            <a:schemeClr val="tx1"/>
+          </a:fontRef>
+        </p:style>
+      </p:cxnSp>
+      <p:sp>
+        <p:nvSpPr>
+          <p:cNvPr id="4" name="TextBox 3"/>
+          <p:cNvSpPr txBox="1"/>
+          <p:nvPr/>
+        </p:nvSpPr>
+        <p:spPr>
+          <a:xfrm>
+            <a:off x="5033665" y="4199590"/>
+            <a:ext cx="258404" cy="261610"/>
+          </a:xfrm>
+          <a:prstGeom prst="rect">
+            <a:avLst/>
+          </a:prstGeom>
+          <a:noFill/>
+        </p:spPr>
+        <p:txBody>
+          <a:bodyPr wrap="none" rtlCol="0">
+            <a:spAutoFit/>
+          </a:bodyPr>
+          <a:lstStyle/>
+          <a:p>
+            <a:r>
+              <a:rPr lang="en-SG" sz="1100" dirty="0">
+                <a:solidFill>
+                  <a:srgbClr val="002060"/>
+                </a:solidFill>
+              </a:rPr>
+              <a:t>X</a:t>
+            </a:r>
+          </a:p>
+        </p:txBody>
+      </p:sp>
+    </p:spTree>
+    <p:extLst>
+      <p:ext uri="{BB962C8B-B14F-4D97-AF65-F5344CB8AC3E}">
+        <p14:creationId xmlns:p14="http://schemas.microsoft.com/office/powerpoint/2010/main" val="2191601182"/>
+      </p:ext>
+    </p:extLst>
+  </p:cSld>
+  <p:clrMapOvr>
+    <a:masterClrMapping/>
+  </p:clrMapOvr>
+</p:sld>
+</file>
+
+<file path=ppt/slides/slide3.xml><?xml version="1.0" encoding="utf-8"?>
 <p:sld xmlns:a="http://schemas.openxmlformats.org/drawingml/2006/main" xmlns:r="http://schemas.openxmlformats.org/officeDocument/2006/relationships" xmlns:p="http://schemas.openxmlformats.org/presentationml/2006/main">
   <p:cSld>
     <p:spTree>
@@ -7463,7 +9513,7 @@
 </p:sld>
 </file>
 
-<file path=ppt/slides/slide3.xml><?xml version="1.0" encoding="utf-8"?>
+<file path=ppt/slides/slide4.xml><?xml version="1.0" encoding="utf-8"?>
 <p:sld xmlns:a="http://schemas.openxmlformats.org/drawingml/2006/main" xmlns:r="http://schemas.openxmlformats.org/officeDocument/2006/relationships" xmlns:p="http://schemas.openxmlformats.org/presentationml/2006/main">
   <p:cSld>
     <p:spTree>

--- a/docs/diagrams/LogicComponentSequenceDiagram.pptx
+++ b/docs/diagrams/LogicComponentSequenceDiagram.pptx
@@ -5,13 +5,15 @@
     <p:sldMasterId id="2147483648" r:id="rId1"/>
   </p:sldMasterIdLst>
   <p:notesMasterIdLst>
-    <p:notesMasterId r:id="rId6"/>
+    <p:notesMasterId r:id="rId8"/>
   </p:notesMasterIdLst>
   <p:sldIdLst>
     <p:sldId id="267" r:id="rId2"/>
     <p:sldId id="270" r:id="rId3"/>
     <p:sldId id="268" r:id="rId4"/>
     <p:sldId id="269" r:id="rId5"/>
+    <p:sldId id="271" r:id="rId6"/>
+    <p:sldId id="272" r:id="rId7"/>
   </p:sldIdLst>
   <p:sldSz cx="9144000" cy="6858000" type="screen4x3"/>
   <p:notesSz cx="6858000" cy="9144000"/>
@@ -215,7 +217,7 @@
           <a:p>
             <a:fld id="{F5CC4B3F-88C1-4FFA-B1B6-F41C21DC6924}" type="datetimeFigureOut">
               <a:rPr lang="en-US" smtClean="0"/>
-              <a:t>10/30/2017</a:t>
+              <a:t>11/2/2017</a:t>
             </a:fld>
             <a:endParaRPr lang="en-US"/>
           </a:p>
@@ -661,7 +663,7 @@
           <a:p>
             <a:fld id="{78C97017-6FC3-485B-9764-EAC9E56C1D49}" type="datetimeFigureOut">
               <a:rPr lang="en-US" smtClean="0"/>
-              <a:t>10/30/2017</a:t>
+              <a:t>11/2/2017</a:t>
             </a:fld>
             <a:endParaRPr lang="en-US"/>
           </a:p>
@@ -829,7 +831,7 @@
           <a:p>
             <a:fld id="{78C97017-6FC3-485B-9764-EAC9E56C1D49}" type="datetimeFigureOut">
               <a:rPr lang="en-US" smtClean="0"/>
-              <a:t>10/30/2017</a:t>
+              <a:t>11/2/2017</a:t>
             </a:fld>
             <a:endParaRPr lang="en-US"/>
           </a:p>
@@ -1007,7 +1009,7 @@
           <a:p>
             <a:fld id="{78C97017-6FC3-485B-9764-EAC9E56C1D49}" type="datetimeFigureOut">
               <a:rPr lang="en-US" smtClean="0"/>
-              <a:t>10/30/2017</a:t>
+              <a:t>11/2/2017</a:t>
             </a:fld>
             <a:endParaRPr lang="en-US"/>
           </a:p>
@@ -1175,7 +1177,7 @@
           <a:p>
             <a:fld id="{78C97017-6FC3-485B-9764-EAC9E56C1D49}" type="datetimeFigureOut">
               <a:rPr lang="en-US" smtClean="0"/>
-              <a:t>10/30/2017</a:t>
+              <a:t>11/2/2017</a:t>
             </a:fld>
             <a:endParaRPr lang="en-US"/>
           </a:p>
@@ -1420,7 +1422,7 @@
           <a:p>
             <a:fld id="{78C97017-6FC3-485B-9764-EAC9E56C1D49}" type="datetimeFigureOut">
               <a:rPr lang="en-US" smtClean="0"/>
-              <a:t>10/30/2017</a:t>
+              <a:t>11/2/2017</a:t>
             </a:fld>
             <a:endParaRPr lang="en-US"/>
           </a:p>
@@ -1705,7 +1707,7 @@
           <a:p>
             <a:fld id="{78C97017-6FC3-485B-9764-EAC9E56C1D49}" type="datetimeFigureOut">
               <a:rPr lang="en-US" smtClean="0"/>
-              <a:t>10/30/2017</a:t>
+              <a:t>11/2/2017</a:t>
             </a:fld>
             <a:endParaRPr lang="en-US"/>
           </a:p>
@@ -2124,7 +2126,7 @@
           <a:p>
             <a:fld id="{78C97017-6FC3-485B-9764-EAC9E56C1D49}" type="datetimeFigureOut">
               <a:rPr lang="en-US" smtClean="0"/>
-              <a:t>10/30/2017</a:t>
+              <a:t>11/2/2017</a:t>
             </a:fld>
             <a:endParaRPr lang="en-US"/>
           </a:p>
@@ -2241,7 +2243,7 @@
           <a:p>
             <a:fld id="{78C97017-6FC3-485B-9764-EAC9E56C1D49}" type="datetimeFigureOut">
               <a:rPr lang="en-US" smtClean="0"/>
-              <a:t>10/30/2017</a:t>
+              <a:t>11/2/2017</a:t>
             </a:fld>
             <a:endParaRPr lang="en-US"/>
           </a:p>
@@ -2336,7 +2338,7 @@
           <a:p>
             <a:fld id="{78C97017-6FC3-485B-9764-EAC9E56C1D49}" type="datetimeFigureOut">
               <a:rPr lang="en-US" smtClean="0"/>
-              <a:t>10/30/2017</a:t>
+              <a:t>11/2/2017</a:t>
             </a:fld>
             <a:endParaRPr lang="en-US"/>
           </a:p>
@@ -2611,7 +2613,7 @@
           <a:p>
             <a:fld id="{78C97017-6FC3-485B-9764-EAC9E56C1D49}" type="datetimeFigureOut">
               <a:rPr lang="en-US" smtClean="0"/>
-              <a:t>10/30/2017</a:t>
+              <a:t>11/2/2017</a:t>
             </a:fld>
             <a:endParaRPr lang="en-US"/>
           </a:p>
@@ -2863,7 +2865,7 @@
           <a:p>
             <a:fld id="{78C97017-6FC3-485B-9764-EAC9E56C1D49}" type="datetimeFigureOut">
               <a:rPr lang="en-US" smtClean="0"/>
-              <a:t>10/30/2017</a:t>
+              <a:t>11/2/2017</a:t>
             </a:fld>
             <a:endParaRPr lang="en-US"/>
           </a:p>
@@ -3074,7 +3076,7 @@
           <a:p>
             <a:fld id="{78C97017-6FC3-485B-9764-EAC9E56C1D49}" type="datetimeFigureOut">
               <a:rPr lang="en-US" smtClean="0"/>
-              <a:t>10/30/2017</a:t>
+              <a:t>11/2/2017</a:t>
             </a:fld>
             <a:endParaRPr lang="en-US"/>
           </a:p>
@@ -10317,6 +10319,3193 @@
 </p:sld>
 </file>
 
+<file path=ppt/slides/slide5.xml><?xml version="1.0" encoding="utf-8"?>
+<p:sld xmlns:a="http://schemas.openxmlformats.org/drawingml/2006/main" xmlns:r="http://schemas.openxmlformats.org/officeDocument/2006/relationships" xmlns:p="http://schemas.openxmlformats.org/presentationml/2006/main">
+  <p:cSld>
+    <p:spTree>
+      <p:nvGrpSpPr>
+        <p:cNvPr id="1" name=""/>
+        <p:cNvGrpSpPr/>
+        <p:nvPr/>
+      </p:nvGrpSpPr>
+      <p:grpSpPr>
+        <a:xfrm>
+          <a:off x="0" y="0"/>
+          <a:ext cx="0" cy="0"/>
+          <a:chOff x="0" y="0"/>
+          <a:chExt cx="0" cy="0"/>
+        </a:xfrm>
+      </p:grpSpPr>
+      <p:sp>
+        <p:nvSpPr>
+          <p:cNvPr id="2" name="Rectangle 65">
+            <a:extLst/>
+          </p:cNvPr>
+          <p:cNvSpPr/>
+          <p:nvPr/>
+        </p:nvSpPr>
+        <p:spPr>
+          <a:xfrm>
+            <a:off x="1981200" y="1981200"/>
+            <a:ext cx="4953000" cy="4000286"/>
+          </a:xfrm>
+          <a:prstGeom prst="roundRect">
+            <a:avLst>
+              <a:gd name="adj" fmla="val 3484"/>
+            </a:avLst>
+          </a:prstGeom>
+          <a:solidFill>
+            <a:schemeClr val="accent1">
+              <a:lumMod val="20000"/>
+              <a:lumOff val="80000"/>
+            </a:schemeClr>
+          </a:solidFill>
+          <a:ln w="19050">
+            <a:noFill/>
+          </a:ln>
+          <a:effectLst/>
+        </p:spPr>
+        <p:style>
+          <a:lnRef idx="1">
+            <a:schemeClr val="accent2"/>
+          </a:lnRef>
+          <a:fillRef idx="2">
+            <a:schemeClr val="accent2"/>
+          </a:fillRef>
+          <a:effectRef idx="1">
+            <a:schemeClr val="accent2"/>
+          </a:effectRef>
+          <a:fontRef idx="minor">
+            <a:schemeClr val="dk1"/>
+          </a:fontRef>
+        </p:style>
+        <p:txBody>
+          <a:bodyPr rtlCol="0" anchor="t"/>
+          <a:lstStyle/>
+          <a:p>
+            <a:r>
+              <a:rPr lang="en-US" sz="1200" b="1" dirty="0">
+                <a:solidFill>
+                  <a:srgbClr val="0070C0"/>
+                </a:solidFill>
+              </a:rPr>
+              <a:t>Logic</a:t>
+            </a:r>
+            <a:endParaRPr lang="en-SG" sz="1200" b="1" dirty="0">
+              <a:solidFill>
+                <a:srgbClr val="0070C0"/>
+              </a:solidFill>
+            </a:endParaRPr>
+          </a:p>
+        </p:txBody>
+      </p:sp>
+      <p:sp>
+        <p:nvSpPr>
+          <p:cNvPr id="3" name="Rectangle 62">
+            <a:extLst/>
+          </p:cNvPr>
+          <p:cNvSpPr/>
+          <p:nvPr/>
+        </p:nvSpPr>
+        <p:spPr>
+          <a:xfrm>
+            <a:off x="3054845" y="2296546"/>
+            <a:ext cx="1455629" cy="346760"/>
+          </a:xfrm>
+          <a:prstGeom prst="rect">
+            <a:avLst/>
+          </a:prstGeom>
+          <a:solidFill>
+            <a:srgbClr val="0070C0"/>
+          </a:solidFill>
+          <a:ln w="19050">
+            <a:solidFill>
+              <a:srgbClr val="0070C0"/>
+            </a:solidFill>
+          </a:ln>
+          <a:effectLst/>
+        </p:spPr>
+        <p:style>
+          <a:lnRef idx="1">
+            <a:schemeClr val="accent2"/>
+          </a:lnRef>
+          <a:fillRef idx="2">
+            <a:schemeClr val="accent2"/>
+          </a:fillRef>
+          <a:effectRef idx="1">
+            <a:schemeClr val="accent2"/>
+          </a:effectRef>
+          <a:fontRef idx="minor">
+            <a:schemeClr val="dk1"/>
+          </a:fontRef>
+        </p:style>
+        <p:txBody>
+          <a:bodyPr rtlCol="0" anchor="ctr"/>
+          <a:lstStyle/>
+          <a:p>
+            <a:pPr algn="ctr"/>
+            <a:r>
+              <a:rPr lang="en-US" sz="1600" dirty="0">
+                <a:solidFill>
+                  <a:schemeClr val="bg1"/>
+                </a:solidFill>
+              </a:rPr>
+              <a:t>:</a:t>
+            </a:r>
+            <a:r>
+              <a:rPr lang="en-US" sz="1600" dirty="0" err="1">
+                <a:solidFill>
+                  <a:schemeClr val="bg1"/>
+                </a:solidFill>
+              </a:rPr>
+              <a:t>AddressBook</a:t>
+            </a:r>
+            <a:endParaRPr lang="en-SG" sz="1600" dirty="0">
+              <a:solidFill>
+                <a:schemeClr val="bg1"/>
+              </a:solidFill>
+            </a:endParaRPr>
+          </a:p>
+        </p:txBody>
+      </p:sp>
+      <p:cxnSp>
+        <p:nvCxnSpPr>
+          <p:cNvPr id="4" name="Straight Connector 3">
+            <a:extLst/>
+          </p:cNvPr>
+          <p:cNvCxnSpPr/>
+          <p:nvPr/>
+        </p:nvCxnSpPr>
+        <p:spPr>
+          <a:xfrm>
+            <a:off x="3782659" y="2660217"/>
+            <a:ext cx="0" cy="2597583"/>
+          </a:xfrm>
+          <a:prstGeom prst="line">
+            <a:avLst/>
+          </a:prstGeom>
+          <a:ln w="19050">
+            <a:solidFill>
+              <a:srgbClr val="0070C0"/>
+            </a:solidFill>
+            <a:prstDash val="sysDash"/>
+          </a:ln>
+          <a:effectLst/>
+        </p:spPr>
+        <p:style>
+          <a:lnRef idx="1">
+            <a:schemeClr val="accent1"/>
+          </a:lnRef>
+          <a:fillRef idx="2">
+            <a:schemeClr val="accent1"/>
+          </a:fillRef>
+          <a:effectRef idx="1">
+            <a:schemeClr val="accent1"/>
+          </a:effectRef>
+          <a:fontRef idx="minor">
+            <a:schemeClr val="dk1"/>
+          </a:fontRef>
+        </p:style>
+      </p:cxnSp>
+      <p:sp>
+        <p:nvSpPr>
+          <p:cNvPr id="5" name="Rectangle 4">
+            <a:extLst/>
+          </p:cNvPr>
+          <p:cNvSpPr/>
+          <p:nvPr/>
+        </p:nvSpPr>
+        <p:spPr>
+          <a:xfrm>
+            <a:off x="3710651" y="3010911"/>
+            <a:ext cx="152400" cy="2780287"/>
+          </a:xfrm>
+          <a:prstGeom prst="rect">
+            <a:avLst/>
+          </a:prstGeom>
+          <a:solidFill>
+            <a:srgbClr val="0070C0"/>
+          </a:solidFill>
+          <a:ln>
+            <a:solidFill>
+              <a:srgbClr val="0070C0"/>
+            </a:solidFill>
+          </a:ln>
+          <a:effectLst/>
+        </p:spPr>
+        <p:style>
+          <a:lnRef idx="1">
+            <a:schemeClr val="accent3"/>
+          </a:lnRef>
+          <a:fillRef idx="2">
+            <a:schemeClr val="accent3"/>
+          </a:fillRef>
+          <a:effectRef idx="1">
+            <a:schemeClr val="accent3"/>
+          </a:effectRef>
+          <a:fontRef idx="minor">
+            <a:schemeClr val="dk1"/>
+          </a:fontRef>
+        </p:style>
+        <p:txBody>
+          <a:bodyPr rtlCol="0" anchor="ctr"/>
+          <a:lstStyle/>
+          <a:p>
+            <a:pPr algn="ctr"/>
+            <a:endParaRPr lang="en-SG" sz="1400"/>
+          </a:p>
+        </p:txBody>
+      </p:sp>
+      <p:sp>
+        <p:nvSpPr>
+          <p:cNvPr id="6" name="Rectangle 62">
+            <a:extLst/>
+          </p:cNvPr>
+          <p:cNvSpPr/>
+          <p:nvPr/>
+        </p:nvSpPr>
+        <p:spPr>
+          <a:xfrm>
+            <a:off x="4953000" y="2179309"/>
+            <a:ext cx="1219200" cy="467684"/>
+          </a:xfrm>
+          <a:prstGeom prst="rect">
+            <a:avLst/>
+          </a:prstGeom>
+          <a:solidFill>
+            <a:srgbClr val="0070C0"/>
+          </a:solidFill>
+          <a:ln w="19050">
+            <a:solidFill>
+              <a:srgbClr val="0070C0"/>
+            </a:solidFill>
+          </a:ln>
+          <a:effectLst/>
+        </p:spPr>
+        <p:style>
+          <a:lnRef idx="1">
+            <a:schemeClr val="accent2"/>
+          </a:lnRef>
+          <a:fillRef idx="2">
+            <a:schemeClr val="accent2"/>
+          </a:fillRef>
+          <a:effectRef idx="1">
+            <a:schemeClr val="accent2"/>
+          </a:effectRef>
+          <a:fontRef idx="minor">
+            <a:schemeClr val="dk1"/>
+          </a:fontRef>
+        </p:style>
+        <p:txBody>
+          <a:bodyPr rtlCol="0" anchor="ctr"/>
+          <a:lstStyle/>
+          <a:p>
+            <a:pPr algn="ctr"/>
+            <a:r>
+              <a:rPr lang="en-US" sz="1600" dirty="0">
+                <a:solidFill>
+                  <a:schemeClr val="bg1"/>
+                </a:solidFill>
+              </a:rPr>
+              <a:t>:Unique</a:t>
+            </a:r>
+          </a:p>
+          <a:p>
+            <a:pPr algn="ctr"/>
+            <a:r>
+              <a:rPr lang="en-US" sz="1600" dirty="0" err="1">
+                <a:solidFill>
+                  <a:schemeClr val="bg1"/>
+                </a:solidFill>
+              </a:rPr>
+              <a:t>PersonList</a:t>
+            </a:r>
+            <a:endParaRPr lang="en-US" sz="1600" dirty="0">
+              <a:solidFill>
+                <a:schemeClr val="bg1"/>
+              </a:solidFill>
+            </a:endParaRPr>
+          </a:p>
+        </p:txBody>
+      </p:sp>
+      <p:cxnSp>
+        <p:nvCxnSpPr>
+          <p:cNvPr id="7" name="Straight Connector 6">
+            <a:extLst/>
+          </p:cNvPr>
+          <p:cNvCxnSpPr/>
+          <p:nvPr/>
+        </p:nvCxnSpPr>
+        <p:spPr>
+          <a:xfrm>
+            <a:off x="5566399" y="2663904"/>
+            <a:ext cx="0" cy="1695374"/>
+          </a:xfrm>
+          <a:prstGeom prst="line">
+            <a:avLst/>
+          </a:prstGeom>
+          <a:ln w="19050">
+            <a:solidFill>
+              <a:srgbClr val="0070C0"/>
+            </a:solidFill>
+            <a:prstDash val="sysDash"/>
+          </a:ln>
+          <a:effectLst/>
+        </p:spPr>
+        <p:style>
+          <a:lnRef idx="1">
+            <a:schemeClr val="accent1"/>
+          </a:lnRef>
+          <a:fillRef idx="2">
+            <a:schemeClr val="accent1"/>
+          </a:fillRef>
+          <a:effectRef idx="1">
+            <a:schemeClr val="accent1"/>
+          </a:effectRef>
+          <a:fontRef idx="minor">
+            <a:schemeClr val="dk1"/>
+          </a:fontRef>
+        </p:style>
+      </p:cxnSp>
+      <p:sp>
+        <p:nvSpPr>
+          <p:cNvPr id="8" name="Rectangle 7">
+            <a:extLst/>
+          </p:cNvPr>
+          <p:cNvSpPr/>
+          <p:nvPr/>
+        </p:nvSpPr>
+        <p:spPr>
+          <a:xfrm>
+            <a:off x="5494390" y="3122096"/>
+            <a:ext cx="174929" cy="1129459"/>
+          </a:xfrm>
+          <a:prstGeom prst="rect">
+            <a:avLst/>
+          </a:prstGeom>
+          <a:solidFill>
+            <a:srgbClr val="0070C0"/>
+          </a:solidFill>
+          <a:ln>
+            <a:solidFill>
+              <a:srgbClr val="0070C0"/>
+            </a:solidFill>
+          </a:ln>
+          <a:effectLst/>
+        </p:spPr>
+        <p:style>
+          <a:lnRef idx="1">
+            <a:schemeClr val="accent3"/>
+          </a:lnRef>
+          <a:fillRef idx="2">
+            <a:schemeClr val="accent3"/>
+          </a:fillRef>
+          <a:effectRef idx="1">
+            <a:schemeClr val="accent3"/>
+          </a:effectRef>
+          <a:fontRef idx="minor">
+            <a:schemeClr val="dk1"/>
+          </a:fontRef>
+        </p:style>
+        <p:txBody>
+          <a:bodyPr rtlCol="0" anchor="ctr"/>
+          <a:lstStyle/>
+          <a:p>
+            <a:pPr algn="ctr"/>
+            <a:endParaRPr lang="en-SG" sz="1400">
+              <a:solidFill>
+                <a:schemeClr val="dk1"/>
+              </a:solidFill>
+            </a:endParaRPr>
+          </a:p>
+        </p:txBody>
+      </p:sp>
+      <p:cxnSp>
+        <p:nvCxnSpPr>
+          <p:cNvPr id="9" name="Straight Arrow Connector 8">
+            <a:extLst/>
+          </p:cNvPr>
+          <p:cNvCxnSpPr/>
+          <p:nvPr/>
+        </p:nvCxnSpPr>
+        <p:spPr>
+          <a:xfrm>
+            <a:off x="2590800" y="3014599"/>
+            <a:ext cx="1119851" cy="0"/>
+          </a:xfrm>
+          <a:prstGeom prst="straightConnector1">
+            <a:avLst/>
+          </a:prstGeom>
+          <a:ln w="19050">
+            <a:solidFill>
+              <a:srgbClr val="00B050"/>
+            </a:solidFill>
+            <a:tailEnd type="arrow"/>
+          </a:ln>
+        </p:spPr>
+        <p:style>
+          <a:lnRef idx="1">
+            <a:schemeClr val="accent1"/>
+          </a:lnRef>
+          <a:fillRef idx="0">
+            <a:schemeClr val="accent1"/>
+          </a:fillRef>
+          <a:effectRef idx="0">
+            <a:schemeClr val="accent1"/>
+          </a:effectRef>
+          <a:fontRef idx="minor">
+            <a:schemeClr val="tx1"/>
+          </a:fontRef>
+        </p:style>
+      </p:cxnSp>
+      <p:cxnSp>
+        <p:nvCxnSpPr>
+          <p:cNvPr id="10" name="Straight Arrow Connector 9">
+            <a:extLst/>
+          </p:cNvPr>
+          <p:cNvCxnSpPr>
+            <a:cxnSpLocks/>
+          </p:cNvCxnSpPr>
+          <p:nvPr/>
+        </p:nvCxnSpPr>
+        <p:spPr>
+          <a:xfrm flipV="1">
+            <a:off x="3863051" y="3122098"/>
+            <a:ext cx="1613449" cy="1"/>
+          </a:xfrm>
+          <a:prstGeom prst="straightConnector1">
+            <a:avLst/>
+          </a:prstGeom>
+          <a:ln w="19050">
+            <a:solidFill>
+              <a:srgbClr val="0070C0"/>
+            </a:solidFill>
+            <a:tailEnd type="arrow"/>
+          </a:ln>
+        </p:spPr>
+        <p:style>
+          <a:lnRef idx="1">
+            <a:schemeClr val="accent1"/>
+          </a:lnRef>
+          <a:fillRef idx="0">
+            <a:schemeClr val="accent1"/>
+          </a:fillRef>
+          <a:effectRef idx="0">
+            <a:schemeClr val="accent1"/>
+          </a:effectRef>
+          <a:fontRef idx="minor">
+            <a:schemeClr val="tx1"/>
+          </a:fontRef>
+        </p:style>
+      </p:cxnSp>
+      <p:cxnSp>
+        <p:nvCxnSpPr>
+          <p:cNvPr id="11" name="Straight Arrow Connector 10">
+            <a:extLst/>
+          </p:cNvPr>
+          <p:cNvCxnSpPr/>
+          <p:nvPr/>
+        </p:nvCxnSpPr>
+        <p:spPr>
+          <a:xfrm flipV="1">
+            <a:off x="3879986" y="4243231"/>
+            <a:ext cx="1596514" cy="5378"/>
+          </a:xfrm>
+          <a:prstGeom prst="straightConnector1">
+            <a:avLst/>
+          </a:prstGeom>
+          <a:ln w="19050">
+            <a:solidFill>
+              <a:srgbClr val="0070C0"/>
+            </a:solidFill>
+            <a:prstDash val="sysDash"/>
+            <a:headEnd type="arrow" w="med" len="med"/>
+            <a:tailEnd type="none" w="med" len="med"/>
+          </a:ln>
+        </p:spPr>
+        <p:style>
+          <a:lnRef idx="1">
+            <a:schemeClr val="accent1"/>
+          </a:lnRef>
+          <a:fillRef idx="0">
+            <a:schemeClr val="accent1"/>
+          </a:fillRef>
+          <a:effectRef idx="0">
+            <a:schemeClr val="accent1"/>
+          </a:effectRef>
+          <a:fontRef idx="minor">
+            <a:schemeClr val="tx1"/>
+          </a:fontRef>
+        </p:style>
+      </p:cxnSp>
+      <p:cxnSp>
+        <p:nvCxnSpPr>
+          <p:cNvPr id="12" name="Straight Arrow Connector 11">
+            <a:extLst/>
+          </p:cNvPr>
+          <p:cNvCxnSpPr/>
+          <p:nvPr/>
+        </p:nvCxnSpPr>
+        <p:spPr>
+          <a:xfrm>
+            <a:off x="2511308" y="4648200"/>
+            <a:ext cx="1196051" cy="0"/>
+          </a:xfrm>
+          <a:prstGeom prst="straightConnector1">
+            <a:avLst/>
+          </a:prstGeom>
+          <a:ln w="19050">
+            <a:solidFill>
+              <a:schemeClr val="accent1"/>
+            </a:solidFill>
+            <a:prstDash val="sysDash"/>
+            <a:headEnd type="arrow" w="med" len="med"/>
+            <a:tailEnd type="none" w="med" len="med"/>
+          </a:ln>
+        </p:spPr>
+        <p:style>
+          <a:lnRef idx="1">
+            <a:schemeClr val="accent1"/>
+          </a:lnRef>
+          <a:fillRef idx="0">
+            <a:schemeClr val="accent1"/>
+          </a:fillRef>
+          <a:effectRef idx="0">
+            <a:schemeClr val="accent1"/>
+          </a:effectRef>
+          <a:fontRef idx="minor">
+            <a:schemeClr val="tx1"/>
+          </a:fontRef>
+        </p:style>
+      </p:cxnSp>
+      <p:sp>
+        <p:nvSpPr>
+          <p:cNvPr id="13" name="TextBox 12">
+            <a:extLst/>
+          </p:cNvPr>
+          <p:cNvSpPr txBox="1"/>
+          <p:nvPr/>
+        </p:nvSpPr>
+        <p:spPr>
+          <a:xfrm>
+            <a:off x="1900810" y="2819400"/>
+            <a:ext cx="1670973" cy="215444"/>
+          </a:xfrm>
+          <a:prstGeom prst="rect">
+            <a:avLst/>
+          </a:prstGeom>
+          <a:noFill/>
+        </p:spPr>
+        <p:txBody>
+          <a:bodyPr wrap="square" lIns="0" tIns="0" rIns="0" bIns="0" rtlCol="0">
+            <a:spAutoFit/>
+          </a:bodyPr>
+          <a:lstStyle>
+            <a:defPPr>
+              <a:defRPr lang="en-US"/>
+            </a:defPPr>
+            <a:lvl1pPr algn="r">
+              <a:defRPr sz="1400">
+                <a:solidFill>
+                  <a:srgbClr val="0070C0"/>
+                </a:solidFill>
+              </a:defRPr>
+            </a:lvl1pPr>
+          </a:lstStyle>
+          <a:p>
+            <a:r>
+              <a:rPr lang="en-US" dirty="0" err="1"/>
+              <a:t>updatePerson</a:t>
+            </a:r>
+            <a:r>
+              <a:rPr lang="en-US" dirty="0"/>
+              <a:t>(p)</a:t>
+            </a:r>
+          </a:p>
+        </p:txBody>
+      </p:sp>
+      <p:sp>
+        <p:nvSpPr>
+          <p:cNvPr id="14" name="TextBox 13">
+            <a:extLst/>
+          </p:cNvPr>
+          <p:cNvSpPr txBox="1"/>
+          <p:nvPr/>
+        </p:nvSpPr>
+        <p:spPr>
+          <a:xfrm>
+            <a:off x="4121289" y="4038600"/>
+            <a:ext cx="762000" cy="215444"/>
+          </a:xfrm>
+          <a:prstGeom prst="rect">
+            <a:avLst/>
+          </a:prstGeom>
+          <a:noFill/>
+        </p:spPr>
+        <p:txBody>
+          <a:bodyPr wrap="square" lIns="0" tIns="0" rIns="0" bIns="0" rtlCol="0">
+            <a:spAutoFit/>
+          </a:bodyPr>
+          <a:lstStyle>
+            <a:defPPr>
+              <a:defRPr lang="en-US"/>
+            </a:defPPr>
+            <a:lvl1pPr algn="r">
+              <a:defRPr sz="1400">
+                <a:solidFill>
+                  <a:srgbClr val="0070C0"/>
+                </a:solidFill>
+              </a:defRPr>
+            </a:lvl1pPr>
+          </a:lstStyle>
+          <a:p>
+            <a:r>
+              <a:rPr lang="en-US" dirty="0"/>
+              <a:t>return</a:t>
+            </a:r>
+          </a:p>
+        </p:txBody>
+      </p:sp>
+      <p:sp>
+        <p:nvSpPr>
+          <p:cNvPr id="15" name="TextBox 14">
+            <a:extLst/>
+          </p:cNvPr>
+          <p:cNvSpPr txBox="1"/>
+          <p:nvPr/>
+        </p:nvSpPr>
+        <p:spPr>
+          <a:xfrm>
+            <a:off x="3898068" y="2895600"/>
+            <a:ext cx="985221" cy="184666"/>
+          </a:xfrm>
+          <a:prstGeom prst="rect">
+            <a:avLst/>
+          </a:prstGeom>
+          <a:noFill/>
+        </p:spPr>
+        <p:txBody>
+          <a:bodyPr wrap="square" lIns="0" tIns="0" rIns="0" bIns="0" rtlCol="0">
+            <a:spAutoFit/>
+          </a:bodyPr>
+          <a:lstStyle>
+            <a:defPPr>
+              <a:defRPr lang="en-US"/>
+            </a:defPPr>
+            <a:lvl1pPr algn="r">
+              <a:defRPr sz="1400">
+                <a:solidFill>
+                  <a:srgbClr val="0070C0"/>
+                </a:solidFill>
+              </a:defRPr>
+            </a:lvl1pPr>
+          </a:lstStyle>
+          <a:p>
+            <a:r>
+              <a:rPr lang="en-US" sz="1200" dirty="0"/>
+              <a:t>sort()</a:t>
+            </a:r>
+          </a:p>
+        </p:txBody>
+      </p:sp>
+      <p:sp>
+        <p:nvSpPr>
+          <p:cNvPr id="16" name="TextBox 15">
+            <a:extLst/>
+          </p:cNvPr>
+          <p:cNvSpPr txBox="1"/>
+          <p:nvPr/>
+        </p:nvSpPr>
+        <p:spPr>
+          <a:xfrm>
+            <a:off x="2603655" y="4432756"/>
+            <a:ext cx="762000" cy="215444"/>
+          </a:xfrm>
+          <a:prstGeom prst="rect">
+            <a:avLst/>
+          </a:prstGeom>
+          <a:noFill/>
+        </p:spPr>
+        <p:txBody>
+          <a:bodyPr wrap="square" lIns="0" tIns="0" rIns="0" bIns="0" rtlCol="0">
+            <a:spAutoFit/>
+          </a:bodyPr>
+          <a:lstStyle>
+            <a:defPPr>
+              <a:defRPr lang="en-US"/>
+            </a:defPPr>
+            <a:lvl1pPr algn="r">
+              <a:defRPr sz="1400">
+                <a:solidFill>
+                  <a:srgbClr val="0070C0"/>
+                </a:solidFill>
+              </a:defRPr>
+            </a:lvl1pPr>
+          </a:lstStyle>
+          <a:p>
+            <a:r>
+              <a:rPr lang="en-US" dirty="0"/>
+              <a:t>return</a:t>
+            </a:r>
+          </a:p>
+        </p:txBody>
+      </p:sp>
+    </p:spTree>
+    <p:extLst>
+      <p:ext uri="{BB962C8B-B14F-4D97-AF65-F5344CB8AC3E}">
+        <p14:creationId xmlns:p14="http://schemas.microsoft.com/office/powerpoint/2010/main" val="2410466789"/>
+      </p:ext>
+    </p:extLst>
+  </p:cSld>
+  <p:clrMapOvr>
+    <a:masterClrMapping/>
+  </p:clrMapOvr>
+</p:sld>
+</file>
+
+<file path=ppt/slides/slide6.xml><?xml version="1.0" encoding="utf-8"?>
+<p:sld xmlns:a="http://schemas.openxmlformats.org/drawingml/2006/main" xmlns:r="http://schemas.openxmlformats.org/officeDocument/2006/relationships" xmlns:p="http://schemas.openxmlformats.org/presentationml/2006/main">
+  <p:cSld>
+    <p:spTree>
+      <p:nvGrpSpPr>
+        <p:cNvPr id="1" name=""/>
+        <p:cNvGrpSpPr/>
+        <p:nvPr/>
+      </p:nvGrpSpPr>
+      <p:grpSpPr>
+        <a:xfrm>
+          <a:off x="0" y="0"/>
+          <a:ext cx="0" cy="0"/>
+          <a:chOff x="0" y="0"/>
+          <a:chExt cx="0" cy="0"/>
+        </a:xfrm>
+      </p:grpSpPr>
+      <p:sp>
+        <p:nvSpPr>
+          <p:cNvPr id="3" name="Rectangle 65">
+            <a:extLst/>
+          </p:cNvPr>
+          <p:cNvSpPr/>
+          <p:nvPr/>
+        </p:nvSpPr>
+        <p:spPr>
+          <a:xfrm>
+            <a:off x="721766" y="1969767"/>
+            <a:ext cx="5738135" cy="3717955"/>
+          </a:xfrm>
+          <a:prstGeom prst="roundRect">
+            <a:avLst>
+              <a:gd name="adj" fmla="val 3484"/>
+            </a:avLst>
+          </a:prstGeom>
+          <a:solidFill>
+            <a:schemeClr val="accent1">
+              <a:lumMod val="20000"/>
+              <a:lumOff val="80000"/>
+            </a:schemeClr>
+          </a:solidFill>
+          <a:ln w="19050">
+            <a:noFill/>
+          </a:ln>
+          <a:effectLst/>
+        </p:spPr>
+        <p:style>
+          <a:lnRef idx="1">
+            <a:schemeClr val="accent2"/>
+          </a:lnRef>
+          <a:fillRef idx="2">
+            <a:schemeClr val="accent2"/>
+          </a:fillRef>
+          <a:effectRef idx="1">
+            <a:schemeClr val="accent2"/>
+          </a:effectRef>
+          <a:fontRef idx="minor">
+            <a:schemeClr val="dk1"/>
+          </a:fontRef>
+        </p:style>
+        <p:txBody>
+          <a:bodyPr rtlCol="0" anchor="t"/>
+          <a:lstStyle/>
+          <a:p>
+            <a:r>
+              <a:rPr lang="en-US" sz="1200" b="1" dirty="0">
+                <a:solidFill>
+                  <a:srgbClr val="0070C0"/>
+                </a:solidFill>
+              </a:rPr>
+              <a:t>Logic</a:t>
+            </a:r>
+            <a:endParaRPr lang="en-SG" sz="1200" b="1" dirty="0">
+              <a:solidFill>
+                <a:srgbClr val="0070C0"/>
+              </a:solidFill>
+            </a:endParaRPr>
+          </a:p>
+        </p:txBody>
+      </p:sp>
+      <p:sp>
+        <p:nvSpPr>
+          <p:cNvPr id="4" name="Rectangle 62">
+            <a:extLst/>
+          </p:cNvPr>
+          <p:cNvSpPr/>
+          <p:nvPr/>
+        </p:nvSpPr>
+        <p:spPr>
+          <a:xfrm>
+            <a:off x="845045" y="2296546"/>
+            <a:ext cx="1455629" cy="346760"/>
+          </a:xfrm>
+          <a:prstGeom prst="rect">
+            <a:avLst/>
+          </a:prstGeom>
+          <a:solidFill>
+            <a:srgbClr val="0070C0"/>
+          </a:solidFill>
+          <a:ln w="19050">
+            <a:solidFill>
+              <a:srgbClr val="0070C0"/>
+            </a:solidFill>
+          </a:ln>
+          <a:effectLst/>
+        </p:spPr>
+        <p:style>
+          <a:lnRef idx="1">
+            <a:schemeClr val="accent2"/>
+          </a:lnRef>
+          <a:fillRef idx="2">
+            <a:schemeClr val="accent2"/>
+          </a:fillRef>
+          <a:effectRef idx="1">
+            <a:schemeClr val="accent2"/>
+          </a:effectRef>
+          <a:fontRef idx="minor">
+            <a:schemeClr val="dk1"/>
+          </a:fontRef>
+        </p:style>
+        <p:txBody>
+          <a:bodyPr rtlCol="0" anchor="ctr"/>
+          <a:lstStyle/>
+          <a:p>
+            <a:pPr algn="ctr"/>
+            <a:r>
+              <a:rPr lang="en-US" sz="1600" dirty="0">
+                <a:solidFill>
+                  <a:schemeClr val="bg1"/>
+                </a:solidFill>
+              </a:rPr>
+              <a:t>:</a:t>
+            </a:r>
+            <a:r>
+              <a:rPr lang="en-US" sz="1600" dirty="0" err="1">
+                <a:solidFill>
+                  <a:schemeClr val="bg1"/>
+                </a:solidFill>
+              </a:rPr>
+              <a:t>LogicManager</a:t>
+            </a:r>
+            <a:endParaRPr lang="en-SG" sz="1600" dirty="0">
+              <a:solidFill>
+                <a:schemeClr val="bg1"/>
+              </a:solidFill>
+            </a:endParaRPr>
+          </a:p>
+        </p:txBody>
+      </p:sp>
+      <p:cxnSp>
+        <p:nvCxnSpPr>
+          <p:cNvPr id="5" name="Straight Connector 4">
+            <a:extLst/>
+          </p:cNvPr>
+          <p:cNvCxnSpPr>
+            <a:cxnSpLocks/>
+          </p:cNvCxnSpPr>
+          <p:nvPr/>
+        </p:nvCxnSpPr>
+        <p:spPr>
+          <a:xfrm>
+            <a:off x="1572859" y="2660217"/>
+            <a:ext cx="27341" cy="1683183"/>
+          </a:xfrm>
+          <a:prstGeom prst="line">
+            <a:avLst/>
+          </a:prstGeom>
+          <a:ln w="19050">
+            <a:solidFill>
+              <a:srgbClr val="0070C0"/>
+            </a:solidFill>
+            <a:prstDash val="sysDash"/>
+          </a:ln>
+          <a:effectLst/>
+        </p:spPr>
+        <p:style>
+          <a:lnRef idx="1">
+            <a:schemeClr val="accent1"/>
+          </a:lnRef>
+          <a:fillRef idx="2">
+            <a:schemeClr val="accent1"/>
+          </a:fillRef>
+          <a:effectRef idx="1">
+            <a:schemeClr val="accent1"/>
+          </a:effectRef>
+          <a:fontRef idx="minor">
+            <a:schemeClr val="dk1"/>
+          </a:fontRef>
+        </p:style>
+      </p:cxnSp>
+      <p:sp>
+        <p:nvSpPr>
+          <p:cNvPr id="6" name="Rectangle 5">
+            <a:extLst/>
+          </p:cNvPr>
+          <p:cNvSpPr/>
+          <p:nvPr/>
+        </p:nvSpPr>
+        <p:spPr>
+          <a:xfrm>
+            <a:off x="1500851" y="3010911"/>
+            <a:ext cx="152400" cy="1450289"/>
+          </a:xfrm>
+          <a:prstGeom prst="rect">
+            <a:avLst/>
+          </a:prstGeom>
+          <a:solidFill>
+            <a:srgbClr val="0070C0"/>
+          </a:solidFill>
+          <a:ln>
+            <a:solidFill>
+              <a:srgbClr val="0070C0"/>
+            </a:solidFill>
+          </a:ln>
+          <a:effectLst/>
+        </p:spPr>
+        <p:style>
+          <a:lnRef idx="1">
+            <a:schemeClr val="accent3"/>
+          </a:lnRef>
+          <a:fillRef idx="2">
+            <a:schemeClr val="accent3"/>
+          </a:fillRef>
+          <a:effectRef idx="1">
+            <a:schemeClr val="accent3"/>
+          </a:effectRef>
+          <a:fontRef idx="minor">
+            <a:schemeClr val="dk1"/>
+          </a:fontRef>
+        </p:style>
+        <p:txBody>
+          <a:bodyPr rtlCol="0" anchor="ctr"/>
+          <a:lstStyle/>
+          <a:p>
+            <a:pPr algn="ctr"/>
+            <a:endParaRPr lang="en-SG" sz="1400"/>
+          </a:p>
+        </p:txBody>
+      </p:sp>
+      <p:sp>
+        <p:nvSpPr>
+          <p:cNvPr id="7" name="Rectangle 62">
+            <a:extLst/>
+          </p:cNvPr>
+          <p:cNvSpPr/>
+          <p:nvPr/>
+        </p:nvSpPr>
+        <p:spPr>
+          <a:xfrm>
+            <a:off x="2743200" y="2179309"/>
+            <a:ext cx="1219200" cy="467684"/>
+          </a:xfrm>
+          <a:prstGeom prst="rect">
+            <a:avLst/>
+          </a:prstGeom>
+          <a:solidFill>
+            <a:srgbClr val="0070C0"/>
+          </a:solidFill>
+          <a:ln w="19050">
+            <a:solidFill>
+              <a:srgbClr val="0070C0"/>
+            </a:solidFill>
+          </a:ln>
+          <a:effectLst/>
+        </p:spPr>
+        <p:style>
+          <a:lnRef idx="1">
+            <a:schemeClr val="accent2"/>
+          </a:lnRef>
+          <a:fillRef idx="2">
+            <a:schemeClr val="accent2"/>
+          </a:fillRef>
+          <a:effectRef idx="1">
+            <a:schemeClr val="accent2"/>
+          </a:effectRef>
+          <a:fontRef idx="minor">
+            <a:schemeClr val="dk1"/>
+          </a:fontRef>
+        </p:style>
+        <p:txBody>
+          <a:bodyPr rtlCol="0" anchor="ctr"/>
+          <a:lstStyle/>
+          <a:p>
+            <a:pPr algn="ctr"/>
+            <a:r>
+              <a:rPr lang="en-US" sz="1600" dirty="0">
+                <a:solidFill>
+                  <a:schemeClr val="bg1"/>
+                </a:solidFill>
+              </a:rPr>
+              <a:t>:Address</a:t>
+            </a:r>
+          </a:p>
+          <a:p>
+            <a:pPr algn="ctr"/>
+            <a:r>
+              <a:rPr lang="en-US" sz="1600" dirty="0" err="1">
+                <a:solidFill>
+                  <a:schemeClr val="bg1"/>
+                </a:solidFill>
+              </a:rPr>
+              <a:t>BookParser</a:t>
+            </a:r>
+            <a:endParaRPr lang="en-SG" sz="1600" dirty="0">
+              <a:solidFill>
+                <a:schemeClr val="bg1"/>
+              </a:solidFill>
+            </a:endParaRPr>
+          </a:p>
+        </p:txBody>
+      </p:sp>
+      <p:cxnSp>
+        <p:nvCxnSpPr>
+          <p:cNvPr id="8" name="Straight Connector 7">
+            <a:extLst/>
+          </p:cNvPr>
+          <p:cNvCxnSpPr/>
+          <p:nvPr/>
+        </p:nvCxnSpPr>
+        <p:spPr>
+          <a:xfrm>
+            <a:off x="3356599" y="2663904"/>
+            <a:ext cx="0" cy="1695374"/>
+          </a:xfrm>
+          <a:prstGeom prst="line">
+            <a:avLst/>
+          </a:prstGeom>
+          <a:ln w="19050">
+            <a:solidFill>
+              <a:srgbClr val="0070C0"/>
+            </a:solidFill>
+            <a:prstDash val="sysDash"/>
+          </a:ln>
+          <a:effectLst/>
+        </p:spPr>
+        <p:style>
+          <a:lnRef idx="1">
+            <a:schemeClr val="accent1"/>
+          </a:lnRef>
+          <a:fillRef idx="2">
+            <a:schemeClr val="accent1"/>
+          </a:fillRef>
+          <a:effectRef idx="1">
+            <a:schemeClr val="accent1"/>
+          </a:effectRef>
+          <a:fontRef idx="minor">
+            <a:schemeClr val="dk1"/>
+          </a:fontRef>
+        </p:style>
+      </p:cxnSp>
+      <p:sp>
+        <p:nvSpPr>
+          <p:cNvPr id="9" name="Rectangle 8">
+            <a:extLst/>
+          </p:cNvPr>
+          <p:cNvSpPr/>
+          <p:nvPr/>
+        </p:nvSpPr>
+        <p:spPr>
+          <a:xfrm>
+            <a:off x="3284590" y="3122096"/>
+            <a:ext cx="174929" cy="1129459"/>
+          </a:xfrm>
+          <a:prstGeom prst="rect">
+            <a:avLst/>
+          </a:prstGeom>
+          <a:solidFill>
+            <a:srgbClr val="0070C0"/>
+          </a:solidFill>
+          <a:ln>
+            <a:solidFill>
+              <a:srgbClr val="0070C0"/>
+            </a:solidFill>
+          </a:ln>
+          <a:effectLst/>
+        </p:spPr>
+        <p:style>
+          <a:lnRef idx="1">
+            <a:schemeClr val="accent3"/>
+          </a:lnRef>
+          <a:fillRef idx="2">
+            <a:schemeClr val="accent3"/>
+          </a:fillRef>
+          <a:effectRef idx="1">
+            <a:schemeClr val="accent3"/>
+          </a:effectRef>
+          <a:fontRef idx="minor">
+            <a:schemeClr val="dk1"/>
+          </a:fontRef>
+        </p:style>
+        <p:txBody>
+          <a:bodyPr rtlCol="0" anchor="ctr"/>
+          <a:lstStyle/>
+          <a:p>
+            <a:pPr algn="ctr"/>
+            <a:endParaRPr lang="en-SG" sz="1400">
+              <a:solidFill>
+                <a:schemeClr val="dk1"/>
+              </a:solidFill>
+            </a:endParaRPr>
+          </a:p>
+        </p:txBody>
+      </p:sp>
+      <p:cxnSp>
+        <p:nvCxnSpPr>
+          <p:cNvPr id="13" name="Straight Arrow Connector 12">
+            <a:extLst/>
+          </p:cNvPr>
+          <p:cNvCxnSpPr/>
+          <p:nvPr/>
+        </p:nvCxnSpPr>
+        <p:spPr>
+          <a:xfrm>
+            <a:off x="381000" y="3014599"/>
+            <a:ext cx="1119851" cy="0"/>
+          </a:xfrm>
+          <a:prstGeom prst="straightConnector1">
+            <a:avLst/>
+          </a:prstGeom>
+          <a:ln w="19050">
+            <a:solidFill>
+              <a:srgbClr val="00B050"/>
+            </a:solidFill>
+            <a:tailEnd type="arrow"/>
+          </a:ln>
+        </p:spPr>
+        <p:style>
+          <a:lnRef idx="1">
+            <a:schemeClr val="accent1"/>
+          </a:lnRef>
+          <a:fillRef idx="0">
+            <a:schemeClr val="accent1"/>
+          </a:fillRef>
+          <a:effectRef idx="0">
+            <a:schemeClr val="accent1"/>
+          </a:effectRef>
+          <a:fontRef idx="minor">
+            <a:schemeClr val="tx1"/>
+          </a:fontRef>
+        </p:style>
+      </p:cxnSp>
+      <p:cxnSp>
+        <p:nvCxnSpPr>
+          <p:cNvPr id="14" name="Straight Arrow Connector 13">
+            <a:extLst/>
+          </p:cNvPr>
+          <p:cNvCxnSpPr/>
+          <p:nvPr/>
+        </p:nvCxnSpPr>
+        <p:spPr>
+          <a:xfrm flipV="1">
+            <a:off x="1653251" y="3122097"/>
+            <a:ext cx="1596514" cy="1"/>
+          </a:xfrm>
+          <a:prstGeom prst="straightConnector1">
+            <a:avLst/>
+          </a:prstGeom>
+          <a:ln w="19050">
+            <a:solidFill>
+              <a:srgbClr val="0070C0"/>
+            </a:solidFill>
+            <a:tailEnd type="arrow"/>
+          </a:ln>
+        </p:spPr>
+        <p:style>
+          <a:lnRef idx="1">
+            <a:schemeClr val="accent1"/>
+          </a:lnRef>
+          <a:fillRef idx="0">
+            <a:schemeClr val="accent1"/>
+          </a:fillRef>
+          <a:effectRef idx="0">
+            <a:schemeClr val="accent1"/>
+          </a:effectRef>
+          <a:fontRef idx="minor">
+            <a:schemeClr val="tx1"/>
+          </a:fontRef>
+        </p:style>
+      </p:cxnSp>
+      <p:sp>
+        <p:nvSpPr>
+          <p:cNvPr id="15" name="TextBox 14">
+            <a:extLst/>
+          </p:cNvPr>
+          <p:cNvSpPr txBox="1"/>
+          <p:nvPr/>
+        </p:nvSpPr>
+        <p:spPr>
+          <a:xfrm>
+            <a:off x="-417063" y="2743200"/>
+            <a:ext cx="1841909" cy="215444"/>
+          </a:xfrm>
+          <a:prstGeom prst="rect">
+            <a:avLst/>
+          </a:prstGeom>
+          <a:noFill/>
+        </p:spPr>
+        <p:txBody>
+          <a:bodyPr wrap="square" lIns="0" tIns="0" rIns="0" bIns="0" rtlCol="0">
+            <a:spAutoFit/>
+          </a:bodyPr>
+          <a:lstStyle/>
+          <a:p>
+            <a:pPr algn="r"/>
+            <a:r>
+              <a:rPr lang="en-US" sz="1400" dirty="0">
+                <a:solidFill>
+                  <a:srgbClr val="0070C0"/>
+                </a:solidFill>
+              </a:rPr>
+              <a:t>execute(“</a:t>
+            </a:r>
+            <a:r>
+              <a:rPr lang="en-US" sz="1400" dirty="0" err="1">
+                <a:solidFill>
+                  <a:srgbClr val="0070C0"/>
+                </a:solidFill>
+              </a:rPr>
+              <a:t>changetheme</a:t>
+            </a:r>
+            <a:r>
+              <a:rPr lang="en-US" sz="1400" dirty="0">
+                <a:solidFill>
+                  <a:srgbClr val="0070C0"/>
+                </a:solidFill>
+              </a:rPr>
+              <a:t>”)</a:t>
+            </a:r>
+          </a:p>
+        </p:txBody>
+      </p:sp>
+      <p:cxnSp>
+        <p:nvCxnSpPr>
+          <p:cNvPr id="16" name="Straight Arrow Connector 15">
+            <a:extLst/>
+          </p:cNvPr>
+          <p:cNvCxnSpPr>
+            <a:cxnSpLocks/>
+          </p:cNvCxnSpPr>
+          <p:nvPr/>
+        </p:nvCxnSpPr>
+        <p:spPr>
+          <a:xfrm flipV="1">
+            <a:off x="5257218" y="3691354"/>
+            <a:ext cx="1609000" cy="11862"/>
+          </a:xfrm>
+          <a:prstGeom prst="straightConnector1">
+            <a:avLst/>
+          </a:prstGeom>
+          <a:ln w="19050">
+            <a:solidFill>
+              <a:srgbClr val="0070C0"/>
+            </a:solidFill>
+            <a:tailEnd type="arrow"/>
+          </a:ln>
+        </p:spPr>
+        <p:style>
+          <a:lnRef idx="1">
+            <a:schemeClr val="accent1"/>
+          </a:lnRef>
+          <a:fillRef idx="0">
+            <a:schemeClr val="accent1"/>
+          </a:fillRef>
+          <a:effectRef idx="0">
+            <a:schemeClr val="accent1"/>
+          </a:effectRef>
+          <a:fontRef idx="minor">
+            <a:schemeClr val="tx1"/>
+          </a:fontRef>
+        </p:style>
+      </p:cxnSp>
+      <p:sp>
+        <p:nvSpPr>
+          <p:cNvPr id="17" name="TextBox 16">
+            <a:extLst/>
+          </p:cNvPr>
+          <p:cNvSpPr txBox="1"/>
+          <p:nvPr/>
+        </p:nvSpPr>
+        <p:spPr>
+          <a:xfrm>
+            <a:off x="4257582" y="4251556"/>
+            <a:ext cx="855809" cy="215444"/>
+          </a:xfrm>
+          <a:prstGeom prst="rect">
+            <a:avLst/>
+          </a:prstGeom>
+          <a:noFill/>
+        </p:spPr>
+        <p:txBody>
+          <a:bodyPr wrap="square" lIns="0" tIns="0" rIns="0" bIns="0" rtlCol="0">
+            <a:spAutoFit/>
+          </a:bodyPr>
+          <a:lstStyle>
+            <a:defPPr>
+              <a:defRPr lang="en-US"/>
+            </a:defPPr>
+            <a:lvl1pPr algn="r">
+              <a:defRPr sz="1400">
+                <a:solidFill>
+                  <a:srgbClr val="0070C0"/>
+                </a:solidFill>
+              </a:defRPr>
+            </a:lvl1pPr>
+          </a:lstStyle>
+          <a:p>
+            <a:r>
+              <a:rPr lang="en-US" dirty="0"/>
+              <a:t>execute()</a:t>
+            </a:r>
+          </a:p>
+        </p:txBody>
+      </p:sp>
+      <p:cxnSp>
+        <p:nvCxnSpPr>
+          <p:cNvPr id="19" name="Straight Arrow Connector 18">
+            <a:extLst/>
+          </p:cNvPr>
+          <p:cNvCxnSpPr/>
+          <p:nvPr/>
+        </p:nvCxnSpPr>
+        <p:spPr>
+          <a:xfrm flipV="1">
+            <a:off x="1670186" y="4243231"/>
+            <a:ext cx="1596514" cy="5378"/>
+          </a:xfrm>
+          <a:prstGeom prst="straightConnector1">
+            <a:avLst/>
+          </a:prstGeom>
+          <a:ln w="19050">
+            <a:solidFill>
+              <a:srgbClr val="0070C0"/>
+            </a:solidFill>
+            <a:prstDash val="sysDash"/>
+            <a:headEnd type="arrow" w="med" len="med"/>
+            <a:tailEnd type="none" w="med" len="med"/>
+          </a:ln>
+        </p:spPr>
+        <p:style>
+          <a:lnRef idx="1">
+            <a:schemeClr val="accent1"/>
+          </a:lnRef>
+          <a:fillRef idx="0">
+            <a:schemeClr val="accent1"/>
+          </a:fillRef>
+          <a:effectRef idx="0">
+            <a:schemeClr val="accent1"/>
+          </a:effectRef>
+          <a:fontRef idx="minor">
+            <a:schemeClr val="tx1"/>
+          </a:fontRef>
+        </p:style>
+      </p:cxnSp>
+      <p:cxnSp>
+        <p:nvCxnSpPr>
+          <p:cNvPr id="20" name="Straight Arrow Connector 19">
+            <a:extLst/>
+          </p:cNvPr>
+          <p:cNvCxnSpPr/>
+          <p:nvPr/>
+        </p:nvCxnSpPr>
+        <p:spPr>
+          <a:xfrm>
+            <a:off x="291268" y="4452302"/>
+            <a:ext cx="1196051" cy="0"/>
+          </a:xfrm>
+          <a:prstGeom prst="straightConnector1">
+            <a:avLst/>
+          </a:prstGeom>
+          <a:ln w="19050">
+            <a:solidFill>
+              <a:schemeClr val="accent1"/>
+            </a:solidFill>
+            <a:prstDash val="sysDash"/>
+            <a:headEnd type="arrow" w="med" len="med"/>
+            <a:tailEnd type="none" w="med" len="med"/>
+          </a:ln>
+        </p:spPr>
+        <p:style>
+          <a:lnRef idx="1">
+            <a:schemeClr val="accent1"/>
+          </a:lnRef>
+          <a:fillRef idx="0">
+            <a:schemeClr val="accent1"/>
+          </a:fillRef>
+          <a:effectRef idx="0">
+            <a:schemeClr val="accent1"/>
+          </a:effectRef>
+          <a:fontRef idx="minor">
+            <a:schemeClr val="tx1"/>
+          </a:fontRef>
+        </p:style>
+      </p:cxnSp>
+      <p:sp>
+        <p:nvSpPr>
+          <p:cNvPr id="24" name="TextBox 23">
+            <a:extLst/>
+          </p:cNvPr>
+          <p:cNvSpPr txBox="1"/>
+          <p:nvPr/>
+        </p:nvSpPr>
+        <p:spPr>
+          <a:xfrm>
+            <a:off x="3629363" y="3672116"/>
+            <a:ext cx="985221" cy="184666"/>
+          </a:xfrm>
+          <a:prstGeom prst="rect">
+            <a:avLst/>
+          </a:prstGeom>
+          <a:noFill/>
+        </p:spPr>
+        <p:txBody>
+          <a:bodyPr wrap="square" lIns="0" tIns="0" rIns="0" bIns="0" rtlCol="0">
+            <a:spAutoFit/>
+          </a:bodyPr>
+          <a:lstStyle>
+            <a:defPPr>
+              <a:defRPr lang="en-US"/>
+            </a:defPPr>
+            <a:lvl1pPr algn="r">
+              <a:defRPr sz="1400">
+                <a:solidFill>
+                  <a:srgbClr val="0070C0"/>
+                </a:solidFill>
+              </a:defRPr>
+            </a:lvl1pPr>
+          </a:lstStyle>
+          <a:p>
+            <a:endParaRPr lang="en-US" sz="1200" dirty="0"/>
+          </a:p>
+        </p:txBody>
+      </p:sp>
+      <p:sp>
+        <p:nvSpPr>
+          <p:cNvPr id="25" name="TextBox 24">
+            <a:extLst/>
+          </p:cNvPr>
+          <p:cNvSpPr txBox="1"/>
+          <p:nvPr/>
+        </p:nvSpPr>
+        <p:spPr>
+          <a:xfrm>
+            <a:off x="1496855" y="2850922"/>
+            <a:ext cx="1670973" cy="215444"/>
+          </a:xfrm>
+          <a:prstGeom prst="rect">
+            <a:avLst/>
+          </a:prstGeom>
+          <a:noFill/>
+        </p:spPr>
+        <p:txBody>
+          <a:bodyPr wrap="square" lIns="0" tIns="0" rIns="0" bIns="0" rtlCol="0">
+            <a:spAutoFit/>
+          </a:bodyPr>
+          <a:lstStyle>
+            <a:defPPr>
+              <a:defRPr lang="en-US"/>
+            </a:defPPr>
+            <a:lvl1pPr algn="r">
+              <a:defRPr sz="1400">
+                <a:solidFill>
+                  <a:srgbClr val="0070C0"/>
+                </a:solidFill>
+              </a:defRPr>
+            </a:lvl1pPr>
+          </a:lstStyle>
+          <a:p>
+            <a:r>
+              <a:rPr lang="en-US" dirty="0"/>
+              <a:t>parse()</a:t>
+            </a:r>
+          </a:p>
+        </p:txBody>
+      </p:sp>
+      <p:sp>
+        <p:nvSpPr>
+          <p:cNvPr id="27" name="TextBox 26">
+            <a:extLst/>
+          </p:cNvPr>
+          <p:cNvSpPr txBox="1"/>
+          <p:nvPr/>
+        </p:nvSpPr>
+        <p:spPr>
+          <a:xfrm>
+            <a:off x="586451" y="4199590"/>
+            <a:ext cx="762000" cy="215444"/>
+          </a:xfrm>
+          <a:prstGeom prst="rect">
+            <a:avLst/>
+          </a:prstGeom>
+          <a:noFill/>
+        </p:spPr>
+        <p:txBody>
+          <a:bodyPr wrap="square" lIns="0" tIns="0" rIns="0" bIns="0" rtlCol="0">
+            <a:spAutoFit/>
+          </a:bodyPr>
+          <a:lstStyle>
+            <a:defPPr>
+              <a:defRPr lang="en-US"/>
+            </a:defPPr>
+            <a:lvl1pPr algn="r">
+              <a:defRPr sz="1400">
+                <a:solidFill>
+                  <a:srgbClr val="0070C0"/>
+                </a:solidFill>
+              </a:defRPr>
+            </a:lvl1pPr>
+          </a:lstStyle>
+          <a:p>
+            <a:r>
+              <a:rPr lang="en-US" dirty="0"/>
+              <a:t>return</a:t>
+            </a:r>
+          </a:p>
+        </p:txBody>
+      </p:sp>
+      <p:sp>
+        <p:nvSpPr>
+          <p:cNvPr id="31" name="Rectangle 62">
+            <a:extLst/>
+          </p:cNvPr>
+          <p:cNvSpPr/>
+          <p:nvPr/>
+        </p:nvSpPr>
+        <p:spPr>
+          <a:xfrm>
+            <a:off x="4231981" y="2929839"/>
+            <a:ext cx="1778201" cy="432035"/>
+          </a:xfrm>
+          <a:prstGeom prst="rect">
+            <a:avLst/>
+          </a:prstGeom>
+          <a:solidFill>
+            <a:srgbClr val="0070C0"/>
+          </a:solidFill>
+          <a:ln w="19050">
+            <a:solidFill>
+              <a:srgbClr val="0070C0"/>
+            </a:solidFill>
+          </a:ln>
+          <a:effectLst/>
+        </p:spPr>
+        <p:style>
+          <a:lnRef idx="1">
+            <a:schemeClr val="accent2"/>
+          </a:lnRef>
+          <a:fillRef idx="2">
+            <a:schemeClr val="accent2"/>
+          </a:fillRef>
+          <a:effectRef idx="1">
+            <a:schemeClr val="accent2"/>
+          </a:effectRef>
+          <a:fontRef idx="minor">
+            <a:schemeClr val="dk1"/>
+          </a:fontRef>
+        </p:style>
+        <p:txBody>
+          <a:bodyPr rtlCol="0" anchor="ctr"/>
+          <a:lstStyle/>
+          <a:p>
+            <a:pPr algn="ctr"/>
+            <a:r>
+              <a:rPr lang="en-US" sz="1600" dirty="0">
+                <a:solidFill>
+                  <a:schemeClr val="bg1"/>
+                </a:solidFill>
+              </a:rPr>
+              <a:t>d:ThemeCommand</a:t>
+            </a:r>
+          </a:p>
+        </p:txBody>
+      </p:sp>
+      <p:cxnSp>
+        <p:nvCxnSpPr>
+          <p:cNvPr id="32" name="Straight Arrow Connector 31">
+            <a:extLst/>
+          </p:cNvPr>
+          <p:cNvCxnSpPr/>
+          <p:nvPr/>
+        </p:nvCxnSpPr>
+        <p:spPr>
+          <a:xfrm>
+            <a:off x="3462591" y="3657600"/>
+            <a:ext cx="1597356" cy="1"/>
+          </a:xfrm>
+          <a:prstGeom prst="straightConnector1">
+            <a:avLst/>
+          </a:prstGeom>
+          <a:ln w="19050">
+            <a:headEnd type="none" w="med" len="med"/>
+            <a:tailEnd type="arrow" w="med" len="med"/>
+          </a:ln>
+        </p:spPr>
+        <p:style>
+          <a:lnRef idx="1">
+            <a:schemeClr val="accent1"/>
+          </a:lnRef>
+          <a:fillRef idx="0">
+            <a:schemeClr val="accent1"/>
+          </a:fillRef>
+          <a:effectRef idx="0">
+            <a:schemeClr val="accent1"/>
+          </a:effectRef>
+          <a:fontRef idx="minor">
+            <a:schemeClr val="tx1"/>
+          </a:fontRef>
+        </p:style>
+      </p:cxnSp>
+      <p:sp>
+        <p:nvSpPr>
+          <p:cNvPr id="33" name="Rectangle 32">
+            <a:extLst/>
+          </p:cNvPr>
+          <p:cNvSpPr/>
+          <p:nvPr/>
+        </p:nvSpPr>
+        <p:spPr>
+          <a:xfrm>
+            <a:off x="5059947" y="3352800"/>
+            <a:ext cx="205843" cy="123165"/>
+          </a:xfrm>
+          <a:prstGeom prst="rect">
+            <a:avLst/>
+          </a:prstGeom>
+          <a:solidFill>
+            <a:srgbClr val="0070C0"/>
+          </a:solidFill>
+          <a:ln>
+            <a:solidFill>
+              <a:srgbClr val="0070C0"/>
+            </a:solidFill>
+          </a:ln>
+          <a:effectLst/>
+        </p:spPr>
+        <p:style>
+          <a:lnRef idx="1">
+            <a:schemeClr val="accent3"/>
+          </a:lnRef>
+          <a:fillRef idx="2">
+            <a:schemeClr val="accent3"/>
+          </a:fillRef>
+          <a:effectRef idx="1">
+            <a:schemeClr val="accent3"/>
+          </a:effectRef>
+          <a:fontRef idx="minor">
+            <a:schemeClr val="dk1"/>
+          </a:fontRef>
+        </p:style>
+        <p:txBody>
+          <a:bodyPr rtlCol="0" anchor="ctr"/>
+          <a:lstStyle/>
+          <a:p>
+            <a:pPr algn="ctr"/>
+            <a:endParaRPr lang="en-SG" sz="1400"/>
+          </a:p>
+        </p:txBody>
+      </p:sp>
+      <p:cxnSp>
+        <p:nvCxnSpPr>
+          <p:cNvPr id="34" name="Straight Connector 33">
+            <a:extLst/>
+          </p:cNvPr>
+          <p:cNvCxnSpPr>
+            <a:stCxn id="33" idx="0"/>
+          </p:cNvCxnSpPr>
+          <p:nvPr/>
+        </p:nvCxnSpPr>
+        <p:spPr>
+          <a:xfrm>
+            <a:off x="5162869" y="3352800"/>
+            <a:ext cx="0" cy="990600"/>
+          </a:xfrm>
+          <a:prstGeom prst="line">
+            <a:avLst/>
+          </a:prstGeom>
+          <a:ln w="19050">
+            <a:solidFill>
+              <a:srgbClr val="0070C0"/>
+            </a:solidFill>
+            <a:prstDash val="sysDash"/>
+          </a:ln>
+          <a:effectLst/>
+        </p:spPr>
+        <p:style>
+          <a:lnRef idx="1">
+            <a:schemeClr val="accent1"/>
+          </a:lnRef>
+          <a:fillRef idx="2">
+            <a:schemeClr val="accent1"/>
+          </a:fillRef>
+          <a:effectRef idx="1">
+            <a:schemeClr val="accent1"/>
+          </a:effectRef>
+          <a:fontRef idx="minor">
+            <a:schemeClr val="dk1"/>
+          </a:fontRef>
+        </p:style>
+      </p:cxnSp>
+      <p:sp>
+        <p:nvSpPr>
+          <p:cNvPr id="35" name="Rectangle 34">
+            <a:extLst/>
+          </p:cNvPr>
+          <p:cNvSpPr/>
+          <p:nvPr/>
+        </p:nvSpPr>
+        <p:spPr>
+          <a:xfrm>
+            <a:off x="5059947" y="3657601"/>
+            <a:ext cx="205843" cy="533400"/>
+          </a:xfrm>
+          <a:prstGeom prst="rect">
+            <a:avLst/>
+          </a:prstGeom>
+          <a:solidFill>
+            <a:srgbClr val="0070C0"/>
+          </a:solidFill>
+          <a:ln>
+            <a:solidFill>
+              <a:srgbClr val="0070C0"/>
+            </a:solidFill>
+          </a:ln>
+          <a:effectLst/>
+        </p:spPr>
+        <p:style>
+          <a:lnRef idx="1">
+            <a:schemeClr val="accent3"/>
+          </a:lnRef>
+          <a:fillRef idx="2">
+            <a:schemeClr val="accent3"/>
+          </a:fillRef>
+          <a:effectRef idx="1">
+            <a:schemeClr val="accent3"/>
+          </a:effectRef>
+          <a:fontRef idx="minor">
+            <a:schemeClr val="dk1"/>
+          </a:fontRef>
+        </p:style>
+        <p:txBody>
+          <a:bodyPr rtlCol="0" anchor="ctr"/>
+          <a:lstStyle/>
+          <a:p>
+            <a:pPr algn="ctr"/>
+            <a:endParaRPr lang="en-SG" sz="1400"/>
+          </a:p>
+        </p:txBody>
+      </p:sp>
+      <p:cxnSp>
+        <p:nvCxnSpPr>
+          <p:cNvPr id="36" name="Straight Arrow Connector 35">
+            <a:extLst/>
+          </p:cNvPr>
+          <p:cNvCxnSpPr/>
+          <p:nvPr/>
+        </p:nvCxnSpPr>
+        <p:spPr>
+          <a:xfrm>
+            <a:off x="3499382" y="4185073"/>
+            <a:ext cx="1667219" cy="0"/>
+          </a:xfrm>
+          <a:prstGeom prst="straightConnector1">
+            <a:avLst/>
+          </a:prstGeom>
+          <a:ln w="19050">
+            <a:solidFill>
+              <a:srgbClr val="0070C0"/>
+            </a:solidFill>
+            <a:prstDash val="sysDash"/>
+            <a:headEnd type="arrow" w="med" len="med"/>
+            <a:tailEnd type="none" w="med" len="med"/>
+          </a:ln>
+        </p:spPr>
+        <p:style>
+          <a:lnRef idx="1">
+            <a:schemeClr val="accent1"/>
+          </a:lnRef>
+          <a:fillRef idx="0">
+            <a:schemeClr val="accent1"/>
+          </a:fillRef>
+          <a:effectRef idx="0">
+            <a:schemeClr val="accent1"/>
+          </a:effectRef>
+          <a:fontRef idx="minor">
+            <a:schemeClr val="tx1"/>
+          </a:fontRef>
+        </p:style>
+      </p:cxnSp>
+      <p:cxnSp>
+        <p:nvCxnSpPr>
+          <p:cNvPr id="38" name="Straight Arrow Connector 37">
+            <a:extLst/>
+          </p:cNvPr>
+          <p:cNvCxnSpPr/>
+          <p:nvPr/>
+        </p:nvCxnSpPr>
+        <p:spPr>
+          <a:xfrm>
+            <a:off x="3412425" y="3173004"/>
+            <a:ext cx="819556" cy="1"/>
+          </a:xfrm>
+          <a:prstGeom prst="straightConnector1">
+            <a:avLst/>
+          </a:prstGeom>
+          <a:ln w="19050">
+            <a:solidFill>
+              <a:srgbClr val="0070C0"/>
+            </a:solidFill>
+            <a:tailEnd type="arrow"/>
+          </a:ln>
+        </p:spPr>
+        <p:style>
+          <a:lnRef idx="1">
+            <a:schemeClr val="accent1"/>
+          </a:lnRef>
+          <a:fillRef idx="0">
+            <a:schemeClr val="accent1"/>
+          </a:fillRef>
+          <a:effectRef idx="0">
+            <a:schemeClr val="accent1"/>
+          </a:effectRef>
+          <a:fontRef idx="minor">
+            <a:schemeClr val="tx1"/>
+          </a:fontRef>
+        </p:style>
+      </p:cxnSp>
+      <p:cxnSp>
+        <p:nvCxnSpPr>
+          <p:cNvPr id="39" name="Straight Arrow Connector 38">
+            <a:extLst/>
+          </p:cNvPr>
+          <p:cNvCxnSpPr/>
+          <p:nvPr/>
+        </p:nvCxnSpPr>
+        <p:spPr>
+          <a:xfrm>
+            <a:off x="3459519" y="3475965"/>
+            <a:ext cx="1600428" cy="0"/>
+          </a:xfrm>
+          <a:prstGeom prst="straightConnector1">
+            <a:avLst/>
+          </a:prstGeom>
+          <a:ln w="19050">
+            <a:solidFill>
+              <a:srgbClr val="0070C0"/>
+            </a:solidFill>
+            <a:prstDash val="sysDash"/>
+            <a:headEnd type="arrow" w="med" len="med"/>
+            <a:tailEnd type="none" w="med" len="med"/>
+          </a:ln>
+        </p:spPr>
+        <p:style>
+          <a:lnRef idx="1">
+            <a:schemeClr val="accent1"/>
+          </a:lnRef>
+          <a:fillRef idx="0">
+            <a:schemeClr val="accent1"/>
+          </a:fillRef>
+          <a:effectRef idx="0">
+            <a:schemeClr val="accent1"/>
+          </a:effectRef>
+          <a:fontRef idx="minor">
+            <a:schemeClr val="tx1"/>
+          </a:fontRef>
+        </p:style>
+      </p:cxnSp>
+      <p:sp>
+        <p:nvSpPr>
+          <p:cNvPr id="40" name="TextBox 39">
+            <a:extLst/>
+          </p:cNvPr>
+          <p:cNvSpPr txBox="1"/>
+          <p:nvPr/>
+        </p:nvSpPr>
+        <p:spPr>
+          <a:xfrm>
+            <a:off x="5033665" y="4199590"/>
+            <a:ext cx="258404" cy="261610"/>
+          </a:xfrm>
+          <a:prstGeom prst="rect">
+            <a:avLst/>
+          </a:prstGeom>
+          <a:noFill/>
+        </p:spPr>
+        <p:txBody>
+          <a:bodyPr wrap="none" rtlCol="0">
+            <a:spAutoFit/>
+          </a:bodyPr>
+          <a:lstStyle/>
+          <a:p>
+            <a:r>
+              <a:rPr lang="en-SG" sz="1100" dirty="0">
+                <a:solidFill>
+                  <a:srgbClr val="002060"/>
+                </a:solidFill>
+              </a:rPr>
+              <a:t>X</a:t>
+            </a:r>
+          </a:p>
+        </p:txBody>
+      </p:sp>
+      <p:sp>
+        <p:nvSpPr>
+          <p:cNvPr id="41" name="TextBox 40">
+            <a:extLst/>
+          </p:cNvPr>
+          <p:cNvSpPr txBox="1"/>
+          <p:nvPr/>
+        </p:nvSpPr>
+        <p:spPr>
+          <a:xfrm>
+            <a:off x="4240523" y="3483698"/>
+            <a:ext cx="2683263" cy="169277"/>
+          </a:xfrm>
+          <a:prstGeom prst="rect">
+            <a:avLst/>
+          </a:prstGeom>
+          <a:noFill/>
+        </p:spPr>
+        <p:txBody>
+          <a:bodyPr wrap="square" lIns="0" tIns="0" rIns="0" bIns="0" rtlCol="0">
+            <a:spAutoFit/>
+          </a:bodyPr>
+          <a:lstStyle>
+            <a:defPPr>
+              <a:defRPr lang="en-US"/>
+            </a:defPPr>
+            <a:lvl1pPr algn="r">
+              <a:defRPr sz="1400">
+                <a:solidFill>
+                  <a:srgbClr val="0070C0"/>
+                </a:solidFill>
+              </a:defRPr>
+            </a:lvl1pPr>
+          </a:lstStyle>
+          <a:p>
+            <a:r>
+              <a:rPr lang="en-US" sz="1100" dirty="0" err="1"/>
+              <a:t>ChangeThemeRequestEvent</a:t>
+            </a:r>
+            <a:r>
+              <a:rPr lang="en-US" sz="1100" dirty="0"/>
+              <a:t>()</a:t>
+            </a:r>
+          </a:p>
+        </p:txBody>
+      </p:sp>
+      <p:sp>
+        <p:nvSpPr>
+          <p:cNvPr id="69" name="Rectangle 62"/>
+          <p:cNvSpPr/>
+          <p:nvPr/>
+        </p:nvSpPr>
+        <p:spPr>
+          <a:xfrm>
+            <a:off x="6518917" y="2119004"/>
+            <a:ext cx="1030504" cy="346760"/>
+          </a:xfrm>
+          <a:prstGeom prst="rect">
+            <a:avLst/>
+          </a:prstGeom>
+          <a:solidFill>
+            <a:schemeClr val="accent2">
+              <a:lumMod val="60000"/>
+              <a:lumOff val="40000"/>
+            </a:schemeClr>
+          </a:solidFill>
+          <a:ln w="19050">
+            <a:solidFill>
+              <a:schemeClr val="accent2">
+                <a:lumMod val="60000"/>
+                <a:lumOff val="40000"/>
+              </a:schemeClr>
+            </a:solidFill>
+          </a:ln>
+          <a:effectLst/>
+        </p:spPr>
+        <p:style>
+          <a:lnRef idx="1">
+            <a:schemeClr val="accent2"/>
+          </a:lnRef>
+          <a:fillRef idx="2">
+            <a:schemeClr val="accent2"/>
+          </a:fillRef>
+          <a:effectRef idx="1">
+            <a:schemeClr val="accent2"/>
+          </a:effectRef>
+          <a:fontRef idx="minor">
+            <a:schemeClr val="dk1"/>
+          </a:fontRef>
+        </p:style>
+        <p:txBody>
+          <a:bodyPr rtlCol="0" anchor="ctr"/>
+          <a:lstStyle/>
+          <a:p>
+            <a:pPr algn="ctr"/>
+            <a:r>
+              <a:rPr lang="en-US" sz="1600" dirty="0">
+                <a:solidFill>
+                  <a:schemeClr val="bg1"/>
+                </a:solidFill>
+              </a:rPr>
+              <a:t>:</a:t>
+            </a:r>
+            <a:r>
+              <a:rPr lang="en-US" sz="1600" dirty="0" err="1">
+                <a:solidFill>
+                  <a:schemeClr val="bg1"/>
+                </a:solidFill>
+              </a:rPr>
+              <a:t>MainApp</a:t>
+            </a:r>
+            <a:endParaRPr lang="en-SG" sz="1600" dirty="0">
+              <a:solidFill>
+                <a:schemeClr val="bg1"/>
+              </a:solidFill>
+            </a:endParaRPr>
+          </a:p>
+        </p:txBody>
+      </p:sp>
+      <p:sp>
+        <p:nvSpPr>
+          <p:cNvPr id="71" name="Rectangle 70"/>
+          <p:cNvSpPr/>
+          <p:nvPr/>
+        </p:nvSpPr>
+        <p:spPr>
+          <a:xfrm>
+            <a:off x="6866215" y="3669852"/>
+            <a:ext cx="194844" cy="1664148"/>
+          </a:xfrm>
+          <a:prstGeom prst="rect">
+            <a:avLst/>
+          </a:prstGeom>
+          <a:solidFill>
+            <a:schemeClr val="accent4">
+              <a:lumMod val="60000"/>
+              <a:lumOff val="40000"/>
+            </a:schemeClr>
+          </a:solidFill>
+          <a:ln>
+            <a:solidFill>
+              <a:schemeClr val="accent4">
+                <a:lumMod val="60000"/>
+                <a:lumOff val="40000"/>
+              </a:schemeClr>
+            </a:solidFill>
+          </a:ln>
+          <a:effectLst/>
+        </p:spPr>
+        <p:style>
+          <a:lnRef idx="1">
+            <a:schemeClr val="accent3"/>
+          </a:lnRef>
+          <a:fillRef idx="2">
+            <a:schemeClr val="accent3"/>
+          </a:fillRef>
+          <a:effectRef idx="1">
+            <a:schemeClr val="accent3"/>
+          </a:effectRef>
+          <a:fontRef idx="minor">
+            <a:schemeClr val="dk1"/>
+          </a:fontRef>
+        </p:style>
+        <p:txBody>
+          <a:bodyPr rtlCol="0" anchor="ctr"/>
+          <a:lstStyle/>
+          <a:p>
+            <a:pPr algn="ctr"/>
+            <a:endParaRPr lang="en-SG" sz="1400">
+              <a:solidFill>
+                <a:schemeClr val="dk1"/>
+              </a:solidFill>
+            </a:endParaRPr>
+          </a:p>
+        </p:txBody>
+      </p:sp>
+      <p:cxnSp>
+        <p:nvCxnSpPr>
+          <p:cNvPr id="76" name="Straight Connector 75"/>
+          <p:cNvCxnSpPr>
+            <a:cxnSpLocks/>
+          </p:cNvCxnSpPr>
+          <p:nvPr/>
+        </p:nvCxnSpPr>
+        <p:spPr>
+          <a:xfrm>
+            <a:off x="6934200" y="2480263"/>
+            <a:ext cx="0" cy="3218892"/>
+          </a:xfrm>
+          <a:prstGeom prst="line">
+            <a:avLst/>
+          </a:prstGeom>
+          <a:ln w="19050">
+            <a:solidFill>
+              <a:schemeClr val="accent4">
+                <a:lumMod val="60000"/>
+                <a:lumOff val="40000"/>
+              </a:schemeClr>
+            </a:solidFill>
+            <a:prstDash val="sysDash"/>
+          </a:ln>
+          <a:effectLst/>
+        </p:spPr>
+        <p:style>
+          <a:lnRef idx="1">
+            <a:schemeClr val="accent1"/>
+          </a:lnRef>
+          <a:fillRef idx="2">
+            <a:schemeClr val="accent1"/>
+          </a:fillRef>
+          <a:effectRef idx="1">
+            <a:schemeClr val="accent1"/>
+          </a:effectRef>
+          <a:fontRef idx="minor">
+            <a:schemeClr val="dk1"/>
+          </a:fontRef>
+        </p:style>
+      </p:cxnSp>
+      <p:sp>
+        <p:nvSpPr>
+          <p:cNvPr id="78" name="Rectangle 62"/>
+          <p:cNvSpPr/>
+          <p:nvPr/>
+        </p:nvSpPr>
+        <p:spPr>
+          <a:xfrm>
+            <a:off x="7078382" y="2569820"/>
+            <a:ext cx="1193022" cy="346760"/>
+          </a:xfrm>
+          <a:prstGeom prst="rect">
+            <a:avLst/>
+          </a:prstGeom>
+          <a:solidFill>
+            <a:schemeClr val="accent3">
+              <a:lumMod val="60000"/>
+              <a:lumOff val="40000"/>
+            </a:schemeClr>
+          </a:solidFill>
+          <a:ln w="19050">
+            <a:solidFill>
+              <a:schemeClr val="accent3">
+                <a:lumMod val="60000"/>
+                <a:lumOff val="40000"/>
+              </a:schemeClr>
+            </a:solidFill>
+          </a:ln>
+          <a:effectLst/>
+        </p:spPr>
+        <p:style>
+          <a:lnRef idx="1">
+            <a:schemeClr val="accent2"/>
+          </a:lnRef>
+          <a:fillRef idx="2">
+            <a:schemeClr val="accent2"/>
+          </a:fillRef>
+          <a:effectRef idx="1">
+            <a:schemeClr val="accent2"/>
+          </a:effectRef>
+          <a:fontRef idx="minor">
+            <a:schemeClr val="dk1"/>
+          </a:fontRef>
+        </p:style>
+        <p:txBody>
+          <a:bodyPr rtlCol="0" anchor="ctr"/>
+          <a:lstStyle/>
+          <a:p>
+            <a:pPr algn="ctr"/>
+            <a:r>
+              <a:rPr lang="en-US" sz="1600" dirty="0">
+                <a:solidFill>
+                  <a:schemeClr val="bg1"/>
+                </a:solidFill>
+              </a:rPr>
+              <a:t>:</a:t>
+            </a:r>
+            <a:r>
+              <a:rPr lang="en-US" sz="1600" dirty="0" err="1">
+                <a:solidFill>
+                  <a:schemeClr val="bg1"/>
+                </a:solidFill>
+              </a:rPr>
+              <a:t>UiManager</a:t>
+            </a:r>
+            <a:endParaRPr lang="en-SG" sz="1600" dirty="0">
+              <a:solidFill>
+                <a:schemeClr val="bg1"/>
+              </a:solidFill>
+            </a:endParaRPr>
+          </a:p>
+        </p:txBody>
+      </p:sp>
+      <p:sp>
+        <p:nvSpPr>
+          <p:cNvPr id="79" name="Rectangle 78"/>
+          <p:cNvSpPr/>
+          <p:nvPr/>
+        </p:nvSpPr>
+        <p:spPr>
+          <a:xfrm>
+            <a:off x="7588198" y="3828745"/>
+            <a:ext cx="194844" cy="1429055"/>
+          </a:xfrm>
+          <a:prstGeom prst="rect">
+            <a:avLst/>
+          </a:prstGeom>
+          <a:solidFill>
+            <a:schemeClr val="accent3">
+              <a:lumMod val="60000"/>
+              <a:lumOff val="40000"/>
+            </a:schemeClr>
+          </a:solidFill>
+          <a:ln>
+            <a:solidFill>
+              <a:schemeClr val="accent3">
+                <a:lumMod val="60000"/>
+                <a:lumOff val="40000"/>
+              </a:schemeClr>
+            </a:solidFill>
+          </a:ln>
+          <a:effectLst/>
+        </p:spPr>
+        <p:style>
+          <a:lnRef idx="1">
+            <a:schemeClr val="accent3"/>
+          </a:lnRef>
+          <a:fillRef idx="2">
+            <a:schemeClr val="accent3"/>
+          </a:fillRef>
+          <a:effectRef idx="1">
+            <a:schemeClr val="accent3"/>
+          </a:effectRef>
+          <a:fontRef idx="minor">
+            <a:schemeClr val="dk1"/>
+          </a:fontRef>
+        </p:style>
+        <p:txBody>
+          <a:bodyPr rtlCol="0" anchor="ctr"/>
+          <a:lstStyle/>
+          <a:p>
+            <a:pPr algn="ctr"/>
+            <a:endParaRPr lang="en-SG" sz="1400">
+              <a:solidFill>
+                <a:schemeClr val="dk1"/>
+              </a:solidFill>
+            </a:endParaRPr>
+          </a:p>
+        </p:txBody>
+      </p:sp>
+      <p:cxnSp>
+        <p:nvCxnSpPr>
+          <p:cNvPr id="80" name="Straight Connector 79"/>
+          <p:cNvCxnSpPr>
+            <a:cxnSpLocks/>
+          </p:cNvCxnSpPr>
+          <p:nvPr/>
+        </p:nvCxnSpPr>
+        <p:spPr>
+          <a:xfrm>
+            <a:off x="7656184" y="2931079"/>
+            <a:ext cx="29436" cy="2768076"/>
+          </a:xfrm>
+          <a:prstGeom prst="line">
+            <a:avLst/>
+          </a:prstGeom>
+          <a:ln w="19050">
+            <a:solidFill>
+              <a:schemeClr val="accent3">
+                <a:lumMod val="60000"/>
+                <a:lumOff val="40000"/>
+              </a:schemeClr>
+            </a:solidFill>
+            <a:prstDash val="sysDash"/>
+          </a:ln>
+          <a:effectLst/>
+        </p:spPr>
+        <p:style>
+          <a:lnRef idx="1">
+            <a:schemeClr val="accent1"/>
+          </a:lnRef>
+          <a:fillRef idx="2">
+            <a:schemeClr val="accent1"/>
+          </a:fillRef>
+          <a:effectRef idx="1">
+            <a:schemeClr val="accent1"/>
+          </a:effectRef>
+          <a:fontRef idx="minor">
+            <a:schemeClr val="dk1"/>
+          </a:fontRef>
+        </p:style>
+      </p:cxnSp>
+      <p:cxnSp>
+        <p:nvCxnSpPr>
+          <p:cNvPr id="81" name="Straight Arrow Connector 80">
+            <a:extLst/>
+          </p:cNvPr>
+          <p:cNvCxnSpPr>
+            <a:cxnSpLocks/>
+          </p:cNvCxnSpPr>
+          <p:nvPr/>
+        </p:nvCxnSpPr>
+        <p:spPr>
+          <a:xfrm>
+            <a:off x="7034169" y="3924300"/>
+            <a:ext cx="554029" cy="0"/>
+          </a:xfrm>
+          <a:prstGeom prst="straightConnector1">
+            <a:avLst/>
+          </a:prstGeom>
+          <a:ln w="19050">
+            <a:solidFill>
+              <a:schemeClr val="accent2">
+                <a:lumMod val="60000"/>
+                <a:lumOff val="40000"/>
+              </a:schemeClr>
+            </a:solidFill>
+            <a:tailEnd type="arrow"/>
+          </a:ln>
+        </p:spPr>
+        <p:style>
+          <a:lnRef idx="1">
+            <a:schemeClr val="accent1"/>
+          </a:lnRef>
+          <a:fillRef idx="0">
+            <a:schemeClr val="accent1"/>
+          </a:fillRef>
+          <a:effectRef idx="0">
+            <a:schemeClr val="accent1"/>
+          </a:effectRef>
+          <a:fontRef idx="minor">
+            <a:schemeClr val="tx1"/>
+          </a:fontRef>
+        </p:style>
+      </p:cxnSp>
+      <p:sp>
+        <p:nvSpPr>
+          <p:cNvPr id="88" name="Rectangle 62"/>
+          <p:cNvSpPr/>
+          <p:nvPr/>
+        </p:nvSpPr>
+        <p:spPr>
+          <a:xfrm>
+            <a:off x="7943370" y="3070337"/>
+            <a:ext cx="1397199" cy="346760"/>
+          </a:xfrm>
+          <a:prstGeom prst="rect">
+            <a:avLst/>
+          </a:prstGeom>
+          <a:solidFill>
+            <a:schemeClr val="accent3">
+              <a:lumMod val="60000"/>
+              <a:lumOff val="40000"/>
+            </a:schemeClr>
+          </a:solidFill>
+          <a:ln w="19050">
+            <a:solidFill>
+              <a:schemeClr val="accent3">
+                <a:lumMod val="60000"/>
+                <a:lumOff val="40000"/>
+              </a:schemeClr>
+            </a:solidFill>
+          </a:ln>
+          <a:effectLst/>
+        </p:spPr>
+        <p:style>
+          <a:lnRef idx="1">
+            <a:schemeClr val="accent2"/>
+          </a:lnRef>
+          <a:fillRef idx="2">
+            <a:schemeClr val="accent2"/>
+          </a:fillRef>
+          <a:effectRef idx="1">
+            <a:schemeClr val="accent2"/>
+          </a:effectRef>
+          <a:fontRef idx="minor">
+            <a:schemeClr val="dk1"/>
+          </a:fontRef>
+        </p:style>
+        <p:txBody>
+          <a:bodyPr rtlCol="0" anchor="ctr"/>
+          <a:lstStyle/>
+          <a:p>
+            <a:pPr algn="ctr"/>
+            <a:r>
+              <a:rPr lang="en-US" sz="1600" dirty="0">
+                <a:solidFill>
+                  <a:schemeClr val="bg1"/>
+                </a:solidFill>
+              </a:rPr>
+              <a:t>:</a:t>
+            </a:r>
+            <a:r>
+              <a:rPr lang="en-US" sz="1600" dirty="0" err="1">
+                <a:solidFill>
+                  <a:schemeClr val="bg1"/>
+                </a:solidFill>
+              </a:rPr>
+              <a:t>MainWindow</a:t>
+            </a:r>
+            <a:endParaRPr lang="en-SG" sz="1600" dirty="0">
+              <a:solidFill>
+                <a:schemeClr val="bg1"/>
+              </a:solidFill>
+            </a:endParaRPr>
+          </a:p>
+        </p:txBody>
+      </p:sp>
+      <p:sp>
+        <p:nvSpPr>
+          <p:cNvPr id="89" name="Rectangle 88"/>
+          <p:cNvSpPr/>
+          <p:nvPr/>
+        </p:nvSpPr>
+        <p:spPr>
+          <a:xfrm>
+            <a:off x="8432731" y="3959008"/>
+            <a:ext cx="194844" cy="819455"/>
+          </a:xfrm>
+          <a:prstGeom prst="rect">
+            <a:avLst/>
+          </a:prstGeom>
+          <a:solidFill>
+            <a:schemeClr val="accent3">
+              <a:lumMod val="60000"/>
+              <a:lumOff val="40000"/>
+            </a:schemeClr>
+          </a:solidFill>
+          <a:ln>
+            <a:solidFill>
+              <a:schemeClr val="accent3">
+                <a:lumMod val="60000"/>
+                <a:lumOff val="40000"/>
+              </a:schemeClr>
+            </a:solidFill>
+          </a:ln>
+          <a:effectLst/>
+        </p:spPr>
+        <p:style>
+          <a:lnRef idx="1">
+            <a:schemeClr val="accent3"/>
+          </a:lnRef>
+          <a:fillRef idx="2">
+            <a:schemeClr val="accent3"/>
+          </a:fillRef>
+          <a:effectRef idx="1">
+            <a:schemeClr val="accent3"/>
+          </a:effectRef>
+          <a:fontRef idx="minor">
+            <a:schemeClr val="dk1"/>
+          </a:fontRef>
+        </p:style>
+        <p:txBody>
+          <a:bodyPr rtlCol="0" anchor="ctr"/>
+          <a:lstStyle/>
+          <a:p>
+            <a:pPr algn="ctr"/>
+            <a:endParaRPr lang="en-SG" sz="1400">
+              <a:solidFill>
+                <a:schemeClr val="dk1"/>
+              </a:solidFill>
+            </a:endParaRPr>
+          </a:p>
+        </p:txBody>
+      </p:sp>
+      <p:cxnSp>
+        <p:nvCxnSpPr>
+          <p:cNvPr id="90" name="Straight Connector 89"/>
+          <p:cNvCxnSpPr>
+            <a:cxnSpLocks/>
+          </p:cNvCxnSpPr>
+          <p:nvPr/>
+        </p:nvCxnSpPr>
+        <p:spPr>
+          <a:xfrm flipH="1">
+            <a:off x="8534400" y="3387833"/>
+            <a:ext cx="5482" cy="2311322"/>
+          </a:xfrm>
+          <a:prstGeom prst="line">
+            <a:avLst/>
+          </a:prstGeom>
+          <a:ln w="19050">
+            <a:solidFill>
+              <a:schemeClr val="accent3">
+                <a:lumMod val="60000"/>
+                <a:lumOff val="40000"/>
+              </a:schemeClr>
+            </a:solidFill>
+            <a:prstDash val="sysDash"/>
+          </a:ln>
+          <a:effectLst/>
+        </p:spPr>
+        <p:style>
+          <a:lnRef idx="1">
+            <a:schemeClr val="accent1"/>
+          </a:lnRef>
+          <a:fillRef idx="2">
+            <a:schemeClr val="accent1"/>
+          </a:fillRef>
+          <a:effectRef idx="1">
+            <a:schemeClr val="accent1"/>
+          </a:effectRef>
+          <a:fontRef idx="minor">
+            <a:schemeClr val="dk1"/>
+          </a:fontRef>
+        </p:style>
+      </p:cxnSp>
+      <p:cxnSp>
+        <p:nvCxnSpPr>
+          <p:cNvPr id="97" name="Straight Arrow Connector 96">
+            <a:extLst/>
+          </p:cNvPr>
+          <p:cNvCxnSpPr>
+            <a:cxnSpLocks/>
+          </p:cNvCxnSpPr>
+          <p:nvPr/>
+        </p:nvCxnSpPr>
+        <p:spPr>
+          <a:xfrm>
+            <a:off x="7696200" y="4079579"/>
+            <a:ext cx="736531" cy="0"/>
+          </a:xfrm>
+          <a:prstGeom prst="straightConnector1">
+            <a:avLst/>
+          </a:prstGeom>
+          <a:ln w="19050">
+            <a:solidFill>
+              <a:schemeClr val="accent3">
+                <a:lumMod val="60000"/>
+                <a:lumOff val="40000"/>
+              </a:schemeClr>
+            </a:solidFill>
+            <a:tailEnd type="arrow"/>
+          </a:ln>
+        </p:spPr>
+        <p:style>
+          <a:lnRef idx="1">
+            <a:schemeClr val="accent1"/>
+          </a:lnRef>
+          <a:fillRef idx="0">
+            <a:schemeClr val="accent1"/>
+          </a:fillRef>
+          <a:effectRef idx="0">
+            <a:schemeClr val="accent1"/>
+          </a:effectRef>
+          <a:fontRef idx="minor">
+            <a:schemeClr val="tx1"/>
+          </a:fontRef>
+        </p:style>
+      </p:cxnSp>
+      <p:sp>
+        <p:nvSpPr>
+          <p:cNvPr id="106" name="Rectangle 62"/>
+          <p:cNvSpPr/>
+          <p:nvPr/>
+        </p:nvSpPr>
+        <p:spPr>
+          <a:xfrm>
+            <a:off x="8689010" y="3500638"/>
+            <a:ext cx="1397199" cy="346760"/>
+          </a:xfrm>
+          <a:prstGeom prst="rect">
+            <a:avLst/>
+          </a:prstGeom>
+          <a:solidFill>
+            <a:schemeClr val="accent3">
+              <a:lumMod val="60000"/>
+              <a:lumOff val="40000"/>
+            </a:schemeClr>
+          </a:solidFill>
+          <a:ln w="19050">
+            <a:solidFill>
+              <a:schemeClr val="accent3">
+                <a:lumMod val="60000"/>
+                <a:lumOff val="40000"/>
+              </a:schemeClr>
+            </a:solidFill>
+          </a:ln>
+          <a:effectLst/>
+        </p:spPr>
+        <p:style>
+          <a:lnRef idx="1">
+            <a:schemeClr val="accent2"/>
+          </a:lnRef>
+          <a:fillRef idx="2">
+            <a:schemeClr val="accent2"/>
+          </a:fillRef>
+          <a:effectRef idx="1">
+            <a:schemeClr val="accent2"/>
+          </a:effectRef>
+          <a:fontRef idx="minor">
+            <a:schemeClr val="dk1"/>
+          </a:fontRef>
+        </p:style>
+        <p:txBody>
+          <a:bodyPr rtlCol="0" anchor="ctr"/>
+          <a:lstStyle/>
+          <a:p>
+            <a:pPr algn="ctr"/>
+            <a:r>
+              <a:rPr lang="en-US" sz="1600" dirty="0">
+                <a:solidFill>
+                  <a:schemeClr val="bg1"/>
+                </a:solidFill>
+              </a:rPr>
+              <a:t>:</a:t>
+            </a:r>
+            <a:r>
+              <a:rPr lang="en-US" sz="1600" dirty="0" err="1">
+                <a:solidFill>
+                  <a:schemeClr val="bg1"/>
+                </a:solidFill>
+              </a:rPr>
+              <a:t>UserPref</a:t>
+            </a:r>
+            <a:endParaRPr lang="en-SG" sz="1600" dirty="0">
+              <a:solidFill>
+                <a:schemeClr val="bg1"/>
+              </a:solidFill>
+            </a:endParaRPr>
+          </a:p>
+        </p:txBody>
+      </p:sp>
+      <p:sp>
+        <p:nvSpPr>
+          <p:cNvPr id="107" name="Rectangle 106"/>
+          <p:cNvSpPr/>
+          <p:nvPr/>
+        </p:nvSpPr>
+        <p:spPr>
+          <a:xfrm>
+            <a:off x="9178371" y="4800600"/>
+            <a:ext cx="194844" cy="408164"/>
+          </a:xfrm>
+          <a:prstGeom prst="rect">
+            <a:avLst/>
+          </a:prstGeom>
+          <a:solidFill>
+            <a:schemeClr val="accent3">
+              <a:lumMod val="60000"/>
+              <a:lumOff val="40000"/>
+            </a:schemeClr>
+          </a:solidFill>
+          <a:ln>
+            <a:solidFill>
+              <a:schemeClr val="accent3">
+                <a:lumMod val="60000"/>
+                <a:lumOff val="40000"/>
+              </a:schemeClr>
+            </a:solidFill>
+          </a:ln>
+          <a:effectLst/>
+        </p:spPr>
+        <p:style>
+          <a:lnRef idx="1">
+            <a:schemeClr val="accent3"/>
+          </a:lnRef>
+          <a:fillRef idx="2">
+            <a:schemeClr val="accent3"/>
+          </a:fillRef>
+          <a:effectRef idx="1">
+            <a:schemeClr val="accent3"/>
+          </a:effectRef>
+          <a:fontRef idx="minor">
+            <a:schemeClr val="dk1"/>
+          </a:fontRef>
+        </p:style>
+        <p:txBody>
+          <a:bodyPr rtlCol="0" anchor="ctr"/>
+          <a:lstStyle/>
+          <a:p>
+            <a:pPr algn="ctr"/>
+            <a:endParaRPr lang="en-SG" sz="1400">
+              <a:solidFill>
+                <a:schemeClr val="dk1"/>
+              </a:solidFill>
+            </a:endParaRPr>
+          </a:p>
+        </p:txBody>
+      </p:sp>
+      <p:cxnSp>
+        <p:nvCxnSpPr>
+          <p:cNvPr id="108" name="Straight Connector 107"/>
+          <p:cNvCxnSpPr>
+            <a:cxnSpLocks/>
+          </p:cNvCxnSpPr>
+          <p:nvPr/>
+        </p:nvCxnSpPr>
+        <p:spPr>
+          <a:xfrm>
+            <a:off x="9285522" y="3818134"/>
+            <a:ext cx="10878" cy="1820666"/>
+          </a:xfrm>
+          <a:prstGeom prst="line">
+            <a:avLst/>
+          </a:prstGeom>
+          <a:ln w="19050">
+            <a:solidFill>
+              <a:schemeClr val="accent3">
+                <a:lumMod val="60000"/>
+                <a:lumOff val="40000"/>
+              </a:schemeClr>
+            </a:solidFill>
+            <a:prstDash val="sysDash"/>
+          </a:ln>
+          <a:effectLst/>
+        </p:spPr>
+        <p:style>
+          <a:lnRef idx="1">
+            <a:schemeClr val="accent1"/>
+          </a:lnRef>
+          <a:fillRef idx="2">
+            <a:schemeClr val="accent1"/>
+          </a:fillRef>
+          <a:effectRef idx="1">
+            <a:schemeClr val="accent1"/>
+          </a:effectRef>
+          <a:fontRef idx="minor">
+            <a:schemeClr val="dk1"/>
+          </a:fontRef>
+        </p:style>
+      </p:cxnSp>
+      <p:cxnSp>
+        <p:nvCxnSpPr>
+          <p:cNvPr id="109" name="Straight Arrow Connector 108">
+            <a:extLst/>
+          </p:cNvPr>
+          <p:cNvCxnSpPr>
+            <a:cxnSpLocks/>
+          </p:cNvCxnSpPr>
+          <p:nvPr/>
+        </p:nvCxnSpPr>
+        <p:spPr>
+          <a:xfrm>
+            <a:off x="7783042" y="4876800"/>
+            <a:ext cx="1395329" cy="0"/>
+          </a:xfrm>
+          <a:prstGeom prst="straightConnector1">
+            <a:avLst/>
+          </a:prstGeom>
+          <a:ln w="19050">
+            <a:solidFill>
+              <a:schemeClr val="accent3">
+                <a:lumMod val="60000"/>
+                <a:lumOff val="40000"/>
+              </a:schemeClr>
+            </a:solidFill>
+            <a:tailEnd type="arrow"/>
+          </a:ln>
+        </p:spPr>
+        <p:style>
+          <a:lnRef idx="1">
+            <a:schemeClr val="accent1"/>
+          </a:lnRef>
+          <a:fillRef idx="0">
+            <a:schemeClr val="accent1"/>
+          </a:fillRef>
+          <a:effectRef idx="0">
+            <a:schemeClr val="accent1"/>
+          </a:effectRef>
+          <a:fontRef idx="minor">
+            <a:schemeClr val="tx1"/>
+          </a:fontRef>
+        </p:style>
+      </p:cxnSp>
+      <p:cxnSp>
+        <p:nvCxnSpPr>
+          <p:cNvPr id="112" name="Straight Arrow Connector 111">
+            <a:extLst/>
+          </p:cNvPr>
+          <p:cNvCxnSpPr>
+            <a:cxnSpLocks/>
+          </p:cNvCxnSpPr>
+          <p:nvPr/>
+        </p:nvCxnSpPr>
+        <p:spPr>
+          <a:xfrm>
+            <a:off x="7783042" y="5208764"/>
+            <a:ext cx="1395329" cy="0"/>
+          </a:xfrm>
+          <a:prstGeom prst="straightConnector1">
+            <a:avLst/>
+          </a:prstGeom>
+          <a:ln w="19050">
+            <a:solidFill>
+              <a:schemeClr val="accent3">
+                <a:lumMod val="60000"/>
+                <a:lumOff val="40000"/>
+              </a:schemeClr>
+            </a:solidFill>
+            <a:prstDash val="sysDash"/>
+            <a:headEnd type="arrow" w="med" len="med"/>
+            <a:tailEnd type="none" w="med" len="med"/>
+          </a:ln>
+        </p:spPr>
+        <p:style>
+          <a:lnRef idx="1">
+            <a:schemeClr val="accent1"/>
+          </a:lnRef>
+          <a:fillRef idx="0">
+            <a:schemeClr val="accent1"/>
+          </a:fillRef>
+          <a:effectRef idx="0">
+            <a:schemeClr val="accent1"/>
+          </a:effectRef>
+          <a:fontRef idx="minor">
+            <a:schemeClr val="tx1"/>
+          </a:fontRef>
+        </p:style>
+      </p:cxnSp>
+      <p:sp>
+        <p:nvSpPr>
+          <p:cNvPr id="113" name="TextBox 112">
+            <a:extLst/>
+          </p:cNvPr>
+          <p:cNvSpPr txBox="1"/>
+          <p:nvPr/>
+        </p:nvSpPr>
+        <p:spPr>
+          <a:xfrm>
+            <a:off x="7535021" y="4901313"/>
+            <a:ext cx="1677128" cy="169277"/>
+          </a:xfrm>
+          <a:prstGeom prst="rect">
+            <a:avLst/>
+          </a:prstGeom>
+          <a:noFill/>
+          <a:ln>
+            <a:noFill/>
+          </a:ln>
+        </p:spPr>
+        <p:txBody>
+          <a:bodyPr wrap="square" lIns="0" tIns="0" rIns="0" bIns="0" rtlCol="0">
+            <a:spAutoFit/>
+          </a:bodyPr>
+          <a:lstStyle>
+            <a:defPPr>
+              <a:defRPr lang="en-US"/>
+            </a:defPPr>
+            <a:lvl1pPr algn="r">
+              <a:defRPr sz="1400">
+                <a:solidFill>
+                  <a:srgbClr val="0070C0"/>
+                </a:solidFill>
+              </a:defRPr>
+            </a:lvl1pPr>
+          </a:lstStyle>
+          <a:p>
+            <a:r>
+              <a:rPr lang="en-US" sz="1100" dirty="0" err="1">
+                <a:solidFill>
+                  <a:schemeClr val="accent3">
+                    <a:lumMod val="60000"/>
+                    <a:lumOff val="40000"/>
+                  </a:schemeClr>
+                </a:solidFill>
+              </a:rPr>
+              <a:t>setAddressBookTheme</a:t>
+            </a:r>
+            <a:r>
+              <a:rPr lang="en-US" sz="1100" dirty="0">
+                <a:solidFill>
+                  <a:schemeClr val="accent3">
+                    <a:lumMod val="60000"/>
+                    <a:lumOff val="40000"/>
+                  </a:schemeClr>
+                </a:solidFill>
+              </a:rPr>
+              <a:t>()</a:t>
+            </a:r>
+          </a:p>
+        </p:txBody>
+      </p:sp>
+      <p:cxnSp>
+        <p:nvCxnSpPr>
+          <p:cNvPr id="115" name="Straight Arrow Connector 114">
+            <a:extLst/>
+          </p:cNvPr>
+          <p:cNvCxnSpPr>
+            <a:cxnSpLocks/>
+          </p:cNvCxnSpPr>
+          <p:nvPr/>
+        </p:nvCxnSpPr>
+        <p:spPr>
+          <a:xfrm>
+            <a:off x="7783042" y="4648200"/>
+            <a:ext cx="621459" cy="0"/>
+          </a:xfrm>
+          <a:prstGeom prst="straightConnector1">
+            <a:avLst/>
+          </a:prstGeom>
+          <a:ln w="19050">
+            <a:solidFill>
+              <a:schemeClr val="accent3">
+                <a:lumMod val="60000"/>
+                <a:lumOff val="40000"/>
+              </a:schemeClr>
+            </a:solidFill>
+            <a:prstDash val="sysDash"/>
+            <a:headEnd type="arrow" w="med" len="med"/>
+            <a:tailEnd type="none" w="med" len="med"/>
+          </a:ln>
+        </p:spPr>
+        <p:style>
+          <a:lnRef idx="1">
+            <a:schemeClr val="accent1"/>
+          </a:lnRef>
+          <a:fillRef idx="0">
+            <a:schemeClr val="accent1"/>
+          </a:fillRef>
+          <a:effectRef idx="0">
+            <a:schemeClr val="accent1"/>
+          </a:effectRef>
+          <a:fontRef idx="minor">
+            <a:schemeClr val="tx1"/>
+          </a:fontRef>
+        </p:style>
+      </p:cxnSp>
+      <p:cxnSp>
+        <p:nvCxnSpPr>
+          <p:cNvPr id="117" name="Straight Arrow Connector 116">
+            <a:extLst/>
+          </p:cNvPr>
+          <p:cNvCxnSpPr>
+            <a:cxnSpLocks/>
+          </p:cNvCxnSpPr>
+          <p:nvPr/>
+        </p:nvCxnSpPr>
+        <p:spPr>
+          <a:xfrm>
+            <a:off x="7064161" y="5248656"/>
+            <a:ext cx="621459" cy="0"/>
+          </a:xfrm>
+          <a:prstGeom prst="straightConnector1">
+            <a:avLst/>
+          </a:prstGeom>
+          <a:ln w="19050">
+            <a:solidFill>
+              <a:schemeClr val="accent3">
+                <a:lumMod val="60000"/>
+                <a:lumOff val="40000"/>
+              </a:schemeClr>
+            </a:solidFill>
+            <a:prstDash val="sysDash"/>
+            <a:headEnd type="arrow" w="med" len="med"/>
+            <a:tailEnd type="none" w="med" len="med"/>
+          </a:ln>
+        </p:spPr>
+        <p:style>
+          <a:lnRef idx="1">
+            <a:schemeClr val="accent1"/>
+          </a:lnRef>
+          <a:fillRef idx="0">
+            <a:schemeClr val="accent1"/>
+          </a:fillRef>
+          <a:effectRef idx="0">
+            <a:schemeClr val="accent1"/>
+          </a:effectRef>
+          <a:fontRef idx="minor">
+            <a:schemeClr val="tx1"/>
+          </a:fontRef>
+        </p:style>
+      </p:cxnSp>
+      <p:sp>
+        <p:nvSpPr>
+          <p:cNvPr id="126" name="Rectangle 125"/>
+          <p:cNvSpPr/>
+          <p:nvPr/>
+        </p:nvSpPr>
+        <p:spPr>
+          <a:xfrm>
+            <a:off x="6866215" y="3665822"/>
+            <a:ext cx="194844" cy="1664148"/>
+          </a:xfrm>
+          <a:prstGeom prst="rect">
+            <a:avLst/>
+          </a:prstGeom>
+          <a:solidFill>
+            <a:schemeClr val="accent2">
+              <a:lumMod val="60000"/>
+              <a:lumOff val="40000"/>
+            </a:schemeClr>
+          </a:solidFill>
+          <a:ln>
+            <a:solidFill>
+              <a:schemeClr val="accent2">
+                <a:lumMod val="60000"/>
+                <a:lumOff val="40000"/>
+              </a:schemeClr>
+            </a:solidFill>
+          </a:ln>
+          <a:effectLst/>
+        </p:spPr>
+        <p:style>
+          <a:lnRef idx="1">
+            <a:schemeClr val="accent3"/>
+          </a:lnRef>
+          <a:fillRef idx="2">
+            <a:schemeClr val="accent3"/>
+          </a:fillRef>
+          <a:effectRef idx="1">
+            <a:schemeClr val="accent3"/>
+          </a:effectRef>
+          <a:fontRef idx="minor">
+            <a:schemeClr val="dk1"/>
+          </a:fontRef>
+        </p:style>
+        <p:txBody>
+          <a:bodyPr rtlCol="0" anchor="ctr"/>
+          <a:lstStyle/>
+          <a:p>
+            <a:pPr algn="ctr"/>
+            <a:endParaRPr lang="en-SG" sz="1400">
+              <a:solidFill>
+                <a:schemeClr val="dk1"/>
+              </a:solidFill>
+            </a:endParaRPr>
+          </a:p>
+        </p:txBody>
+      </p:sp>
+      <p:cxnSp>
+        <p:nvCxnSpPr>
+          <p:cNvPr id="127" name="Straight Connector 126"/>
+          <p:cNvCxnSpPr>
+            <a:cxnSpLocks/>
+          </p:cNvCxnSpPr>
+          <p:nvPr/>
+        </p:nvCxnSpPr>
+        <p:spPr>
+          <a:xfrm>
+            <a:off x="6934200" y="2476233"/>
+            <a:ext cx="0" cy="3218892"/>
+          </a:xfrm>
+          <a:prstGeom prst="line">
+            <a:avLst/>
+          </a:prstGeom>
+          <a:ln w="19050">
+            <a:solidFill>
+              <a:schemeClr val="accent2">
+                <a:lumMod val="60000"/>
+                <a:lumOff val="40000"/>
+              </a:schemeClr>
+            </a:solidFill>
+            <a:prstDash val="sysDash"/>
+          </a:ln>
+          <a:effectLst/>
+        </p:spPr>
+        <p:style>
+          <a:lnRef idx="1">
+            <a:schemeClr val="accent1"/>
+          </a:lnRef>
+          <a:fillRef idx="2">
+            <a:schemeClr val="accent1"/>
+          </a:fillRef>
+          <a:effectRef idx="1">
+            <a:schemeClr val="accent1"/>
+          </a:effectRef>
+          <a:fontRef idx="minor">
+            <a:schemeClr val="dk1"/>
+          </a:fontRef>
+        </p:style>
+      </p:cxnSp>
+      <p:sp>
+        <p:nvSpPr>
+          <p:cNvPr id="128" name="TextBox 127">
+            <a:extLst/>
+          </p:cNvPr>
+          <p:cNvSpPr txBox="1"/>
+          <p:nvPr/>
+        </p:nvSpPr>
+        <p:spPr>
+          <a:xfrm>
+            <a:off x="6605766" y="3550297"/>
+            <a:ext cx="952996" cy="338554"/>
+          </a:xfrm>
+          <a:prstGeom prst="rect">
+            <a:avLst/>
+          </a:prstGeom>
+          <a:noFill/>
+        </p:spPr>
+        <p:txBody>
+          <a:bodyPr wrap="square" lIns="0" tIns="0" rIns="0" bIns="0" rtlCol="0">
+            <a:spAutoFit/>
+          </a:bodyPr>
+          <a:lstStyle>
+            <a:defPPr>
+              <a:defRPr lang="en-US"/>
+            </a:defPPr>
+            <a:lvl1pPr algn="r">
+              <a:defRPr sz="1400">
+                <a:solidFill>
+                  <a:srgbClr val="0070C0"/>
+                </a:solidFill>
+              </a:defRPr>
+            </a:lvl1pPr>
+          </a:lstStyle>
+          <a:p>
+            <a:r>
+              <a:rPr lang="en-US" sz="1100" dirty="0">
+                <a:solidFill>
+                  <a:schemeClr val="accent2">
+                    <a:lumMod val="60000"/>
+                    <a:lumOff val="40000"/>
+                  </a:schemeClr>
+                </a:solidFill>
+              </a:rPr>
+              <a:t>change</a:t>
+            </a:r>
+            <a:br>
+              <a:rPr lang="en-US" sz="1100" dirty="0">
+                <a:solidFill>
+                  <a:schemeClr val="accent2">
+                    <a:lumMod val="60000"/>
+                    <a:lumOff val="40000"/>
+                  </a:schemeClr>
+                </a:solidFill>
+              </a:rPr>
+            </a:br>
+            <a:r>
+              <a:rPr lang="en-US" sz="1100" dirty="0">
+                <a:solidFill>
+                  <a:schemeClr val="accent2">
+                    <a:lumMod val="60000"/>
+                    <a:lumOff val="40000"/>
+                  </a:schemeClr>
+                </a:solidFill>
+              </a:rPr>
+              <a:t>Theme()</a:t>
+            </a:r>
+          </a:p>
+        </p:txBody>
+      </p:sp>
+    </p:spTree>
+    <p:extLst>
+      <p:ext uri="{BB962C8B-B14F-4D97-AF65-F5344CB8AC3E}">
+        <p14:creationId xmlns:p14="http://schemas.microsoft.com/office/powerpoint/2010/main" val="2761728219"/>
+      </p:ext>
+    </p:extLst>
+  </p:cSld>
+  <p:clrMapOvr>
+    <a:masterClrMapping/>
+  </p:clrMapOvr>
+</p:sld>
+</file>
+
 <file path=ppt/theme/theme1.xml><?xml version="1.0" encoding="utf-8"?>
 <a:theme xmlns:a="http://schemas.openxmlformats.org/drawingml/2006/main" name="Office Theme">
   <a:themeElements>

--- a/docs/diagrams/LogicComponentSequenceDiagram.pptx
+++ b/docs/diagrams/LogicComponentSequenceDiagram.pptx
@@ -5,7 +5,7 @@
     <p:sldMasterId id="2147483648" r:id="rId1"/>
   </p:sldMasterIdLst>
   <p:notesMasterIdLst>
-    <p:notesMasterId r:id="rId8"/>
+    <p:notesMasterId r:id="rId10"/>
   </p:notesMasterIdLst>
   <p:sldIdLst>
     <p:sldId id="267" r:id="rId2"/>
@@ -14,6 +14,8 @@
     <p:sldId id="269" r:id="rId5"/>
     <p:sldId id="271" r:id="rId6"/>
     <p:sldId id="272" r:id="rId7"/>
+    <p:sldId id="273" r:id="rId8"/>
+    <p:sldId id="274" r:id="rId9"/>
   </p:sldIdLst>
   <p:sldSz cx="9144000" cy="6858000" type="screen4x3"/>
   <p:notesSz cx="6858000" cy="9144000"/>
@@ -217,7 +219,7 @@
           <a:p>
             <a:fld id="{F5CC4B3F-88C1-4FFA-B1B6-F41C21DC6924}" type="datetimeFigureOut">
               <a:rPr lang="en-US" smtClean="0"/>
-              <a:t>11/2/2017</a:t>
+              <a:t>11/12/2017</a:t>
             </a:fld>
             <a:endParaRPr lang="en-US"/>
           </a:p>
@@ -663,7 +665,7 @@
           <a:p>
             <a:fld id="{78C97017-6FC3-485B-9764-EAC9E56C1D49}" type="datetimeFigureOut">
               <a:rPr lang="en-US" smtClean="0"/>
-              <a:t>11/2/2017</a:t>
+              <a:t>11/12/2017</a:t>
             </a:fld>
             <a:endParaRPr lang="en-US"/>
           </a:p>
@@ -831,7 +833,7 @@
           <a:p>
             <a:fld id="{78C97017-6FC3-485B-9764-EAC9E56C1D49}" type="datetimeFigureOut">
               <a:rPr lang="en-US" smtClean="0"/>
-              <a:t>11/2/2017</a:t>
+              <a:t>11/12/2017</a:t>
             </a:fld>
             <a:endParaRPr lang="en-US"/>
           </a:p>
@@ -1009,7 +1011,7 @@
           <a:p>
             <a:fld id="{78C97017-6FC3-485B-9764-EAC9E56C1D49}" type="datetimeFigureOut">
               <a:rPr lang="en-US" smtClean="0"/>
-              <a:t>11/2/2017</a:t>
+              <a:t>11/12/2017</a:t>
             </a:fld>
             <a:endParaRPr lang="en-US"/>
           </a:p>
@@ -1177,7 +1179,7 @@
           <a:p>
             <a:fld id="{78C97017-6FC3-485B-9764-EAC9E56C1D49}" type="datetimeFigureOut">
               <a:rPr lang="en-US" smtClean="0"/>
-              <a:t>11/2/2017</a:t>
+              <a:t>11/12/2017</a:t>
             </a:fld>
             <a:endParaRPr lang="en-US"/>
           </a:p>
@@ -1422,7 +1424,7 @@
           <a:p>
             <a:fld id="{78C97017-6FC3-485B-9764-EAC9E56C1D49}" type="datetimeFigureOut">
               <a:rPr lang="en-US" smtClean="0"/>
-              <a:t>11/2/2017</a:t>
+              <a:t>11/12/2017</a:t>
             </a:fld>
             <a:endParaRPr lang="en-US"/>
           </a:p>
@@ -1707,7 +1709,7 @@
           <a:p>
             <a:fld id="{78C97017-6FC3-485B-9764-EAC9E56C1D49}" type="datetimeFigureOut">
               <a:rPr lang="en-US" smtClean="0"/>
-              <a:t>11/2/2017</a:t>
+              <a:t>11/12/2017</a:t>
             </a:fld>
             <a:endParaRPr lang="en-US"/>
           </a:p>
@@ -2126,7 +2128,7 @@
           <a:p>
             <a:fld id="{78C97017-6FC3-485B-9764-EAC9E56C1D49}" type="datetimeFigureOut">
               <a:rPr lang="en-US" smtClean="0"/>
-              <a:t>11/2/2017</a:t>
+              <a:t>11/12/2017</a:t>
             </a:fld>
             <a:endParaRPr lang="en-US"/>
           </a:p>
@@ -2243,7 +2245,7 @@
           <a:p>
             <a:fld id="{78C97017-6FC3-485B-9764-EAC9E56C1D49}" type="datetimeFigureOut">
               <a:rPr lang="en-US" smtClean="0"/>
-              <a:t>11/2/2017</a:t>
+              <a:t>11/12/2017</a:t>
             </a:fld>
             <a:endParaRPr lang="en-US"/>
           </a:p>
@@ -2338,7 +2340,7 @@
           <a:p>
             <a:fld id="{78C97017-6FC3-485B-9764-EAC9E56C1D49}" type="datetimeFigureOut">
               <a:rPr lang="en-US" smtClean="0"/>
-              <a:t>11/2/2017</a:t>
+              <a:t>11/12/2017</a:t>
             </a:fld>
             <a:endParaRPr lang="en-US"/>
           </a:p>
@@ -2613,7 +2615,7 @@
           <a:p>
             <a:fld id="{78C97017-6FC3-485B-9764-EAC9E56C1D49}" type="datetimeFigureOut">
               <a:rPr lang="en-US" smtClean="0"/>
-              <a:t>11/2/2017</a:t>
+              <a:t>11/12/2017</a:t>
             </a:fld>
             <a:endParaRPr lang="en-US"/>
           </a:p>
@@ -2865,7 +2867,7 @@
           <a:p>
             <a:fld id="{78C97017-6FC3-485B-9764-EAC9E56C1D49}" type="datetimeFigureOut">
               <a:rPr lang="en-US" smtClean="0"/>
-              <a:t>11/2/2017</a:t>
+              <a:t>11/12/2017</a:t>
             </a:fld>
             <a:endParaRPr lang="en-US"/>
           </a:p>
@@ -3076,7 +3078,7 @@
           <a:p>
             <a:fld id="{78C97017-6FC3-485B-9764-EAC9E56C1D49}" type="datetimeFigureOut">
               <a:rPr lang="en-US" smtClean="0"/>
-              <a:t>11/2/2017</a:t>
+              <a:t>11/12/2017</a:t>
             </a:fld>
             <a:endParaRPr lang="en-US"/>
           </a:p>
@@ -7551,10 +7553,10 @@
       </p:grpSpPr>
       <p:grpSp>
         <p:nvGrpSpPr>
-          <p:cNvPr id="87" name="Group 86">
+          <p:cNvPr id="17" name="Group 16">
             <a:extLst>
               <a:ext uri="{FF2B5EF4-FFF2-40B4-BE49-F238E27FC236}">
-                <a16:creationId xmlns:a16="http://schemas.microsoft.com/office/drawing/2014/main" id="{8653116A-F2DE-4B59-9AE8-5A427F792E31}"/>
+                <a16:creationId xmlns:a16="http://schemas.microsoft.com/office/drawing/2014/main" id="{70E84BB7-7F3E-419C-8C85-62EFF7BD7506}"/>
               </a:ext>
             </a:extLst>
           </p:cNvPr>
@@ -7564,9 +7566,9 @@
         <p:grpSpPr>
           <a:xfrm>
             <a:off x="-275323" y="1981200"/>
-            <a:ext cx="9101137" cy="4000286"/>
+            <a:ext cx="9343123" cy="4000286"/>
             <a:chOff x="-275323" y="1981200"/>
-            <a:chExt cx="9101137" cy="4000286"/>
+            <a:chExt cx="9343123" cy="4000286"/>
           </a:xfrm>
         </p:grpSpPr>
         <p:sp>
@@ -7584,7 +7586,7 @@
           <p:spPr>
             <a:xfrm>
               <a:off x="685800" y="1981200"/>
-              <a:ext cx="7252956" cy="4000286"/>
+              <a:ext cx="8382000" cy="4000286"/>
             </a:xfrm>
             <a:prstGeom prst="roundRect">
               <a:avLst>
@@ -7890,13 +7892,15 @@
                 </a:ext>
               </a:extLst>
             </p:cNvPr>
-            <p:cNvCxnSpPr/>
+            <p:cNvCxnSpPr>
+              <a:cxnSpLocks/>
+            </p:cNvCxnSpPr>
             <p:nvPr/>
           </p:nvCxnSpPr>
           <p:spPr>
             <a:xfrm>
               <a:off x="3356599" y="2663904"/>
-              <a:ext cx="0" cy="1695374"/>
+              <a:ext cx="23015" cy="2746296"/>
             </a:xfrm>
             <a:prstGeom prst="line">
               <a:avLst/>
@@ -7939,7 +7943,7 @@
           <p:spPr>
             <a:xfrm>
               <a:off x="3284590" y="3122096"/>
-              <a:ext cx="174929" cy="1129459"/>
+              <a:ext cx="190048" cy="1972548"/>
             </a:xfrm>
             <a:prstGeom prst="rect">
               <a:avLst/>
@@ -7995,7 +7999,7 @@
           </p:nvSpPr>
           <p:spPr>
             <a:xfrm>
-              <a:off x="6221565" y="3312740"/>
+              <a:off x="7895976" y="3805662"/>
               <a:ext cx="1093635" cy="461538"/>
             </a:xfrm>
             <a:prstGeom prst="rect">
@@ -8071,14 +8075,15 @@
               </a:extLst>
             </p:cNvPr>
             <p:cNvCxnSpPr>
+              <a:cxnSpLocks/>
               <a:stCxn id="50" idx="0"/>
             </p:cNvCxnSpPr>
             <p:nvPr/>
           </p:nvCxnSpPr>
           <p:spPr>
             <a:xfrm>
-              <a:off x="6772574" y="3774278"/>
-              <a:ext cx="0" cy="1940722"/>
+              <a:off x="7095522" y="3774278"/>
+              <a:ext cx="0" cy="1635922"/>
             </a:xfrm>
             <a:prstGeom prst="line">
               <a:avLst/>
@@ -8120,7 +8125,7 @@
           </p:nvSpPr>
           <p:spPr>
             <a:xfrm>
-              <a:off x="6696374" y="3774278"/>
+              <a:off x="7019322" y="3774278"/>
               <a:ext cx="152400" cy="276003"/>
             </a:xfrm>
             <a:prstGeom prst="rect">
@@ -8325,52 +8330,6 @@
             </a:fontRef>
           </p:style>
         </p:cxnSp>
-        <p:sp>
-          <p:nvSpPr>
-            <p:cNvPr id="55" name="TextBox 54">
-              <a:extLst>
-                <a:ext uri="{FF2B5EF4-FFF2-40B4-BE49-F238E27FC236}">
-                  <a16:creationId xmlns:a16="http://schemas.microsoft.com/office/drawing/2014/main" id="{167D1E71-0970-4FA6-A2F9-2EBB0FA6C1D3}"/>
-                </a:ext>
-              </a:extLst>
-            </p:cNvPr>
-            <p:cNvSpPr txBox="1"/>
-            <p:nvPr/>
-          </p:nvSpPr>
-          <p:spPr>
-            <a:xfrm>
-              <a:off x="4257582" y="4251556"/>
-              <a:ext cx="855809" cy="215444"/>
-            </a:xfrm>
-            <a:prstGeom prst="rect">
-              <a:avLst/>
-            </a:prstGeom>
-            <a:noFill/>
-          </p:spPr>
-          <p:txBody>
-            <a:bodyPr wrap="square" lIns="0" tIns="0" rIns="0" bIns="0" rtlCol="0">
-              <a:spAutoFit/>
-            </a:bodyPr>
-            <a:lstStyle>
-              <a:defPPr>
-                <a:defRPr lang="en-US"/>
-              </a:defPPr>
-              <a:lvl1pPr algn="r">
-                <a:defRPr sz="1400">
-                  <a:solidFill>
-                    <a:srgbClr val="0070C0"/>
-                  </a:solidFill>
-                </a:defRPr>
-              </a:lvl1pPr>
-            </a:lstStyle>
-            <a:p>
-              <a:r>
-                <a:rPr lang="en-US" dirty="0"/>
-                <a:t>execute()</a:t>
-              </a:r>
-            </a:p>
-          </p:txBody>
-        </p:sp>
         <p:cxnSp>
           <p:nvCxnSpPr>
             <p:cNvPr id="56" name="Straight Arrow Connector 55">
@@ -8380,13 +8339,16 @@
                 </a:ext>
               </a:extLst>
             </p:cNvPr>
-            <p:cNvCxnSpPr/>
+            <p:cNvCxnSpPr>
+              <a:cxnSpLocks/>
+              <a:endCxn id="50" idx="2"/>
+            </p:cNvCxnSpPr>
             <p:nvPr/>
           </p:nvCxnSpPr>
           <p:spPr>
             <a:xfrm>
               <a:off x="5257800" y="4050281"/>
-              <a:ext cx="1492974" cy="0"/>
+              <a:ext cx="1837722" cy="0"/>
             </a:xfrm>
             <a:prstGeom prst="straightConnector1">
               <a:avLst/>
@@ -8429,7 +8391,7 @@
           </p:nvCxnSpPr>
           <p:spPr>
             <a:xfrm flipV="1">
-              <a:off x="1670186" y="4243231"/>
+              <a:off x="1661179" y="5085618"/>
               <a:ext cx="1596514" cy="5378"/>
             </a:xfrm>
             <a:prstGeom prst="straightConnector1">
@@ -8505,101 +8467,6 @@
         </p:cxnSp>
         <p:cxnSp>
           <p:nvCxnSpPr>
-            <p:cNvPr id="60" name="Straight Arrow Connector 59">
-              <a:extLst>
-                <a:ext uri="{FF2B5EF4-FFF2-40B4-BE49-F238E27FC236}">
-                  <a16:creationId xmlns:a16="http://schemas.microsoft.com/office/drawing/2014/main" id="{BA35CE39-DBFC-4BF6-8D35-2AD97EE43E3E}"/>
-                </a:ext>
-              </a:extLst>
-            </p:cNvPr>
-            <p:cNvCxnSpPr/>
-            <p:nvPr/>
-          </p:nvCxnSpPr>
-          <p:spPr>
-            <a:xfrm>
-              <a:off x="1653251" y="4495317"/>
-              <a:ext cx="5043123" cy="0"/>
-            </a:xfrm>
-            <a:prstGeom prst="straightConnector1">
-              <a:avLst/>
-            </a:prstGeom>
-            <a:ln w="19050">
-              <a:solidFill>
-                <a:srgbClr val="0070C0"/>
-              </a:solidFill>
-              <a:tailEnd type="arrow"/>
-            </a:ln>
-          </p:spPr>
-          <p:style>
-            <a:lnRef idx="1">
-              <a:schemeClr val="accent1"/>
-            </a:lnRef>
-            <a:fillRef idx="0">
-              <a:schemeClr val="accent1"/>
-            </a:fillRef>
-            <a:effectRef idx="0">
-              <a:schemeClr val="accent1"/>
-            </a:effectRef>
-            <a:fontRef idx="minor">
-              <a:schemeClr val="tx1"/>
-            </a:fontRef>
-          </p:style>
-        </p:cxnSp>
-        <p:sp>
-          <p:nvSpPr>
-            <p:cNvPr id="61" name="Rectangle 60">
-              <a:extLst>
-                <a:ext uri="{FF2B5EF4-FFF2-40B4-BE49-F238E27FC236}">
-                  <a16:creationId xmlns:a16="http://schemas.microsoft.com/office/drawing/2014/main" id="{0F01BBB8-21BA-4814-A106-897444FBDDA3}"/>
-                </a:ext>
-              </a:extLst>
-            </p:cNvPr>
-            <p:cNvSpPr/>
-            <p:nvPr/>
-          </p:nvSpPr>
-          <p:spPr>
-            <a:xfrm>
-              <a:off x="6687452" y="4467000"/>
-              <a:ext cx="161322" cy="1019400"/>
-            </a:xfrm>
-            <a:prstGeom prst="rect">
-              <a:avLst/>
-            </a:prstGeom>
-            <a:solidFill>
-              <a:srgbClr val="0070C0"/>
-            </a:solidFill>
-            <a:ln>
-              <a:solidFill>
-                <a:srgbClr val="0070C0"/>
-              </a:solidFill>
-            </a:ln>
-            <a:effectLst/>
-          </p:spPr>
-          <p:style>
-            <a:lnRef idx="1">
-              <a:schemeClr val="accent3"/>
-            </a:lnRef>
-            <a:fillRef idx="2">
-              <a:schemeClr val="accent3"/>
-            </a:fillRef>
-            <a:effectRef idx="1">
-              <a:schemeClr val="accent3"/>
-            </a:effectRef>
-            <a:fontRef idx="minor">
-              <a:schemeClr val="dk1"/>
-            </a:fontRef>
-          </p:style>
-          <p:txBody>
-            <a:bodyPr rtlCol="0" anchor="ctr"/>
-            <a:lstStyle/>
-            <a:p>
-              <a:pPr algn="ctr"/>
-              <a:endParaRPr lang="en-SG" sz="1400"/>
-            </a:p>
-          </p:txBody>
-        </p:sp>
-        <p:cxnSp>
-          <p:nvCxnSpPr>
             <p:cNvPr id="66" name="Straight Arrow Connector 65">
               <a:extLst>
                 <a:ext uri="{FF2B5EF4-FFF2-40B4-BE49-F238E27FC236}">
@@ -8607,13 +8474,15 @@
                 </a:ext>
               </a:extLst>
             </p:cNvPr>
-            <p:cNvCxnSpPr/>
+            <p:cNvCxnSpPr>
+              <a:cxnSpLocks/>
+            </p:cNvCxnSpPr>
             <p:nvPr/>
           </p:nvCxnSpPr>
           <p:spPr>
             <a:xfrm>
-              <a:off x="1653251" y="5486400"/>
-              <a:ext cx="5052349" cy="0"/>
+              <a:off x="3459519" y="4953000"/>
+              <a:ext cx="1600428" cy="0"/>
             </a:xfrm>
             <a:prstGeom prst="straightConnector1">
               <a:avLst/>
@@ -8748,8 +8617,8 @@
           </p:nvSpPr>
           <p:spPr>
             <a:xfrm>
-              <a:off x="4340137" y="5255323"/>
-              <a:ext cx="621216" cy="215444"/>
+              <a:off x="6199817" y="4572000"/>
+              <a:ext cx="612862" cy="220903"/>
             </a:xfrm>
             <a:prstGeom prst="rect">
               <a:avLst/>
@@ -8840,7 +8709,7 @@
           </p:nvSpPr>
           <p:spPr>
             <a:xfrm>
-              <a:off x="7020245" y="4777286"/>
+              <a:off x="6180361" y="3285484"/>
               <a:ext cx="1805569" cy="461538"/>
             </a:xfrm>
             <a:prstGeom prst="rect">
@@ -8929,8 +8798,8 @@
           </p:nvSpPr>
           <p:spPr>
             <a:xfrm>
-              <a:off x="7777323" y="5238824"/>
-              <a:ext cx="152400" cy="171376"/>
+              <a:off x="8328678" y="4439155"/>
+              <a:ext cx="212364" cy="361445"/>
             </a:xfrm>
             <a:prstGeom prst="rect">
               <a:avLst/>
@@ -8977,13 +8846,15 @@
                 </a:ext>
               </a:extLst>
             </p:cNvPr>
-            <p:cNvCxnSpPr/>
+            <p:cNvCxnSpPr>
+              <a:cxnSpLocks/>
+            </p:cNvCxnSpPr>
             <p:nvPr/>
           </p:nvCxnSpPr>
           <p:spPr>
             <a:xfrm>
-              <a:off x="6858000" y="5410200"/>
-              <a:ext cx="966624" cy="0"/>
+              <a:off x="5239068" y="4800600"/>
+              <a:ext cx="3089610" cy="0"/>
             </a:xfrm>
             <a:prstGeom prst="straightConnector1">
               <a:avLst/>
@@ -9204,6 +9075,7 @@
               </a:extLst>
             </p:cNvPr>
             <p:cNvCxnSpPr>
+              <a:cxnSpLocks/>
               <a:stCxn id="78" idx="0"/>
             </p:cNvCxnSpPr>
             <p:nvPr/>
@@ -9211,7 +9083,7 @@
           <p:spPr>
             <a:xfrm>
               <a:off x="5162869" y="3352800"/>
-              <a:ext cx="0" cy="990600"/>
+              <a:ext cx="0" cy="1905000"/>
             </a:xfrm>
             <a:prstGeom prst="line">
               <a:avLst/>
@@ -9253,8 +9125,8 @@
           </p:nvSpPr>
           <p:spPr>
             <a:xfrm>
-              <a:off x="5059947" y="3657601"/>
-              <a:ext cx="205843" cy="533400"/>
+              <a:off x="5059948" y="3657600"/>
+              <a:ext cx="179120" cy="1342557"/>
             </a:xfrm>
             <a:prstGeom prst="rect">
               <a:avLst/>
@@ -9294,50 +9166,6 @@
         </p:sp>
         <p:cxnSp>
           <p:nvCxnSpPr>
-            <p:cNvPr id="81" name="Straight Arrow Connector 80">
-              <a:extLst>
-                <a:ext uri="{FF2B5EF4-FFF2-40B4-BE49-F238E27FC236}">
-                  <a16:creationId xmlns:a16="http://schemas.microsoft.com/office/drawing/2014/main" id="{A37B2CD6-21E1-4F7F-98BB-8EA910B8F256}"/>
-                </a:ext>
-              </a:extLst>
-            </p:cNvPr>
-            <p:cNvCxnSpPr/>
-            <p:nvPr/>
-          </p:nvCxnSpPr>
-          <p:spPr>
-            <a:xfrm>
-              <a:off x="3499382" y="4185073"/>
-              <a:ext cx="1667219" cy="0"/>
-            </a:xfrm>
-            <a:prstGeom prst="straightConnector1">
-              <a:avLst/>
-            </a:prstGeom>
-            <a:ln w="19050">
-              <a:solidFill>
-                <a:srgbClr val="0070C0"/>
-              </a:solidFill>
-              <a:prstDash val="sysDash"/>
-              <a:headEnd type="arrow" w="med" len="med"/>
-              <a:tailEnd type="none" w="med" len="med"/>
-            </a:ln>
-          </p:spPr>
-          <p:style>
-            <a:lnRef idx="1">
-              <a:schemeClr val="accent1"/>
-            </a:lnRef>
-            <a:fillRef idx="0">
-              <a:schemeClr val="accent1"/>
-            </a:fillRef>
-            <a:effectRef idx="0">
-              <a:schemeClr val="accent1"/>
-            </a:effectRef>
-            <a:fontRef idx="minor">
-              <a:schemeClr val="tx1"/>
-            </a:fontRef>
-          </p:style>
-        </p:cxnSp>
-        <p:cxnSp>
-          <p:nvCxnSpPr>
             <p:cNvPr id="82" name="Straight Arrow Connector 81">
               <a:extLst>
                 <a:ext uri="{FF2B5EF4-FFF2-40B4-BE49-F238E27FC236}">
@@ -9345,13 +9173,15 @@
                 </a:ext>
               </a:extLst>
             </p:cNvPr>
-            <p:cNvCxnSpPr/>
+            <p:cNvCxnSpPr>
+              <a:cxnSpLocks/>
+            </p:cNvCxnSpPr>
             <p:nvPr/>
           </p:nvCxnSpPr>
           <p:spPr>
             <a:xfrm>
-              <a:off x="6858000" y="5029200"/>
-              <a:ext cx="162246" cy="0"/>
+              <a:off x="5257800" y="4495800"/>
+              <a:ext cx="3070878" cy="0"/>
             </a:xfrm>
             <a:prstGeom prst="straightConnector1">
               <a:avLst/>
@@ -9462,12 +9292,58 @@
             </a:fontRef>
           </p:style>
         </p:cxnSp>
+        <p:cxnSp>
+          <p:nvCxnSpPr>
+            <p:cNvPr id="59" name="Straight Connector 58">
+              <a:extLst>
+                <a:ext uri="{FF2B5EF4-FFF2-40B4-BE49-F238E27FC236}">
+                  <a16:creationId xmlns:a16="http://schemas.microsoft.com/office/drawing/2014/main" id="{1FC677F3-4289-4A94-BC24-701362965ADC}"/>
+                </a:ext>
+              </a:extLst>
+            </p:cNvPr>
+            <p:cNvCxnSpPr>
+              <a:cxnSpLocks/>
+              <a:stCxn id="48" idx="2"/>
+            </p:cNvCxnSpPr>
+            <p:nvPr/>
+          </p:nvCxnSpPr>
+          <p:spPr>
+            <a:xfrm>
+              <a:off x="8442794" y="4267200"/>
+              <a:ext cx="0" cy="1271288"/>
+            </a:xfrm>
+            <a:prstGeom prst="line">
+              <a:avLst/>
+            </a:prstGeom>
+            <a:ln w="19050">
+              <a:solidFill>
+                <a:srgbClr val="0070C0"/>
+              </a:solidFill>
+              <a:prstDash val="sysDash"/>
+            </a:ln>
+            <a:effectLst/>
+          </p:spPr>
+          <p:style>
+            <a:lnRef idx="1">
+              <a:schemeClr val="accent1"/>
+            </a:lnRef>
+            <a:fillRef idx="2">
+              <a:schemeClr val="accent1"/>
+            </a:fillRef>
+            <a:effectRef idx="1">
+              <a:schemeClr val="accent1"/>
+            </a:effectRef>
+            <a:fontRef idx="minor">
+              <a:schemeClr val="dk1"/>
+            </a:fontRef>
+          </p:style>
+        </p:cxnSp>
         <p:sp>
           <p:nvSpPr>
-            <p:cNvPr id="85" name="TextBox 84">
+            <p:cNvPr id="62" name="TextBox 61">
               <a:extLst>
                 <a:ext uri="{FF2B5EF4-FFF2-40B4-BE49-F238E27FC236}">
-                  <a16:creationId xmlns:a16="http://schemas.microsoft.com/office/drawing/2014/main" id="{C636911B-7D54-4AB0-8BC1-912CC212815F}"/>
+                  <a16:creationId xmlns:a16="http://schemas.microsoft.com/office/drawing/2014/main" id="{9B0E400E-E4A9-4D9B-9FC9-3F1365F7D11D}"/>
                 </a:ext>
               </a:extLst>
             </p:cNvPr>
@@ -9476,8 +9352,8 @@
           </p:nvSpPr>
           <p:spPr>
             <a:xfrm>
-              <a:off x="5033665" y="4199590"/>
-              <a:ext cx="258404" cy="261610"/>
+              <a:off x="3978703" y="4732097"/>
+              <a:ext cx="612862" cy="220903"/>
             </a:xfrm>
             <a:prstGeom prst="rect">
               <a:avLst/>
@@ -9485,18 +9361,71 @@
             <a:noFill/>
           </p:spPr>
           <p:txBody>
-            <a:bodyPr wrap="none" rtlCol="0">
+            <a:bodyPr wrap="square" lIns="0" tIns="0" rIns="0" bIns="0" rtlCol="0">
               <a:spAutoFit/>
             </a:bodyPr>
-            <a:lstStyle/>
+            <a:lstStyle>
+              <a:defPPr>
+                <a:defRPr lang="en-US"/>
+              </a:defPPr>
+              <a:lvl1pPr algn="r">
+                <a:defRPr sz="1400">
+                  <a:solidFill>
+                    <a:srgbClr val="0070C0"/>
+                  </a:solidFill>
+                </a:defRPr>
+              </a:lvl1pPr>
+            </a:lstStyle>
             <a:p>
               <a:r>
-                <a:rPr lang="en-SG" sz="1100" dirty="0">
+                <a:rPr lang="en-US" dirty="0"/>
+                <a:t>return</a:t>
+              </a:r>
+            </a:p>
+          </p:txBody>
+        </p:sp>
+        <p:sp>
+          <p:nvSpPr>
+            <p:cNvPr id="63" name="TextBox 62">
+              <a:extLst>
+                <a:ext uri="{FF2B5EF4-FFF2-40B4-BE49-F238E27FC236}">
+                  <a16:creationId xmlns:a16="http://schemas.microsoft.com/office/drawing/2014/main" id="{9AE01D13-C2E5-4D87-8399-803716F137AC}"/>
+                </a:ext>
+              </a:extLst>
+            </p:cNvPr>
+            <p:cNvSpPr txBox="1"/>
+            <p:nvPr/>
+          </p:nvSpPr>
+          <p:spPr>
+            <a:xfrm>
+              <a:off x="2130338" y="4867404"/>
+              <a:ext cx="612862" cy="220903"/>
+            </a:xfrm>
+            <a:prstGeom prst="rect">
+              <a:avLst/>
+            </a:prstGeom>
+            <a:noFill/>
+          </p:spPr>
+          <p:txBody>
+            <a:bodyPr wrap="square" lIns="0" tIns="0" rIns="0" bIns="0" rtlCol="0">
+              <a:spAutoFit/>
+            </a:bodyPr>
+            <a:lstStyle>
+              <a:defPPr>
+                <a:defRPr lang="en-US"/>
+              </a:defPPr>
+              <a:lvl1pPr algn="r">
+                <a:defRPr sz="1400">
                   <a:solidFill>
-                    <a:srgbClr val="002060"/>
+                    <a:srgbClr val="0070C0"/>
                   </a:solidFill>
-                </a:rPr>
-                <a:t>X</a:t>
+                </a:defRPr>
+              </a:lvl1pPr>
+            </a:lstStyle>
+            <a:p>
+              <a:r>
+                <a:rPr lang="en-US" dirty="0"/>
+                <a:t>return</a:t>
               </a:r>
             </a:p>
           </p:txBody>
@@ -13497,6 +13426,3025 @@
     <p:extLst>
       <p:ext uri="{BB962C8B-B14F-4D97-AF65-F5344CB8AC3E}">
         <p14:creationId xmlns:p14="http://schemas.microsoft.com/office/powerpoint/2010/main" val="2761728219"/>
+      </p:ext>
+    </p:extLst>
+  </p:cSld>
+  <p:clrMapOvr>
+    <a:masterClrMapping/>
+  </p:clrMapOvr>
+</p:sld>
+</file>
+
+<file path=ppt/slides/slide7.xml><?xml version="1.0" encoding="utf-8"?>
+<p:sld xmlns:a="http://schemas.openxmlformats.org/drawingml/2006/main" xmlns:r="http://schemas.openxmlformats.org/officeDocument/2006/relationships" xmlns:p="http://schemas.openxmlformats.org/presentationml/2006/main">
+  <p:cSld>
+    <p:spTree>
+      <p:nvGrpSpPr>
+        <p:cNvPr id="1" name=""/>
+        <p:cNvGrpSpPr/>
+        <p:nvPr/>
+      </p:nvGrpSpPr>
+      <p:grpSpPr>
+        <a:xfrm>
+          <a:off x="0" y="0"/>
+          <a:ext cx="0" cy="0"/>
+          <a:chOff x="0" y="0"/>
+          <a:chExt cx="0" cy="0"/>
+        </a:xfrm>
+      </p:grpSpPr>
+      <p:sp>
+        <p:nvSpPr>
+          <p:cNvPr id="3" name="Rectangle 65">
+            <a:extLst>
+              <a:ext uri="{FF2B5EF4-FFF2-40B4-BE49-F238E27FC236}">
+                <a16:creationId xmlns:a16="http://schemas.microsoft.com/office/drawing/2014/main" id="{0D197A8D-B416-47DE-A2FC-A82485B34CD7}"/>
+              </a:ext>
+            </a:extLst>
+          </p:cNvPr>
+          <p:cNvSpPr/>
+          <p:nvPr/>
+        </p:nvSpPr>
+        <p:spPr>
+          <a:xfrm>
+            <a:off x="685800" y="1981200"/>
+            <a:ext cx="8382000" cy="4000286"/>
+          </a:xfrm>
+          <a:prstGeom prst="roundRect">
+            <a:avLst>
+              <a:gd name="adj" fmla="val 3484"/>
+            </a:avLst>
+          </a:prstGeom>
+          <a:solidFill>
+            <a:schemeClr val="accent1">
+              <a:lumMod val="20000"/>
+              <a:lumOff val="80000"/>
+            </a:schemeClr>
+          </a:solidFill>
+          <a:ln w="19050">
+            <a:noFill/>
+          </a:ln>
+          <a:effectLst/>
+        </p:spPr>
+        <p:style>
+          <a:lnRef idx="1">
+            <a:schemeClr val="accent2"/>
+          </a:lnRef>
+          <a:fillRef idx="2">
+            <a:schemeClr val="accent2"/>
+          </a:fillRef>
+          <a:effectRef idx="1">
+            <a:schemeClr val="accent2"/>
+          </a:effectRef>
+          <a:fontRef idx="minor">
+            <a:schemeClr val="dk1"/>
+          </a:fontRef>
+        </p:style>
+        <p:txBody>
+          <a:bodyPr rtlCol="0" anchor="t"/>
+          <a:lstStyle/>
+          <a:p>
+            <a:r>
+              <a:rPr lang="en-US" sz="1200" b="1" dirty="0">
+                <a:solidFill>
+                  <a:srgbClr val="0070C0"/>
+                </a:solidFill>
+              </a:rPr>
+              <a:t>Logic</a:t>
+            </a:r>
+            <a:endParaRPr lang="en-SG" sz="1200" b="1" dirty="0">
+              <a:solidFill>
+                <a:srgbClr val="0070C0"/>
+              </a:solidFill>
+            </a:endParaRPr>
+          </a:p>
+        </p:txBody>
+      </p:sp>
+      <p:sp>
+        <p:nvSpPr>
+          <p:cNvPr id="4" name="Rectangle 62">
+            <a:extLst>
+              <a:ext uri="{FF2B5EF4-FFF2-40B4-BE49-F238E27FC236}">
+                <a16:creationId xmlns:a16="http://schemas.microsoft.com/office/drawing/2014/main" id="{6B5342B4-E65F-451C-923C-1E398AAE47EE}"/>
+              </a:ext>
+            </a:extLst>
+          </p:cNvPr>
+          <p:cNvSpPr/>
+          <p:nvPr/>
+        </p:nvSpPr>
+        <p:spPr>
+          <a:xfrm>
+            <a:off x="845045" y="2296546"/>
+            <a:ext cx="1455629" cy="346760"/>
+          </a:xfrm>
+          <a:prstGeom prst="rect">
+            <a:avLst/>
+          </a:prstGeom>
+          <a:solidFill>
+            <a:srgbClr val="0070C0"/>
+          </a:solidFill>
+          <a:ln w="19050">
+            <a:solidFill>
+              <a:srgbClr val="0070C0"/>
+            </a:solidFill>
+          </a:ln>
+          <a:effectLst/>
+        </p:spPr>
+        <p:style>
+          <a:lnRef idx="1">
+            <a:schemeClr val="accent2"/>
+          </a:lnRef>
+          <a:fillRef idx="2">
+            <a:schemeClr val="accent2"/>
+          </a:fillRef>
+          <a:effectRef idx="1">
+            <a:schemeClr val="accent2"/>
+          </a:effectRef>
+          <a:fontRef idx="minor">
+            <a:schemeClr val="dk1"/>
+          </a:fontRef>
+        </p:style>
+        <p:txBody>
+          <a:bodyPr rtlCol="0" anchor="ctr"/>
+          <a:lstStyle/>
+          <a:p>
+            <a:pPr algn="ctr"/>
+            <a:r>
+              <a:rPr lang="en-US" sz="1600" dirty="0">
+                <a:solidFill>
+                  <a:schemeClr val="bg1"/>
+                </a:solidFill>
+              </a:rPr>
+              <a:t>:</a:t>
+            </a:r>
+            <a:r>
+              <a:rPr lang="en-US" sz="1600" dirty="0" err="1">
+                <a:solidFill>
+                  <a:schemeClr val="bg1"/>
+                </a:solidFill>
+              </a:rPr>
+              <a:t>LogicManager</a:t>
+            </a:r>
+            <a:endParaRPr lang="en-SG" sz="1600" dirty="0">
+              <a:solidFill>
+                <a:schemeClr val="bg1"/>
+              </a:solidFill>
+            </a:endParaRPr>
+          </a:p>
+        </p:txBody>
+      </p:sp>
+      <p:cxnSp>
+        <p:nvCxnSpPr>
+          <p:cNvPr id="5" name="Straight Connector 4">
+            <a:extLst>
+              <a:ext uri="{FF2B5EF4-FFF2-40B4-BE49-F238E27FC236}">
+                <a16:creationId xmlns:a16="http://schemas.microsoft.com/office/drawing/2014/main" id="{48516C7E-78EA-4587-9F7A-54F22814E683}"/>
+              </a:ext>
+            </a:extLst>
+          </p:cNvPr>
+          <p:cNvCxnSpPr/>
+          <p:nvPr/>
+        </p:nvCxnSpPr>
+        <p:spPr>
+          <a:xfrm>
+            <a:off x="1572859" y="2660217"/>
+            <a:ext cx="0" cy="2597583"/>
+          </a:xfrm>
+          <a:prstGeom prst="line">
+            <a:avLst/>
+          </a:prstGeom>
+          <a:ln w="19050">
+            <a:solidFill>
+              <a:srgbClr val="0070C0"/>
+            </a:solidFill>
+            <a:prstDash val="sysDash"/>
+          </a:ln>
+          <a:effectLst/>
+        </p:spPr>
+        <p:style>
+          <a:lnRef idx="1">
+            <a:schemeClr val="accent1"/>
+          </a:lnRef>
+          <a:fillRef idx="2">
+            <a:schemeClr val="accent1"/>
+          </a:fillRef>
+          <a:effectRef idx="1">
+            <a:schemeClr val="accent1"/>
+          </a:effectRef>
+          <a:fontRef idx="minor">
+            <a:schemeClr val="dk1"/>
+          </a:fontRef>
+        </p:style>
+      </p:cxnSp>
+      <p:sp>
+        <p:nvSpPr>
+          <p:cNvPr id="6" name="Rectangle 5">
+            <a:extLst>
+              <a:ext uri="{FF2B5EF4-FFF2-40B4-BE49-F238E27FC236}">
+                <a16:creationId xmlns:a16="http://schemas.microsoft.com/office/drawing/2014/main" id="{7ECE8F87-4C7A-4344-A3FD-3CA113A7345D}"/>
+              </a:ext>
+            </a:extLst>
+          </p:cNvPr>
+          <p:cNvSpPr/>
+          <p:nvPr/>
+        </p:nvSpPr>
+        <p:spPr>
+          <a:xfrm>
+            <a:off x="1500851" y="3010911"/>
+            <a:ext cx="152400" cy="2780287"/>
+          </a:xfrm>
+          <a:prstGeom prst="rect">
+            <a:avLst/>
+          </a:prstGeom>
+          <a:solidFill>
+            <a:srgbClr val="0070C0"/>
+          </a:solidFill>
+          <a:ln>
+            <a:solidFill>
+              <a:srgbClr val="0070C0"/>
+            </a:solidFill>
+          </a:ln>
+          <a:effectLst/>
+        </p:spPr>
+        <p:style>
+          <a:lnRef idx="1">
+            <a:schemeClr val="accent3"/>
+          </a:lnRef>
+          <a:fillRef idx="2">
+            <a:schemeClr val="accent3"/>
+          </a:fillRef>
+          <a:effectRef idx="1">
+            <a:schemeClr val="accent3"/>
+          </a:effectRef>
+          <a:fontRef idx="minor">
+            <a:schemeClr val="dk1"/>
+          </a:fontRef>
+        </p:style>
+        <p:txBody>
+          <a:bodyPr rtlCol="0" anchor="ctr"/>
+          <a:lstStyle/>
+          <a:p>
+            <a:pPr algn="ctr"/>
+            <a:endParaRPr lang="en-SG" sz="1400"/>
+          </a:p>
+        </p:txBody>
+      </p:sp>
+      <p:sp>
+        <p:nvSpPr>
+          <p:cNvPr id="7" name="Rectangle 62">
+            <a:extLst>
+              <a:ext uri="{FF2B5EF4-FFF2-40B4-BE49-F238E27FC236}">
+                <a16:creationId xmlns:a16="http://schemas.microsoft.com/office/drawing/2014/main" id="{D7B7274B-3E7A-4679-BDAC-329EA0EE3B20}"/>
+              </a:ext>
+            </a:extLst>
+          </p:cNvPr>
+          <p:cNvSpPr/>
+          <p:nvPr/>
+        </p:nvSpPr>
+        <p:spPr>
+          <a:xfrm>
+            <a:off x="2743200" y="2179309"/>
+            <a:ext cx="1219200" cy="467684"/>
+          </a:xfrm>
+          <a:prstGeom prst="rect">
+            <a:avLst/>
+          </a:prstGeom>
+          <a:solidFill>
+            <a:srgbClr val="0070C0"/>
+          </a:solidFill>
+          <a:ln w="19050">
+            <a:solidFill>
+              <a:srgbClr val="0070C0"/>
+            </a:solidFill>
+          </a:ln>
+          <a:effectLst/>
+        </p:spPr>
+        <p:style>
+          <a:lnRef idx="1">
+            <a:schemeClr val="accent2"/>
+          </a:lnRef>
+          <a:fillRef idx="2">
+            <a:schemeClr val="accent2"/>
+          </a:fillRef>
+          <a:effectRef idx="1">
+            <a:schemeClr val="accent2"/>
+          </a:effectRef>
+          <a:fontRef idx="minor">
+            <a:schemeClr val="dk1"/>
+          </a:fontRef>
+        </p:style>
+        <p:txBody>
+          <a:bodyPr rtlCol="0" anchor="ctr"/>
+          <a:lstStyle/>
+          <a:p>
+            <a:pPr algn="ctr"/>
+            <a:r>
+              <a:rPr lang="en-US" sz="1600" dirty="0">
+                <a:solidFill>
+                  <a:schemeClr val="bg1"/>
+                </a:solidFill>
+              </a:rPr>
+              <a:t>:Address</a:t>
+            </a:r>
+          </a:p>
+          <a:p>
+            <a:pPr algn="ctr"/>
+            <a:r>
+              <a:rPr lang="en-US" sz="1600" dirty="0" err="1">
+                <a:solidFill>
+                  <a:schemeClr val="bg1"/>
+                </a:solidFill>
+              </a:rPr>
+              <a:t>BookParser</a:t>
+            </a:r>
+            <a:endParaRPr lang="en-SG" sz="1600" dirty="0">
+              <a:solidFill>
+                <a:schemeClr val="bg1"/>
+              </a:solidFill>
+            </a:endParaRPr>
+          </a:p>
+        </p:txBody>
+      </p:sp>
+      <p:cxnSp>
+        <p:nvCxnSpPr>
+          <p:cNvPr id="8" name="Straight Connector 7">
+            <a:extLst>
+              <a:ext uri="{FF2B5EF4-FFF2-40B4-BE49-F238E27FC236}">
+                <a16:creationId xmlns:a16="http://schemas.microsoft.com/office/drawing/2014/main" id="{925FA914-04D3-4CD1-BF3B-FA052067D5F0}"/>
+              </a:ext>
+            </a:extLst>
+          </p:cNvPr>
+          <p:cNvCxnSpPr>
+            <a:cxnSpLocks/>
+          </p:cNvCxnSpPr>
+          <p:nvPr/>
+        </p:nvCxnSpPr>
+        <p:spPr>
+          <a:xfrm>
+            <a:off x="3356599" y="2663904"/>
+            <a:ext cx="23015" cy="2746296"/>
+          </a:xfrm>
+          <a:prstGeom prst="line">
+            <a:avLst/>
+          </a:prstGeom>
+          <a:ln w="19050">
+            <a:solidFill>
+              <a:srgbClr val="0070C0"/>
+            </a:solidFill>
+            <a:prstDash val="sysDash"/>
+          </a:ln>
+          <a:effectLst/>
+        </p:spPr>
+        <p:style>
+          <a:lnRef idx="1">
+            <a:schemeClr val="accent1"/>
+          </a:lnRef>
+          <a:fillRef idx="2">
+            <a:schemeClr val="accent1"/>
+          </a:fillRef>
+          <a:effectRef idx="1">
+            <a:schemeClr val="accent1"/>
+          </a:effectRef>
+          <a:fontRef idx="minor">
+            <a:schemeClr val="dk1"/>
+          </a:fontRef>
+        </p:style>
+      </p:cxnSp>
+      <p:sp>
+        <p:nvSpPr>
+          <p:cNvPr id="9" name="Rectangle 8">
+            <a:extLst>
+              <a:ext uri="{FF2B5EF4-FFF2-40B4-BE49-F238E27FC236}">
+                <a16:creationId xmlns:a16="http://schemas.microsoft.com/office/drawing/2014/main" id="{FFCFB79C-21F0-42A0-B19A-8491B6BB52D9}"/>
+              </a:ext>
+            </a:extLst>
+          </p:cNvPr>
+          <p:cNvSpPr/>
+          <p:nvPr/>
+        </p:nvSpPr>
+        <p:spPr>
+          <a:xfrm>
+            <a:off x="3284590" y="3122096"/>
+            <a:ext cx="190048" cy="1972548"/>
+          </a:xfrm>
+          <a:prstGeom prst="rect">
+            <a:avLst/>
+          </a:prstGeom>
+          <a:solidFill>
+            <a:srgbClr val="0070C0"/>
+          </a:solidFill>
+          <a:ln>
+            <a:solidFill>
+              <a:srgbClr val="0070C0"/>
+            </a:solidFill>
+          </a:ln>
+          <a:effectLst/>
+        </p:spPr>
+        <p:style>
+          <a:lnRef idx="1">
+            <a:schemeClr val="accent3"/>
+          </a:lnRef>
+          <a:fillRef idx="2">
+            <a:schemeClr val="accent3"/>
+          </a:fillRef>
+          <a:effectRef idx="1">
+            <a:schemeClr val="accent3"/>
+          </a:effectRef>
+          <a:fontRef idx="minor">
+            <a:schemeClr val="dk1"/>
+          </a:fontRef>
+        </p:style>
+        <p:txBody>
+          <a:bodyPr rtlCol="0" anchor="ctr"/>
+          <a:lstStyle/>
+          <a:p>
+            <a:pPr algn="ctr"/>
+            <a:endParaRPr lang="en-SG" sz="1400">
+              <a:solidFill>
+                <a:schemeClr val="dk1"/>
+              </a:solidFill>
+            </a:endParaRPr>
+          </a:p>
+        </p:txBody>
+      </p:sp>
+      <p:sp>
+        <p:nvSpPr>
+          <p:cNvPr id="10" name="Rectangle 62">
+            <a:extLst>
+              <a:ext uri="{FF2B5EF4-FFF2-40B4-BE49-F238E27FC236}">
+                <a16:creationId xmlns:a16="http://schemas.microsoft.com/office/drawing/2014/main" id="{4CFC33B0-C739-4B99-8D45-D2FD24409312}"/>
+              </a:ext>
+            </a:extLst>
+          </p:cNvPr>
+          <p:cNvSpPr/>
+          <p:nvPr/>
+        </p:nvSpPr>
+        <p:spPr>
+          <a:xfrm>
+            <a:off x="7895976" y="3805662"/>
+            <a:ext cx="1093635" cy="461538"/>
+          </a:xfrm>
+          <a:prstGeom prst="rect">
+            <a:avLst/>
+          </a:prstGeom>
+          <a:solidFill>
+            <a:srgbClr val="0070C0"/>
+          </a:solidFill>
+          <a:ln w="19050">
+            <a:solidFill>
+              <a:srgbClr val="0070C0"/>
+            </a:solidFill>
+          </a:ln>
+          <a:effectLst/>
+        </p:spPr>
+        <p:style>
+          <a:lnRef idx="1">
+            <a:schemeClr val="accent2"/>
+          </a:lnRef>
+          <a:fillRef idx="2">
+            <a:schemeClr val="accent2"/>
+          </a:fillRef>
+          <a:effectRef idx="1">
+            <a:schemeClr val="accent2"/>
+          </a:effectRef>
+          <a:fontRef idx="minor">
+            <a:schemeClr val="dk1"/>
+          </a:fontRef>
+        </p:style>
+        <p:txBody>
+          <a:bodyPr rtlCol="0" anchor="ctr"/>
+          <a:lstStyle/>
+          <a:p>
+            <a:pPr algn="ctr"/>
+            <a:r>
+              <a:rPr lang="en-US" sz="1600" dirty="0">
+                <a:solidFill>
+                  <a:schemeClr val="bg1"/>
+                </a:solidFill>
+              </a:rPr>
+              <a:t>d:Find</a:t>
+            </a:r>
+            <a:br>
+              <a:rPr lang="en-US" sz="1600" dirty="0">
+                <a:solidFill>
+                  <a:schemeClr val="bg1"/>
+                </a:solidFill>
+              </a:rPr>
+            </a:br>
+            <a:r>
+              <a:rPr lang="en-US" sz="1600" dirty="0">
+                <a:solidFill>
+                  <a:schemeClr val="bg1"/>
+                </a:solidFill>
+              </a:rPr>
+              <a:t>Command</a:t>
+            </a:r>
+            <a:endParaRPr lang="en-SG" sz="1600" dirty="0">
+              <a:solidFill>
+                <a:schemeClr val="bg1"/>
+              </a:solidFill>
+            </a:endParaRPr>
+          </a:p>
+        </p:txBody>
+      </p:sp>
+      <p:cxnSp>
+        <p:nvCxnSpPr>
+          <p:cNvPr id="11" name="Straight Connector 10">
+            <a:extLst>
+              <a:ext uri="{FF2B5EF4-FFF2-40B4-BE49-F238E27FC236}">
+                <a16:creationId xmlns:a16="http://schemas.microsoft.com/office/drawing/2014/main" id="{85E30059-77D3-47E3-9072-EF86C17C6175}"/>
+              </a:ext>
+            </a:extLst>
+          </p:cNvPr>
+          <p:cNvCxnSpPr>
+            <a:cxnSpLocks/>
+            <a:stCxn id="12" idx="0"/>
+          </p:cNvCxnSpPr>
+          <p:nvPr/>
+        </p:nvCxnSpPr>
+        <p:spPr>
+          <a:xfrm>
+            <a:off x="7095522" y="3774278"/>
+            <a:ext cx="0" cy="1635922"/>
+          </a:xfrm>
+          <a:prstGeom prst="line">
+            <a:avLst/>
+          </a:prstGeom>
+          <a:ln w="19050">
+            <a:solidFill>
+              <a:srgbClr val="0070C0"/>
+            </a:solidFill>
+            <a:prstDash val="sysDash"/>
+          </a:ln>
+          <a:effectLst/>
+        </p:spPr>
+        <p:style>
+          <a:lnRef idx="1">
+            <a:schemeClr val="accent1"/>
+          </a:lnRef>
+          <a:fillRef idx="2">
+            <a:schemeClr val="accent1"/>
+          </a:fillRef>
+          <a:effectRef idx="1">
+            <a:schemeClr val="accent1"/>
+          </a:effectRef>
+          <a:fontRef idx="minor">
+            <a:schemeClr val="dk1"/>
+          </a:fontRef>
+        </p:style>
+      </p:cxnSp>
+      <p:sp>
+        <p:nvSpPr>
+          <p:cNvPr id="12" name="Rectangle 11">
+            <a:extLst>
+              <a:ext uri="{FF2B5EF4-FFF2-40B4-BE49-F238E27FC236}">
+                <a16:creationId xmlns:a16="http://schemas.microsoft.com/office/drawing/2014/main" id="{19418F9F-9931-4C76-9C1E-9978E707BA1A}"/>
+              </a:ext>
+            </a:extLst>
+          </p:cNvPr>
+          <p:cNvSpPr/>
+          <p:nvPr/>
+        </p:nvSpPr>
+        <p:spPr>
+          <a:xfrm>
+            <a:off x="7019322" y="3774278"/>
+            <a:ext cx="152400" cy="276003"/>
+          </a:xfrm>
+          <a:prstGeom prst="rect">
+            <a:avLst/>
+          </a:prstGeom>
+          <a:solidFill>
+            <a:srgbClr val="0070C0"/>
+          </a:solidFill>
+          <a:ln>
+            <a:solidFill>
+              <a:srgbClr val="0070C0"/>
+            </a:solidFill>
+          </a:ln>
+          <a:effectLst/>
+        </p:spPr>
+        <p:style>
+          <a:lnRef idx="1">
+            <a:schemeClr val="accent3"/>
+          </a:lnRef>
+          <a:fillRef idx="2">
+            <a:schemeClr val="accent3"/>
+          </a:fillRef>
+          <a:effectRef idx="1">
+            <a:schemeClr val="accent3"/>
+          </a:effectRef>
+          <a:fontRef idx="minor">
+            <a:schemeClr val="dk1"/>
+          </a:fontRef>
+        </p:style>
+        <p:txBody>
+          <a:bodyPr rtlCol="0" anchor="ctr"/>
+          <a:lstStyle/>
+          <a:p>
+            <a:pPr algn="ctr"/>
+            <a:endParaRPr lang="en-SG" sz="1400"/>
+          </a:p>
+        </p:txBody>
+      </p:sp>
+      <p:cxnSp>
+        <p:nvCxnSpPr>
+          <p:cNvPr id="13" name="Straight Arrow Connector 12">
+            <a:extLst>
+              <a:ext uri="{FF2B5EF4-FFF2-40B4-BE49-F238E27FC236}">
+                <a16:creationId xmlns:a16="http://schemas.microsoft.com/office/drawing/2014/main" id="{7FBAB53F-99D7-454D-B8F7-10CAB86C6AE3}"/>
+              </a:ext>
+            </a:extLst>
+          </p:cNvPr>
+          <p:cNvCxnSpPr/>
+          <p:nvPr/>
+        </p:nvCxnSpPr>
+        <p:spPr>
+          <a:xfrm>
+            <a:off x="381000" y="3014599"/>
+            <a:ext cx="1119851" cy="0"/>
+          </a:xfrm>
+          <a:prstGeom prst="straightConnector1">
+            <a:avLst/>
+          </a:prstGeom>
+          <a:ln w="19050">
+            <a:solidFill>
+              <a:srgbClr val="00B050"/>
+            </a:solidFill>
+            <a:tailEnd type="arrow"/>
+          </a:ln>
+        </p:spPr>
+        <p:style>
+          <a:lnRef idx="1">
+            <a:schemeClr val="accent1"/>
+          </a:lnRef>
+          <a:fillRef idx="0">
+            <a:schemeClr val="accent1"/>
+          </a:fillRef>
+          <a:effectRef idx="0">
+            <a:schemeClr val="accent1"/>
+          </a:effectRef>
+          <a:fontRef idx="minor">
+            <a:schemeClr val="tx1"/>
+          </a:fontRef>
+        </p:style>
+      </p:cxnSp>
+      <p:cxnSp>
+        <p:nvCxnSpPr>
+          <p:cNvPr id="14" name="Straight Arrow Connector 13">
+            <a:extLst>
+              <a:ext uri="{FF2B5EF4-FFF2-40B4-BE49-F238E27FC236}">
+                <a16:creationId xmlns:a16="http://schemas.microsoft.com/office/drawing/2014/main" id="{86137ED3-7428-4CC3-8179-31B77341A3F8}"/>
+              </a:ext>
+            </a:extLst>
+          </p:cNvPr>
+          <p:cNvCxnSpPr/>
+          <p:nvPr/>
+        </p:nvCxnSpPr>
+        <p:spPr>
+          <a:xfrm flipV="1">
+            <a:off x="1653251" y="3122097"/>
+            <a:ext cx="1596514" cy="1"/>
+          </a:xfrm>
+          <a:prstGeom prst="straightConnector1">
+            <a:avLst/>
+          </a:prstGeom>
+          <a:ln w="19050">
+            <a:solidFill>
+              <a:srgbClr val="0070C0"/>
+            </a:solidFill>
+            <a:tailEnd type="arrow"/>
+          </a:ln>
+        </p:spPr>
+        <p:style>
+          <a:lnRef idx="1">
+            <a:schemeClr val="accent1"/>
+          </a:lnRef>
+          <a:fillRef idx="0">
+            <a:schemeClr val="accent1"/>
+          </a:fillRef>
+          <a:effectRef idx="0">
+            <a:schemeClr val="accent1"/>
+          </a:effectRef>
+          <a:fontRef idx="minor">
+            <a:schemeClr val="tx1"/>
+          </a:fontRef>
+        </p:style>
+      </p:cxnSp>
+      <p:sp>
+        <p:nvSpPr>
+          <p:cNvPr id="15" name="TextBox 14">
+            <a:extLst>
+              <a:ext uri="{FF2B5EF4-FFF2-40B4-BE49-F238E27FC236}">
+                <a16:creationId xmlns:a16="http://schemas.microsoft.com/office/drawing/2014/main" id="{83C9778E-0D03-4A03-AAE1-158BA7C384DA}"/>
+              </a:ext>
+            </a:extLst>
+          </p:cNvPr>
+          <p:cNvSpPr txBox="1"/>
+          <p:nvPr/>
+        </p:nvSpPr>
+        <p:spPr>
+          <a:xfrm>
+            <a:off x="-275323" y="2743200"/>
+            <a:ext cx="1700169" cy="215444"/>
+          </a:xfrm>
+          <a:prstGeom prst="rect">
+            <a:avLst/>
+          </a:prstGeom>
+          <a:noFill/>
+        </p:spPr>
+        <p:txBody>
+          <a:bodyPr wrap="square" lIns="0" tIns="0" rIns="0" bIns="0" rtlCol="0">
+            <a:spAutoFit/>
+          </a:bodyPr>
+          <a:lstStyle/>
+          <a:p>
+            <a:pPr algn="r"/>
+            <a:r>
+              <a:rPr lang="en-US" sz="1400" dirty="0">
+                <a:solidFill>
+                  <a:srgbClr val="0070C0"/>
+                </a:solidFill>
+              </a:rPr>
+              <a:t>execute(“Find m/Jan”)</a:t>
+            </a:r>
+          </a:p>
+        </p:txBody>
+      </p:sp>
+      <p:cxnSp>
+        <p:nvCxnSpPr>
+          <p:cNvPr id="16" name="Straight Arrow Connector 15">
+            <a:extLst>
+              <a:ext uri="{FF2B5EF4-FFF2-40B4-BE49-F238E27FC236}">
+                <a16:creationId xmlns:a16="http://schemas.microsoft.com/office/drawing/2014/main" id="{43CD2E05-A496-4565-A7C5-89E74C64D901}"/>
+              </a:ext>
+            </a:extLst>
+          </p:cNvPr>
+          <p:cNvCxnSpPr/>
+          <p:nvPr/>
+        </p:nvCxnSpPr>
+        <p:spPr>
+          <a:xfrm flipV="1">
+            <a:off x="5257218" y="3703214"/>
+            <a:ext cx="922392" cy="1"/>
+          </a:xfrm>
+          <a:prstGeom prst="straightConnector1">
+            <a:avLst/>
+          </a:prstGeom>
+          <a:ln w="19050">
+            <a:solidFill>
+              <a:srgbClr val="0070C0"/>
+            </a:solidFill>
+            <a:tailEnd type="arrow"/>
+          </a:ln>
+        </p:spPr>
+        <p:style>
+          <a:lnRef idx="1">
+            <a:schemeClr val="accent1"/>
+          </a:lnRef>
+          <a:fillRef idx="0">
+            <a:schemeClr val="accent1"/>
+          </a:fillRef>
+          <a:effectRef idx="0">
+            <a:schemeClr val="accent1"/>
+          </a:effectRef>
+          <a:fontRef idx="minor">
+            <a:schemeClr val="tx1"/>
+          </a:fontRef>
+        </p:style>
+      </p:cxnSp>
+      <p:cxnSp>
+        <p:nvCxnSpPr>
+          <p:cNvPr id="17" name="Straight Arrow Connector 16">
+            <a:extLst>
+              <a:ext uri="{FF2B5EF4-FFF2-40B4-BE49-F238E27FC236}">
+                <a16:creationId xmlns:a16="http://schemas.microsoft.com/office/drawing/2014/main" id="{F9BE0DAD-A87B-4EB5-919B-D47830F0AAD4}"/>
+              </a:ext>
+            </a:extLst>
+          </p:cNvPr>
+          <p:cNvCxnSpPr>
+            <a:cxnSpLocks/>
+            <a:endCxn id="12" idx="2"/>
+          </p:cNvCxnSpPr>
+          <p:nvPr/>
+        </p:nvCxnSpPr>
+        <p:spPr>
+          <a:xfrm>
+            <a:off x="5257800" y="4050281"/>
+            <a:ext cx="1837722" cy="0"/>
+          </a:xfrm>
+          <a:prstGeom prst="straightConnector1">
+            <a:avLst/>
+          </a:prstGeom>
+          <a:ln w="19050">
+            <a:solidFill>
+              <a:srgbClr val="0070C0"/>
+            </a:solidFill>
+            <a:prstDash val="sysDash"/>
+            <a:headEnd type="arrow" w="med" len="med"/>
+            <a:tailEnd type="none" w="med" len="med"/>
+          </a:ln>
+        </p:spPr>
+        <p:style>
+          <a:lnRef idx="1">
+            <a:schemeClr val="accent1"/>
+          </a:lnRef>
+          <a:fillRef idx="0">
+            <a:schemeClr val="accent1"/>
+          </a:fillRef>
+          <a:effectRef idx="0">
+            <a:schemeClr val="accent1"/>
+          </a:effectRef>
+          <a:fontRef idx="minor">
+            <a:schemeClr val="tx1"/>
+          </a:fontRef>
+        </p:style>
+      </p:cxnSp>
+      <p:cxnSp>
+        <p:nvCxnSpPr>
+          <p:cNvPr id="18" name="Straight Arrow Connector 17">
+            <a:extLst>
+              <a:ext uri="{FF2B5EF4-FFF2-40B4-BE49-F238E27FC236}">
+                <a16:creationId xmlns:a16="http://schemas.microsoft.com/office/drawing/2014/main" id="{E7CB0B45-F740-48EF-974D-CD43A739EA85}"/>
+              </a:ext>
+            </a:extLst>
+          </p:cNvPr>
+          <p:cNvCxnSpPr/>
+          <p:nvPr/>
+        </p:nvCxnSpPr>
+        <p:spPr>
+          <a:xfrm flipV="1">
+            <a:off x="1661179" y="5085618"/>
+            <a:ext cx="1596514" cy="5378"/>
+          </a:xfrm>
+          <a:prstGeom prst="straightConnector1">
+            <a:avLst/>
+          </a:prstGeom>
+          <a:ln w="19050">
+            <a:solidFill>
+              <a:srgbClr val="0070C0"/>
+            </a:solidFill>
+            <a:prstDash val="sysDash"/>
+            <a:headEnd type="arrow" w="med" len="med"/>
+            <a:tailEnd type="none" w="med" len="med"/>
+          </a:ln>
+        </p:spPr>
+        <p:style>
+          <a:lnRef idx="1">
+            <a:schemeClr val="accent1"/>
+          </a:lnRef>
+          <a:fillRef idx="0">
+            <a:schemeClr val="accent1"/>
+          </a:fillRef>
+          <a:effectRef idx="0">
+            <a:schemeClr val="accent1"/>
+          </a:effectRef>
+          <a:fontRef idx="minor">
+            <a:schemeClr val="tx1"/>
+          </a:fontRef>
+        </p:style>
+      </p:cxnSp>
+      <p:cxnSp>
+        <p:nvCxnSpPr>
+          <p:cNvPr id="19" name="Straight Arrow Connector 18">
+            <a:extLst>
+              <a:ext uri="{FF2B5EF4-FFF2-40B4-BE49-F238E27FC236}">
+                <a16:creationId xmlns:a16="http://schemas.microsoft.com/office/drawing/2014/main" id="{34CD0DB7-9DC4-43A9-9108-6021610D752F}"/>
+              </a:ext>
+            </a:extLst>
+          </p:cNvPr>
+          <p:cNvCxnSpPr/>
+          <p:nvPr/>
+        </p:nvCxnSpPr>
+        <p:spPr>
+          <a:xfrm>
+            <a:off x="304800" y="5791200"/>
+            <a:ext cx="1196051" cy="0"/>
+          </a:xfrm>
+          <a:prstGeom prst="straightConnector1">
+            <a:avLst/>
+          </a:prstGeom>
+          <a:ln w="19050">
+            <a:solidFill>
+              <a:schemeClr val="accent1"/>
+            </a:solidFill>
+            <a:prstDash val="sysDash"/>
+            <a:headEnd type="arrow" w="med" len="med"/>
+            <a:tailEnd type="none" w="med" len="med"/>
+          </a:ln>
+        </p:spPr>
+        <p:style>
+          <a:lnRef idx="1">
+            <a:schemeClr val="accent1"/>
+          </a:lnRef>
+          <a:fillRef idx="0">
+            <a:schemeClr val="accent1"/>
+          </a:fillRef>
+          <a:effectRef idx="0">
+            <a:schemeClr val="accent1"/>
+          </a:effectRef>
+          <a:fontRef idx="minor">
+            <a:schemeClr val="tx1"/>
+          </a:fontRef>
+        </p:style>
+      </p:cxnSp>
+      <p:cxnSp>
+        <p:nvCxnSpPr>
+          <p:cNvPr id="20" name="Straight Arrow Connector 19">
+            <a:extLst>
+              <a:ext uri="{FF2B5EF4-FFF2-40B4-BE49-F238E27FC236}">
+                <a16:creationId xmlns:a16="http://schemas.microsoft.com/office/drawing/2014/main" id="{94D73C4F-5D29-419D-9CE4-0AD6A9A8686C}"/>
+              </a:ext>
+            </a:extLst>
+          </p:cNvPr>
+          <p:cNvCxnSpPr>
+            <a:cxnSpLocks/>
+          </p:cNvCxnSpPr>
+          <p:nvPr/>
+        </p:nvCxnSpPr>
+        <p:spPr>
+          <a:xfrm>
+            <a:off x="3459519" y="4953000"/>
+            <a:ext cx="1600428" cy="0"/>
+          </a:xfrm>
+          <a:prstGeom prst="straightConnector1">
+            <a:avLst/>
+          </a:prstGeom>
+          <a:ln w="19050">
+            <a:solidFill>
+              <a:srgbClr val="0070C0"/>
+            </a:solidFill>
+            <a:prstDash val="sysDash"/>
+            <a:headEnd type="arrow" w="med" len="med"/>
+            <a:tailEnd type="none" w="med" len="med"/>
+          </a:ln>
+        </p:spPr>
+        <p:style>
+          <a:lnRef idx="1">
+            <a:schemeClr val="accent1"/>
+          </a:lnRef>
+          <a:fillRef idx="0">
+            <a:schemeClr val="accent1"/>
+          </a:fillRef>
+          <a:effectRef idx="0">
+            <a:schemeClr val="accent1"/>
+          </a:effectRef>
+          <a:fontRef idx="minor">
+            <a:schemeClr val="tx1"/>
+          </a:fontRef>
+        </p:style>
+      </p:cxnSp>
+      <p:sp>
+        <p:nvSpPr>
+          <p:cNvPr id="21" name="TextBox 20">
+            <a:extLst>
+              <a:ext uri="{FF2B5EF4-FFF2-40B4-BE49-F238E27FC236}">
+                <a16:creationId xmlns:a16="http://schemas.microsoft.com/office/drawing/2014/main" id="{C2E4B815-385D-4FDA-B95B-70E95FC8262A}"/>
+              </a:ext>
+            </a:extLst>
+          </p:cNvPr>
+          <p:cNvSpPr txBox="1"/>
+          <p:nvPr/>
+        </p:nvSpPr>
+        <p:spPr>
+          <a:xfrm>
+            <a:off x="3629363" y="3672116"/>
+            <a:ext cx="985221" cy="184666"/>
+          </a:xfrm>
+          <a:prstGeom prst="rect">
+            <a:avLst/>
+          </a:prstGeom>
+          <a:noFill/>
+        </p:spPr>
+        <p:txBody>
+          <a:bodyPr wrap="square" lIns="0" tIns="0" rIns="0" bIns="0" rtlCol="0">
+            <a:spAutoFit/>
+          </a:bodyPr>
+          <a:lstStyle>
+            <a:defPPr>
+              <a:defRPr lang="en-US"/>
+            </a:defPPr>
+            <a:lvl1pPr algn="r">
+              <a:defRPr sz="1400">
+                <a:solidFill>
+                  <a:srgbClr val="0070C0"/>
+                </a:solidFill>
+              </a:defRPr>
+            </a:lvl1pPr>
+          </a:lstStyle>
+          <a:p>
+            <a:r>
+              <a:rPr lang="en-US" sz="1200" dirty="0"/>
+              <a:t>parse(“m/Jan”)</a:t>
+            </a:r>
+          </a:p>
+        </p:txBody>
+      </p:sp>
+      <p:sp>
+        <p:nvSpPr>
+          <p:cNvPr id="22" name="TextBox 21">
+            <a:extLst>
+              <a:ext uri="{FF2B5EF4-FFF2-40B4-BE49-F238E27FC236}">
+                <a16:creationId xmlns:a16="http://schemas.microsoft.com/office/drawing/2014/main" id="{04DAA476-E2FE-4672-8569-F767D493B7E8}"/>
+              </a:ext>
+            </a:extLst>
+          </p:cNvPr>
+          <p:cNvSpPr txBox="1"/>
+          <p:nvPr/>
+        </p:nvSpPr>
+        <p:spPr>
+          <a:xfrm>
+            <a:off x="1496855" y="2850922"/>
+            <a:ext cx="1670973" cy="215444"/>
+          </a:xfrm>
+          <a:prstGeom prst="rect">
+            <a:avLst/>
+          </a:prstGeom>
+          <a:noFill/>
+        </p:spPr>
+        <p:txBody>
+          <a:bodyPr wrap="square" lIns="0" tIns="0" rIns="0" bIns="0" rtlCol="0">
+            <a:spAutoFit/>
+          </a:bodyPr>
+          <a:lstStyle>
+            <a:defPPr>
+              <a:defRPr lang="en-US"/>
+            </a:defPPr>
+            <a:lvl1pPr algn="r">
+              <a:defRPr sz="1400">
+                <a:solidFill>
+                  <a:srgbClr val="0070C0"/>
+                </a:solidFill>
+              </a:defRPr>
+            </a:lvl1pPr>
+          </a:lstStyle>
+          <a:p>
+            <a:r>
+              <a:rPr lang="en-US" dirty="0"/>
+              <a:t>parse(“Find m/Jan”)</a:t>
+            </a:r>
+          </a:p>
+        </p:txBody>
+      </p:sp>
+      <p:sp>
+        <p:nvSpPr>
+          <p:cNvPr id="23" name="TextBox 22">
+            <a:extLst>
+              <a:ext uri="{FF2B5EF4-FFF2-40B4-BE49-F238E27FC236}">
+                <a16:creationId xmlns:a16="http://schemas.microsoft.com/office/drawing/2014/main" id="{42FF5761-8509-41D6-9388-84963A5B4880}"/>
+              </a:ext>
+            </a:extLst>
+          </p:cNvPr>
+          <p:cNvSpPr txBox="1"/>
+          <p:nvPr/>
+        </p:nvSpPr>
+        <p:spPr>
+          <a:xfrm>
+            <a:off x="6199817" y="4572000"/>
+            <a:ext cx="612862" cy="220903"/>
+          </a:xfrm>
+          <a:prstGeom prst="rect">
+            <a:avLst/>
+          </a:prstGeom>
+          <a:noFill/>
+        </p:spPr>
+        <p:txBody>
+          <a:bodyPr wrap="square" lIns="0" tIns="0" rIns="0" bIns="0" rtlCol="0">
+            <a:spAutoFit/>
+          </a:bodyPr>
+          <a:lstStyle>
+            <a:defPPr>
+              <a:defRPr lang="en-US"/>
+            </a:defPPr>
+            <a:lvl1pPr algn="r">
+              <a:defRPr sz="1400">
+                <a:solidFill>
+                  <a:srgbClr val="0070C0"/>
+                </a:solidFill>
+              </a:defRPr>
+            </a:lvl1pPr>
+          </a:lstStyle>
+          <a:p>
+            <a:r>
+              <a:rPr lang="en-US" dirty="0"/>
+              <a:t>return</a:t>
+            </a:r>
+          </a:p>
+        </p:txBody>
+      </p:sp>
+      <p:sp>
+        <p:nvSpPr>
+          <p:cNvPr id="24" name="TextBox 23">
+            <a:extLst>
+              <a:ext uri="{FF2B5EF4-FFF2-40B4-BE49-F238E27FC236}">
+                <a16:creationId xmlns:a16="http://schemas.microsoft.com/office/drawing/2014/main" id="{8F6AFC30-3DFC-4EDD-A34B-A00F2AF239EA}"/>
+              </a:ext>
+            </a:extLst>
+          </p:cNvPr>
+          <p:cNvSpPr txBox="1"/>
+          <p:nvPr/>
+        </p:nvSpPr>
+        <p:spPr>
+          <a:xfrm>
+            <a:off x="599983" y="5538488"/>
+            <a:ext cx="762000" cy="215444"/>
+          </a:xfrm>
+          <a:prstGeom prst="rect">
+            <a:avLst/>
+          </a:prstGeom>
+          <a:noFill/>
+        </p:spPr>
+        <p:txBody>
+          <a:bodyPr wrap="square" lIns="0" tIns="0" rIns="0" bIns="0" rtlCol="0">
+            <a:spAutoFit/>
+          </a:bodyPr>
+          <a:lstStyle>
+            <a:defPPr>
+              <a:defRPr lang="en-US"/>
+            </a:defPPr>
+            <a:lvl1pPr algn="r">
+              <a:defRPr sz="1400">
+                <a:solidFill>
+                  <a:srgbClr val="0070C0"/>
+                </a:solidFill>
+              </a:defRPr>
+            </a:lvl1pPr>
+          </a:lstStyle>
+          <a:p>
+            <a:r>
+              <a:rPr lang="en-US" dirty="0"/>
+              <a:t>return</a:t>
+            </a:r>
+          </a:p>
+        </p:txBody>
+      </p:sp>
+      <p:sp>
+        <p:nvSpPr>
+          <p:cNvPr id="25" name="Rectangle 62">
+            <a:extLst>
+              <a:ext uri="{FF2B5EF4-FFF2-40B4-BE49-F238E27FC236}">
+                <a16:creationId xmlns:a16="http://schemas.microsoft.com/office/drawing/2014/main" id="{DD40B97D-46BE-453C-8377-64E87EF65281}"/>
+              </a:ext>
+            </a:extLst>
+          </p:cNvPr>
+          <p:cNvSpPr/>
+          <p:nvPr/>
+        </p:nvSpPr>
+        <p:spPr>
+          <a:xfrm>
+            <a:off x="6180361" y="3285484"/>
+            <a:ext cx="1805569" cy="461538"/>
+          </a:xfrm>
+          <a:prstGeom prst="rect">
+            <a:avLst/>
+          </a:prstGeom>
+          <a:solidFill>
+            <a:srgbClr val="0070C0"/>
+          </a:solidFill>
+          <a:ln w="19050">
+            <a:solidFill>
+              <a:srgbClr val="0070C0"/>
+            </a:solidFill>
+          </a:ln>
+          <a:effectLst/>
+        </p:spPr>
+        <p:style>
+          <a:lnRef idx="1">
+            <a:schemeClr val="accent2"/>
+          </a:lnRef>
+          <a:fillRef idx="2">
+            <a:schemeClr val="accent2"/>
+          </a:fillRef>
+          <a:effectRef idx="1">
+            <a:schemeClr val="accent2"/>
+          </a:effectRef>
+          <a:fontRef idx="minor">
+            <a:schemeClr val="dk1"/>
+          </a:fontRef>
+        </p:style>
+        <p:txBody>
+          <a:bodyPr rtlCol="0" anchor="ctr"/>
+          <a:lstStyle/>
+          <a:p>
+            <a:pPr algn="ctr"/>
+            <a:r>
+              <a:rPr lang="en-US" sz="1600" dirty="0">
+                <a:solidFill>
+                  <a:schemeClr val="bg1"/>
+                </a:solidFill>
+              </a:rPr>
+              <a:t>:</a:t>
+            </a:r>
+            <a:r>
+              <a:rPr lang="en-US" sz="1600" dirty="0" err="1">
+                <a:solidFill>
+                  <a:schemeClr val="bg1"/>
+                </a:solidFill>
+              </a:rPr>
+              <a:t>PersonContains</a:t>
+            </a:r>
+            <a:endParaRPr lang="en-US" sz="1600" dirty="0">
+              <a:solidFill>
+                <a:schemeClr val="bg1"/>
+              </a:solidFill>
+            </a:endParaRPr>
+          </a:p>
+          <a:p>
+            <a:pPr algn="ctr"/>
+            <a:r>
+              <a:rPr lang="en-US" sz="1600" dirty="0" err="1">
+                <a:solidFill>
+                  <a:schemeClr val="bg1"/>
+                </a:solidFill>
+              </a:rPr>
+              <a:t>KeywordsPredicate</a:t>
+            </a:r>
+            <a:endParaRPr lang="en-SG" sz="1600" dirty="0">
+              <a:solidFill>
+                <a:schemeClr val="bg1"/>
+              </a:solidFill>
+            </a:endParaRPr>
+          </a:p>
+        </p:txBody>
+      </p:sp>
+      <p:sp>
+        <p:nvSpPr>
+          <p:cNvPr id="26" name="Rectangle 25">
+            <a:extLst>
+              <a:ext uri="{FF2B5EF4-FFF2-40B4-BE49-F238E27FC236}">
+                <a16:creationId xmlns:a16="http://schemas.microsoft.com/office/drawing/2014/main" id="{9BD384D3-C06A-492B-BA0D-34D7285B6FA6}"/>
+              </a:ext>
+            </a:extLst>
+          </p:cNvPr>
+          <p:cNvSpPr/>
+          <p:nvPr/>
+        </p:nvSpPr>
+        <p:spPr>
+          <a:xfrm>
+            <a:off x="8328678" y="4439155"/>
+            <a:ext cx="212364" cy="361445"/>
+          </a:xfrm>
+          <a:prstGeom prst="rect">
+            <a:avLst/>
+          </a:prstGeom>
+          <a:solidFill>
+            <a:srgbClr val="0070C0"/>
+          </a:solidFill>
+          <a:ln>
+            <a:solidFill>
+              <a:srgbClr val="0070C0"/>
+            </a:solidFill>
+          </a:ln>
+          <a:effectLst/>
+        </p:spPr>
+        <p:style>
+          <a:lnRef idx="1">
+            <a:schemeClr val="accent3"/>
+          </a:lnRef>
+          <a:fillRef idx="2">
+            <a:schemeClr val="accent3"/>
+          </a:fillRef>
+          <a:effectRef idx="1">
+            <a:schemeClr val="accent3"/>
+          </a:effectRef>
+          <a:fontRef idx="minor">
+            <a:schemeClr val="dk1"/>
+          </a:fontRef>
+        </p:style>
+        <p:txBody>
+          <a:bodyPr rtlCol="0" anchor="ctr"/>
+          <a:lstStyle/>
+          <a:p>
+            <a:pPr algn="ctr"/>
+            <a:endParaRPr lang="en-SG" sz="1400"/>
+          </a:p>
+        </p:txBody>
+      </p:sp>
+      <p:cxnSp>
+        <p:nvCxnSpPr>
+          <p:cNvPr id="27" name="Straight Arrow Connector 26">
+            <a:extLst>
+              <a:ext uri="{FF2B5EF4-FFF2-40B4-BE49-F238E27FC236}">
+                <a16:creationId xmlns:a16="http://schemas.microsoft.com/office/drawing/2014/main" id="{66219504-475F-423F-995D-59BCBB64B54F}"/>
+              </a:ext>
+            </a:extLst>
+          </p:cNvPr>
+          <p:cNvCxnSpPr>
+            <a:cxnSpLocks/>
+          </p:cNvCxnSpPr>
+          <p:nvPr/>
+        </p:nvCxnSpPr>
+        <p:spPr>
+          <a:xfrm>
+            <a:off x="5239068" y="4800600"/>
+            <a:ext cx="3089610" cy="0"/>
+          </a:xfrm>
+          <a:prstGeom prst="straightConnector1">
+            <a:avLst/>
+          </a:prstGeom>
+          <a:ln w="19050">
+            <a:solidFill>
+              <a:srgbClr val="0070C0"/>
+            </a:solidFill>
+            <a:prstDash val="sysDash"/>
+            <a:headEnd type="arrow" w="med" len="med"/>
+            <a:tailEnd type="none" w="med" len="med"/>
+          </a:ln>
+        </p:spPr>
+        <p:style>
+          <a:lnRef idx="1">
+            <a:schemeClr val="accent1"/>
+          </a:lnRef>
+          <a:fillRef idx="0">
+            <a:schemeClr val="accent1"/>
+          </a:fillRef>
+          <a:effectRef idx="0">
+            <a:schemeClr val="accent1"/>
+          </a:effectRef>
+          <a:fontRef idx="minor">
+            <a:schemeClr val="tx1"/>
+          </a:fontRef>
+        </p:style>
+      </p:cxnSp>
+      <p:sp>
+        <p:nvSpPr>
+          <p:cNvPr id="28" name="Rectangle 62">
+            <a:extLst>
+              <a:ext uri="{FF2B5EF4-FFF2-40B4-BE49-F238E27FC236}">
+                <a16:creationId xmlns:a16="http://schemas.microsoft.com/office/drawing/2014/main" id="{E4BD8BF9-938E-4935-9C2A-5399FDBBDFC0}"/>
+              </a:ext>
+            </a:extLst>
+          </p:cNvPr>
+          <p:cNvSpPr/>
+          <p:nvPr/>
+        </p:nvSpPr>
+        <p:spPr>
+          <a:xfrm>
+            <a:off x="4231981" y="2929839"/>
+            <a:ext cx="1778201" cy="432035"/>
+          </a:xfrm>
+          <a:prstGeom prst="rect">
+            <a:avLst/>
+          </a:prstGeom>
+          <a:solidFill>
+            <a:srgbClr val="0070C0"/>
+          </a:solidFill>
+          <a:ln w="19050">
+            <a:solidFill>
+              <a:srgbClr val="0070C0"/>
+            </a:solidFill>
+          </a:ln>
+          <a:effectLst/>
+        </p:spPr>
+        <p:style>
+          <a:lnRef idx="1">
+            <a:schemeClr val="accent2"/>
+          </a:lnRef>
+          <a:fillRef idx="2">
+            <a:schemeClr val="accent2"/>
+          </a:fillRef>
+          <a:effectRef idx="1">
+            <a:schemeClr val="accent2"/>
+          </a:effectRef>
+          <a:fontRef idx="minor">
+            <a:schemeClr val="dk1"/>
+          </a:fontRef>
+        </p:style>
+        <p:txBody>
+          <a:bodyPr rtlCol="0" anchor="ctr"/>
+          <a:lstStyle/>
+          <a:p>
+            <a:pPr algn="ctr"/>
+            <a:r>
+              <a:rPr lang="en-US" sz="1600" dirty="0">
+                <a:solidFill>
+                  <a:schemeClr val="bg1"/>
+                </a:solidFill>
+              </a:rPr>
+              <a:t>:</a:t>
+            </a:r>
+            <a:r>
+              <a:rPr lang="en-US" sz="1600" dirty="0" err="1">
+                <a:solidFill>
+                  <a:schemeClr val="bg1"/>
+                </a:solidFill>
+              </a:rPr>
+              <a:t>FindCommand</a:t>
+            </a:r>
+            <a:endParaRPr lang="en-US" sz="1600" dirty="0">
+              <a:solidFill>
+                <a:schemeClr val="bg1"/>
+              </a:solidFill>
+            </a:endParaRPr>
+          </a:p>
+          <a:p>
+            <a:pPr algn="ctr"/>
+            <a:r>
+              <a:rPr lang="en-US" sz="1600" dirty="0">
+                <a:solidFill>
+                  <a:schemeClr val="bg1"/>
+                </a:solidFill>
+              </a:rPr>
+              <a:t>Parser</a:t>
+            </a:r>
+            <a:endParaRPr lang="en-SG" sz="1600" dirty="0">
+              <a:solidFill>
+                <a:schemeClr val="bg1"/>
+              </a:solidFill>
+            </a:endParaRPr>
+          </a:p>
+        </p:txBody>
+      </p:sp>
+      <p:cxnSp>
+        <p:nvCxnSpPr>
+          <p:cNvPr id="29" name="Straight Arrow Connector 28">
+            <a:extLst>
+              <a:ext uri="{FF2B5EF4-FFF2-40B4-BE49-F238E27FC236}">
+                <a16:creationId xmlns:a16="http://schemas.microsoft.com/office/drawing/2014/main" id="{78B2ABB3-56CB-4DB5-A1CA-6CD9AF41DE50}"/>
+              </a:ext>
+            </a:extLst>
+          </p:cNvPr>
+          <p:cNvCxnSpPr/>
+          <p:nvPr/>
+        </p:nvCxnSpPr>
+        <p:spPr>
+          <a:xfrm>
+            <a:off x="3462591" y="3657600"/>
+            <a:ext cx="1597356" cy="1"/>
+          </a:xfrm>
+          <a:prstGeom prst="straightConnector1">
+            <a:avLst/>
+          </a:prstGeom>
+          <a:ln w="19050">
+            <a:headEnd type="none" w="med" len="med"/>
+            <a:tailEnd type="arrow" w="med" len="med"/>
+          </a:ln>
+        </p:spPr>
+        <p:style>
+          <a:lnRef idx="1">
+            <a:schemeClr val="accent1"/>
+          </a:lnRef>
+          <a:fillRef idx="0">
+            <a:schemeClr val="accent1"/>
+          </a:fillRef>
+          <a:effectRef idx="0">
+            <a:schemeClr val="accent1"/>
+          </a:effectRef>
+          <a:fontRef idx="minor">
+            <a:schemeClr val="tx1"/>
+          </a:fontRef>
+        </p:style>
+      </p:cxnSp>
+      <p:sp>
+        <p:nvSpPr>
+          <p:cNvPr id="30" name="Rectangle 29">
+            <a:extLst>
+              <a:ext uri="{FF2B5EF4-FFF2-40B4-BE49-F238E27FC236}">
+                <a16:creationId xmlns:a16="http://schemas.microsoft.com/office/drawing/2014/main" id="{069116DF-3044-405B-8DC7-3DB8020B3684}"/>
+              </a:ext>
+            </a:extLst>
+          </p:cNvPr>
+          <p:cNvSpPr/>
+          <p:nvPr/>
+        </p:nvSpPr>
+        <p:spPr>
+          <a:xfrm>
+            <a:off x="5059947" y="3352800"/>
+            <a:ext cx="205843" cy="123165"/>
+          </a:xfrm>
+          <a:prstGeom prst="rect">
+            <a:avLst/>
+          </a:prstGeom>
+          <a:solidFill>
+            <a:srgbClr val="0070C0"/>
+          </a:solidFill>
+          <a:ln>
+            <a:solidFill>
+              <a:srgbClr val="0070C0"/>
+            </a:solidFill>
+          </a:ln>
+          <a:effectLst/>
+        </p:spPr>
+        <p:style>
+          <a:lnRef idx="1">
+            <a:schemeClr val="accent3"/>
+          </a:lnRef>
+          <a:fillRef idx="2">
+            <a:schemeClr val="accent3"/>
+          </a:fillRef>
+          <a:effectRef idx="1">
+            <a:schemeClr val="accent3"/>
+          </a:effectRef>
+          <a:fontRef idx="minor">
+            <a:schemeClr val="dk1"/>
+          </a:fontRef>
+        </p:style>
+        <p:txBody>
+          <a:bodyPr rtlCol="0" anchor="ctr"/>
+          <a:lstStyle/>
+          <a:p>
+            <a:pPr algn="ctr"/>
+            <a:endParaRPr lang="en-SG" sz="1400"/>
+          </a:p>
+        </p:txBody>
+      </p:sp>
+      <p:cxnSp>
+        <p:nvCxnSpPr>
+          <p:cNvPr id="31" name="Straight Connector 30">
+            <a:extLst>
+              <a:ext uri="{FF2B5EF4-FFF2-40B4-BE49-F238E27FC236}">
+                <a16:creationId xmlns:a16="http://schemas.microsoft.com/office/drawing/2014/main" id="{8CC8892C-1EB2-406B-9A62-5DFCE0B20B66}"/>
+              </a:ext>
+            </a:extLst>
+          </p:cNvPr>
+          <p:cNvCxnSpPr>
+            <a:cxnSpLocks/>
+            <a:stCxn id="30" idx="0"/>
+          </p:cNvCxnSpPr>
+          <p:nvPr/>
+        </p:nvCxnSpPr>
+        <p:spPr>
+          <a:xfrm>
+            <a:off x="5162869" y="3352800"/>
+            <a:ext cx="0" cy="1905000"/>
+          </a:xfrm>
+          <a:prstGeom prst="line">
+            <a:avLst/>
+          </a:prstGeom>
+          <a:ln w="19050">
+            <a:solidFill>
+              <a:srgbClr val="0070C0"/>
+            </a:solidFill>
+            <a:prstDash val="sysDash"/>
+          </a:ln>
+          <a:effectLst/>
+        </p:spPr>
+        <p:style>
+          <a:lnRef idx="1">
+            <a:schemeClr val="accent1"/>
+          </a:lnRef>
+          <a:fillRef idx="2">
+            <a:schemeClr val="accent1"/>
+          </a:fillRef>
+          <a:effectRef idx="1">
+            <a:schemeClr val="accent1"/>
+          </a:effectRef>
+          <a:fontRef idx="minor">
+            <a:schemeClr val="dk1"/>
+          </a:fontRef>
+        </p:style>
+      </p:cxnSp>
+      <p:sp>
+        <p:nvSpPr>
+          <p:cNvPr id="32" name="Rectangle 31">
+            <a:extLst>
+              <a:ext uri="{FF2B5EF4-FFF2-40B4-BE49-F238E27FC236}">
+                <a16:creationId xmlns:a16="http://schemas.microsoft.com/office/drawing/2014/main" id="{6F1A4B01-1C89-4CD2-BF08-1BA7E1DDC33F}"/>
+              </a:ext>
+            </a:extLst>
+          </p:cNvPr>
+          <p:cNvSpPr/>
+          <p:nvPr/>
+        </p:nvSpPr>
+        <p:spPr>
+          <a:xfrm>
+            <a:off x="5059948" y="3657600"/>
+            <a:ext cx="179120" cy="1342557"/>
+          </a:xfrm>
+          <a:prstGeom prst="rect">
+            <a:avLst/>
+          </a:prstGeom>
+          <a:solidFill>
+            <a:srgbClr val="0070C0"/>
+          </a:solidFill>
+          <a:ln>
+            <a:solidFill>
+              <a:srgbClr val="0070C0"/>
+            </a:solidFill>
+          </a:ln>
+          <a:effectLst/>
+        </p:spPr>
+        <p:style>
+          <a:lnRef idx="1">
+            <a:schemeClr val="accent3"/>
+          </a:lnRef>
+          <a:fillRef idx="2">
+            <a:schemeClr val="accent3"/>
+          </a:fillRef>
+          <a:effectRef idx="1">
+            <a:schemeClr val="accent3"/>
+          </a:effectRef>
+          <a:fontRef idx="minor">
+            <a:schemeClr val="dk1"/>
+          </a:fontRef>
+        </p:style>
+        <p:txBody>
+          <a:bodyPr rtlCol="0" anchor="ctr"/>
+          <a:lstStyle/>
+          <a:p>
+            <a:pPr algn="ctr"/>
+            <a:endParaRPr lang="en-SG" sz="1400"/>
+          </a:p>
+        </p:txBody>
+      </p:sp>
+      <p:cxnSp>
+        <p:nvCxnSpPr>
+          <p:cNvPr id="33" name="Straight Arrow Connector 32">
+            <a:extLst>
+              <a:ext uri="{FF2B5EF4-FFF2-40B4-BE49-F238E27FC236}">
+                <a16:creationId xmlns:a16="http://schemas.microsoft.com/office/drawing/2014/main" id="{EADA1660-D66B-4AF5-BFD2-E6031D0DA384}"/>
+              </a:ext>
+            </a:extLst>
+          </p:cNvPr>
+          <p:cNvCxnSpPr>
+            <a:cxnSpLocks/>
+          </p:cNvCxnSpPr>
+          <p:nvPr/>
+        </p:nvCxnSpPr>
+        <p:spPr>
+          <a:xfrm>
+            <a:off x="5257800" y="4495800"/>
+            <a:ext cx="3070878" cy="0"/>
+          </a:xfrm>
+          <a:prstGeom prst="straightConnector1">
+            <a:avLst/>
+          </a:prstGeom>
+          <a:ln w="19050">
+            <a:headEnd type="none" w="med" len="med"/>
+            <a:tailEnd type="arrow" w="med" len="med"/>
+          </a:ln>
+        </p:spPr>
+        <p:style>
+          <a:lnRef idx="1">
+            <a:schemeClr val="accent1"/>
+          </a:lnRef>
+          <a:fillRef idx="0">
+            <a:schemeClr val="accent1"/>
+          </a:fillRef>
+          <a:effectRef idx="0">
+            <a:schemeClr val="accent1"/>
+          </a:effectRef>
+          <a:fontRef idx="minor">
+            <a:schemeClr val="tx1"/>
+          </a:fontRef>
+        </p:style>
+      </p:cxnSp>
+      <p:cxnSp>
+        <p:nvCxnSpPr>
+          <p:cNvPr id="34" name="Straight Arrow Connector 33">
+            <a:extLst>
+              <a:ext uri="{FF2B5EF4-FFF2-40B4-BE49-F238E27FC236}">
+                <a16:creationId xmlns:a16="http://schemas.microsoft.com/office/drawing/2014/main" id="{E1EADD01-18F0-4307-B5C5-F2C58C1BE1CD}"/>
+              </a:ext>
+            </a:extLst>
+          </p:cNvPr>
+          <p:cNvCxnSpPr/>
+          <p:nvPr/>
+        </p:nvCxnSpPr>
+        <p:spPr>
+          <a:xfrm>
+            <a:off x="3412425" y="3173004"/>
+            <a:ext cx="819556" cy="1"/>
+          </a:xfrm>
+          <a:prstGeom prst="straightConnector1">
+            <a:avLst/>
+          </a:prstGeom>
+          <a:ln w="19050">
+            <a:solidFill>
+              <a:srgbClr val="0070C0"/>
+            </a:solidFill>
+            <a:tailEnd type="arrow"/>
+          </a:ln>
+        </p:spPr>
+        <p:style>
+          <a:lnRef idx="1">
+            <a:schemeClr val="accent1"/>
+          </a:lnRef>
+          <a:fillRef idx="0">
+            <a:schemeClr val="accent1"/>
+          </a:fillRef>
+          <a:effectRef idx="0">
+            <a:schemeClr val="accent1"/>
+          </a:effectRef>
+          <a:fontRef idx="minor">
+            <a:schemeClr val="tx1"/>
+          </a:fontRef>
+        </p:style>
+      </p:cxnSp>
+      <p:cxnSp>
+        <p:nvCxnSpPr>
+          <p:cNvPr id="35" name="Straight Arrow Connector 34">
+            <a:extLst>
+              <a:ext uri="{FF2B5EF4-FFF2-40B4-BE49-F238E27FC236}">
+                <a16:creationId xmlns:a16="http://schemas.microsoft.com/office/drawing/2014/main" id="{550C72B9-4515-4205-9C1A-CA61DE04350F}"/>
+              </a:ext>
+            </a:extLst>
+          </p:cNvPr>
+          <p:cNvCxnSpPr/>
+          <p:nvPr/>
+        </p:nvCxnSpPr>
+        <p:spPr>
+          <a:xfrm>
+            <a:off x="3459519" y="3475965"/>
+            <a:ext cx="1600428" cy="0"/>
+          </a:xfrm>
+          <a:prstGeom prst="straightConnector1">
+            <a:avLst/>
+          </a:prstGeom>
+          <a:ln w="19050">
+            <a:solidFill>
+              <a:srgbClr val="0070C0"/>
+            </a:solidFill>
+            <a:prstDash val="sysDash"/>
+            <a:headEnd type="arrow" w="med" len="med"/>
+            <a:tailEnd type="none" w="med" len="med"/>
+          </a:ln>
+        </p:spPr>
+        <p:style>
+          <a:lnRef idx="1">
+            <a:schemeClr val="accent1"/>
+          </a:lnRef>
+          <a:fillRef idx="0">
+            <a:schemeClr val="accent1"/>
+          </a:fillRef>
+          <a:effectRef idx="0">
+            <a:schemeClr val="accent1"/>
+          </a:effectRef>
+          <a:fontRef idx="minor">
+            <a:schemeClr val="tx1"/>
+          </a:fontRef>
+        </p:style>
+      </p:cxnSp>
+      <p:cxnSp>
+        <p:nvCxnSpPr>
+          <p:cNvPr id="36" name="Straight Connector 35">
+            <a:extLst>
+              <a:ext uri="{FF2B5EF4-FFF2-40B4-BE49-F238E27FC236}">
+                <a16:creationId xmlns:a16="http://schemas.microsoft.com/office/drawing/2014/main" id="{DFDFD1BC-65A0-43B3-8FA4-BA3FE9CBB57E}"/>
+              </a:ext>
+            </a:extLst>
+          </p:cNvPr>
+          <p:cNvCxnSpPr>
+            <a:cxnSpLocks/>
+            <a:stCxn id="10" idx="2"/>
+          </p:cNvCxnSpPr>
+          <p:nvPr/>
+        </p:nvCxnSpPr>
+        <p:spPr>
+          <a:xfrm>
+            <a:off x="8442794" y="4267200"/>
+            <a:ext cx="0" cy="1271288"/>
+          </a:xfrm>
+          <a:prstGeom prst="line">
+            <a:avLst/>
+          </a:prstGeom>
+          <a:ln w="19050">
+            <a:solidFill>
+              <a:srgbClr val="0070C0"/>
+            </a:solidFill>
+            <a:prstDash val="sysDash"/>
+          </a:ln>
+          <a:effectLst/>
+        </p:spPr>
+        <p:style>
+          <a:lnRef idx="1">
+            <a:schemeClr val="accent1"/>
+          </a:lnRef>
+          <a:fillRef idx="2">
+            <a:schemeClr val="accent1"/>
+          </a:fillRef>
+          <a:effectRef idx="1">
+            <a:schemeClr val="accent1"/>
+          </a:effectRef>
+          <a:fontRef idx="minor">
+            <a:schemeClr val="dk1"/>
+          </a:fontRef>
+        </p:style>
+      </p:cxnSp>
+      <p:sp>
+        <p:nvSpPr>
+          <p:cNvPr id="37" name="TextBox 36">
+            <a:extLst>
+              <a:ext uri="{FF2B5EF4-FFF2-40B4-BE49-F238E27FC236}">
+                <a16:creationId xmlns:a16="http://schemas.microsoft.com/office/drawing/2014/main" id="{F847444C-9F09-4433-A673-AC81888331EC}"/>
+              </a:ext>
+            </a:extLst>
+          </p:cNvPr>
+          <p:cNvSpPr txBox="1"/>
+          <p:nvPr/>
+        </p:nvSpPr>
+        <p:spPr>
+          <a:xfrm>
+            <a:off x="3978703" y="4732097"/>
+            <a:ext cx="612862" cy="220903"/>
+          </a:xfrm>
+          <a:prstGeom prst="rect">
+            <a:avLst/>
+          </a:prstGeom>
+          <a:noFill/>
+        </p:spPr>
+        <p:txBody>
+          <a:bodyPr wrap="square" lIns="0" tIns="0" rIns="0" bIns="0" rtlCol="0">
+            <a:spAutoFit/>
+          </a:bodyPr>
+          <a:lstStyle>
+            <a:defPPr>
+              <a:defRPr lang="en-US"/>
+            </a:defPPr>
+            <a:lvl1pPr algn="r">
+              <a:defRPr sz="1400">
+                <a:solidFill>
+                  <a:srgbClr val="0070C0"/>
+                </a:solidFill>
+              </a:defRPr>
+            </a:lvl1pPr>
+          </a:lstStyle>
+          <a:p>
+            <a:r>
+              <a:rPr lang="en-US" dirty="0"/>
+              <a:t>return</a:t>
+            </a:r>
+          </a:p>
+        </p:txBody>
+      </p:sp>
+      <p:sp>
+        <p:nvSpPr>
+          <p:cNvPr id="38" name="TextBox 37">
+            <a:extLst>
+              <a:ext uri="{FF2B5EF4-FFF2-40B4-BE49-F238E27FC236}">
+                <a16:creationId xmlns:a16="http://schemas.microsoft.com/office/drawing/2014/main" id="{8688ECD7-AAB3-46AB-8729-AE9F1307AEF8}"/>
+              </a:ext>
+            </a:extLst>
+          </p:cNvPr>
+          <p:cNvSpPr txBox="1"/>
+          <p:nvPr/>
+        </p:nvSpPr>
+        <p:spPr>
+          <a:xfrm>
+            <a:off x="2130338" y="4867404"/>
+            <a:ext cx="612862" cy="220903"/>
+          </a:xfrm>
+          <a:prstGeom prst="rect">
+            <a:avLst/>
+          </a:prstGeom>
+          <a:noFill/>
+        </p:spPr>
+        <p:txBody>
+          <a:bodyPr wrap="square" lIns="0" tIns="0" rIns="0" bIns="0" rtlCol="0">
+            <a:spAutoFit/>
+          </a:bodyPr>
+          <a:lstStyle>
+            <a:defPPr>
+              <a:defRPr lang="en-US"/>
+            </a:defPPr>
+            <a:lvl1pPr algn="r">
+              <a:defRPr sz="1400">
+                <a:solidFill>
+                  <a:srgbClr val="0070C0"/>
+                </a:solidFill>
+              </a:defRPr>
+            </a:lvl1pPr>
+          </a:lstStyle>
+          <a:p>
+            <a:r>
+              <a:rPr lang="en-US" dirty="0"/>
+              <a:t>return</a:t>
+            </a:r>
+          </a:p>
+        </p:txBody>
+      </p:sp>
+    </p:spTree>
+    <p:extLst>
+      <p:ext uri="{BB962C8B-B14F-4D97-AF65-F5344CB8AC3E}">
+        <p14:creationId xmlns:p14="http://schemas.microsoft.com/office/powerpoint/2010/main" val="635406673"/>
+      </p:ext>
+    </p:extLst>
+  </p:cSld>
+  <p:clrMapOvr>
+    <a:masterClrMapping/>
+  </p:clrMapOvr>
+</p:sld>
+</file>
+
+<file path=ppt/slides/slide8.xml><?xml version="1.0" encoding="utf-8"?>
+<p:sld xmlns:a="http://schemas.openxmlformats.org/drawingml/2006/main" xmlns:r="http://schemas.openxmlformats.org/officeDocument/2006/relationships" xmlns:p="http://schemas.openxmlformats.org/presentationml/2006/main">
+  <p:cSld>
+    <p:spTree>
+      <p:nvGrpSpPr>
+        <p:cNvPr id="1" name=""/>
+        <p:cNvGrpSpPr/>
+        <p:nvPr/>
+      </p:nvGrpSpPr>
+      <p:grpSpPr>
+        <a:xfrm>
+          <a:off x="0" y="0"/>
+          <a:ext cx="0" cy="0"/>
+          <a:chOff x="0" y="0"/>
+          <a:chExt cx="0" cy="0"/>
+        </a:xfrm>
+      </p:grpSpPr>
+      <p:grpSp>
+        <p:nvGrpSpPr>
+          <p:cNvPr id="88" name="Group 87">
+            <a:extLst>
+              <a:ext uri="{FF2B5EF4-FFF2-40B4-BE49-F238E27FC236}">
+                <a16:creationId xmlns:a16="http://schemas.microsoft.com/office/drawing/2014/main" id="{66A559FD-C3AD-4BEC-9C86-49C440D0C16D}"/>
+              </a:ext>
+            </a:extLst>
+          </p:cNvPr>
+          <p:cNvGrpSpPr/>
+          <p:nvPr/>
+        </p:nvGrpSpPr>
+        <p:grpSpPr>
+          <a:xfrm>
+            <a:off x="1937610" y="2143350"/>
+            <a:ext cx="6368190" cy="4071730"/>
+            <a:chOff x="1937610" y="2143350"/>
+            <a:chExt cx="6368190" cy="4071730"/>
+          </a:xfrm>
+        </p:grpSpPr>
+        <p:sp>
+          <p:nvSpPr>
+            <p:cNvPr id="81" name="Rectangle 65"/>
+            <p:cNvSpPr/>
+            <p:nvPr/>
+          </p:nvSpPr>
+          <p:spPr>
+            <a:xfrm>
+              <a:off x="2547210" y="2143350"/>
+              <a:ext cx="4343399" cy="4000286"/>
+            </a:xfrm>
+            <a:prstGeom prst="roundRect">
+              <a:avLst>
+                <a:gd name="adj" fmla="val 3484"/>
+              </a:avLst>
+            </a:prstGeom>
+            <a:solidFill>
+              <a:schemeClr val="accent1">
+                <a:lumMod val="20000"/>
+                <a:lumOff val="80000"/>
+              </a:schemeClr>
+            </a:solidFill>
+            <a:ln w="19050">
+              <a:noFill/>
+            </a:ln>
+            <a:effectLst/>
+          </p:spPr>
+          <p:style>
+            <a:lnRef idx="1">
+              <a:schemeClr val="accent2"/>
+            </a:lnRef>
+            <a:fillRef idx="2">
+              <a:schemeClr val="accent2"/>
+            </a:fillRef>
+            <a:effectRef idx="1">
+              <a:schemeClr val="accent2"/>
+            </a:effectRef>
+            <a:fontRef idx="minor">
+              <a:schemeClr val="dk1"/>
+            </a:fontRef>
+          </p:style>
+          <p:txBody>
+            <a:bodyPr rtlCol="0" anchor="t"/>
+            <a:lstStyle/>
+            <a:p>
+              <a:r>
+                <a:rPr lang="en-US" sz="1200" b="1" dirty="0">
+                  <a:solidFill>
+                    <a:srgbClr val="0070C0"/>
+                  </a:solidFill>
+                </a:rPr>
+                <a:t>Logic</a:t>
+              </a:r>
+              <a:endParaRPr lang="en-SG" sz="1200" b="1" dirty="0">
+                <a:solidFill>
+                  <a:srgbClr val="0070C0"/>
+                </a:solidFill>
+              </a:endParaRPr>
+            </a:p>
+          </p:txBody>
+        </p:sp>
+        <p:sp>
+          <p:nvSpPr>
+            <p:cNvPr id="19" name="Rectangle 62"/>
+            <p:cNvSpPr/>
+            <p:nvPr/>
+          </p:nvSpPr>
+          <p:spPr>
+            <a:xfrm>
+              <a:off x="3156810" y="2214794"/>
+              <a:ext cx="1093635" cy="690556"/>
+            </a:xfrm>
+            <a:prstGeom prst="rect">
+              <a:avLst/>
+            </a:prstGeom>
+            <a:solidFill>
+              <a:srgbClr val="0070C0"/>
+            </a:solidFill>
+            <a:ln w="19050">
+              <a:solidFill>
+                <a:srgbClr val="0070C0"/>
+              </a:solidFill>
+            </a:ln>
+            <a:effectLst/>
+          </p:spPr>
+          <p:style>
+            <a:lnRef idx="1">
+              <a:schemeClr val="accent2"/>
+            </a:lnRef>
+            <a:fillRef idx="2">
+              <a:schemeClr val="accent2"/>
+            </a:fillRef>
+            <a:effectRef idx="1">
+              <a:schemeClr val="accent2"/>
+            </a:effectRef>
+            <a:fontRef idx="minor">
+              <a:schemeClr val="dk1"/>
+            </a:fontRef>
+          </p:style>
+          <p:txBody>
+            <a:bodyPr rtlCol="0" anchor="ctr"/>
+            <a:lstStyle/>
+            <a:p>
+              <a:pPr algn="ctr"/>
+              <a:r>
+                <a:rPr lang="en-US" sz="1600" dirty="0">
+                  <a:solidFill>
+                    <a:schemeClr val="bg1"/>
+                  </a:solidFill>
+                </a:rPr>
+                <a:t>:Birthday</a:t>
+              </a:r>
+            </a:p>
+            <a:p>
+              <a:pPr algn="ctr"/>
+              <a:r>
+                <a:rPr lang="en-US" sz="1600" dirty="0">
+                  <a:solidFill>
+                    <a:schemeClr val="bg1"/>
+                  </a:solidFill>
+                </a:rPr>
+                <a:t>Statistics</a:t>
+              </a:r>
+              <a:br>
+                <a:rPr lang="en-US" sz="1600" dirty="0">
+                  <a:solidFill>
+                    <a:schemeClr val="bg1"/>
+                  </a:solidFill>
+                </a:rPr>
+              </a:br>
+              <a:r>
+                <a:rPr lang="en-US" sz="1600" dirty="0">
+                  <a:solidFill>
+                    <a:schemeClr val="bg1"/>
+                  </a:solidFill>
+                </a:rPr>
+                <a:t>Command</a:t>
+              </a:r>
+              <a:endParaRPr lang="en-SG" sz="1600" dirty="0">
+                <a:solidFill>
+                  <a:schemeClr val="bg1"/>
+                </a:solidFill>
+              </a:endParaRPr>
+            </a:p>
+          </p:txBody>
+        </p:sp>
+        <p:cxnSp>
+          <p:nvCxnSpPr>
+            <p:cNvPr id="20" name="Straight Connector 19"/>
+            <p:cNvCxnSpPr>
+              <a:cxnSpLocks/>
+              <a:stCxn id="19" idx="2"/>
+            </p:cNvCxnSpPr>
+            <p:nvPr/>
+          </p:nvCxnSpPr>
+          <p:spPr>
+            <a:xfrm flipH="1">
+              <a:off x="3688038" y="2905350"/>
+              <a:ext cx="15590" cy="3309730"/>
+            </a:xfrm>
+            <a:prstGeom prst="line">
+              <a:avLst/>
+            </a:prstGeom>
+            <a:ln w="19050">
+              <a:solidFill>
+                <a:srgbClr val="0070C0"/>
+              </a:solidFill>
+              <a:prstDash val="sysDash"/>
+            </a:ln>
+            <a:effectLst/>
+          </p:spPr>
+          <p:style>
+            <a:lnRef idx="1">
+              <a:schemeClr val="accent1"/>
+            </a:lnRef>
+            <a:fillRef idx="2">
+              <a:schemeClr val="accent1"/>
+            </a:fillRef>
+            <a:effectRef idx="1">
+              <a:schemeClr val="accent1"/>
+            </a:effectRef>
+            <a:fontRef idx="minor">
+              <a:schemeClr val="dk1"/>
+            </a:fontRef>
+          </p:style>
+        </p:cxnSp>
+        <p:sp>
+          <p:nvSpPr>
+            <p:cNvPr id="21" name="Rectangle 20"/>
+            <p:cNvSpPr/>
+            <p:nvPr/>
+          </p:nvSpPr>
+          <p:spPr>
+            <a:xfrm>
+              <a:off x="3614010" y="3074382"/>
+              <a:ext cx="185759" cy="2997610"/>
+            </a:xfrm>
+            <a:prstGeom prst="rect">
+              <a:avLst/>
+            </a:prstGeom>
+            <a:solidFill>
+              <a:srgbClr val="0070C0"/>
+            </a:solidFill>
+            <a:ln>
+              <a:solidFill>
+                <a:srgbClr val="0070C0"/>
+              </a:solidFill>
+            </a:ln>
+            <a:effectLst/>
+          </p:spPr>
+          <p:style>
+            <a:lnRef idx="1">
+              <a:schemeClr val="accent3"/>
+            </a:lnRef>
+            <a:fillRef idx="2">
+              <a:schemeClr val="accent3"/>
+            </a:fillRef>
+            <a:effectRef idx="1">
+              <a:schemeClr val="accent3"/>
+            </a:effectRef>
+            <a:fontRef idx="minor">
+              <a:schemeClr val="dk1"/>
+            </a:fontRef>
+          </p:style>
+          <p:txBody>
+            <a:bodyPr rtlCol="0" anchor="ctr"/>
+            <a:lstStyle/>
+            <a:p>
+              <a:pPr algn="ctr"/>
+              <a:endParaRPr lang="en-SG" sz="1400"/>
+            </a:p>
+          </p:txBody>
+        </p:sp>
+        <p:sp>
+          <p:nvSpPr>
+            <p:cNvPr id="26" name="TextBox 25"/>
+            <p:cNvSpPr txBox="1"/>
+            <p:nvPr/>
+          </p:nvSpPr>
+          <p:spPr>
+            <a:xfrm>
+              <a:off x="1995510" y="2697730"/>
+              <a:ext cx="1416678" cy="430887"/>
+            </a:xfrm>
+            <a:prstGeom prst="rect">
+              <a:avLst/>
+            </a:prstGeom>
+            <a:noFill/>
+          </p:spPr>
+          <p:txBody>
+            <a:bodyPr wrap="square" lIns="0" tIns="0" rIns="0" bIns="0" rtlCol="0">
+              <a:spAutoFit/>
+            </a:bodyPr>
+            <a:lstStyle/>
+            <a:p>
+              <a:r>
+                <a:rPr lang="en-US" sz="1400" dirty="0">
+                  <a:solidFill>
+                    <a:srgbClr val="0070C0"/>
+                  </a:solidFill>
+                </a:rPr>
+                <a:t>Execute</a:t>
+              </a:r>
+            </a:p>
+            <a:p>
+              <a:r>
+                <a:rPr lang="en-US" sz="1400" dirty="0">
+                  <a:solidFill>
+                    <a:srgbClr val="0070C0"/>
+                  </a:solidFill>
+                </a:rPr>
+                <a:t>(</a:t>
+              </a:r>
+              <a:r>
+                <a:rPr lang="en-US" sz="1400" dirty="0" err="1">
+                  <a:solidFill>
+                    <a:srgbClr val="0070C0"/>
+                  </a:solidFill>
+                </a:rPr>
+                <a:t>birthdaystatistics</a:t>
+              </a:r>
+              <a:r>
+                <a:rPr lang="en-US" sz="1400" dirty="0">
+                  <a:solidFill>
+                    <a:srgbClr val="0070C0"/>
+                  </a:solidFill>
+                </a:rPr>
+                <a:t>)</a:t>
+              </a:r>
+            </a:p>
+          </p:txBody>
+        </p:sp>
+        <p:cxnSp>
+          <p:nvCxnSpPr>
+            <p:cNvPr id="28" name="Straight Arrow Connector 27"/>
+            <p:cNvCxnSpPr>
+              <a:cxnSpLocks/>
+            </p:cNvCxnSpPr>
+            <p:nvPr/>
+          </p:nvCxnSpPr>
+          <p:spPr>
+            <a:xfrm flipV="1">
+              <a:off x="3787038" y="3339469"/>
+              <a:ext cx="1554569" cy="1"/>
+            </a:xfrm>
+            <a:prstGeom prst="straightConnector1">
+              <a:avLst/>
+            </a:prstGeom>
+            <a:ln w="19050">
+              <a:solidFill>
+                <a:srgbClr val="0070C0"/>
+              </a:solidFill>
+              <a:tailEnd type="arrow"/>
+            </a:ln>
+          </p:spPr>
+          <p:style>
+            <a:lnRef idx="1">
+              <a:schemeClr val="accent1"/>
+            </a:lnRef>
+            <a:fillRef idx="0">
+              <a:schemeClr val="accent1"/>
+            </a:fillRef>
+            <a:effectRef idx="0">
+              <a:schemeClr val="accent1"/>
+            </a:effectRef>
+            <a:fontRef idx="minor">
+              <a:schemeClr val="tx1"/>
+            </a:fontRef>
+          </p:style>
+        </p:cxnSp>
+        <p:cxnSp>
+          <p:nvCxnSpPr>
+            <p:cNvPr id="34" name="Straight Arrow Connector 33"/>
+            <p:cNvCxnSpPr/>
+            <p:nvPr/>
+          </p:nvCxnSpPr>
+          <p:spPr>
+            <a:xfrm>
+              <a:off x="3817835" y="3888583"/>
+              <a:ext cx="1492974" cy="0"/>
+            </a:xfrm>
+            <a:prstGeom prst="straightConnector1">
+              <a:avLst/>
+            </a:prstGeom>
+            <a:ln w="19050">
+              <a:solidFill>
+                <a:srgbClr val="0070C0"/>
+              </a:solidFill>
+              <a:prstDash val="sysDash"/>
+              <a:headEnd type="arrow" w="med" len="med"/>
+              <a:tailEnd type="none" w="med" len="med"/>
+            </a:ln>
+          </p:spPr>
+          <p:style>
+            <a:lnRef idx="1">
+              <a:schemeClr val="accent1"/>
+            </a:lnRef>
+            <a:fillRef idx="0">
+              <a:schemeClr val="accent1"/>
+            </a:fillRef>
+            <a:effectRef idx="0">
+              <a:schemeClr val="accent1"/>
+            </a:effectRef>
+            <a:fontRef idx="minor">
+              <a:schemeClr val="tx1"/>
+            </a:fontRef>
+          </p:style>
+        </p:cxnSp>
+        <p:sp>
+          <p:nvSpPr>
+            <p:cNvPr id="65" name="Rectangle 64"/>
+            <p:cNvSpPr/>
+            <p:nvPr/>
+          </p:nvSpPr>
+          <p:spPr>
+            <a:xfrm>
+              <a:off x="6377689" y="5628905"/>
+              <a:ext cx="185760" cy="172813"/>
+            </a:xfrm>
+            <a:prstGeom prst="rect">
+              <a:avLst/>
+            </a:prstGeom>
+            <a:solidFill>
+              <a:srgbClr val="0070C0"/>
+            </a:solidFill>
+            <a:ln>
+              <a:solidFill>
+                <a:srgbClr val="0070C0"/>
+              </a:solidFill>
+            </a:ln>
+            <a:effectLst/>
+          </p:spPr>
+          <p:style>
+            <a:lnRef idx="1">
+              <a:schemeClr val="accent3"/>
+            </a:lnRef>
+            <a:fillRef idx="2">
+              <a:schemeClr val="accent3"/>
+            </a:fillRef>
+            <a:effectRef idx="1">
+              <a:schemeClr val="accent3"/>
+            </a:effectRef>
+            <a:fontRef idx="minor">
+              <a:schemeClr val="dk1"/>
+            </a:fontRef>
+          </p:style>
+          <p:txBody>
+            <a:bodyPr rtlCol="0" anchor="ctr"/>
+            <a:lstStyle/>
+            <a:p>
+              <a:pPr algn="ctr"/>
+              <a:endParaRPr lang="en-SG" sz="1400"/>
+            </a:p>
+          </p:txBody>
+        </p:sp>
+        <p:cxnSp>
+          <p:nvCxnSpPr>
+            <p:cNvPr id="75" name="Straight Arrow Connector 74"/>
+            <p:cNvCxnSpPr>
+              <a:cxnSpLocks/>
+            </p:cNvCxnSpPr>
+            <p:nvPr/>
+          </p:nvCxnSpPr>
+          <p:spPr>
+            <a:xfrm>
+              <a:off x="3817835" y="4419601"/>
+              <a:ext cx="3752875" cy="30243"/>
+            </a:xfrm>
+            <a:prstGeom prst="straightConnector1">
+              <a:avLst/>
+            </a:prstGeom>
+            <a:ln w="19050">
+              <a:solidFill>
+                <a:srgbClr val="0070C0"/>
+              </a:solidFill>
+              <a:tailEnd type="arrow"/>
+            </a:ln>
+          </p:spPr>
+          <p:style>
+            <a:lnRef idx="1">
+              <a:schemeClr val="accent1"/>
+            </a:lnRef>
+            <a:fillRef idx="0">
+              <a:schemeClr val="accent1"/>
+            </a:fillRef>
+            <a:effectRef idx="0">
+              <a:schemeClr val="accent1"/>
+            </a:effectRef>
+            <a:fontRef idx="minor">
+              <a:schemeClr val="tx1"/>
+            </a:fontRef>
+          </p:style>
+        </p:cxnSp>
+        <p:cxnSp>
+          <p:nvCxnSpPr>
+            <p:cNvPr id="77" name="Straight Arrow Connector 76"/>
+            <p:cNvCxnSpPr>
+              <a:cxnSpLocks/>
+            </p:cNvCxnSpPr>
+            <p:nvPr/>
+          </p:nvCxnSpPr>
+          <p:spPr>
+            <a:xfrm>
+              <a:off x="3819996" y="4724400"/>
+              <a:ext cx="3750714" cy="7227"/>
+            </a:xfrm>
+            <a:prstGeom prst="straightConnector1">
+              <a:avLst/>
+            </a:prstGeom>
+            <a:ln w="19050">
+              <a:solidFill>
+                <a:srgbClr val="0070C0"/>
+              </a:solidFill>
+              <a:prstDash val="sysDash"/>
+              <a:headEnd type="arrow" w="med" len="med"/>
+              <a:tailEnd type="none" w="med" len="med"/>
+            </a:ln>
+          </p:spPr>
+          <p:style>
+            <a:lnRef idx="1">
+              <a:schemeClr val="accent1"/>
+            </a:lnRef>
+            <a:fillRef idx="0">
+              <a:schemeClr val="accent1"/>
+            </a:fillRef>
+            <a:effectRef idx="0">
+              <a:schemeClr val="accent1"/>
+            </a:effectRef>
+            <a:fontRef idx="minor">
+              <a:schemeClr val="tx1"/>
+            </a:fontRef>
+          </p:style>
+        </p:cxnSp>
+        <p:sp>
+          <p:nvSpPr>
+            <p:cNvPr id="84" name="Rectangle 62"/>
+            <p:cNvSpPr/>
+            <p:nvPr/>
+          </p:nvSpPr>
+          <p:spPr>
+            <a:xfrm>
+              <a:off x="5653972" y="5168817"/>
+              <a:ext cx="1590354" cy="461538"/>
+            </a:xfrm>
+            <a:prstGeom prst="rect">
+              <a:avLst/>
+            </a:prstGeom>
+            <a:solidFill>
+              <a:srgbClr val="0070C0"/>
+            </a:solidFill>
+            <a:ln w="19050">
+              <a:solidFill>
+                <a:srgbClr val="0070C0"/>
+              </a:solidFill>
+            </a:ln>
+            <a:effectLst/>
+          </p:spPr>
+          <p:style>
+            <a:lnRef idx="1">
+              <a:schemeClr val="accent2"/>
+            </a:lnRef>
+            <a:fillRef idx="2">
+              <a:schemeClr val="accent2"/>
+            </a:fillRef>
+            <a:effectRef idx="1">
+              <a:schemeClr val="accent2"/>
+            </a:effectRef>
+            <a:fontRef idx="minor">
+              <a:schemeClr val="dk1"/>
+            </a:fontRef>
+          </p:style>
+          <p:txBody>
+            <a:bodyPr rtlCol="0" anchor="ctr"/>
+            <a:lstStyle/>
+            <a:p>
+              <a:pPr algn="ctr"/>
+              <a:r>
+                <a:rPr lang="en-US" sz="1600" dirty="0" err="1">
+                  <a:solidFill>
+                    <a:schemeClr val="bg1"/>
+                  </a:solidFill>
+                </a:rPr>
+                <a:t>result:Command</a:t>
+              </a:r>
+              <a:r>
+                <a:rPr lang="en-US" sz="1600" dirty="0">
+                  <a:solidFill>
+                    <a:schemeClr val="bg1"/>
+                  </a:solidFill>
+                </a:rPr>
+                <a:t> Result</a:t>
+              </a:r>
+              <a:endParaRPr lang="en-SG" sz="1600" dirty="0">
+                <a:solidFill>
+                  <a:schemeClr val="bg1"/>
+                </a:solidFill>
+              </a:endParaRPr>
+            </a:p>
+          </p:txBody>
+        </p:sp>
+        <p:cxnSp>
+          <p:nvCxnSpPr>
+            <p:cNvPr id="90" name="Straight Arrow Connector 89"/>
+            <p:cNvCxnSpPr>
+              <a:cxnSpLocks/>
+            </p:cNvCxnSpPr>
+            <p:nvPr/>
+          </p:nvCxnSpPr>
+          <p:spPr>
+            <a:xfrm>
+              <a:off x="3799769" y="5801718"/>
+              <a:ext cx="2577920" cy="9425"/>
+            </a:xfrm>
+            <a:prstGeom prst="straightConnector1">
+              <a:avLst/>
+            </a:prstGeom>
+            <a:ln w="19050">
+              <a:solidFill>
+                <a:srgbClr val="0070C0"/>
+              </a:solidFill>
+              <a:prstDash val="sysDash"/>
+              <a:headEnd type="arrow" w="med" len="med"/>
+              <a:tailEnd type="none" w="med" len="med"/>
+            </a:ln>
+          </p:spPr>
+          <p:style>
+            <a:lnRef idx="1">
+              <a:schemeClr val="accent1"/>
+            </a:lnRef>
+            <a:fillRef idx="0">
+              <a:schemeClr val="accent1"/>
+            </a:fillRef>
+            <a:effectRef idx="0">
+              <a:schemeClr val="accent1"/>
+            </a:effectRef>
+            <a:fontRef idx="minor">
+              <a:schemeClr val="tx1"/>
+            </a:fontRef>
+          </p:style>
+        </p:cxnSp>
+        <p:sp>
+          <p:nvSpPr>
+            <p:cNvPr id="40" name="Rectangle 62"/>
+            <p:cNvSpPr/>
+            <p:nvPr/>
+          </p:nvSpPr>
+          <p:spPr>
+            <a:xfrm>
+              <a:off x="4464681" y="2420652"/>
+              <a:ext cx="1947629" cy="554155"/>
+            </a:xfrm>
+            <a:prstGeom prst="rect">
+              <a:avLst/>
+            </a:prstGeom>
+            <a:solidFill>
+              <a:srgbClr val="0070C0"/>
+            </a:solidFill>
+            <a:ln w="19050">
+              <a:solidFill>
+                <a:srgbClr val="0070C0"/>
+              </a:solidFill>
+            </a:ln>
+            <a:effectLst/>
+          </p:spPr>
+          <p:style>
+            <a:lnRef idx="1">
+              <a:schemeClr val="accent2"/>
+            </a:lnRef>
+            <a:fillRef idx="2">
+              <a:schemeClr val="accent2"/>
+            </a:fillRef>
+            <a:effectRef idx="1">
+              <a:schemeClr val="accent2"/>
+            </a:effectRef>
+            <a:fontRef idx="minor">
+              <a:schemeClr val="dk1"/>
+            </a:fontRef>
+          </p:style>
+          <p:txBody>
+            <a:bodyPr rtlCol="0" anchor="ctr"/>
+            <a:lstStyle/>
+            <a:p>
+              <a:pPr algn="ctr"/>
+              <a:r>
+                <a:rPr lang="en-US" sz="1600" dirty="0">
+                  <a:solidFill>
+                    <a:schemeClr val="bg1"/>
+                  </a:solidFill>
+                </a:rPr>
+                <a:t>:</a:t>
+              </a:r>
+              <a:r>
+                <a:rPr lang="en-US" sz="1600" dirty="0" err="1">
+                  <a:solidFill>
+                    <a:schemeClr val="bg1"/>
+                  </a:solidFill>
+                </a:rPr>
+                <a:t>ChangeInformation</a:t>
+              </a:r>
+              <a:endParaRPr lang="en-US" sz="1600" dirty="0">
+                <a:solidFill>
+                  <a:schemeClr val="bg1"/>
+                </a:solidFill>
+              </a:endParaRPr>
+            </a:p>
+            <a:p>
+              <a:pPr algn="ctr"/>
+              <a:r>
+                <a:rPr lang="en-US" sz="1600" dirty="0" err="1">
+                  <a:solidFill>
+                    <a:schemeClr val="bg1"/>
+                  </a:solidFill>
+                </a:rPr>
+                <a:t>PanelRequestEvent</a:t>
+              </a:r>
+              <a:endParaRPr lang="en-SG" sz="1600" dirty="0">
+                <a:solidFill>
+                  <a:schemeClr val="bg1"/>
+                </a:solidFill>
+              </a:endParaRPr>
+            </a:p>
+          </p:txBody>
+        </p:sp>
+        <p:cxnSp>
+          <p:nvCxnSpPr>
+            <p:cNvPr id="13" name="Straight Arrow Connector 12"/>
+            <p:cNvCxnSpPr>
+              <a:cxnSpLocks/>
+              <a:endCxn id="84" idx="1"/>
+            </p:cNvCxnSpPr>
+            <p:nvPr/>
+          </p:nvCxnSpPr>
+          <p:spPr>
+            <a:xfrm>
+              <a:off x="3817835" y="5399586"/>
+              <a:ext cx="1836137" cy="0"/>
+            </a:xfrm>
+            <a:prstGeom prst="straightConnector1">
+              <a:avLst/>
+            </a:prstGeom>
+            <a:ln w="19050">
+              <a:headEnd type="none" w="med" len="med"/>
+              <a:tailEnd type="arrow" w="med" len="med"/>
+            </a:ln>
+          </p:spPr>
+          <p:style>
+            <a:lnRef idx="1">
+              <a:schemeClr val="accent1"/>
+            </a:lnRef>
+            <a:fillRef idx="0">
+              <a:schemeClr val="accent1"/>
+            </a:fillRef>
+            <a:effectRef idx="0">
+              <a:schemeClr val="accent1"/>
+            </a:effectRef>
+            <a:fontRef idx="minor">
+              <a:schemeClr val="tx1"/>
+            </a:fontRef>
+          </p:style>
+        </p:cxnSp>
+        <p:cxnSp>
+          <p:nvCxnSpPr>
+            <p:cNvPr id="47" name="Straight Arrow Connector 46">
+              <a:extLst>
+                <a:ext uri="{FF2B5EF4-FFF2-40B4-BE49-F238E27FC236}">
+                  <a16:creationId xmlns:a16="http://schemas.microsoft.com/office/drawing/2014/main" id="{51875A2F-5ED4-42FF-8403-C14AB94FA994}"/>
+                </a:ext>
+              </a:extLst>
+            </p:cNvPr>
+            <p:cNvCxnSpPr>
+              <a:cxnSpLocks/>
+            </p:cNvCxnSpPr>
+            <p:nvPr/>
+          </p:nvCxnSpPr>
+          <p:spPr>
+            <a:xfrm>
+              <a:off x="1937610" y="3176749"/>
+              <a:ext cx="1676400" cy="0"/>
+            </a:xfrm>
+            <a:prstGeom prst="straightConnector1">
+              <a:avLst/>
+            </a:prstGeom>
+            <a:ln w="19050">
+              <a:solidFill>
+                <a:srgbClr val="00B050"/>
+              </a:solidFill>
+              <a:tailEnd type="arrow"/>
+            </a:ln>
+          </p:spPr>
+          <p:style>
+            <a:lnRef idx="1">
+              <a:schemeClr val="accent1"/>
+            </a:lnRef>
+            <a:fillRef idx="0">
+              <a:schemeClr val="accent1"/>
+            </a:fillRef>
+            <a:effectRef idx="0">
+              <a:schemeClr val="accent1"/>
+            </a:effectRef>
+            <a:fontRef idx="minor">
+              <a:schemeClr val="tx1"/>
+            </a:fontRef>
+          </p:style>
+        </p:cxnSp>
+        <p:cxnSp>
+          <p:nvCxnSpPr>
+            <p:cNvPr id="54" name="Straight Connector 53">
+              <a:extLst>
+                <a:ext uri="{FF2B5EF4-FFF2-40B4-BE49-F238E27FC236}">
+                  <a16:creationId xmlns:a16="http://schemas.microsoft.com/office/drawing/2014/main" id="{D0125B4D-DC6A-4595-8C20-9B9B8B0D23AE}"/>
+                </a:ext>
+              </a:extLst>
+            </p:cNvPr>
+            <p:cNvCxnSpPr>
+              <a:cxnSpLocks/>
+              <a:stCxn id="40" idx="2"/>
+            </p:cNvCxnSpPr>
+            <p:nvPr/>
+          </p:nvCxnSpPr>
+          <p:spPr>
+            <a:xfrm>
+              <a:off x="5438496" y="2974807"/>
+              <a:ext cx="0" cy="1292393"/>
+            </a:xfrm>
+            <a:prstGeom prst="line">
+              <a:avLst/>
+            </a:prstGeom>
+            <a:ln w="19050">
+              <a:solidFill>
+                <a:srgbClr val="0070C0"/>
+              </a:solidFill>
+              <a:prstDash val="sysDash"/>
+            </a:ln>
+            <a:effectLst/>
+          </p:spPr>
+          <p:style>
+            <a:lnRef idx="1">
+              <a:schemeClr val="accent1"/>
+            </a:lnRef>
+            <a:fillRef idx="2">
+              <a:schemeClr val="accent1"/>
+            </a:fillRef>
+            <a:effectRef idx="1">
+              <a:schemeClr val="accent1"/>
+            </a:effectRef>
+            <a:fontRef idx="minor">
+              <a:schemeClr val="dk1"/>
+            </a:fontRef>
+          </p:style>
+        </p:cxnSp>
+        <p:sp>
+          <p:nvSpPr>
+            <p:cNvPr id="55" name="Rectangle 54">
+              <a:extLst>
+                <a:ext uri="{FF2B5EF4-FFF2-40B4-BE49-F238E27FC236}">
+                  <a16:creationId xmlns:a16="http://schemas.microsoft.com/office/drawing/2014/main" id="{57766847-E022-42A3-8099-A868187833BF}"/>
+                </a:ext>
+              </a:extLst>
+            </p:cNvPr>
+            <p:cNvSpPr/>
+            <p:nvPr/>
+          </p:nvSpPr>
+          <p:spPr>
+            <a:xfrm>
+              <a:off x="5343500" y="3293717"/>
+              <a:ext cx="201677" cy="594866"/>
+            </a:xfrm>
+            <a:prstGeom prst="rect">
+              <a:avLst/>
+            </a:prstGeom>
+            <a:solidFill>
+              <a:srgbClr val="0070C0"/>
+            </a:solidFill>
+            <a:ln>
+              <a:solidFill>
+                <a:srgbClr val="0070C0"/>
+              </a:solidFill>
+            </a:ln>
+            <a:effectLst/>
+          </p:spPr>
+          <p:style>
+            <a:lnRef idx="1">
+              <a:schemeClr val="accent3"/>
+            </a:lnRef>
+            <a:fillRef idx="2">
+              <a:schemeClr val="accent3"/>
+            </a:fillRef>
+            <a:effectRef idx="1">
+              <a:schemeClr val="accent3"/>
+            </a:effectRef>
+            <a:fontRef idx="minor">
+              <a:schemeClr val="dk1"/>
+            </a:fontRef>
+          </p:style>
+          <p:txBody>
+            <a:bodyPr rtlCol="0" anchor="ctr"/>
+            <a:lstStyle/>
+            <a:p>
+              <a:pPr algn="ctr"/>
+              <a:endParaRPr lang="en-SG" sz="1400"/>
+            </a:p>
+          </p:txBody>
+        </p:sp>
+        <p:sp>
+          <p:nvSpPr>
+            <p:cNvPr id="63" name="Rectangle 11">
+              <a:extLst>
+                <a:ext uri="{FF2B5EF4-FFF2-40B4-BE49-F238E27FC236}">
+                  <a16:creationId xmlns:a16="http://schemas.microsoft.com/office/drawing/2014/main" id="{85BB560E-2FA9-451C-9EED-91E411602686}"/>
+                </a:ext>
+              </a:extLst>
+            </p:cNvPr>
+            <p:cNvSpPr/>
+            <p:nvPr/>
+          </p:nvSpPr>
+          <p:spPr>
+            <a:xfrm>
+              <a:off x="7028040" y="3629607"/>
+              <a:ext cx="1277760" cy="312026"/>
+            </a:xfrm>
+            <a:prstGeom prst="rect">
+              <a:avLst/>
+            </a:prstGeom>
+            <a:ln w="19050">
+              <a:solidFill>
+                <a:schemeClr val="accent3"/>
+              </a:solidFill>
+            </a:ln>
+            <a:effectLst/>
+          </p:spPr>
+          <p:style>
+            <a:lnRef idx="1">
+              <a:schemeClr val="accent3"/>
+            </a:lnRef>
+            <a:fillRef idx="2">
+              <a:schemeClr val="accent3"/>
+            </a:fillRef>
+            <a:effectRef idx="1">
+              <a:schemeClr val="accent3"/>
+            </a:effectRef>
+            <a:fontRef idx="minor">
+              <a:schemeClr val="dk1"/>
+            </a:fontRef>
+          </p:style>
+          <p:txBody>
+            <a:bodyPr rtlCol="0" anchor="ctr"/>
+            <a:lstStyle/>
+            <a:p>
+              <a:pPr algn="ctr"/>
+              <a:r>
+                <a:rPr lang="en-US" sz="1600" dirty="0" err="1">
+                  <a:solidFill>
+                    <a:schemeClr val="accent3">
+                      <a:lumMod val="75000"/>
+                    </a:schemeClr>
+                  </a:solidFill>
+                </a:rPr>
+                <a:t>EventsCenter</a:t>
+              </a:r>
+              <a:endParaRPr lang="en-SG" sz="1600" dirty="0">
+                <a:solidFill>
+                  <a:schemeClr val="accent3">
+                    <a:lumMod val="75000"/>
+                  </a:schemeClr>
+                </a:solidFill>
+              </a:endParaRPr>
+            </a:p>
+          </p:txBody>
+        </p:sp>
+        <p:sp>
+          <p:nvSpPr>
+            <p:cNvPr id="66" name="Rectangle 65">
+              <a:extLst>
+                <a:ext uri="{FF2B5EF4-FFF2-40B4-BE49-F238E27FC236}">
+                  <a16:creationId xmlns:a16="http://schemas.microsoft.com/office/drawing/2014/main" id="{AA064AB3-268F-4370-90D5-C3BBA8F3024C}"/>
+                </a:ext>
+              </a:extLst>
+            </p:cNvPr>
+            <p:cNvSpPr/>
+            <p:nvPr/>
+          </p:nvSpPr>
+          <p:spPr>
+            <a:xfrm>
+              <a:off x="7585296" y="4419601"/>
+              <a:ext cx="216376" cy="312026"/>
+            </a:xfrm>
+            <a:prstGeom prst="rect">
+              <a:avLst/>
+            </a:prstGeom>
+            <a:solidFill>
+              <a:schemeClr val="accent3">
+                <a:lumMod val="60000"/>
+                <a:lumOff val="40000"/>
+              </a:schemeClr>
+            </a:solidFill>
+            <a:ln>
+              <a:solidFill>
+                <a:schemeClr val="accent3">
+                  <a:lumMod val="60000"/>
+                  <a:lumOff val="40000"/>
+                </a:schemeClr>
+              </a:solidFill>
+            </a:ln>
+            <a:effectLst/>
+          </p:spPr>
+          <p:style>
+            <a:lnRef idx="1">
+              <a:schemeClr val="accent3"/>
+            </a:lnRef>
+            <a:fillRef idx="2">
+              <a:schemeClr val="accent3"/>
+            </a:fillRef>
+            <a:effectRef idx="1">
+              <a:schemeClr val="accent3"/>
+            </a:effectRef>
+            <a:fontRef idx="minor">
+              <a:schemeClr val="dk1"/>
+            </a:fontRef>
+          </p:style>
+          <p:txBody>
+            <a:bodyPr rtlCol="0" anchor="ctr"/>
+            <a:lstStyle/>
+            <a:p>
+              <a:pPr algn="ctr"/>
+              <a:endParaRPr lang="en-SG" sz="1400">
+                <a:solidFill>
+                  <a:schemeClr val="dk1"/>
+                </a:solidFill>
+              </a:endParaRPr>
+            </a:p>
+          </p:txBody>
+        </p:sp>
+        <p:cxnSp>
+          <p:nvCxnSpPr>
+            <p:cNvPr id="67" name="Straight Connector 66">
+              <a:extLst>
+                <a:ext uri="{FF2B5EF4-FFF2-40B4-BE49-F238E27FC236}">
+                  <a16:creationId xmlns:a16="http://schemas.microsoft.com/office/drawing/2014/main" id="{6D1C2105-046F-4DB6-A5B3-3EB880BDB709}"/>
+                </a:ext>
+              </a:extLst>
+            </p:cNvPr>
+            <p:cNvCxnSpPr>
+              <a:cxnSpLocks/>
+            </p:cNvCxnSpPr>
+            <p:nvPr/>
+          </p:nvCxnSpPr>
+          <p:spPr>
+            <a:xfrm>
+              <a:off x="7680292" y="3962400"/>
+              <a:ext cx="11798" cy="1021537"/>
+            </a:xfrm>
+            <a:prstGeom prst="line">
+              <a:avLst/>
+            </a:prstGeom>
+            <a:ln w="19050">
+              <a:solidFill>
+                <a:schemeClr val="accent3">
+                  <a:lumMod val="60000"/>
+                  <a:lumOff val="40000"/>
+                </a:schemeClr>
+              </a:solidFill>
+              <a:prstDash val="sysDash"/>
+            </a:ln>
+            <a:effectLst/>
+          </p:spPr>
+          <p:style>
+            <a:lnRef idx="1">
+              <a:schemeClr val="accent1"/>
+            </a:lnRef>
+            <a:fillRef idx="2">
+              <a:schemeClr val="accent1"/>
+            </a:fillRef>
+            <a:effectRef idx="1">
+              <a:schemeClr val="accent1"/>
+            </a:effectRef>
+            <a:fontRef idx="minor">
+              <a:schemeClr val="dk1"/>
+            </a:fontRef>
+          </p:style>
+        </p:cxnSp>
+        <p:sp>
+          <p:nvSpPr>
+            <p:cNvPr id="74" name="TextBox 73">
+              <a:extLst>
+                <a:ext uri="{FF2B5EF4-FFF2-40B4-BE49-F238E27FC236}">
+                  <a16:creationId xmlns:a16="http://schemas.microsoft.com/office/drawing/2014/main" id="{C950B381-73E9-4F4C-BC72-8D6B40E57FB1}"/>
+                </a:ext>
+              </a:extLst>
+            </p:cNvPr>
+            <p:cNvSpPr txBox="1"/>
+            <p:nvPr/>
+          </p:nvSpPr>
+          <p:spPr>
+            <a:xfrm>
+              <a:off x="4852827" y="4185272"/>
+              <a:ext cx="343788" cy="220983"/>
+            </a:xfrm>
+            <a:prstGeom prst="rect">
+              <a:avLst/>
+            </a:prstGeom>
+            <a:noFill/>
+          </p:spPr>
+          <p:txBody>
+            <a:bodyPr wrap="square" lIns="0" tIns="0" rIns="0" bIns="0" rtlCol="0">
+              <a:spAutoFit/>
+            </a:bodyPr>
+            <a:lstStyle/>
+            <a:p>
+              <a:r>
+                <a:rPr lang="en-US" sz="1400" dirty="0">
+                  <a:solidFill>
+                    <a:srgbClr val="0070C0"/>
+                  </a:solidFill>
+                </a:rPr>
+                <a:t>post</a:t>
+              </a:r>
+            </a:p>
+          </p:txBody>
+        </p:sp>
+      </p:grpSp>
+    </p:spTree>
+    <p:extLst>
+      <p:ext uri="{BB962C8B-B14F-4D97-AF65-F5344CB8AC3E}">
+        <p14:creationId xmlns:p14="http://schemas.microsoft.com/office/powerpoint/2010/main" val="505694238"/>
       </p:ext>
     </p:extLst>
   </p:cSld>

--- a/docs/diagrams/LogicComponentSequenceDiagram.pptx
+++ b/docs/diagrams/LogicComponentSequenceDiagram.pptx
@@ -5,7 +5,7 @@
     <p:sldMasterId id="2147483648" r:id="rId1"/>
   </p:sldMasterIdLst>
   <p:notesMasterIdLst>
-    <p:notesMasterId r:id="rId10"/>
+    <p:notesMasterId r:id="rId11"/>
   </p:notesMasterIdLst>
   <p:sldIdLst>
     <p:sldId id="267" r:id="rId2"/>
@@ -16,6 +16,7 @@
     <p:sldId id="272" r:id="rId7"/>
     <p:sldId id="273" r:id="rId8"/>
     <p:sldId id="274" r:id="rId9"/>
+    <p:sldId id="275" r:id="rId10"/>
   </p:sldIdLst>
   <p:sldSz cx="9144000" cy="6858000" type="screen4x3"/>
   <p:notesSz cx="6858000" cy="9144000"/>
@@ -219,7 +220,7 @@
           <a:p>
             <a:fld id="{F5CC4B3F-88C1-4FFA-B1B6-F41C21DC6924}" type="datetimeFigureOut">
               <a:rPr lang="en-US" smtClean="0"/>
-              <a:t>11/12/2017</a:t>
+              <a:t>11/13/2017</a:t>
             </a:fld>
             <a:endParaRPr lang="en-US"/>
           </a:p>
@@ -665,7 +666,7 @@
           <a:p>
             <a:fld id="{78C97017-6FC3-485B-9764-EAC9E56C1D49}" type="datetimeFigureOut">
               <a:rPr lang="en-US" smtClean="0"/>
-              <a:t>11/12/2017</a:t>
+              <a:t>11/13/2017</a:t>
             </a:fld>
             <a:endParaRPr lang="en-US"/>
           </a:p>
@@ -833,7 +834,7 @@
           <a:p>
             <a:fld id="{78C97017-6FC3-485B-9764-EAC9E56C1D49}" type="datetimeFigureOut">
               <a:rPr lang="en-US" smtClean="0"/>
-              <a:t>11/12/2017</a:t>
+              <a:t>11/13/2017</a:t>
             </a:fld>
             <a:endParaRPr lang="en-US"/>
           </a:p>
@@ -1011,7 +1012,7 @@
           <a:p>
             <a:fld id="{78C97017-6FC3-485B-9764-EAC9E56C1D49}" type="datetimeFigureOut">
               <a:rPr lang="en-US" smtClean="0"/>
-              <a:t>11/12/2017</a:t>
+              <a:t>11/13/2017</a:t>
             </a:fld>
             <a:endParaRPr lang="en-US"/>
           </a:p>
@@ -1179,7 +1180,7 @@
           <a:p>
             <a:fld id="{78C97017-6FC3-485B-9764-EAC9E56C1D49}" type="datetimeFigureOut">
               <a:rPr lang="en-US" smtClean="0"/>
-              <a:t>11/12/2017</a:t>
+              <a:t>11/13/2017</a:t>
             </a:fld>
             <a:endParaRPr lang="en-US"/>
           </a:p>
@@ -1424,7 +1425,7 @@
           <a:p>
             <a:fld id="{78C97017-6FC3-485B-9764-EAC9E56C1D49}" type="datetimeFigureOut">
               <a:rPr lang="en-US" smtClean="0"/>
-              <a:t>11/12/2017</a:t>
+              <a:t>11/13/2017</a:t>
             </a:fld>
             <a:endParaRPr lang="en-US"/>
           </a:p>
@@ -1709,7 +1710,7 @@
           <a:p>
             <a:fld id="{78C97017-6FC3-485B-9764-EAC9E56C1D49}" type="datetimeFigureOut">
               <a:rPr lang="en-US" smtClean="0"/>
-              <a:t>11/12/2017</a:t>
+              <a:t>11/13/2017</a:t>
             </a:fld>
             <a:endParaRPr lang="en-US"/>
           </a:p>
@@ -2128,7 +2129,7 @@
           <a:p>
             <a:fld id="{78C97017-6FC3-485B-9764-EAC9E56C1D49}" type="datetimeFigureOut">
               <a:rPr lang="en-US" smtClean="0"/>
-              <a:t>11/12/2017</a:t>
+              <a:t>11/13/2017</a:t>
             </a:fld>
             <a:endParaRPr lang="en-US"/>
           </a:p>
@@ -2245,7 +2246,7 @@
           <a:p>
             <a:fld id="{78C97017-6FC3-485B-9764-EAC9E56C1D49}" type="datetimeFigureOut">
               <a:rPr lang="en-US" smtClean="0"/>
-              <a:t>11/12/2017</a:t>
+              <a:t>11/13/2017</a:t>
             </a:fld>
             <a:endParaRPr lang="en-US"/>
           </a:p>
@@ -2340,7 +2341,7 @@
           <a:p>
             <a:fld id="{78C97017-6FC3-485B-9764-EAC9E56C1D49}" type="datetimeFigureOut">
               <a:rPr lang="en-US" smtClean="0"/>
-              <a:t>11/12/2017</a:t>
+              <a:t>11/13/2017</a:t>
             </a:fld>
             <a:endParaRPr lang="en-US"/>
           </a:p>
@@ -2615,7 +2616,7 @@
           <a:p>
             <a:fld id="{78C97017-6FC3-485B-9764-EAC9E56C1D49}" type="datetimeFigureOut">
               <a:rPr lang="en-US" smtClean="0"/>
-              <a:t>11/12/2017</a:t>
+              <a:t>11/13/2017</a:t>
             </a:fld>
             <a:endParaRPr lang="en-US"/>
           </a:p>
@@ -2867,7 +2868,7 @@
           <a:p>
             <a:fld id="{78C97017-6FC3-485B-9764-EAC9E56C1D49}" type="datetimeFigureOut">
               <a:rPr lang="en-US" smtClean="0"/>
-              <a:t>11/12/2017</a:t>
+              <a:t>11/13/2017</a:t>
             </a:fld>
             <a:endParaRPr lang="en-US"/>
           </a:p>
@@ -3078,7 +3079,7 @@
           <a:p>
             <a:fld id="{78C97017-6FC3-485B-9764-EAC9E56C1D49}" type="datetimeFigureOut">
               <a:rPr lang="en-US" smtClean="0"/>
-              <a:t>11/12/2017</a:t>
+              <a:t>11/13/2017</a:t>
             </a:fld>
             <a:endParaRPr lang="en-US"/>
           </a:p>
@@ -15355,7 +15356,7 @@
         </p:nvGrpSpPr>
         <p:grpSpPr>
           <a:xfrm>
-            <a:off x="1937610" y="2143350"/>
+            <a:off x="1932288" y="2057400"/>
             <a:ext cx="6368190" cy="4071730"/>
             <a:chOff x="1937610" y="2143350"/>
             <a:chExt cx="6368190" cy="4071730"/>
@@ -15602,8 +15603,8 @@
           </p:nvSpPr>
           <p:spPr>
             <a:xfrm>
-              <a:off x="1995510" y="2697730"/>
-              <a:ext cx="1416678" cy="430887"/>
+              <a:off x="2607744" y="2934906"/>
+              <a:ext cx="1501866" cy="215444"/>
             </a:xfrm>
             <a:prstGeom prst="rect">
               <a:avLst/>
@@ -15622,33 +15623,7 @@
                     <a:srgbClr val="0070C0"/>
                   </a:solidFill>
                 </a:rPr>
-                <a:t>Execute</a:t>
-              </a:r>
-            </a:p>
-            <a:p>
-              <a:r>
-                <a:rPr lang="en-US" sz="1400" dirty="0">
-                  <a:solidFill>
-                    <a:srgbClr val="0070C0"/>
-                  </a:solidFill>
-                </a:rPr>
-                <a:t>(</a:t>
-              </a:r>
-              <a:r>
-                <a:rPr lang="en-US" sz="1400" dirty="0" err="1">
-                  <a:solidFill>
-                    <a:srgbClr val="0070C0"/>
-                  </a:solidFill>
-                </a:rPr>
-                <a:t>birthdaystatistics</a:t>
-              </a:r>
-              <a:r>
-                <a:rPr lang="en-US" sz="1400" dirty="0">
-                  <a:solidFill>
-                    <a:srgbClr val="0070C0"/>
-                  </a:solidFill>
-                </a:rPr>
-                <a:t>)</a:t>
+                <a:t>Execute()</a:t>
               </a:r>
             </a:p>
           </p:txBody>
@@ -15662,9 +15637,9 @@
             <p:nvPr/>
           </p:nvCxnSpPr>
           <p:spPr>
-            <a:xfrm flipV="1">
-              <a:off x="3787038" y="3339469"/>
-              <a:ext cx="1554569" cy="1"/>
+            <a:xfrm>
+              <a:off x="3799769" y="3176749"/>
+              <a:ext cx="723203" cy="0"/>
             </a:xfrm>
             <a:prstGeom prst="straightConnector1">
               <a:avLst/>
@@ -15969,7 +15944,7 @@
           </p:nvSpPr>
           <p:spPr>
             <a:xfrm>
-              <a:off x="4464681" y="2420652"/>
+              <a:off x="4526295" y="2742083"/>
               <a:ext cx="1947629" cy="554155"/>
             </a:xfrm>
             <a:prstGeom prst="rect">
@@ -16136,14 +16111,13 @@
             </p:cNvPr>
             <p:cNvCxnSpPr>
               <a:cxnSpLocks/>
-              <a:stCxn id="40" idx="2"/>
             </p:cNvCxnSpPr>
             <p:nvPr/>
           </p:nvCxnSpPr>
           <p:spPr>
             <a:xfrm>
-              <a:off x="5438496" y="2974807"/>
-              <a:ext cx="0" cy="1292393"/>
+              <a:off x="5491722" y="3295436"/>
+              <a:ext cx="0" cy="752914"/>
             </a:xfrm>
             <a:prstGeom prst="line">
               <a:avLst/>
@@ -16445,6 +16419,1099 @@
     <p:extLst>
       <p:ext uri="{BB962C8B-B14F-4D97-AF65-F5344CB8AC3E}">
         <p14:creationId xmlns:p14="http://schemas.microsoft.com/office/powerpoint/2010/main" val="505694238"/>
+      </p:ext>
+    </p:extLst>
+  </p:cSld>
+  <p:clrMapOvr>
+    <a:masterClrMapping/>
+  </p:clrMapOvr>
+</p:sld>
+</file>
+
+<file path=ppt/slides/slide9.xml><?xml version="1.0" encoding="utf-8"?>
+<p:sld xmlns:a="http://schemas.openxmlformats.org/drawingml/2006/main" xmlns:r="http://schemas.openxmlformats.org/officeDocument/2006/relationships" xmlns:p="http://schemas.openxmlformats.org/presentationml/2006/main">
+  <p:cSld>
+    <p:spTree>
+      <p:nvGrpSpPr>
+        <p:cNvPr id="1" name=""/>
+        <p:cNvGrpSpPr/>
+        <p:nvPr/>
+      </p:nvGrpSpPr>
+      <p:grpSpPr>
+        <a:xfrm>
+          <a:off x="0" y="0"/>
+          <a:ext cx="0" cy="0"/>
+          <a:chOff x="0" y="0"/>
+          <a:chExt cx="0" cy="0"/>
+        </a:xfrm>
+      </p:grpSpPr>
+      <p:grpSp>
+        <p:nvGrpSpPr>
+          <p:cNvPr id="88" name="Group 87">
+            <a:extLst>
+              <a:ext uri="{FF2B5EF4-FFF2-40B4-BE49-F238E27FC236}">
+                <a16:creationId xmlns:a16="http://schemas.microsoft.com/office/drawing/2014/main" id="{66A559FD-C3AD-4BEC-9C86-49C440D0C16D}"/>
+              </a:ext>
+            </a:extLst>
+          </p:cNvPr>
+          <p:cNvGrpSpPr/>
+          <p:nvPr/>
+        </p:nvGrpSpPr>
+        <p:grpSpPr>
+          <a:xfrm>
+            <a:off x="1937610" y="2143350"/>
+            <a:ext cx="6368190" cy="4071730"/>
+            <a:chOff x="1937610" y="2143350"/>
+            <a:chExt cx="6368190" cy="4071730"/>
+          </a:xfrm>
+        </p:grpSpPr>
+        <p:sp>
+          <p:nvSpPr>
+            <p:cNvPr id="81" name="Rectangle 65"/>
+            <p:cNvSpPr/>
+            <p:nvPr/>
+          </p:nvSpPr>
+          <p:spPr>
+            <a:xfrm>
+              <a:off x="2547210" y="2143350"/>
+              <a:ext cx="4343399" cy="4000286"/>
+            </a:xfrm>
+            <a:prstGeom prst="roundRect">
+              <a:avLst>
+                <a:gd name="adj" fmla="val 3484"/>
+              </a:avLst>
+            </a:prstGeom>
+            <a:solidFill>
+              <a:schemeClr val="accent1">
+                <a:lumMod val="20000"/>
+                <a:lumOff val="80000"/>
+              </a:schemeClr>
+            </a:solidFill>
+            <a:ln w="19050">
+              <a:noFill/>
+            </a:ln>
+            <a:effectLst/>
+          </p:spPr>
+          <p:style>
+            <a:lnRef idx="1">
+              <a:schemeClr val="accent2"/>
+            </a:lnRef>
+            <a:fillRef idx="2">
+              <a:schemeClr val="accent2"/>
+            </a:fillRef>
+            <a:effectRef idx="1">
+              <a:schemeClr val="accent2"/>
+            </a:effectRef>
+            <a:fontRef idx="minor">
+              <a:schemeClr val="dk1"/>
+            </a:fontRef>
+          </p:style>
+          <p:txBody>
+            <a:bodyPr rtlCol="0" anchor="t"/>
+            <a:lstStyle/>
+            <a:p>
+              <a:r>
+                <a:rPr lang="en-US" sz="1200" b="1" dirty="0">
+                  <a:solidFill>
+                    <a:srgbClr val="0070C0"/>
+                  </a:solidFill>
+                </a:rPr>
+                <a:t>Logic</a:t>
+              </a:r>
+              <a:endParaRPr lang="en-SG" sz="1200" b="1" dirty="0">
+                <a:solidFill>
+                  <a:srgbClr val="0070C0"/>
+                </a:solidFill>
+              </a:endParaRPr>
+            </a:p>
+          </p:txBody>
+        </p:sp>
+        <p:sp>
+          <p:nvSpPr>
+            <p:cNvPr id="19" name="Rectangle 62"/>
+            <p:cNvSpPr/>
+            <p:nvPr/>
+          </p:nvSpPr>
+          <p:spPr>
+            <a:xfrm>
+              <a:off x="3156810" y="2214794"/>
+              <a:ext cx="1093635" cy="690556"/>
+            </a:xfrm>
+            <a:prstGeom prst="rect">
+              <a:avLst/>
+            </a:prstGeom>
+            <a:solidFill>
+              <a:srgbClr val="0070C0"/>
+            </a:solidFill>
+            <a:ln w="19050">
+              <a:solidFill>
+                <a:srgbClr val="0070C0"/>
+              </a:solidFill>
+            </a:ln>
+            <a:effectLst/>
+          </p:spPr>
+          <p:style>
+            <a:lnRef idx="1">
+              <a:schemeClr val="accent2"/>
+            </a:lnRef>
+            <a:fillRef idx="2">
+              <a:schemeClr val="accent2"/>
+            </a:fillRef>
+            <a:effectRef idx="1">
+              <a:schemeClr val="accent2"/>
+            </a:effectRef>
+            <a:fontRef idx="minor">
+              <a:schemeClr val="dk1"/>
+            </a:fontRef>
+          </p:style>
+          <p:txBody>
+            <a:bodyPr rtlCol="0" anchor="ctr"/>
+            <a:lstStyle/>
+            <a:p>
+              <a:pPr algn="ctr"/>
+              <a:r>
+                <a:rPr lang="en-US" sz="1600" dirty="0">
+                  <a:solidFill>
+                    <a:schemeClr val="bg1"/>
+                  </a:solidFill>
+                </a:rPr>
+                <a:t>:Home</a:t>
+              </a:r>
+              <a:br>
+                <a:rPr lang="en-US" sz="1600" dirty="0">
+                  <a:solidFill>
+                    <a:schemeClr val="bg1"/>
+                  </a:solidFill>
+                </a:rPr>
+              </a:br>
+              <a:r>
+                <a:rPr lang="en-US" sz="1600" dirty="0">
+                  <a:solidFill>
+                    <a:schemeClr val="bg1"/>
+                  </a:solidFill>
+                </a:rPr>
+                <a:t>Command</a:t>
+              </a:r>
+              <a:endParaRPr lang="en-SG" sz="1600" dirty="0">
+                <a:solidFill>
+                  <a:schemeClr val="bg1"/>
+                </a:solidFill>
+              </a:endParaRPr>
+            </a:p>
+          </p:txBody>
+        </p:sp>
+        <p:cxnSp>
+          <p:nvCxnSpPr>
+            <p:cNvPr id="20" name="Straight Connector 19"/>
+            <p:cNvCxnSpPr>
+              <a:cxnSpLocks/>
+              <a:stCxn id="19" idx="2"/>
+            </p:cNvCxnSpPr>
+            <p:nvPr/>
+          </p:nvCxnSpPr>
+          <p:spPr>
+            <a:xfrm flipH="1">
+              <a:off x="3688038" y="2905350"/>
+              <a:ext cx="15590" cy="3309730"/>
+            </a:xfrm>
+            <a:prstGeom prst="line">
+              <a:avLst/>
+            </a:prstGeom>
+            <a:ln w="19050">
+              <a:solidFill>
+                <a:srgbClr val="0070C0"/>
+              </a:solidFill>
+              <a:prstDash val="sysDash"/>
+            </a:ln>
+            <a:effectLst/>
+          </p:spPr>
+          <p:style>
+            <a:lnRef idx="1">
+              <a:schemeClr val="accent1"/>
+            </a:lnRef>
+            <a:fillRef idx="2">
+              <a:schemeClr val="accent1"/>
+            </a:fillRef>
+            <a:effectRef idx="1">
+              <a:schemeClr val="accent1"/>
+            </a:effectRef>
+            <a:fontRef idx="minor">
+              <a:schemeClr val="dk1"/>
+            </a:fontRef>
+          </p:style>
+        </p:cxnSp>
+        <p:sp>
+          <p:nvSpPr>
+            <p:cNvPr id="21" name="Rectangle 20"/>
+            <p:cNvSpPr/>
+            <p:nvPr/>
+          </p:nvSpPr>
+          <p:spPr>
+            <a:xfrm>
+              <a:off x="3614010" y="3074382"/>
+              <a:ext cx="185759" cy="2997610"/>
+            </a:xfrm>
+            <a:prstGeom prst="rect">
+              <a:avLst/>
+            </a:prstGeom>
+            <a:solidFill>
+              <a:srgbClr val="0070C0"/>
+            </a:solidFill>
+            <a:ln>
+              <a:solidFill>
+                <a:srgbClr val="0070C0"/>
+              </a:solidFill>
+            </a:ln>
+            <a:effectLst/>
+          </p:spPr>
+          <p:style>
+            <a:lnRef idx="1">
+              <a:schemeClr val="accent3"/>
+            </a:lnRef>
+            <a:fillRef idx="2">
+              <a:schemeClr val="accent3"/>
+            </a:fillRef>
+            <a:effectRef idx="1">
+              <a:schemeClr val="accent3"/>
+            </a:effectRef>
+            <a:fontRef idx="minor">
+              <a:schemeClr val="dk1"/>
+            </a:fontRef>
+          </p:style>
+          <p:txBody>
+            <a:bodyPr rtlCol="0" anchor="ctr"/>
+            <a:lstStyle/>
+            <a:p>
+              <a:pPr algn="ctr"/>
+              <a:endParaRPr lang="en-SG" sz="1400"/>
+            </a:p>
+          </p:txBody>
+        </p:sp>
+        <p:sp>
+          <p:nvSpPr>
+            <p:cNvPr id="26" name="TextBox 25"/>
+            <p:cNvSpPr txBox="1"/>
+            <p:nvPr/>
+          </p:nvSpPr>
+          <p:spPr>
+            <a:xfrm>
+              <a:off x="2556934" y="2918239"/>
+              <a:ext cx="1323221" cy="215444"/>
+            </a:xfrm>
+            <a:prstGeom prst="rect">
+              <a:avLst/>
+            </a:prstGeom>
+            <a:noFill/>
+          </p:spPr>
+          <p:txBody>
+            <a:bodyPr wrap="square" lIns="0" tIns="0" rIns="0" bIns="0" rtlCol="0">
+              <a:spAutoFit/>
+            </a:bodyPr>
+            <a:lstStyle/>
+            <a:p>
+              <a:r>
+                <a:rPr lang="en-US" sz="1400" dirty="0">
+                  <a:solidFill>
+                    <a:srgbClr val="0070C0"/>
+                  </a:solidFill>
+                </a:rPr>
+                <a:t>Execute()</a:t>
+              </a:r>
+            </a:p>
+          </p:txBody>
+        </p:sp>
+        <p:cxnSp>
+          <p:nvCxnSpPr>
+            <p:cNvPr id="28" name="Straight Arrow Connector 27"/>
+            <p:cNvCxnSpPr>
+              <a:cxnSpLocks/>
+            </p:cNvCxnSpPr>
+            <p:nvPr/>
+          </p:nvCxnSpPr>
+          <p:spPr>
+            <a:xfrm flipV="1">
+              <a:off x="3777656" y="3170858"/>
+              <a:ext cx="714911" cy="1"/>
+            </a:xfrm>
+            <a:prstGeom prst="straightConnector1">
+              <a:avLst/>
+            </a:prstGeom>
+            <a:ln w="19050">
+              <a:solidFill>
+                <a:srgbClr val="0070C0"/>
+              </a:solidFill>
+              <a:tailEnd type="arrow"/>
+            </a:ln>
+          </p:spPr>
+          <p:style>
+            <a:lnRef idx="1">
+              <a:schemeClr val="accent1"/>
+            </a:lnRef>
+            <a:fillRef idx="0">
+              <a:schemeClr val="accent1"/>
+            </a:fillRef>
+            <a:effectRef idx="0">
+              <a:schemeClr val="accent1"/>
+            </a:effectRef>
+            <a:fontRef idx="minor">
+              <a:schemeClr val="tx1"/>
+            </a:fontRef>
+          </p:style>
+        </p:cxnSp>
+        <p:cxnSp>
+          <p:nvCxnSpPr>
+            <p:cNvPr id="34" name="Straight Arrow Connector 33"/>
+            <p:cNvCxnSpPr/>
+            <p:nvPr/>
+          </p:nvCxnSpPr>
+          <p:spPr>
+            <a:xfrm>
+              <a:off x="3817835" y="3888583"/>
+              <a:ext cx="1492974" cy="0"/>
+            </a:xfrm>
+            <a:prstGeom prst="straightConnector1">
+              <a:avLst/>
+            </a:prstGeom>
+            <a:ln w="19050">
+              <a:solidFill>
+                <a:srgbClr val="0070C0"/>
+              </a:solidFill>
+              <a:prstDash val="sysDash"/>
+              <a:headEnd type="arrow" w="med" len="med"/>
+              <a:tailEnd type="none" w="med" len="med"/>
+            </a:ln>
+          </p:spPr>
+          <p:style>
+            <a:lnRef idx="1">
+              <a:schemeClr val="accent1"/>
+            </a:lnRef>
+            <a:fillRef idx="0">
+              <a:schemeClr val="accent1"/>
+            </a:fillRef>
+            <a:effectRef idx="0">
+              <a:schemeClr val="accent1"/>
+            </a:effectRef>
+            <a:fontRef idx="minor">
+              <a:schemeClr val="tx1"/>
+            </a:fontRef>
+          </p:style>
+        </p:cxnSp>
+        <p:sp>
+          <p:nvSpPr>
+            <p:cNvPr id="65" name="Rectangle 64"/>
+            <p:cNvSpPr/>
+            <p:nvPr/>
+          </p:nvSpPr>
+          <p:spPr>
+            <a:xfrm>
+              <a:off x="6377689" y="5628905"/>
+              <a:ext cx="185760" cy="172813"/>
+            </a:xfrm>
+            <a:prstGeom prst="rect">
+              <a:avLst/>
+            </a:prstGeom>
+            <a:solidFill>
+              <a:srgbClr val="0070C0"/>
+            </a:solidFill>
+            <a:ln>
+              <a:solidFill>
+                <a:srgbClr val="0070C0"/>
+              </a:solidFill>
+            </a:ln>
+            <a:effectLst/>
+          </p:spPr>
+          <p:style>
+            <a:lnRef idx="1">
+              <a:schemeClr val="accent3"/>
+            </a:lnRef>
+            <a:fillRef idx="2">
+              <a:schemeClr val="accent3"/>
+            </a:fillRef>
+            <a:effectRef idx="1">
+              <a:schemeClr val="accent3"/>
+            </a:effectRef>
+            <a:fontRef idx="minor">
+              <a:schemeClr val="dk1"/>
+            </a:fontRef>
+          </p:style>
+          <p:txBody>
+            <a:bodyPr rtlCol="0" anchor="ctr"/>
+            <a:lstStyle/>
+            <a:p>
+              <a:pPr algn="ctr"/>
+              <a:endParaRPr lang="en-SG" sz="1400"/>
+            </a:p>
+          </p:txBody>
+        </p:sp>
+        <p:cxnSp>
+          <p:nvCxnSpPr>
+            <p:cNvPr id="75" name="Straight Arrow Connector 74"/>
+            <p:cNvCxnSpPr>
+              <a:cxnSpLocks/>
+            </p:cNvCxnSpPr>
+            <p:nvPr/>
+          </p:nvCxnSpPr>
+          <p:spPr>
+            <a:xfrm>
+              <a:off x="3817835" y="4419601"/>
+              <a:ext cx="3752875" cy="30243"/>
+            </a:xfrm>
+            <a:prstGeom prst="straightConnector1">
+              <a:avLst/>
+            </a:prstGeom>
+            <a:ln w="19050">
+              <a:solidFill>
+                <a:srgbClr val="0070C0"/>
+              </a:solidFill>
+              <a:tailEnd type="arrow"/>
+            </a:ln>
+          </p:spPr>
+          <p:style>
+            <a:lnRef idx="1">
+              <a:schemeClr val="accent1"/>
+            </a:lnRef>
+            <a:fillRef idx="0">
+              <a:schemeClr val="accent1"/>
+            </a:fillRef>
+            <a:effectRef idx="0">
+              <a:schemeClr val="accent1"/>
+            </a:effectRef>
+            <a:fontRef idx="minor">
+              <a:schemeClr val="tx1"/>
+            </a:fontRef>
+          </p:style>
+        </p:cxnSp>
+        <p:cxnSp>
+          <p:nvCxnSpPr>
+            <p:cNvPr id="77" name="Straight Arrow Connector 76"/>
+            <p:cNvCxnSpPr>
+              <a:cxnSpLocks/>
+            </p:cNvCxnSpPr>
+            <p:nvPr/>
+          </p:nvCxnSpPr>
+          <p:spPr>
+            <a:xfrm>
+              <a:off x="3819996" y="4724400"/>
+              <a:ext cx="3750714" cy="7227"/>
+            </a:xfrm>
+            <a:prstGeom prst="straightConnector1">
+              <a:avLst/>
+            </a:prstGeom>
+            <a:ln w="19050">
+              <a:solidFill>
+                <a:srgbClr val="0070C0"/>
+              </a:solidFill>
+              <a:prstDash val="sysDash"/>
+              <a:headEnd type="arrow" w="med" len="med"/>
+              <a:tailEnd type="none" w="med" len="med"/>
+            </a:ln>
+          </p:spPr>
+          <p:style>
+            <a:lnRef idx="1">
+              <a:schemeClr val="accent1"/>
+            </a:lnRef>
+            <a:fillRef idx="0">
+              <a:schemeClr val="accent1"/>
+            </a:fillRef>
+            <a:effectRef idx="0">
+              <a:schemeClr val="accent1"/>
+            </a:effectRef>
+            <a:fontRef idx="minor">
+              <a:schemeClr val="tx1"/>
+            </a:fontRef>
+          </p:style>
+        </p:cxnSp>
+        <p:sp>
+          <p:nvSpPr>
+            <p:cNvPr id="84" name="Rectangle 62"/>
+            <p:cNvSpPr/>
+            <p:nvPr/>
+          </p:nvSpPr>
+          <p:spPr>
+            <a:xfrm>
+              <a:off x="5653972" y="5168817"/>
+              <a:ext cx="1590354" cy="461538"/>
+            </a:xfrm>
+            <a:prstGeom prst="rect">
+              <a:avLst/>
+            </a:prstGeom>
+            <a:solidFill>
+              <a:srgbClr val="0070C0"/>
+            </a:solidFill>
+            <a:ln w="19050">
+              <a:solidFill>
+                <a:srgbClr val="0070C0"/>
+              </a:solidFill>
+            </a:ln>
+            <a:effectLst/>
+          </p:spPr>
+          <p:style>
+            <a:lnRef idx="1">
+              <a:schemeClr val="accent2"/>
+            </a:lnRef>
+            <a:fillRef idx="2">
+              <a:schemeClr val="accent2"/>
+            </a:fillRef>
+            <a:effectRef idx="1">
+              <a:schemeClr val="accent2"/>
+            </a:effectRef>
+            <a:fontRef idx="minor">
+              <a:schemeClr val="dk1"/>
+            </a:fontRef>
+          </p:style>
+          <p:txBody>
+            <a:bodyPr rtlCol="0" anchor="ctr"/>
+            <a:lstStyle/>
+            <a:p>
+              <a:pPr algn="ctr"/>
+              <a:r>
+                <a:rPr lang="en-US" sz="1600" dirty="0" err="1">
+                  <a:solidFill>
+                    <a:schemeClr val="bg1"/>
+                  </a:solidFill>
+                </a:rPr>
+                <a:t>result:Command</a:t>
+              </a:r>
+              <a:r>
+                <a:rPr lang="en-US" sz="1600" dirty="0">
+                  <a:solidFill>
+                    <a:schemeClr val="bg1"/>
+                  </a:solidFill>
+                </a:rPr>
+                <a:t> Result</a:t>
+              </a:r>
+              <a:endParaRPr lang="en-SG" sz="1600" dirty="0">
+                <a:solidFill>
+                  <a:schemeClr val="bg1"/>
+                </a:solidFill>
+              </a:endParaRPr>
+            </a:p>
+          </p:txBody>
+        </p:sp>
+        <p:cxnSp>
+          <p:nvCxnSpPr>
+            <p:cNvPr id="90" name="Straight Arrow Connector 89"/>
+            <p:cNvCxnSpPr>
+              <a:cxnSpLocks/>
+            </p:cNvCxnSpPr>
+            <p:nvPr/>
+          </p:nvCxnSpPr>
+          <p:spPr>
+            <a:xfrm>
+              <a:off x="3799769" y="5801718"/>
+              <a:ext cx="2577920" cy="9425"/>
+            </a:xfrm>
+            <a:prstGeom prst="straightConnector1">
+              <a:avLst/>
+            </a:prstGeom>
+            <a:ln w="19050">
+              <a:solidFill>
+                <a:srgbClr val="0070C0"/>
+              </a:solidFill>
+              <a:prstDash val="sysDash"/>
+              <a:headEnd type="arrow" w="med" len="med"/>
+              <a:tailEnd type="none" w="med" len="med"/>
+            </a:ln>
+          </p:spPr>
+          <p:style>
+            <a:lnRef idx="1">
+              <a:schemeClr val="accent1"/>
+            </a:lnRef>
+            <a:fillRef idx="0">
+              <a:schemeClr val="accent1"/>
+            </a:fillRef>
+            <a:effectRef idx="0">
+              <a:schemeClr val="accent1"/>
+            </a:effectRef>
+            <a:fontRef idx="minor">
+              <a:schemeClr val="tx1"/>
+            </a:fontRef>
+          </p:style>
+        </p:cxnSp>
+        <p:sp>
+          <p:nvSpPr>
+            <p:cNvPr id="40" name="Rectangle 62"/>
+            <p:cNvSpPr/>
+            <p:nvPr/>
+          </p:nvSpPr>
+          <p:spPr>
+            <a:xfrm>
+              <a:off x="4492567" y="2761601"/>
+              <a:ext cx="1947629" cy="554155"/>
+            </a:xfrm>
+            <a:prstGeom prst="rect">
+              <a:avLst/>
+            </a:prstGeom>
+            <a:solidFill>
+              <a:srgbClr val="0070C0"/>
+            </a:solidFill>
+            <a:ln w="19050">
+              <a:solidFill>
+                <a:srgbClr val="0070C0"/>
+              </a:solidFill>
+            </a:ln>
+            <a:effectLst/>
+          </p:spPr>
+          <p:style>
+            <a:lnRef idx="1">
+              <a:schemeClr val="accent2"/>
+            </a:lnRef>
+            <a:fillRef idx="2">
+              <a:schemeClr val="accent2"/>
+            </a:fillRef>
+            <a:effectRef idx="1">
+              <a:schemeClr val="accent2"/>
+            </a:effectRef>
+            <a:fontRef idx="minor">
+              <a:schemeClr val="dk1"/>
+            </a:fontRef>
+          </p:style>
+          <p:txBody>
+            <a:bodyPr rtlCol="0" anchor="ctr"/>
+            <a:lstStyle/>
+            <a:p>
+              <a:pPr algn="ctr"/>
+              <a:r>
+                <a:rPr lang="en-US" sz="1600" dirty="0">
+                  <a:solidFill>
+                    <a:schemeClr val="bg1"/>
+                  </a:solidFill>
+                </a:rPr>
+                <a:t>:</a:t>
+              </a:r>
+              <a:r>
+                <a:rPr lang="en-US" sz="1600" dirty="0" err="1">
+                  <a:solidFill>
+                    <a:schemeClr val="bg1"/>
+                  </a:solidFill>
+                </a:rPr>
+                <a:t>ChangeInformation</a:t>
+              </a:r>
+              <a:endParaRPr lang="en-US" sz="1600" dirty="0">
+                <a:solidFill>
+                  <a:schemeClr val="bg1"/>
+                </a:solidFill>
+              </a:endParaRPr>
+            </a:p>
+            <a:p>
+              <a:pPr algn="ctr"/>
+              <a:r>
+                <a:rPr lang="en-US" sz="1600" dirty="0" err="1">
+                  <a:solidFill>
+                    <a:schemeClr val="bg1"/>
+                  </a:solidFill>
+                </a:rPr>
+                <a:t>PanelRequestEvent</a:t>
+              </a:r>
+              <a:endParaRPr lang="en-SG" sz="1600" dirty="0">
+                <a:solidFill>
+                  <a:schemeClr val="bg1"/>
+                </a:solidFill>
+              </a:endParaRPr>
+            </a:p>
+          </p:txBody>
+        </p:sp>
+        <p:cxnSp>
+          <p:nvCxnSpPr>
+            <p:cNvPr id="13" name="Straight Arrow Connector 12"/>
+            <p:cNvCxnSpPr>
+              <a:cxnSpLocks/>
+              <a:endCxn id="84" idx="1"/>
+            </p:cNvCxnSpPr>
+            <p:nvPr/>
+          </p:nvCxnSpPr>
+          <p:spPr>
+            <a:xfrm>
+              <a:off x="3817835" y="5399586"/>
+              <a:ext cx="1836137" cy="0"/>
+            </a:xfrm>
+            <a:prstGeom prst="straightConnector1">
+              <a:avLst/>
+            </a:prstGeom>
+            <a:ln w="19050">
+              <a:headEnd type="none" w="med" len="med"/>
+              <a:tailEnd type="arrow" w="med" len="med"/>
+            </a:ln>
+          </p:spPr>
+          <p:style>
+            <a:lnRef idx="1">
+              <a:schemeClr val="accent1"/>
+            </a:lnRef>
+            <a:fillRef idx="0">
+              <a:schemeClr val="accent1"/>
+            </a:fillRef>
+            <a:effectRef idx="0">
+              <a:schemeClr val="accent1"/>
+            </a:effectRef>
+            <a:fontRef idx="minor">
+              <a:schemeClr val="tx1"/>
+            </a:fontRef>
+          </p:style>
+        </p:cxnSp>
+        <p:cxnSp>
+          <p:nvCxnSpPr>
+            <p:cNvPr id="47" name="Straight Arrow Connector 46">
+              <a:extLst>
+                <a:ext uri="{FF2B5EF4-FFF2-40B4-BE49-F238E27FC236}">
+                  <a16:creationId xmlns:a16="http://schemas.microsoft.com/office/drawing/2014/main" id="{51875A2F-5ED4-42FF-8403-C14AB94FA994}"/>
+                </a:ext>
+              </a:extLst>
+            </p:cNvPr>
+            <p:cNvCxnSpPr>
+              <a:cxnSpLocks/>
+            </p:cNvCxnSpPr>
+            <p:nvPr/>
+          </p:nvCxnSpPr>
+          <p:spPr>
+            <a:xfrm>
+              <a:off x="1937610" y="3176749"/>
+              <a:ext cx="1676400" cy="0"/>
+            </a:xfrm>
+            <a:prstGeom prst="straightConnector1">
+              <a:avLst/>
+            </a:prstGeom>
+            <a:ln w="19050">
+              <a:solidFill>
+                <a:srgbClr val="00B050"/>
+              </a:solidFill>
+              <a:tailEnd type="arrow"/>
+            </a:ln>
+          </p:spPr>
+          <p:style>
+            <a:lnRef idx="1">
+              <a:schemeClr val="accent1"/>
+            </a:lnRef>
+            <a:fillRef idx="0">
+              <a:schemeClr val="accent1"/>
+            </a:fillRef>
+            <a:effectRef idx="0">
+              <a:schemeClr val="accent1"/>
+            </a:effectRef>
+            <a:fontRef idx="minor">
+              <a:schemeClr val="tx1"/>
+            </a:fontRef>
+          </p:style>
+        </p:cxnSp>
+        <p:cxnSp>
+          <p:nvCxnSpPr>
+            <p:cNvPr id="54" name="Straight Connector 53">
+              <a:extLst>
+                <a:ext uri="{FF2B5EF4-FFF2-40B4-BE49-F238E27FC236}">
+                  <a16:creationId xmlns:a16="http://schemas.microsoft.com/office/drawing/2014/main" id="{D0125B4D-DC6A-4595-8C20-9B9B8B0D23AE}"/>
+                </a:ext>
+              </a:extLst>
+            </p:cNvPr>
+            <p:cNvCxnSpPr>
+              <a:cxnSpLocks/>
+              <a:stCxn id="40" idx="2"/>
+            </p:cNvCxnSpPr>
+            <p:nvPr/>
+          </p:nvCxnSpPr>
+          <p:spPr>
+            <a:xfrm>
+              <a:off x="5466382" y="3315756"/>
+              <a:ext cx="0" cy="722844"/>
+            </a:xfrm>
+            <a:prstGeom prst="line">
+              <a:avLst/>
+            </a:prstGeom>
+            <a:ln w="19050">
+              <a:solidFill>
+                <a:srgbClr val="0070C0"/>
+              </a:solidFill>
+              <a:prstDash val="sysDash"/>
+            </a:ln>
+            <a:effectLst/>
+          </p:spPr>
+          <p:style>
+            <a:lnRef idx="1">
+              <a:schemeClr val="accent1"/>
+            </a:lnRef>
+            <a:fillRef idx="2">
+              <a:schemeClr val="accent1"/>
+            </a:fillRef>
+            <a:effectRef idx="1">
+              <a:schemeClr val="accent1"/>
+            </a:effectRef>
+            <a:fontRef idx="minor">
+              <a:schemeClr val="dk1"/>
+            </a:fontRef>
+          </p:style>
+        </p:cxnSp>
+        <p:sp>
+          <p:nvSpPr>
+            <p:cNvPr id="55" name="Rectangle 54">
+              <a:extLst>
+                <a:ext uri="{FF2B5EF4-FFF2-40B4-BE49-F238E27FC236}">
+                  <a16:creationId xmlns:a16="http://schemas.microsoft.com/office/drawing/2014/main" id="{57766847-E022-42A3-8099-A868187833BF}"/>
+                </a:ext>
+              </a:extLst>
+            </p:cNvPr>
+            <p:cNvSpPr/>
+            <p:nvPr/>
+          </p:nvSpPr>
+          <p:spPr>
+            <a:xfrm>
+              <a:off x="5343500" y="3293717"/>
+              <a:ext cx="201677" cy="594866"/>
+            </a:xfrm>
+            <a:prstGeom prst="rect">
+              <a:avLst/>
+            </a:prstGeom>
+            <a:solidFill>
+              <a:srgbClr val="0070C0"/>
+            </a:solidFill>
+            <a:ln>
+              <a:solidFill>
+                <a:srgbClr val="0070C0"/>
+              </a:solidFill>
+            </a:ln>
+            <a:effectLst/>
+          </p:spPr>
+          <p:style>
+            <a:lnRef idx="1">
+              <a:schemeClr val="accent3"/>
+            </a:lnRef>
+            <a:fillRef idx="2">
+              <a:schemeClr val="accent3"/>
+            </a:fillRef>
+            <a:effectRef idx="1">
+              <a:schemeClr val="accent3"/>
+            </a:effectRef>
+            <a:fontRef idx="minor">
+              <a:schemeClr val="dk1"/>
+            </a:fontRef>
+          </p:style>
+          <p:txBody>
+            <a:bodyPr rtlCol="0" anchor="ctr"/>
+            <a:lstStyle/>
+            <a:p>
+              <a:pPr algn="ctr"/>
+              <a:endParaRPr lang="en-SG" sz="1400"/>
+            </a:p>
+          </p:txBody>
+        </p:sp>
+        <p:sp>
+          <p:nvSpPr>
+            <p:cNvPr id="63" name="Rectangle 11">
+              <a:extLst>
+                <a:ext uri="{FF2B5EF4-FFF2-40B4-BE49-F238E27FC236}">
+                  <a16:creationId xmlns:a16="http://schemas.microsoft.com/office/drawing/2014/main" id="{85BB560E-2FA9-451C-9EED-91E411602686}"/>
+                </a:ext>
+              </a:extLst>
+            </p:cNvPr>
+            <p:cNvSpPr/>
+            <p:nvPr/>
+          </p:nvSpPr>
+          <p:spPr>
+            <a:xfrm>
+              <a:off x="7028040" y="3629607"/>
+              <a:ext cx="1277760" cy="312026"/>
+            </a:xfrm>
+            <a:prstGeom prst="rect">
+              <a:avLst/>
+            </a:prstGeom>
+            <a:ln w="19050">
+              <a:solidFill>
+                <a:schemeClr val="accent3"/>
+              </a:solidFill>
+            </a:ln>
+            <a:effectLst/>
+          </p:spPr>
+          <p:style>
+            <a:lnRef idx="1">
+              <a:schemeClr val="accent3"/>
+            </a:lnRef>
+            <a:fillRef idx="2">
+              <a:schemeClr val="accent3"/>
+            </a:fillRef>
+            <a:effectRef idx="1">
+              <a:schemeClr val="accent3"/>
+            </a:effectRef>
+            <a:fontRef idx="minor">
+              <a:schemeClr val="dk1"/>
+            </a:fontRef>
+          </p:style>
+          <p:txBody>
+            <a:bodyPr rtlCol="0" anchor="ctr"/>
+            <a:lstStyle/>
+            <a:p>
+              <a:pPr algn="ctr"/>
+              <a:r>
+                <a:rPr lang="en-US" sz="1600" dirty="0" err="1">
+                  <a:solidFill>
+                    <a:schemeClr val="accent3">
+                      <a:lumMod val="75000"/>
+                    </a:schemeClr>
+                  </a:solidFill>
+                </a:rPr>
+                <a:t>EventsCenter</a:t>
+              </a:r>
+              <a:endParaRPr lang="en-SG" sz="1600" dirty="0">
+                <a:solidFill>
+                  <a:schemeClr val="accent3">
+                    <a:lumMod val="75000"/>
+                  </a:schemeClr>
+                </a:solidFill>
+              </a:endParaRPr>
+            </a:p>
+          </p:txBody>
+        </p:sp>
+        <p:sp>
+          <p:nvSpPr>
+            <p:cNvPr id="66" name="Rectangle 65">
+              <a:extLst>
+                <a:ext uri="{FF2B5EF4-FFF2-40B4-BE49-F238E27FC236}">
+                  <a16:creationId xmlns:a16="http://schemas.microsoft.com/office/drawing/2014/main" id="{AA064AB3-268F-4370-90D5-C3BBA8F3024C}"/>
+                </a:ext>
+              </a:extLst>
+            </p:cNvPr>
+            <p:cNvSpPr/>
+            <p:nvPr/>
+          </p:nvSpPr>
+          <p:spPr>
+            <a:xfrm>
+              <a:off x="7585296" y="4419601"/>
+              <a:ext cx="216376" cy="312026"/>
+            </a:xfrm>
+            <a:prstGeom prst="rect">
+              <a:avLst/>
+            </a:prstGeom>
+            <a:solidFill>
+              <a:schemeClr val="accent3">
+                <a:lumMod val="60000"/>
+                <a:lumOff val="40000"/>
+              </a:schemeClr>
+            </a:solidFill>
+            <a:ln>
+              <a:solidFill>
+                <a:schemeClr val="accent3">
+                  <a:lumMod val="60000"/>
+                  <a:lumOff val="40000"/>
+                </a:schemeClr>
+              </a:solidFill>
+            </a:ln>
+            <a:effectLst/>
+          </p:spPr>
+          <p:style>
+            <a:lnRef idx="1">
+              <a:schemeClr val="accent3"/>
+            </a:lnRef>
+            <a:fillRef idx="2">
+              <a:schemeClr val="accent3"/>
+            </a:fillRef>
+            <a:effectRef idx="1">
+              <a:schemeClr val="accent3"/>
+            </a:effectRef>
+            <a:fontRef idx="minor">
+              <a:schemeClr val="dk1"/>
+            </a:fontRef>
+          </p:style>
+          <p:txBody>
+            <a:bodyPr rtlCol="0" anchor="ctr"/>
+            <a:lstStyle/>
+            <a:p>
+              <a:pPr algn="ctr"/>
+              <a:endParaRPr lang="en-SG" sz="1400">
+                <a:solidFill>
+                  <a:schemeClr val="dk1"/>
+                </a:solidFill>
+              </a:endParaRPr>
+            </a:p>
+          </p:txBody>
+        </p:sp>
+        <p:cxnSp>
+          <p:nvCxnSpPr>
+            <p:cNvPr id="67" name="Straight Connector 66">
+              <a:extLst>
+                <a:ext uri="{FF2B5EF4-FFF2-40B4-BE49-F238E27FC236}">
+                  <a16:creationId xmlns:a16="http://schemas.microsoft.com/office/drawing/2014/main" id="{6D1C2105-046F-4DB6-A5B3-3EB880BDB709}"/>
+                </a:ext>
+              </a:extLst>
+            </p:cNvPr>
+            <p:cNvCxnSpPr>
+              <a:cxnSpLocks/>
+            </p:cNvCxnSpPr>
+            <p:nvPr/>
+          </p:nvCxnSpPr>
+          <p:spPr>
+            <a:xfrm>
+              <a:off x="7680292" y="3962400"/>
+              <a:ext cx="11798" cy="1021537"/>
+            </a:xfrm>
+            <a:prstGeom prst="line">
+              <a:avLst/>
+            </a:prstGeom>
+            <a:ln w="19050">
+              <a:solidFill>
+                <a:schemeClr val="accent3">
+                  <a:lumMod val="60000"/>
+                  <a:lumOff val="40000"/>
+                </a:schemeClr>
+              </a:solidFill>
+              <a:prstDash val="sysDash"/>
+            </a:ln>
+            <a:effectLst/>
+          </p:spPr>
+          <p:style>
+            <a:lnRef idx="1">
+              <a:schemeClr val="accent1"/>
+            </a:lnRef>
+            <a:fillRef idx="2">
+              <a:schemeClr val="accent1"/>
+            </a:fillRef>
+            <a:effectRef idx="1">
+              <a:schemeClr val="accent1"/>
+            </a:effectRef>
+            <a:fontRef idx="minor">
+              <a:schemeClr val="dk1"/>
+            </a:fontRef>
+          </p:style>
+        </p:cxnSp>
+        <p:sp>
+          <p:nvSpPr>
+            <p:cNvPr id="74" name="TextBox 73">
+              <a:extLst>
+                <a:ext uri="{FF2B5EF4-FFF2-40B4-BE49-F238E27FC236}">
+                  <a16:creationId xmlns:a16="http://schemas.microsoft.com/office/drawing/2014/main" id="{C950B381-73E9-4F4C-BC72-8D6B40E57FB1}"/>
+                </a:ext>
+              </a:extLst>
+            </p:cNvPr>
+            <p:cNvSpPr txBox="1"/>
+            <p:nvPr/>
+          </p:nvSpPr>
+          <p:spPr>
+            <a:xfrm>
+              <a:off x="4852827" y="4185272"/>
+              <a:ext cx="343788" cy="220983"/>
+            </a:xfrm>
+            <a:prstGeom prst="rect">
+              <a:avLst/>
+            </a:prstGeom>
+            <a:noFill/>
+          </p:spPr>
+          <p:txBody>
+            <a:bodyPr wrap="square" lIns="0" tIns="0" rIns="0" bIns="0" rtlCol="0">
+              <a:spAutoFit/>
+            </a:bodyPr>
+            <a:lstStyle/>
+            <a:p>
+              <a:r>
+                <a:rPr lang="en-US" sz="1400" dirty="0">
+                  <a:solidFill>
+                    <a:srgbClr val="0070C0"/>
+                  </a:solidFill>
+                </a:rPr>
+                <a:t>post</a:t>
+              </a:r>
+            </a:p>
+          </p:txBody>
+        </p:sp>
+      </p:grpSp>
+    </p:spTree>
+    <p:extLst>
+      <p:ext uri="{BB962C8B-B14F-4D97-AF65-F5344CB8AC3E}">
+        <p14:creationId xmlns:p14="http://schemas.microsoft.com/office/powerpoint/2010/main" val="516350717"/>
       </p:ext>
     </p:extLst>
   </p:cSld>

--- a/docs/diagrams/LogicComponentSequenceDiagram.pptx
+++ b/docs/diagrams/LogicComponentSequenceDiagram.pptx
@@ -5,7 +5,7 @@
     <p:sldMasterId id="2147483648" r:id="rId1"/>
   </p:sldMasterIdLst>
   <p:notesMasterIdLst>
-    <p:notesMasterId r:id="rId11"/>
+    <p:notesMasterId r:id="rId12"/>
   </p:notesMasterIdLst>
   <p:sldIdLst>
     <p:sldId id="267" r:id="rId2"/>
@@ -17,6 +17,7 @@
     <p:sldId id="273" r:id="rId8"/>
     <p:sldId id="274" r:id="rId9"/>
     <p:sldId id="275" r:id="rId10"/>
+    <p:sldId id="276" r:id="rId11"/>
   </p:sldIdLst>
   <p:sldSz cx="9144000" cy="6858000" type="screen4x3"/>
   <p:notesSz cx="6858000" cy="9144000"/>
@@ -5477,6 +5478,1083 @@
     <p:extLst>
       <p:ext uri="{BB962C8B-B14F-4D97-AF65-F5344CB8AC3E}">
         <p14:creationId xmlns:p14="http://schemas.microsoft.com/office/powerpoint/2010/main" val="3945898909"/>
+      </p:ext>
+    </p:extLst>
+  </p:cSld>
+  <p:clrMapOvr>
+    <a:masterClrMapping/>
+  </p:clrMapOvr>
+</p:sld>
+</file>
+
+<file path=ppt/slides/slide10.xml><?xml version="1.0" encoding="utf-8"?>
+<p:sld xmlns:a="http://schemas.openxmlformats.org/drawingml/2006/main" xmlns:r="http://schemas.openxmlformats.org/officeDocument/2006/relationships" xmlns:p="http://schemas.openxmlformats.org/presentationml/2006/main">
+  <p:cSld>
+    <p:spTree>
+      <p:nvGrpSpPr>
+        <p:cNvPr id="1" name=""/>
+        <p:cNvGrpSpPr/>
+        <p:nvPr/>
+      </p:nvGrpSpPr>
+      <p:grpSpPr>
+        <a:xfrm>
+          <a:off x="0" y="0"/>
+          <a:ext cx="0" cy="0"/>
+          <a:chOff x="0" y="0"/>
+          <a:chExt cx="0" cy="0"/>
+        </a:xfrm>
+      </p:grpSpPr>
+      <p:grpSp>
+        <p:nvGrpSpPr>
+          <p:cNvPr id="88" name="Group 87">
+            <a:extLst>
+              <a:ext uri="{FF2B5EF4-FFF2-40B4-BE49-F238E27FC236}">
+                <a16:creationId xmlns:a16="http://schemas.microsoft.com/office/drawing/2014/main" id="{66A559FD-C3AD-4BEC-9C86-49C440D0C16D}"/>
+              </a:ext>
+            </a:extLst>
+          </p:cNvPr>
+          <p:cNvGrpSpPr/>
+          <p:nvPr/>
+        </p:nvGrpSpPr>
+        <p:grpSpPr>
+          <a:xfrm>
+            <a:off x="1937610" y="2143350"/>
+            <a:ext cx="6368190" cy="4071730"/>
+            <a:chOff x="1937610" y="2143350"/>
+            <a:chExt cx="6368190" cy="4071730"/>
+          </a:xfrm>
+        </p:grpSpPr>
+        <p:sp>
+          <p:nvSpPr>
+            <p:cNvPr id="81" name="Rectangle 65"/>
+            <p:cNvSpPr/>
+            <p:nvPr/>
+          </p:nvSpPr>
+          <p:spPr>
+            <a:xfrm>
+              <a:off x="2547210" y="2143350"/>
+              <a:ext cx="4343399" cy="4000286"/>
+            </a:xfrm>
+            <a:prstGeom prst="roundRect">
+              <a:avLst>
+                <a:gd name="adj" fmla="val 3484"/>
+              </a:avLst>
+            </a:prstGeom>
+            <a:solidFill>
+              <a:schemeClr val="accent1">
+                <a:lumMod val="20000"/>
+                <a:lumOff val="80000"/>
+              </a:schemeClr>
+            </a:solidFill>
+            <a:ln w="19050">
+              <a:noFill/>
+            </a:ln>
+            <a:effectLst/>
+          </p:spPr>
+          <p:style>
+            <a:lnRef idx="1">
+              <a:schemeClr val="accent2"/>
+            </a:lnRef>
+            <a:fillRef idx="2">
+              <a:schemeClr val="accent2"/>
+            </a:fillRef>
+            <a:effectRef idx="1">
+              <a:schemeClr val="accent2"/>
+            </a:effectRef>
+            <a:fontRef idx="minor">
+              <a:schemeClr val="dk1"/>
+            </a:fontRef>
+          </p:style>
+          <p:txBody>
+            <a:bodyPr rtlCol="0" anchor="t"/>
+            <a:lstStyle/>
+            <a:p>
+              <a:r>
+                <a:rPr lang="en-US" sz="1200" b="1" dirty="0">
+                  <a:solidFill>
+                    <a:srgbClr val="0070C0"/>
+                  </a:solidFill>
+                </a:rPr>
+                <a:t>Logic</a:t>
+              </a:r>
+              <a:endParaRPr lang="en-SG" sz="1200" b="1" dirty="0">
+                <a:solidFill>
+                  <a:srgbClr val="0070C0"/>
+                </a:solidFill>
+              </a:endParaRPr>
+            </a:p>
+          </p:txBody>
+        </p:sp>
+        <p:sp>
+          <p:nvSpPr>
+            <p:cNvPr id="19" name="Rectangle 62"/>
+            <p:cNvSpPr/>
+            <p:nvPr/>
+          </p:nvSpPr>
+          <p:spPr>
+            <a:xfrm>
+              <a:off x="3156810" y="2214794"/>
+              <a:ext cx="1093635" cy="690556"/>
+            </a:xfrm>
+            <a:prstGeom prst="rect">
+              <a:avLst/>
+            </a:prstGeom>
+            <a:solidFill>
+              <a:srgbClr val="0070C0"/>
+            </a:solidFill>
+            <a:ln w="19050">
+              <a:solidFill>
+                <a:srgbClr val="0070C0"/>
+              </a:solidFill>
+            </a:ln>
+            <a:effectLst/>
+          </p:spPr>
+          <p:style>
+            <a:lnRef idx="1">
+              <a:schemeClr val="accent2"/>
+            </a:lnRef>
+            <a:fillRef idx="2">
+              <a:schemeClr val="accent2"/>
+            </a:fillRef>
+            <a:effectRef idx="1">
+              <a:schemeClr val="accent2"/>
+            </a:effectRef>
+            <a:fontRef idx="minor">
+              <a:schemeClr val="dk1"/>
+            </a:fontRef>
+          </p:style>
+          <p:txBody>
+            <a:bodyPr rtlCol="0" anchor="ctr"/>
+            <a:lstStyle/>
+            <a:p>
+              <a:pPr algn="ctr"/>
+              <a:r>
+                <a:rPr lang="en-US" sz="1600" dirty="0">
+                  <a:solidFill>
+                    <a:schemeClr val="bg1"/>
+                  </a:solidFill>
+                </a:rPr>
+                <a:t>:Export</a:t>
+              </a:r>
+              <a:br>
+                <a:rPr lang="en-US" sz="1600" dirty="0">
+                  <a:solidFill>
+                    <a:schemeClr val="bg1"/>
+                  </a:solidFill>
+                </a:rPr>
+              </a:br>
+              <a:r>
+                <a:rPr lang="en-US" sz="1600" dirty="0">
+                  <a:solidFill>
+                    <a:schemeClr val="bg1"/>
+                  </a:solidFill>
+                </a:rPr>
+                <a:t>Command</a:t>
+              </a:r>
+              <a:endParaRPr lang="en-SG" sz="1600" dirty="0">
+                <a:solidFill>
+                  <a:schemeClr val="bg1"/>
+                </a:solidFill>
+              </a:endParaRPr>
+            </a:p>
+          </p:txBody>
+        </p:sp>
+        <p:cxnSp>
+          <p:nvCxnSpPr>
+            <p:cNvPr id="20" name="Straight Connector 19"/>
+            <p:cNvCxnSpPr>
+              <a:cxnSpLocks/>
+              <a:stCxn id="19" idx="2"/>
+            </p:cNvCxnSpPr>
+            <p:nvPr/>
+          </p:nvCxnSpPr>
+          <p:spPr>
+            <a:xfrm flipH="1">
+              <a:off x="3688038" y="2905350"/>
+              <a:ext cx="15590" cy="3309730"/>
+            </a:xfrm>
+            <a:prstGeom prst="line">
+              <a:avLst/>
+            </a:prstGeom>
+            <a:ln w="19050">
+              <a:solidFill>
+                <a:srgbClr val="0070C0"/>
+              </a:solidFill>
+              <a:prstDash val="sysDash"/>
+            </a:ln>
+            <a:effectLst/>
+          </p:spPr>
+          <p:style>
+            <a:lnRef idx="1">
+              <a:schemeClr val="accent1"/>
+            </a:lnRef>
+            <a:fillRef idx="2">
+              <a:schemeClr val="accent1"/>
+            </a:fillRef>
+            <a:effectRef idx="1">
+              <a:schemeClr val="accent1"/>
+            </a:effectRef>
+            <a:fontRef idx="minor">
+              <a:schemeClr val="dk1"/>
+            </a:fontRef>
+          </p:style>
+        </p:cxnSp>
+        <p:sp>
+          <p:nvSpPr>
+            <p:cNvPr id="21" name="Rectangle 20"/>
+            <p:cNvSpPr/>
+            <p:nvPr/>
+          </p:nvSpPr>
+          <p:spPr>
+            <a:xfrm>
+              <a:off x="3614010" y="3074382"/>
+              <a:ext cx="185759" cy="2997610"/>
+            </a:xfrm>
+            <a:prstGeom prst="rect">
+              <a:avLst/>
+            </a:prstGeom>
+            <a:solidFill>
+              <a:srgbClr val="0070C0"/>
+            </a:solidFill>
+            <a:ln>
+              <a:solidFill>
+                <a:srgbClr val="0070C0"/>
+              </a:solidFill>
+            </a:ln>
+            <a:effectLst/>
+          </p:spPr>
+          <p:style>
+            <a:lnRef idx="1">
+              <a:schemeClr val="accent3"/>
+            </a:lnRef>
+            <a:fillRef idx="2">
+              <a:schemeClr val="accent3"/>
+            </a:fillRef>
+            <a:effectRef idx="1">
+              <a:schemeClr val="accent3"/>
+            </a:effectRef>
+            <a:fontRef idx="minor">
+              <a:schemeClr val="dk1"/>
+            </a:fontRef>
+          </p:style>
+          <p:txBody>
+            <a:bodyPr rtlCol="0" anchor="ctr"/>
+            <a:lstStyle/>
+            <a:p>
+              <a:pPr algn="ctr"/>
+              <a:endParaRPr lang="en-SG" sz="1400"/>
+            </a:p>
+          </p:txBody>
+        </p:sp>
+        <p:sp>
+          <p:nvSpPr>
+            <p:cNvPr id="26" name="TextBox 25"/>
+            <p:cNvSpPr txBox="1"/>
+            <p:nvPr/>
+          </p:nvSpPr>
+          <p:spPr>
+            <a:xfrm>
+              <a:off x="2556934" y="2918239"/>
+              <a:ext cx="1323221" cy="215444"/>
+            </a:xfrm>
+            <a:prstGeom prst="rect">
+              <a:avLst/>
+            </a:prstGeom>
+            <a:noFill/>
+          </p:spPr>
+          <p:txBody>
+            <a:bodyPr wrap="square" lIns="0" tIns="0" rIns="0" bIns="0" rtlCol="0">
+              <a:spAutoFit/>
+            </a:bodyPr>
+            <a:lstStyle/>
+            <a:p>
+              <a:r>
+                <a:rPr lang="en-US" sz="1400" dirty="0">
+                  <a:solidFill>
+                    <a:srgbClr val="0070C0"/>
+                  </a:solidFill>
+                </a:rPr>
+                <a:t>Execute()</a:t>
+              </a:r>
+            </a:p>
+          </p:txBody>
+        </p:sp>
+        <p:cxnSp>
+          <p:nvCxnSpPr>
+            <p:cNvPr id="28" name="Straight Arrow Connector 27"/>
+            <p:cNvCxnSpPr>
+              <a:cxnSpLocks/>
+            </p:cNvCxnSpPr>
+            <p:nvPr/>
+          </p:nvCxnSpPr>
+          <p:spPr>
+            <a:xfrm flipV="1">
+              <a:off x="3777656" y="3170858"/>
+              <a:ext cx="714911" cy="1"/>
+            </a:xfrm>
+            <a:prstGeom prst="straightConnector1">
+              <a:avLst/>
+            </a:prstGeom>
+            <a:ln w="19050">
+              <a:solidFill>
+                <a:srgbClr val="0070C0"/>
+              </a:solidFill>
+              <a:tailEnd type="arrow"/>
+            </a:ln>
+          </p:spPr>
+          <p:style>
+            <a:lnRef idx="1">
+              <a:schemeClr val="accent1"/>
+            </a:lnRef>
+            <a:fillRef idx="0">
+              <a:schemeClr val="accent1"/>
+            </a:fillRef>
+            <a:effectRef idx="0">
+              <a:schemeClr val="accent1"/>
+            </a:effectRef>
+            <a:fontRef idx="minor">
+              <a:schemeClr val="tx1"/>
+            </a:fontRef>
+          </p:style>
+        </p:cxnSp>
+        <p:cxnSp>
+          <p:nvCxnSpPr>
+            <p:cNvPr id="34" name="Straight Arrow Connector 33"/>
+            <p:cNvCxnSpPr/>
+            <p:nvPr/>
+          </p:nvCxnSpPr>
+          <p:spPr>
+            <a:xfrm>
+              <a:off x="3817835" y="3888583"/>
+              <a:ext cx="1492974" cy="0"/>
+            </a:xfrm>
+            <a:prstGeom prst="straightConnector1">
+              <a:avLst/>
+            </a:prstGeom>
+            <a:ln w="19050">
+              <a:solidFill>
+                <a:srgbClr val="0070C0"/>
+              </a:solidFill>
+              <a:prstDash val="sysDash"/>
+              <a:headEnd type="arrow" w="med" len="med"/>
+              <a:tailEnd type="none" w="med" len="med"/>
+            </a:ln>
+          </p:spPr>
+          <p:style>
+            <a:lnRef idx="1">
+              <a:schemeClr val="accent1"/>
+            </a:lnRef>
+            <a:fillRef idx="0">
+              <a:schemeClr val="accent1"/>
+            </a:fillRef>
+            <a:effectRef idx="0">
+              <a:schemeClr val="accent1"/>
+            </a:effectRef>
+            <a:fontRef idx="minor">
+              <a:schemeClr val="tx1"/>
+            </a:fontRef>
+          </p:style>
+        </p:cxnSp>
+        <p:sp>
+          <p:nvSpPr>
+            <p:cNvPr id="65" name="Rectangle 64"/>
+            <p:cNvSpPr/>
+            <p:nvPr/>
+          </p:nvSpPr>
+          <p:spPr>
+            <a:xfrm>
+              <a:off x="6377689" y="5628905"/>
+              <a:ext cx="185760" cy="172813"/>
+            </a:xfrm>
+            <a:prstGeom prst="rect">
+              <a:avLst/>
+            </a:prstGeom>
+            <a:solidFill>
+              <a:srgbClr val="0070C0"/>
+            </a:solidFill>
+            <a:ln>
+              <a:solidFill>
+                <a:srgbClr val="0070C0"/>
+              </a:solidFill>
+            </a:ln>
+            <a:effectLst/>
+          </p:spPr>
+          <p:style>
+            <a:lnRef idx="1">
+              <a:schemeClr val="accent3"/>
+            </a:lnRef>
+            <a:fillRef idx="2">
+              <a:schemeClr val="accent3"/>
+            </a:fillRef>
+            <a:effectRef idx="1">
+              <a:schemeClr val="accent3"/>
+            </a:effectRef>
+            <a:fontRef idx="minor">
+              <a:schemeClr val="dk1"/>
+            </a:fontRef>
+          </p:style>
+          <p:txBody>
+            <a:bodyPr rtlCol="0" anchor="ctr"/>
+            <a:lstStyle/>
+            <a:p>
+              <a:pPr algn="ctr"/>
+              <a:endParaRPr lang="en-SG" sz="1400"/>
+            </a:p>
+          </p:txBody>
+        </p:sp>
+        <p:cxnSp>
+          <p:nvCxnSpPr>
+            <p:cNvPr id="75" name="Straight Arrow Connector 74"/>
+            <p:cNvCxnSpPr>
+              <a:cxnSpLocks/>
+            </p:cNvCxnSpPr>
+            <p:nvPr/>
+          </p:nvCxnSpPr>
+          <p:spPr>
+            <a:xfrm>
+              <a:off x="3817835" y="4419601"/>
+              <a:ext cx="3752875" cy="30243"/>
+            </a:xfrm>
+            <a:prstGeom prst="straightConnector1">
+              <a:avLst/>
+            </a:prstGeom>
+            <a:ln w="19050">
+              <a:solidFill>
+                <a:srgbClr val="0070C0"/>
+              </a:solidFill>
+              <a:tailEnd type="arrow"/>
+            </a:ln>
+          </p:spPr>
+          <p:style>
+            <a:lnRef idx="1">
+              <a:schemeClr val="accent1"/>
+            </a:lnRef>
+            <a:fillRef idx="0">
+              <a:schemeClr val="accent1"/>
+            </a:fillRef>
+            <a:effectRef idx="0">
+              <a:schemeClr val="accent1"/>
+            </a:effectRef>
+            <a:fontRef idx="minor">
+              <a:schemeClr val="tx1"/>
+            </a:fontRef>
+          </p:style>
+        </p:cxnSp>
+        <p:cxnSp>
+          <p:nvCxnSpPr>
+            <p:cNvPr id="77" name="Straight Arrow Connector 76"/>
+            <p:cNvCxnSpPr>
+              <a:cxnSpLocks/>
+            </p:cNvCxnSpPr>
+            <p:nvPr/>
+          </p:nvCxnSpPr>
+          <p:spPr>
+            <a:xfrm>
+              <a:off x="3819996" y="4724400"/>
+              <a:ext cx="3750714" cy="7227"/>
+            </a:xfrm>
+            <a:prstGeom prst="straightConnector1">
+              <a:avLst/>
+            </a:prstGeom>
+            <a:ln w="19050">
+              <a:solidFill>
+                <a:srgbClr val="0070C0"/>
+              </a:solidFill>
+              <a:prstDash val="sysDash"/>
+              <a:headEnd type="arrow" w="med" len="med"/>
+              <a:tailEnd type="none" w="med" len="med"/>
+            </a:ln>
+          </p:spPr>
+          <p:style>
+            <a:lnRef idx="1">
+              <a:schemeClr val="accent1"/>
+            </a:lnRef>
+            <a:fillRef idx="0">
+              <a:schemeClr val="accent1"/>
+            </a:fillRef>
+            <a:effectRef idx="0">
+              <a:schemeClr val="accent1"/>
+            </a:effectRef>
+            <a:fontRef idx="minor">
+              <a:schemeClr val="tx1"/>
+            </a:fontRef>
+          </p:style>
+        </p:cxnSp>
+        <p:sp>
+          <p:nvSpPr>
+            <p:cNvPr id="84" name="Rectangle 62"/>
+            <p:cNvSpPr/>
+            <p:nvPr/>
+          </p:nvSpPr>
+          <p:spPr>
+            <a:xfrm>
+              <a:off x="5653972" y="5168817"/>
+              <a:ext cx="1590354" cy="461538"/>
+            </a:xfrm>
+            <a:prstGeom prst="rect">
+              <a:avLst/>
+            </a:prstGeom>
+            <a:solidFill>
+              <a:srgbClr val="0070C0"/>
+            </a:solidFill>
+            <a:ln w="19050">
+              <a:solidFill>
+                <a:srgbClr val="0070C0"/>
+              </a:solidFill>
+            </a:ln>
+            <a:effectLst/>
+          </p:spPr>
+          <p:style>
+            <a:lnRef idx="1">
+              <a:schemeClr val="accent2"/>
+            </a:lnRef>
+            <a:fillRef idx="2">
+              <a:schemeClr val="accent2"/>
+            </a:fillRef>
+            <a:effectRef idx="1">
+              <a:schemeClr val="accent2"/>
+            </a:effectRef>
+            <a:fontRef idx="minor">
+              <a:schemeClr val="dk1"/>
+            </a:fontRef>
+          </p:style>
+          <p:txBody>
+            <a:bodyPr rtlCol="0" anchor="ctr"/>
+            <a:lstStyle/>
+            <a:p>
+              <a:pPr algn="ctr"/>
+              <a:r>
+                <a:rPr lang="en-US" sz="1600" dirty="0" err="1">
+                  <a:solidFill>
+                    <a:schemeClr val="bg1"/>
+                  </a:solidFill>
+                </a:rPr>
+                <a:t>result:Command</a:t>
+              </a:r>
+              <a:r>
+                <a:rPr lang="en-US" sz="1600" dirty="0">
+                  <a:solidFill>
+                    <a:schemeClr val="bg1"/>
+                  </a:solidFill>
+                </a:rPr>
+                <a:t> Result</a:t>
+              </a:r>
+              <a:endParaRPr lang="en-SG" sz="1600" dirty="0">
+                <a:solidFill>
+                  <a:schemeClr val="bg1"/>
+                </a:solidFill>
+              </a:endParaRPr>
+            </a:p>
+          </p:txBody>
+        </p:sp>
+        <p:cxnSp>
+          <p:nvCxnSpPr>
+            <p:cNvPr id="90" name="Straight Arrow Connector 89"/>
+            <p:cNvCxnSpPr>
+              <a:cxnSpLocks/>
+            </p:cNvCxnSpPr>
+            <p:nvPr/>
+          </p:nvCxnSpPr>
+          <p:spPr>
+            <a:xfrm>
+              <a:off x="3799769" y="5801718"/>
+              <a:ext cx="2577920" cy="9425"/>
+            </a:xfrm>
+            <a:prstGeom prst="straightConnector1">
+              <a:avLst/>
+            </a:prstGeom>
+            <a:ln w="19050">
+              <a:solidFill>
+                <a:srgbClr val="0070C0"/>
+              </a:solidFill>
+              <a:prstDash val="sysDash"/>
+              <a:headEnd type="arrow" w="med" len="med"/>
+              <a:tailEnd type="none" w="med" len="med"/>
+            </a:ln>
+          </p:spPr>
+          <p:style>
+            <a:lnRef idx="1">
+              <a:schemeClr val="accent1"/>
+            </a:lnRef>
+            <a:fillRef idx="0">
+              <a:schemeClr val="accent1"/>
+            </a:fillRef>
+            <a:effectRef idx="0">
+              <a:schemeClr val="accent1"/>
+            </a:effectRef>
+            <a:fontRef idx="minor">
+              <a:schemeClr val="tx1"/>
+            </a:fontRef>
+          </p:style>
+        </p:cxnSp>
+        <p:sp>
+          <p:nvSpPr>
+            <p:cNvPr id="40" name="Rectangle 62"/>
+            <p:cNvSpPr/>
+            <p:nvPr/>
+          </p:nvSpPr>
+          <p:spPr>
+            <a:xfrm>
+              <a:off x="4492567" y="2761601"/>
+              <a:ext cx="1947629" cy="554155"/>
+            </a:xfrm>
+            <a:prstGeom prst="rect">
+              <a:avLst/>
+            </a:prstGeom>
+            <a:solidFill>
+              <a:srgbClr val="0070C0"/>
+            </a:solidFill>
+            <a:ln w="19050">
+              <a:solidFill>
+                <a:srgbClr val="0070C0"/>
+              </a:solidFill>
+            </a:ln>
+            <a:effectLst/>
+          </p:spPr>
+          <p:style>
+            <a:lnRef idx="1">
+              <a:schemeClr val="accent2"/>
+            </a:lnRef>
+            <a:fillRef idx="2">
+              <a:schemeClr val="accent2"/>
+            </a:fillRef>
+            <a:effectRef idx="1">
+              <a:schemeClr val="accent2"/>
+            </a:effectRef>
+            <a:fontRef idx="minor">
+              <a:schemeClr val="dk1"/>
+            </a:fontRef>
+          </p:style>
+          <p:txBody>
+            <a:bodyPr rtlCol="0" anchor="ctr"/>
+            <a:lstStyle/>
+            <a:p>
+              <a:pPr algn="ctr"/>
+              <a:r>
+                <a:rPr lang="en-US" sz="1600" dirty="0">
+                  <a:solidFill>
+                    <a:schemeClr val="bg1"/>
+                  </a:solidFill>
+                </a:rPr>
+                <a:t>:</a:t>
+              </a:r>
+              <a:r>
+                <a:rPr lang="en-US" sz="1600" dirty="0" err="1">
+                  <a:solidFill>
+                    <a:schemeClr val="bg1"/>
+                  </a:solidFill>
+                </a:rPr>
+                <a:t>ExportToFileRequestEvent</a:t>
+              </a:r>
+              <a:endParaRPr lang="en-SG" sz="1600" dirty="0">
+                <a:solidFill>
+                  <a:schemeClr val="bg1"/>
+                </a:solidFill>
+              </a:endParaRPr>
+            </a:p>
+          </p:txBody>
+        </p:sp>
+        <p:cxnSp>
+          <p:nvCxnSpPr>
+            <p:cNvPr id="13" name="Straight Arrow Connector 12"/>
+            <p:cNvCxnSpPr>
+              <a:cxnSpLocks/>
+              <a:endCxn id="84" idx="1"/>
+            </p:cNvCxnSpPr>
+            <p:nvPr/>
+          </p:nvCxnSpPr>
+          <p:spPr>
+            <a:xfrm>
+              <a:off x="3817835" y="5399586"/>
+              <a:ext cx="1836137" cy="0"/>
+            </a:xfrm>
+            <a:prstGeom prst="straightConnector1">
+              <a:avLst/>
+            </a:prstGeom>
+            <a:ln w="19050">
+              <a:headEnd type="none" w="med" len="med"/>
+              <a:tailEnd type="arrow" w="med" len="med"/>
+            </a:ln>
+          </p:spPr>
+          <p:style>
+            <a:lnRef idx="1">
+              <a:schemeClr val="accent1"/>
+            </a:lnRef>
+            <a:fillRef idx="0">
+              <a:schemeClr val="accent1"/>
+            </a:fillRef>
+            <a:effectRef idx="0">
+              <a:schemeClr val="accent1"/>
+            </a:effectRef>
+            <a:fontRef idx="minor">
+              <a:schemeClr val="tx1"/>
+            </a:fontRef>
+          </p:style>
+        </p:cxnSp>
+        <p:cxnSp>
+          <p:nvCxnSpPr>
+            <p:cNvPr id="47" name="Straight Arrow Connector 46">
+              <a:extLst>
+                <a:ext uri="{FF2B5EF4-FFF2-40B4-BE49-F238E27FC236}">
+                  <a16:creationId xmlns:a16="http://schemas.microsoft.com/office/drawing/2014/main" id="{51875A2F-5ED4-42FF-8403-C14AB94FA994}"/>
+                </a:ext>
+              </a:extLst>
+            </p:cNvPr>
+            <p:cNvCxnSpPr>
+              <a:cxnSpLocks/>
+            </p:cNvCxnSpPr>
+            <p:nvPr/>
+          </p:nvCxnSpPr>
+          <p:spPr>
+            <a:xfrm>
+              <a:off x="1937610" y="3176749"/>
+              <a:ext cx="1676400" cy="0"/>
+            </a:xfrm>
+            <a:prstGeom prst="straightConnector1">
+              <a:avLst/>
+            </a:prstGeom>
+            <a:ln w="19050">
+              <a:solidFill>
+                <a:srgbClr val="00B050"/>
+              </a:solidFill>
+              <a:tailEnd type="arrow"/>
+            </a:ln>
+          </p:spPr>
+          <p:style>
+            <a:lnRef idx="1">
+              <a:schemeClr val="accent1"/>
+            </a:lnRef>
+            <a:fillRef idx="0">
+              <a:schemeClr val="accent1"/>
+            </a:fillRef>
+            <a:effectRef idx="0">
+              <a:schemeClr val="accent1"/>
+            </a:effectRef>
+            <a:fontRef idx="minor">
+              <a:schemeClr val="tx1"/>
+            </a:fontRef>
+          </p:style>
+        </p:cxnSp>
+        <p:cxnSp>
+          <p:nvCxnSpPr>
+            <p:cNvPr id="54" name="Straight Connector 53">
+              <a:extLst>
+                <a:ext uri="{FF2B5EF4-FFF2-40B4-BE49-F238E27FC236}">
+                  <a16:creationId xmlns:a16="http://schemas.microsoft.com/office/drawing/2014/main" id="{D0125B4D-DC6A-4595-8C20-9B9B8B0D23AE}"/>
+                </a:ext>
+              </a:extLst>
+            </p:cNvPr>
+            <p:cNvCxnSpPr>
+              <a:cxnSpLocks/>
+              <a:stCxn id="40" idx="2"/>
+            </p:cNvCxnSpPr>
+            <p:nvPr/>
+          </p:nvCxnSpPr>
+          <p:spPr>
+            <a:xfrm>
+              <a:off x="5466382" y="3315756"/>
+              <a:ext cx="0" cy="722844"/>
+            </a:xfrm>
+            <a:prstGeom prst="line">
+              <a:avLst/>
+            </a:prstGeom>
+            <a:ln w="19050">
+              <a:solidFill>
+                <a:srgbClr val="0070C0"/>
+              </a:solidFill>
+              <a:prstDash val="sysDash"/>
+            </a:ln>
+            <a:effectLst/>
+          </p:spPr>
+          <p:style>
+            <a:lnRef idx="1">
+              <a:schemeClr val="accent1"/>
+            </a:lnRef>
+            <a:fillRef idx="2">
+              <a:schemeClr val="accent1"/>
+            </a:fillRef>
+            <a:effectRef idx="1">
+              <a:schemeClr val="accent1"/>
+            </a:effectRef>
+            <a:fontRef idx="minor">
+              <a:schemeClr val="dk1"/>
+            </a:fontRef>
+          </p:style>
+        </p:cxnSp>
+        <p:sp>
+          <p:nvSpPr>
+            <p:cNvPr id="55" name="Rectangle 54">
+              <a:extLst>
+                <a:ext uri="{FF2B5EF4-FFF2-40B4-BE49-F238E27FC236}">
+                  <a16:creationId xmlns:a16="http://schemas.microsoft.com/office/drawing/2014/main" id="{57766847-E022-42A3-8099-A868187833BF}"/>
+                </a:ext>
+              </a:extLst>
+            </p:cNvPr>
+            <p:cNvSpPr/>
+            <p:nvPr/>
+          </p:nvSpPr>
+          <p:spPr>
+            <a:xfrm>
+              <a:off x="5343500" y="3293717"/>
+              <a:ext cx="201677" cy="594866"/>
+            </a:xfrm>
+            <a:prstGeom prst="rect">
+              <a:avLst/>
+            </a:prstGeom>
+            <a:solidFill>
+              <a:srgbClr val="0070C0"/>
+            </a:solidFill>
+            <a:ln>
+              <a:solidFill>
+                <a:srgbClr val="0070C0"/>
+              </a:solidFill>
+            </a:ln>
+            <a:effectLst/>
+          </p:spPr>
+          <p:style>
+            <a:lnRef idx="1">
+              <a:schemeClr val="accent3"/>
+            </a:lnRef>
+            <a:fillRef idx="2">
+              <a:schemeClr val="accent3"/>
+            </a:fillRef>
+            <a:effectRef idx="1">
+              <a:schemeClr val="accent3"/>
+            </a:effectRef>
+            <a:fontRef idx="minor">
+              <a:schemeClr val="dk1"/>
+            </a:fontRef>
+          </p:style>
+          <p:txBody>
+            <a:bodyPr rtlCol="0" anchor="ctr"/>
+            <a:lstStyle/>
+            <a:p>
+              <a:pPr algn="ctr"/>
+              <a:endParaRPr lang="en-SG" sz="1400"/>
+            </a:p>
+          </p:txBody>
+        </p:sp>
+        <p:sp>
+          <p:nvSpPr>
+            <p:cNvPr id="63" name="Rectangle 11">
+              <a:extLst>
+                <a:ext uri="{FF2B5EF4-FFF2-40B4-BE49-F238E27FC236}">
+                  <a16:creationId xmlns:a16="http://schemas.microsoft.com/office/drawing/2014/main" id="{85BB560E-2FA9-451C-9EED-91E411602686}"/>
+                </a:ext>
+              </a:extLst>
+            </p:cNvPr>
+            <p:cNvSpPr/>
+            <p:nvPr/>
+          </p:nvSpPr>
+          <p:spPr>
+            <a:xfrm>
+              <a:off x="7028040" y="3629607"/>
+              <a:ext cx="1277760" cy="312026"/>
+            </a:xfrm>
+            <a:prstGeom prst="rect">
+              <a:avLst/>
+            </a:prstGeom>
+            <a:ln w="19050">
+              <a:solidFill>
+                <a:schemeClr val="accent3"/>
+              </a:solidFill>
+            </a:ln>
+            <a:effectLst/>
+          </p:spPr>
+          <p:style>
+            <a:lnRef idx="1">
+              <a:schemeClr val="accent3"/>
+            </a:lnRef>
+            <a:fillRef idx="2">
+              <a:schemeClr val="accent3"/>
+            </a:fillRef>
+            <a:effectRef idx="1">
+              <a:schemeClr val="accent3"/>
+            </a:effectRef>
+            <a:fontRef idx="minor">
+              <a:schemeClr val="dk1"/>
+            </a:fontRef>
+          </p:style>
+          <p:txBody>
+            <a:bodyPr rtlCol="0" anchor="ctr"/>
+            <a:lstStyle/>
+            <a:p>
+              <a:pPr algn="ctr"/>
+              <a:r>
+                <a:rPr lang="en-US" sz="1600" dirty="0" err="1">
+                  <a:solidFill>
+                    <a:schemeClr val="accent3">
+                      <a:lumMod val="75000"/>
+                    </a:schemeClr>
+                  </a:solidFill>
+                </a:rPr>
+                <a:t>EventsCenter</a:t>
+              </a:r>
+              <a:endParaRPr lang="en-SG" sz="1600" dirty="0">
+                <a:solidFill>
+                  <a:schemeClr val="accent3">
+                    <a:lumMod val="75000"/>
+                  </a:schemeClr>
+                </a:solidFill>
+              </a:endParaRPr>
+            </a:p>
+          </p:txBody>
+        </p:sp>
+        <p:sp>
+          <p:nvSpPr>
+            <p:cNvPr id="66" name="Rectangle 65">
+              <a:extLst>
+                <a:ext uri="{FF2B5EF4-FFF2-40B4-BE49-F238E27FC236}">
+                  <a16:creationId xmlns:a16="http://schemas.microsoft.com/office/drawing/2014/main" id="{AA064AB3-268F-4370-90D5-C3BBA8F3024C}"/>
+                </a:ext>
+              </a:extLst>
+            </p:cNvPr>
+            <p:cNvSpPr/>
+            <p:nvPr/>
+          </p:nvSpPr>
+          <p:spPr>
+            <a:xfrm>
+              <a:off x="7585296" y="4419601"/>
+              <a:ext cx="216376" cy="312026"/>
+            </a:xfrm>
+            <a:prstGeom prst="rect">
+              <a:avLst/>
+            </a:prstGeom>
+            <a:solidFill>
+              <a:schemeClr val="accent3">
+                <a:lumMod val="60000"/>
+                <a:lumOff val="40000"/>
+              </a:schemeClr>
+            </a:solidFill>
+            <a:ln>
+              <a:solidFill>
+                <a:schemeClr val="accent3">
+                  <a:lumMod val="60000"/>
+                  <a:lumOff val="40000"/>
+                </a:schemeClr>
+              </a:solidFill>
+            </a:ln>
+            <a:effectLst/>
+          </p:spPr>
+          <p:style>
+            <a:lnRef idx="1">
+              <a:schemeClr val="accent3"/>
+            </a:lnRef>
+            <a:fillRef idx="2">
+              <a:schemeClr val="accent3"/>
+            </a:fillRef>
+            <a:effectRef idx="1">
+              <a:schemeClr val="accent3"/>
+            </a:effectRef>
+            <a:fontRef idx="minor">
+              <a:schemeClr val="dk1"/>
+            </a:fontRef>
+          </p:style>
+          <p:txBody>
+            <a:bodyPr rtlCol="0" anchor="ctr"/>
+            <a:lstStyle/>
+            <a:p>
+              <a:pPr algn="ctr"/>
+              <a:endParaRPr lang="en-SG" sz="1400">
+                <a:solidFill>
+                  <a:schemeClr val="dk1"/>
+                </a:solidFill>
+              </a:endParaRPr>
+            </a:p>
+          </p:txBody>
+        </p:sp>
+        <p:cxnSp>
+          <p:nvCxnSpPr>
+            <p:cNvPr id="67" name="Straight Connector 66">
+              <a:extLst>
+                <a:ext uri="{FF2B5EF4-FFF2-40B4-BE49-F238E27FC236}">
+                  <a16:creationId xmlns:a16="http://schemas.microsoft.com/office/drawing/2014/main" id="{6D1C2105-046F-4DB6-A5B3-3EB880BDB709}"/>
+                </a:ext>
+              </a:extLst>
+            </p:cNvPr>
+            <p:cNvCxnSpPr>
+              <a:cxnSpLocks/>
+            </p:cNvCxnSpPr>
+            <p:nvPr/>
+          </p:nvCxnSpPr>
+          <p:spPr>
+            <a:xfrm>
+              <a:off x="7680292" y="3962400"/>
+              <a:ext cx="11798" cy="1021537"/>
+            </a:xfrm>
+            <a:prstGeom prst="line">
+              <a:avLst/>
+            </a:prstGeom>
+            <a:ln w="19050">
+              <a:solidFill>
+                <a:schemeClr val="accent3">
+                  <a:lumMod val="60000"/>
+                  <a:lumOff val="40000"/>
+                </a:schemeClr>
+              </a:solidFill>
+              <a:prstDash val="sysDash"/>
+            </a:ln>
+            <a:effectLst/>
+          </p:spPr>
+          <p:style>
+            <a:lnRef idx="1">
+              <a:schemeClr val="accent1"/>
+            </a:lnRef>
+            <a:fillRef idx="2">
+              <a:schemeClr val="accent1"/>
+            </a:fillRef>
+            <a:effectRef idx="1">
+              <a:schemeClr val="accent1"/>
+            </a:effectRef>
+            <a:fontRef idx="minor">
+              <a:schemeClr val="dk1"/>
+            </a:fontRef>
+          </p:style>
+        </p:cxnSp>
+        <p:sp>
+          <p:nvSpPr>
+            <p:cNvPr id="74" name="TextBox 73">
+              <a:extLst>
+                <a:ext uri="{FF2B5EF4-FFF2-40B4-BE49-F238E27FC236}">
+                  <a16:creationId xmlns:a16="http://schemas.microsoft.com/office/drawing/2014/main" id="{C950B381-73E9-4F4C-BC72-8D6B40E57FB1}"/>
+                </a:ext>
+              </a:extLst>
+            </p:cNvPr>
+            <p:cNvSpPr txBox="1"/>
+            <p:nvPr/>
+          </p:nvSpPr>
+          <p:spPr>
+            <a:xfrm>
+              <a:off x="4852827" y="4185272"/>
+              <a:ext cx="343788" cy="220983"/>
+            </a:xfrm>
+            <a:prstGeom prst="rect">
+              <a:avLst/>
+            </a:prstGeom>
+            <a:noFill/>
+          </p:spPr>
+          <p:txBody>
+            <a:bodyPr wrap="square" lIns="0" tIns="0" rIns="0" bIns="0" rtlCol="0">
+              <a:spAutoFit/>
+            </a:bodyPr>
+            <a:lstStyle/>
+            <a:p>
+              <a:r>
+                <a:rPr lang="en-US" sz="1400" dirty="0">
+                  <a:solidFill>
+                    <a:srgbClr val="0070C0"/>
+                  </a:solidFill>
+                </a:rPr>
+                <a:t>post</a:t>
+              </a:r>
+            </a:p>
+          </p:txBody>
+        </p:sp>
+      </p:grpSp>
+    </p:spTree>
+    <p:extLst>
+      <p:ext uri="{BB962C8B-B14F-4D97-AF65-F5344CB8AC3E}">
+        <p14:creationId xmlns:p14="http://schemas.microsoft.com/office/powerpoint/2010/main" val="1981565068"/>
       </p:ext>
     </p:extLst>
   </p:cSld>
